--- a/Documents/SChickenPresent-SakulinIM.pptx
+++ b/Documents/SChickenPresent-SakulinIM.pptx
@@ -5,12 +5,13 @@
     <p:sldMasterId id="2147483722" r:id="rId1"/>
   </p:sldMasterIdLst>
   <p:notesMasterIdLst>
-    <p:notesMasterId r:id="rId5"/>
+    <p:notesMasterId r:id="rId6"/>
   </p:notesMasterIdLst>
   <p:sldIdLst>
     <p:sldId id="257" r:id="rId2"/>
     <p:sldId id="259" r:id="rId3"/>
     <p:sldId id="260" r:id="rId4"/>
+    <p:sldId id="261" r:id="rId5"/>
   </p:sldIdLst>
   <p:sldSz cx="12192000" cy="6858000"/>
   <p:notesSz cx="6858000" cy="9144000"/>
@@ -927,6 +928,753 @@
 </dgm:colorsDef>
 </file>
 
+<file path=ppt/diagrams/colors2.xml><?xml version="1.0" encoding="utf-8"?>
+<dgm:colorsDef xmlns:dgm="http://schemas.openxmlformats.org/drawingml/2006/diagram" xmlns:a="http://schemas.openxmlformats.org/drawingml/2006/main" uniqueId="urn:microsoft.com/office/officeart/2005/8/colors/accent1_2">
+  <dgm:title val=""/>
+  <dgm:desc val=""/>
+  <dgm:catLst>
+    <dgm:cat type="accent1" pri="11200"/>
+  </dgm:catLst>
+  <dgm:styleLbl name="node0">
+    <dgm:fillClrLst meth="repeat">
+      <a:schemeClr val="accent1"/>
+    </dgm:fillClrLst>
+    <dgm:linClrLst meth="repeat">
+      <a:schemeClr val="lt1"/>
+    </dgm:linClrLst>
+    <dgm:effectClrLst/>
+    <dgm:txLinClrLst/>
+    <dgm:txFillClrLst/>
+    <dgm:txEffectClrLst/>
+  </dgm:styleLbl>
+  <dgm:styleLbl name="alignNode1">
+    <dgm:fillClrLst meth="repeat">
+      <a:schemeClr val="accent1"/>
+    </dgm:fillClrLst>
+    <dgm:linClrLst meth="repeat">
+      <a:schemeClr val="accent1"/>
+    </dgm:linClrLst>
+    <dgm:effectClrLst/>
+    <dgm:txLinClrLst/>
+    <dgm:txFillClrLst/>
+    <dgm:txEffectClrLst/>
+  </dgm:styleLbl>
+  <dgm:styleLbl name="node1">
+    <dgm:fillClrLst meth="repeat">
+      <a:schemeClr val="accent1"/>
+    </dgm:fillClrLst>
+    <dgm:linClrLst meth="repeat">
+      <a:schemeClr val="lt1"/>
+    </dgm:linClrLst>
+    <dgm:effectClrLst/>
+    <dgm:txLinClrLst/>
+    <dgm:txFillClrLst/>
+    <dgm:txEffectClrLst/>
+  </dgm:styleLbl>
+  <dgm:styleLbl name="lnNode1">
+    <dgm:fillClrLst meth="repeat">
+      <a:schemeClr val="accent1"/>
+    </dgm:fillClrLst>
+    <dgm:linClrLst meth="repeat">
+      <a:schemeClr val="lt1"/>
+    </dgm:linClrLst>
+    <dgm:effectClrLst/>
+    <dgm:txLinClrLst/>
+    <dgm:txFillClrLst/>
+    <dgm:txEffectClrLst/>
+  </dgm:styleLbl>
+  <dgm:styleLbl name="vennNode1">
+    <dgm:fillClrLst meth="repeat">
+      <a:schemeClr val="accent1">
+        <a:alpha val="50000"/>
+      </a:schemeClr>
+    </dgm:fillClrLst>
+    <dgm:linClrLst meth="repeat">
+      <a:schemeClr val="lt1"/>
+    </dgm:linClrLst>
+    <dgm:effectClrLst/>
+    <dgm:txLinClrLst/>
+    <dgm:txFillClrLst/>
+    <dgm:txEffectClrLst/>
+  </dgm:styleLbl>
+  <dgm:styleLbl name="node2">
+    <dgm:fillClrLst meth="repeat">
+      <a:schemeClr val="accent1"/>
+    </dgm:fillClrLst>
+    <dgm:linClrLst meth="repeat">
+      <a:schemeClr val="lt1"/>
+    </dgm:linClrLst>
+    <dgm:effectClrLst/>
+    <dgm:txLinClrLst/>
+    <dgm:txFillClrLst/>
+    <dgm:txEffectClrLst/>
+  </dgm:styleLbl>
+  <dgm:styleLbl name="node3">
+    <dgm:fillClrLst meth="repeat">
+      <a:schemeClr val="accent1"/>
+    </dgm:fillClrLst>
+    <dgm:linClrLst meth="repeat">
+      <a:schemeClr val="lt1"/>
+    </dgm:linClrLst>
+    <dgm:effectClrLst/>
+    <dgm:txLinClrLst/>
+    <dgm:txFillClrLst/>
+    <dgm:txEffectClrLst/>
+  </dgm:styleLbl>
+  <dgm:styleLbl name="node4">
+    <dgm:fillClrLst meth="repeat">
+      <a:schemeClr val="accent1"/>
+    </dgm:fillClrLst>
+    <dgm:linClrLst meth="repeat">
+      <a:schemeClr val="lt1"/>
+    </dgm:linClrLst>
+    <dgm:effectClrLst/>
+    <dgm:txLinClrLst/>
+    <dgm:txFillClrLst/>
+    <dgm:txEffectClrLst/>
+  </dgm:styleLbl>
+  <dgm:styleLbl name="fgImgPlace1">
+    <dgm:fillClrLst meth="repeat">
+      <a:schemeClr val="accent1">
+        <a:tint val="50000"/>
+      </a:schemeClr>
+    </dgm:fillClrLst>
+    <dgm:linClrLst meth="repeat">
+      <a:schemeClr val="lt1"/>
+    </dgm:linClrLst>
+    <dgm:effectClrLst/>
+    <dgm:txLinClrLst/>
+    <dgm:txFillClrLst meth="repeat">
+      <a:schemeClr val="lt1"/>
+    </dgm:txFillClrLst>
+    <dgm:txEffectClrLst/>
+  </dgm:styleLbl>
+  <dgm:styleLbl name="alignImgPlace1">
+    <dgm:fillClrLst meth="repeat">
+      <a:schemeClr val="accent1">
+        <a:tint val="50000"/>
+      </a:schemeClr>
+    </dgm:fillClrLst>
+    <dgm:linClrLst meth="repeat">
+      <a:schemeClr val="lt1"/>
+    </dgm:linClrLst>
+    <dgm:effectClrLst/>
+    <dgm:txLinClrLst/>
+    <dgm:txFillClrLst meth="repeat">
+      <a:schemeClr val="lt1"/>
+    </dgm:txFillClrLst>
+    <dgm:txEffectClrLst/>
+  </dgm:styleLbl>
+  <dgm:styleLbl name="bgImgPlace1">
+    <dgm:fillClrLst meth="repeat">
+      <a:schemeClr val="accent1">
+        <a:tint val="50000"/>
+      </a:schemeClr>
+    </dgm:fillClrLst>
+    <dgm:linClrLst meth="repeat">
+      <a:schemeClr val="lt1"/>
+    </dgm:linClrLst>
+    <dgm:effectClrLst/>
+    <dgm:txLinClrLst/>
+    <dgm:txFillClrLst meth="repeat">
+      <a:schemeClr val="lt1"/>
+    </dgm:txFillClrLst>
+    <dgm:txEffectClrLst/>
+  </dgm:styleLbl>
+  <dgm:styleLbl name="sibTrans2D1">
+    <dgm:fillClrLst meth="repeat">
+      <a:schemeClr val="accent1">
+        <a:tint val="60000"/>
+      </a:schemeClr>
+    </dgm:fillClrLst>
+    <dgm:linClrLst meth="repeat">
+      <a:schemeClr val="accent1">
+        <a:tint val="60000"/>
+      </a:schemeClr>
+    </dgm:linClrLst>
+    <dgm:effectClrLst/>
+    <dgm:txLinClrLst/>
+    <dgm:txFillClrLst/>
+    <dgm:txEffectClrLst/>
+  </dgm:styleLbl>
+  <dgm:styleLbl name="fgSibTrans2D1">
+    <dgm:fillClrLst meth="repeat">
+      <a:schemeClr val="accent1">
+        <a:tint val="60000"/>
+      </a:schemeClr>
+    </dgm:fillClrLst>
+    <dgm:linClrLst meth="repeat">
+      <a:schemeClr val="accent1">
+        <a:tint val="60000"/>
+      </a:schemeClr>
+    </dgm:linClrLst>
+    <dgm:effectClrLst/>
+    <dgm:txLinClrLst/>
+    <dgm:txFillClrLst/>
+    <dgm:txEffectClrLst/>
+  </dgm:styleLbl>
+  <dgm:styleLbl name="bgSibTrans2D1">
+    <dgm:fillClrLst meth="repeat">
+      <a:schemeClr val="accent1">
+        <a:tint val="60000"/>
+      </a:schemeClr>
+    </dgm:fillClrLst>
+    <dgm:linClrLst meth="repeat">
+      <a:schemeClr val="accent1">
+        <a:tint val="60000"/>
+      </a:schemeClr>
+    </dgm:linClrLst>
+    <dgm:effectClrLst/>
+    <dgm:txLinClrLst/>
+    <dgm:txFillClrLst/>
+    <dgm:txEffectClrLst/>
+  </dgm:styleLbl>
+  <dgm:styleLbl name="sibTrans1D1">
+    <dgm:fillClrLst meth="repeat">
+      <a:schemeClr val="accent1"/>
+    </dgm:fillClrLst>
+    <dgm:linClrLst meth="repeat">
+      <a:schemeClr val="accent1"/>
+    </dgm:linClrLst>
+    <dgm:effectClrLst/>
+    <dgm:txLinClrLst/>
+    <dgm:txFillClrLst meth="repeat">
+      <a:schemeClr val="tx1"/>
+    </dgm:txFillClrLst>
+    <dgm:txEffectClrLst/>
+  </dgm:styleLbl>
+  <dgm:styleLbl name="callout">
+    <dgm:fillClrLst meth="repeat">
+      <a:schemeClr val="accent1"/>
+    </dgm:fillClrLst>
+    <dgm:linClrLst meth="repeat">
+      <a:schemeClr val="accent1">
+        <a:tint val="50000"/>
+      </a:schemeClr>
+    </dgm:linClrLst>
+    <dgm:effectClrLst/>
+    <dgm:txLinClrLst/>
+    <dgm:txFillClrLst meth="repeat">
+      <a:schemeClr val="tx1"/>
+    </dgm:txFillClrLst>
+    <dgm:txEffectClrLst/>
+  </dgm:styleLbl>
+  <dgm:styleLbl name="asst0">
+    <dgm:fillClrLst meth="repeat">
+      <a:schemeClr val="accent1"/>
+    </dgm:fillClrLst>
+    <dgm:linClrLst meth="repeat">
+      <a:schemeClr val="lt1"/>
+    </dgm:linClrLst>
+    <dgm:effectClrLst/>
+    <dgm:txLinClrLst/>
+    <dgm:txFillClrLst/>
+    <dgm:txEffectClrLst/>
+  </dgm:styleLbl>
+  <dgm:styleLbl name="asst1">
+    <dgm:fillClrLst meth="repeat">
+      <a:schemeClr val="accent1"/>
+    </dgm:fillClrLst>
+    <dgm:linClrLst meth="repeat">
+      <a:schemeClr val="lt1"/>
+    </dgm:linClrLst>
+    <dgm:effectClrLst/>
+    <dgm:txLinClrLst/>
+    <dgm:txFillClrLst/>
+    <dgm:txEffectClrLst/>
+  </dgm:styleLbl>
+  <dgm:styleLbl name="asst2">
+    <dgm:fillClrLst meth="repeat">
+      <a:schemeClr val="accent1"/>
+    </dgm:fillClrLst>
+    <dgm:linClrLst meth="repeat">
+      <a:schemeClr val="lt1"/>
+    </dgm:linClrLst>
+    <dgm:effectClrLst/>
+    <dgm:txLinClrLst/>
+    <dgm:txFillClrLst/>
+    <dgm:txEffectClrLst/>
+  </dgm:styleLbl>
+  <dgm:styleLbl name="asst3">
+    <dgm:fillClrLst meth="repeat">
+      <a:schemeClr val="accent1"/>
+    </dgm:fillClrLst>
+    <dgm:linClrLst meth="repeat">
+      <a:schemeClr val="lt1"/>
+    </dgm:linClrLst>
+    <dgm:effectClrLst/>
+    <dgm:txLinClrLst/>
+    <dgm:txFillClrLst/>
+    <dgm:txEffectClrLst/>
+  </dgm:styleLbl>
+  <dgm:styleLbl name="asst4">
+    <dgm:fillClrLst meth="repeat">
+      <a:schemeClr val="accent1"/>
+    </dgm:fillClrLst>
+    <dgm:linClrLst meth="repeat">
+      <a:schemeClr val="lt1"/>
+    </dgm:linClrLst>
+    <dgm:effectClrLst/>
+    <dgm:txLinClrLst/>
+    <dgm:txFillClrLst/>
+    <dgm:txEffectClrLst/>
+  </dgm:styleLbl>
+  <dgm:styleLbl name="parChTrans2D1">
+    <dgm:fillClrLst meth="repeat">
+      <a:schemeClr val="accent1">
+        <a:tint val="60000"/>
+      </a:schemeClr>
+    </dgm:fillClrLst>
+    <dgm:linClrLst meth="repeat">
+      <a:schemeClr val="accent1">
+        <a:tint val="60000"/>
+      </a:schemeClr>
+    </dgm:linClrLst>
+    <dgm:effectClrLst/>
+    <dgm:txLinClrLst/>
+    <dgm:txFillClrLst meth="repeat">
+      <a:schemeClr val="lt1"/>
+    </dgm:txFillClrLst>
+    <dgm:txEffectClrLst/>
+  </dgm:styleLbl>
+  <dgm:styleLbl name="parChTrans2D2">
+    <dgm:fillClrLst meth="repeat">
+      <a:schemeClr val="accent1"/>
+    </dgm:fillClrLst>
+    <dgm:linClrLst meth="repeat">
+      <a:schemeClr val="accent1"/>
+    </dgm:linClrLst>
+    <dgm:effectClrLst/>
+    <dgm:txLinClrLst/>
+    <dgm:txFillClrLst meth="repeat">
+      <a:schemeClr val="lt1"/>
+    </dgm:txFillClrLst>
+    <dgm:txEffectClrLst/>
+  </dgm:styleLbl>
+  <dgm:styleLbl name="parChTrans2D3">
+    <dgm:fillClrLst meth="repeat">
+      <a:schemeClr val="accent1"/>
+    </dgm:fillClrLst>
+    <dgm:linClrLst meth="repeat">
+      <a:schemeClr val="accent1"/>
+    </dgm:linClrLst>
+    <dgm:effectClrLst/>
+    <dgm:txLinClrLst/>
+    <dgm:txFillClrLst meth="repeat">
+      <a:schemeClr val="lt1"/>
+    </dgm:txFillClrLst>
+    <dgm:txEffectClrLst/>
+  </dgm:styleLbl>
+  <dgm:styleLbl name="parChTrans2D4">
+    <dgm:fillClrLst meth="repeat">
+      <a:schemeClr val="accent1"/>
+    </dgm:fillClrLst>
+    <dgm:linClrLst meth="repeat">
+      <a:schemeClr val="accent1"/>
+    </dgm:linClrLst>
+    <dgm:effectClrLst/>
+    <dgm:txLinClrLst/>
+    <dgm:txFillClrLst meth="repeat">
+      <a:schemeClr val="lt1"/>
+    </dgm:txFillClrLst>
+    <dgm:txEffectClrLst/>
+  </dgm:styleLbl>
+  <dgm:styleLbl name="parChTrans1D1">
+    <dgm:fillClrLst meth="repeat">
+      <a:schemeClr val="accent1"/>
+    </dgm:fillClrLst>
+    <dgm:linClrLst meth="repeat">
+      <a:schemeClr val="accent1">
+        <a:shade val="60000"/>
+      </a:schemeClr>
+    </dgm:linClrLst>
+    <dgm:effectClrLst/>
+    <dgm:txLinClrLst/>
+    <dgm:txFillClrLst meth="repeat">
+      <a:schemeClr val="tx1"/>
+    </dgm:txFillClrLst>
+    <dgm:txEffectClrLst/>
+  </dgm:styleLbl>
+  <dgm:styleLbl name="parChTrans1D2">
+    <dgm:fillClrLst meth="repeat">
+      <a:schemeClr val="accent1"/>
+    </dgm:fillClrLst>
+    <dgm:linClrLst meth="repeat">
+      <a:schemeClr val="accent1">
+        <a:shade val="60000"/>
+      </a:schemeClr>
+    </dgm:linClrLst>
+    <dgm:effectClrLst/>
+    <dgm:txLinClrLst/>
+    <dgm:txFillClrLst meth="repeat">
+      <a:schemeClr val="tx1"/>
+    </dgm:txFillClrLst>
+    <dgm:txEffectClrLst/>
+  </dgm:styleLbl>
+  <dgm:styleLbl name="parChTrans1D3">
+    <dgm:fillClrLst meth="repeat">
+      <a:schemeClr val="accent1"/>
+    </dgm:fillClrLst>
+    <dgm:linClrLst meth="repeat">
+      <a:schemeClr val="accent1">
+        <a:shade val="80000"/>
+      </a:schemeClr>
+    </dgm:linClrLst>
+    <dgm:effectClrLst/>
+    <dgm:txLinClrLst/>
+    <dgm:txFillClrLst meth="repeat">
+      <a:schemeClr val="tx1"/>
+    </dgm:txFillClrLst>
+    <dgm:txEffectClrLst/>
+  </dgm:styleLbl>
+  <dgm:styleLbl name="parChTrans1D4">
+    <dgm:fillClrLst meth="repeat">
+      <a:schemeClr val="accent1"/>
+    </dgm:fillClrLst>
+    <dgm:linClrLst meth="repeat">
+      <a:schemeClr val="accent1">
+        <a:shade val="80000"/>
+      </a:schemeClr>
+    </dgm:linClrLst>
+    <dgm:effectClrLst/>
+    <dgm:txLinClrLst/>
+    <dgm:txFillClrLst meth="repeat">
+      <a:schemeClr val="tx1"/>
+    </dgm:txFillClrLst>
+    <dgm:txEffectClrLst/>
+  </dgm:styleLbl>
+  <dgm:styleLbl name="fgAcc1">
+    <dgm:fillClrLst meth="repeat">
+      <a:schemeClr val="lt1">
+        <a:alpha val="90000"/>
+      </a:schemeClr>
+    </dgm:fillClrLst>
+    <dgm:linClrLst meth="repeat">
+      <a:schemeClr val="accent1"/>
+    </dgm:linClrLst>
+    <dgm:effectClrLst/>
+    <dgm:txLinClrLst/>
+    <dgm:txFillClrLst meth="repeat">
+      <a:schemeClr val="dk1"/>
+    </dgm:txFillClrLst>
+    <dgm:txEffectClrLst/>
+  </dgm:styleLbl>
+  <dgm:styleLbl name="conFgAcc1">
+    <dgm:fillClrLst meth="repeat">
+      <a:schemeClr val="lt1">
+        <a:alpha val="90000"/>
+      </a:schemeClr>
+    </dgm:fillClrLst>
+    <dgm:linClrLst meth="repeat">
+      <a:schemeClr val="accent1"/>
+    </dgm:linClrLst>
+    <dgm:effectClrLst/>
+    <dgm:txLinClrLst/>
+    <dgm:txFillClrLst meth="repeat">
+      <a:schemeClr val="dk1"/>
+    </dgm:txFillClrLst>
+    <dgm:txEffectClrLst/>
+  </dgm:styleLbl>
+  <dgm:styleLbl name="alignAcc1">
+    <dgm:fillClrLst meth="repeat">
+      <a:schemeClr val="lt1">
+        <a:alpha val="90000"/>
+      </a:schemeClr>
+    </dgm:fillClrLst>
+    <dgm:linClrLst meth="repeat">
+      <a:schemeClr val="accent1"/>
+    </dgm:linClrLst>
+    <dgm:effectClrLst/>
+    <dgm:txLinClrLst/>
+    <dgm:txFillClrLst meth="repeat">
+      <a:schemeClr val="dk1"/>
+    </dgm:txFillClrLst>
+    <dgm:txEffectClrLst/>
+  </dgm:styleLbl>
+  <dgm:styleLbl name="trAlignAcc1">
+    <dgm:fillClrLst meth="repeat">
+      <a:schemeClr val="lt1">
+        <a:alpha val="40000"/>
+      </a:schemeClr>
+    </dgm:fillClrLst>
+    <dgm:linClrLst meth="repeat">
+      <a:schemeClr val="accent1"/>
+    </dgm:linClrLst>
+    <dgm:effectClrLst/>
+    <dgm:txLinClrLst/>
+    <dgm:txFillClrLst meth="repeat">
+      <a:schemeClr val="dk1"/>
+    </dgm:txFillClrLst>
+    <dgm:txEffectClrLst/>
+  </dgm:styleLbl>
+  <dgm:styleLbl name="bgAcc1">
+    <dgm:fillClrLst meth="repeat">
+      <a:schemeClr val="lt1">
+        <a:alpha val="90000"/>
+      </a:schemeClr>
+    </dgm:fillClrLst>
+    <dgm:linClrLst meth="repeat">
+      <a:schemeClr val="accent1"/>
+    </dgm:linClrLst>
+    <dgm:effectClrLst/>
+    <dgm:txLinClrLst/>
+    <dgm:txFillClrLst meth="repeat">
+      <a:schemeClr val="dk1"/>
+    </dgm:txFillClrLst>
+    <dgm:txEffectClrLst/>
+  </dgm:styleLbl>
+  <dgm:styleLbl name="solidFgAcc1">
+    <dgm:fillClrLst meth="repeat">
+      <a:schemeClr val="lt1"/>
+    </dgm:fillClrLst>
+    <dgm:linClrLst meth="repeat">
+      <a:schemeClr val="accent1"/>
+    </dgm:linClrLst>
+    <dgm:effectClrLst/>
+    <dgm:txLinClrLst/>
+    <dgm:txFillClrLst meth="repeat">
+      <a:schemeClr val="dk1"/>
+    </dgm:txFillClrLst>
+    <dgm:txEffectClrLst/>
+  </dgm:styleLbl>
+  <dgm:styleLbl name="solidAlignAcc1">
+    <dgm:fillClrLst meth="repeat">
+      <a:schemeClr val="lt1"/>
+    </dgm:fillClrLst>
+    <dgm:linClrLst meth="repeat">
+      <a:schemeClr val="accent1"/>
+    </dgm:linClrLst>
+    <dgm:effectClrLst/>
+    <dgm:txLinClrLst/>
+    <dgm:txFillClrLst meth="repeat">
+      <a:schemeClr val="dk1"/>
+    </dgm:txFillClrLst>
+    <dgm:txEffectClrLst/>
+  </dgm:styleLbl>
+  <dgm:styleLbl name="solidBgAcc1">
+    <dgm:fillClrLst meth="repeat">
+      <a:schemeClr val="lt1"/>
+    </dgm:fillClrLst>
+    <dgm:linClrLst meth="repeat">
+      <a:schemeClr val="accent1"/>
+    </dgm:linClrLst>
+    <dgm:effectClrLst/>
+    <dgm:txLinClrLst/>
+    <dgm:txFillClrLst meth="repeat">
+      <a:schemeClr val="dk1"/>
+    </dgm:txFillClrLst>
+    <dgm:txEffectClrLst/>
+  </dgm:styleLbl>
+  <dgm:styleLbl name="fgAccFollowNode1">
+    <dgm:fillClrLst meth="repeat">
+      <a:schemeClr val="accent1">
+        <a:alpha val="90000"/>
+        <a:tint val="40000"/>
+      </a:schemeClr>
+    </dgm:fillClrLst>
+    <dgm:linClrLst meth="repeat">
+      <a:schemeClr val="accent1">
+        <a:alpha val="90000"/>
+        <a:tint val="40000"/>
+      </a:schemeClr>
+    </dgm:linClrLst>
+    <dgm:effectClrLst/>
+    <dgm:txLinClrLst/>
+    <dgm:txFillClrLst meth="repeat">
+      <a:schemeClr val="dk1"/>
+    </dgm:txFillClrLst>
+    <dgm:txEffectClrLst/>
+  </dgm:styleLbl>
+  <dgm:styleLbl name="alignAccFollowNode1">
+    <dgm:fillClrLst meth="repeat">
+      <a:schemeClr val="accent1">
+        <a:alpha val="90000"/>
+        <a:tint val="40000"/>
+      </a:schemeClr>
+    </dgm:fillClrLst>
+    <dgm:linClrLst meth="repeat">
+      <a:schemeClr val="accent1">
+        <a:alpha val="90000"/>
+        <a:tint val="40000"/>
+      </a:schemeClr>
+    </dgm:linClrLst>
+    <dgm:effectClrLst/>
+    <dgm:txLinClrLst/>
+    <dgm:txFillClrLst meth="repeat">
+      <a:schemeClr val="dk1"/>
+    </dgm:txFillClrLst>
+    <dgm:txEffectClrLst/>
+  </dgm:styleLbl>
+  <dgm:styleLbl name="bgAccFollowNode1">
+    <dgm:fillClrLst meth="repeat">
+      <a:schemeClr val="accent1">
+        <a:alpha val="90000"/>
+        <a:tint val="40000"/>
+      </a:schemeClr>
+    </dgm:fillClrLst>
+    <dgm:linClrLst meth="repeat">
+      <a:schemeClr val="accent1">
+        <a:alpha val="90000"/>
+        <a:tint val="40000"/>
+      </a:schemeClr>
+    </dgm:linClrLst>
+    <dgm:effectClrLst/>
+    <dgm:txLinClrLst/>
+    <dgm:txFillClrLst meth="repeat">
+      <a:schemeClr val="dk1"/>
+    </dgm:txFillClrLst>
+    <dgm:txEffectClrLst/>
+  </dgm:styleLbl>
+  <dgm:styleLbl name="fgAcc0">
+    <dgm:fillClrLst meth="repeat">
+      <a:schemeClr val="lt1">
+        <a:alpha val="90000"/>
+      </a:schemeClr>
+    </dgm:fillClrLst>
+    <dgm:linClrLst meth="repeat">
+      <a:schemeClr val="accent1"/>
+    </dgm:linClrLst>
+    <dgm:effectClrLst/>
+    <dgm:txLinClrLst/>
+    <dgm:txFillClrLst meth="repeat">
+      <a:schemeClr val="dk1"/>
+    </dgm:txFillClrLst>
+    <dgm:txEffectClrLst/>
+  </dgm:styleLbl>
+  <dgm:styleLbl name="fgAcc2">
+    <dgm:fillClrLst meth="repeat">
+      <a:schemeClr val="lt1">
+        <a:alpha val="90000"/>
+      </a:schemeClr>
+    </dgm:fillClrLst>
+    <dgm:linClrLst meth="repeat">
+      <a:schemeClr val="accent1"/>
+    </dgm:linClrLst>
+    <dgm:effectClrLst/>
+    <dgm:txLinClrLst/>
+    <dgm:txFillClrLst meth="repeat">
+      <a:schemeClr val="dk1"/>
+    </dgm:txFillClrLst>
+    <dgm:txEffectClrLst/>
+  </dgm:styleLbl>
+  <dgm:styleLbl name="fgAcc3">
+    <dgm:fillClrLst meth="repeat">
+      <a:schemeClr val="lt1">
+        <a:alpha val="90000"/>
+      </a:schemeClr>
+    </dgm:fillClrLst>
+    <dgm:linClrLst meth="repeat">
+      <a:schemeClr val="accent1"/>
+    </dgm:linClrLst>
+    <dgm:effectClrLst/>
+    <dgm:txLinClrLst/>
+    <dgm:txFillClrLst meth="repeat">
+      <a:schemeClr val="dk1"/>
+    </dgm:txFillClrLst>
+    <dgm:txEffectClrLst/>
+  </dgm:styleLbl>
+  <dgm:styleLbl name="fgAcc4">
+    <dgm:fillClrLst meth="repeat">
+      <a:schemeClr val="lt1">
+        <a:alpha val="90000"/>
+      </a:schemeClr>
+    </dgm:fillClrLst>
+    <dgm:linClrLst meth="repeat">
+      <a:schemeClr val="accent1"/>
+    </dgm:linClrLst>
+    <dgm:effectClrLst/>
+    <dgm:txLinClrLst/>
+    <dgm:txFillClrLst meth="repeat">
+      <a:schemeClr val="dk1"/>
+    </dgm:txFillClrLst>
+    <dgm:txEffectClrLst/>
+  </dgm:styleLbl>
+  <dgm:styleLbl name="bgShp">
+    <dgm:fillClrLst meth="repeat">
+      <a:schemeClr val="accent1">
+        <a:tint val="40000"/>
+      </a:schemeClr>
+    </dgm:fillClrLst>
+    <dgm:linClrLst meth="repeat">
+      <a:schemeClr val="accent1"/>
+    </dgm:linClrLst>
+    <dgm:effectClrLst/>
+    <dgm:txLinClrLst/>
+    <dgm:txFillClrLst meth="repeat">
+      <a:schemeClr val="dk1"/>
+    </dgm:txFillClrLst>
+    <dgm:txEffectClrLst/>
+  </dgm:styleLbl>
+  <dgm:styleLbl name="dkBgShp">
+    <dgm:fillClrLst meth="repeat">
+      <a:schemeClr val="accent1">
+        <a:shade val="80000"/>
+      </a:schemeClr>
+    </dgm:fillClrLst>
+    <dgm:linClrLst meth="repeat">
+      <a:schemeClr val="accent1"/>
+    </dgm:linClrLst>
+    <dgm:effectClrLst/>
+    <dgm:txLinClrLst/>
+    <dgm:txFillClrLst meth="repeat">
+      <a:schemeClr val="lt1"/>
+    </dgm:txFillClrLst>
+    <dgm:txEffectClrLst/>
+  </dgm:styleLbl>
+  <dgm:styleLbl name="trBgShp">
+    <dgm:fillClrLst meth="repeat">
+      <a:schemeClr val="accent1">
+        <a:tint val="50000"/>
+        <a:alpha val="40000"/>
+      </a:schemeClr>
+    </dgm:fillClrLst>
+    <dgm:linClrLst meth="repeat">
+      <a:schemeClr val="accent1"/>
+    </dgm:linClrLst>
+    <dgm:effectClrLst/>
+    <dgm:txLinClrLst/>
+    <dgm:txFillClrLst meth="repeat">
+      <a:schemeClr val="lt1"/>
+    </dgm:txFillClrLst>
+    <dgm:txEffectClrLst/>
+  </dgm:styleLbl>
+  <dgm:styleLbl name="fgShp">
+    <dgm:fillClrLst meth="repeat">
+      <a:schemeClr val="accent1">
+        <a:tint val="60000"/>
+      </a:schemeClr>
+    </dgm:fillClrLst>
+    <dgm:linClrLst meth="repeat">
+      <a:schemeClr val="lt1"/>
+    </dgm:linClrLst>
+    <dgm:effectClrLst/>
+    <dgm:txLinClrLst/>
+    <dgm:txFillClrLst meth="repeat">
+      <a:schemeClr val="dk1"/>
+    </dgm:txFillClrLst>
+    <dgm:txEffectClrLst/>
+  </dgm:styleLbl>
+  <dgm:styleLbl name="revTx">
+    <dgm:fillClrLst meth="repeat">
+      <a:schemeClr val="lt1">
+        <a:alpha val="0"/>
+      </a:schemeClr>
+    </dgm:fillClrLst>
+    <dgm:linClrLst meth="repeat">
+      <a:schemeClr val="dk1">
+        <a:alpha val="0"/>
+      </a:schemeClr>
+    </dgm:linClrLst>
+    <dgm:effectClrLst/>
+    <dgm:txLinClrLst/>
+    <dgm:txFillClrLst meth="repeat">
+      <a:schemeClr val="tx1"/>
+    </dgm:txFillClrLst>
+    <dgm:txEffectClrLst/>
+  </dgm:styleLbl>
+</dgm:colorsDef>
+</file>
+
 <file path=ppt/diagrams/data1.xml><?xml version="1.0" encoding="utf-8"?>
 <dgm:dataModel xmlns:dgm="http://schemas.openxmlformats.org/drawingml/2006/diagram" xmlns:a="http://schemas.openxmlformats.org/drawingml/2006/main">
   <dgm:ptLst>
@@ -1412,6 +2160,1104 @@
     </a:ext>
     <a:ext uri="{C62137D5-CB1D-491B-B009-E17868A290BF}">
       <dgm14:recolorImg xmlns:dgm14="http://schemas.microsoft.com/office/drawing/2010/diagram" val="1"/>
+    </a:ext>
+  </dgm:extLst>
+</dgm:dataModel>
+</file>
+
+<file path=ppt/diagrams/data2.xml><?xml version="1.0" encoding="utf-8"?>
+<dgm:dataModel xmlns:dgm="http://schemas.openxmlformats.org/drawingml/2006/diagram" xmlns:a="http://schemas.openxmlformats.org/drawingml/2006/main">
+  <dgm:ptLst>
+    <dgm:pt modelId="{1783B29B-BA53-403E-95BD-45C410786D51}" type="doc">
+      <dgm:prSet loTypeId="urn:microsoft.com/office/officeart/2005/8/layout/orgChart1" loCatId="hierarchy" qsTypeId="urn:microsoft.com/office/officeart/2005/8/quickstyle/simple1" qsCatId="simple" csTypeId="urn:microsoft.com/office/officeart/2005/8/colors/accent1_2" csCatId="accent1" phldr="1"/>
+      <dgm:spPr/>
+      <dgm:t>
+        <a:bodyPr/>
+        <a:lstStyle/>
+        <a:p>
+          <a:endParaRPr lang="ru-RU"/>
+        </a:p>
+      </dgm:t>
+    </dgm:pt>
+    <dgm:pt modelId="{722B92BB-A237-42B3-B0F1-8D8462AB1A33}">
+      <dgm:prSet phldrT="[Текст]"/>
+      <dgm:spPr>
+        <a:solidFill>
+          <a:srgbClr val="BA3F1D"/>
+        </a:solidFill>
+        <a:ln w="76200">
+          <a:solidFill>
+            <a:srgbClr val="BA3F1D"/>
+          </a:solidFill>
+        </a:ln>
+      </dgm:spPr>
+      <dgm:t>
+        <a:bodyPr/>
+        <a:lstStyle/>
+        <a:p>
+          <a:pPr>
+            <a:buFont typeface="Times New Roman" panose="02020603050405020304" pitchFamily="18" charset="0"/>
+            <a:buChar char="•"/>
+          </a:pPr>
+          <a:r>
+            <a:rPr lang="ru-RU" dirty="0"/>
+            <a:t>Контроллер</a:t>
+          </a:r>
+        </a:p>
+      </dgm:t>
+    </dgm:pt>
+    <dgm:pt modelId="{0C4BE624-4E04-4A2F-97C7-BCE89D2F39BA}" type="parTrans" cxnId="{742C1FA6-F396-439A-A1D8-75F4C63893A3}">
+      <dgm:prSet/>
+      <dgm:spPr/>
+      <dgm:t>
+        <a:bodyPr/>
+        <a:lstStyle/>
+        <a:p>
+          <a:endParaRPr lang="ru-RU"/>
+        </a:p>
+      </dgm:t>
+    </dgm:pt>
+    <dgm:pt modelId="{6C9A4D57-F822-4A38-8FDD-ED7D3C44B057}" type="sibTrans" cxnId="{742C1FA6-F396-439A-A1D8-75F4C63893A3}">
+      <dgm:prSet/>
+      <dgm:spPr/>
+      <dgm:t>
+        <a:bodyPr/>
+        <a:lstStyle/>
+        <a:p>
+          <a:endParaRPr lang="ru-RU"/>
+        </a:p>
+      </dgm:t>
+    </dgm:pt>
+    <dgm:pt modelId="{097C02E2-A1F3-4CCF-8B5D-80BDB88A7D86}">
+      <dgm:prSet/>
+      <dgm:spPr>
+        <a:solidFill>
+          <a:srgbClr val="BA3F1D"/>
+        </a:solidFill>
+        <a:ln w="76200">
+          <a:solidFill>
+            <a:srgbClr val="A77E58"/>
+          </a:solidFill>
+        </a:ln>
+      </dgm:spPr>
+      <dgm:t>
+        <a:bodyPr/>
+        <a:lstStyle/>
+        <a:p>
+          <a:pPr>
+            <a:buFont typeface="Times New Roman" panose="02020603050405020304" pitchFamily="18" charset="0"/>
+            <a:buChar char="•"/>
+          </a:pPr>
+          <a:r>
+            <a:rPr lang="en-US" dirty="0"/>
+            <a:t>Atmega328p</a:t>
+          </a:r>
+          <a:endParaRPr lang="ru-RU" dirty="0"/>
+        </a:p>
+      </dgm:t>
+    </dgm:pt>
+    <dgm:pt modelId="{69765B59-EFFF-4B26-B038-AAEE98C6C04D}" type="parTrans" cxnId="{8A8AF49B-B6FE-40C0-A71B-4DE2FDEF9C18}">
+      <dgm:prSet/>
+      <dgm:spPr>
+        <a:ln w="73025">
+          <a:solidFill>
+            <a:schemeClr val="accent1"/>
+          </a:solidFill>
+        </a:ln>
+      </dgm:spPr>
+      <dgm:t>
+        <a:bodyPr/>
+        <a:lstStyle/>
+        <a:p>
+          <a:endParaRPr lang="ru-RU"/>
+        </a:p>
+      </dgm:t>
+    </dgm:pt>
+    <dgm:pt modelId="{7E0D1A2E-7406-4710-BA0F-0D734B0C6AEF}" type="sibTrans" cxnId="{8A8AF49B-B6FE-40C0-A71B-4DE2FDEF9C18}">
+      <dgm:prSet/>
+      <dgm:spPr/>
+      <dgm:t>
+        <a:bodyPr/>
+        <a:lstStyle/>
+        <a:p>
+          <a:endParaRPr lang="ru-RU"/>
+        </a:p>
+      </dgm:t>
+    </dgm:pt>
+    <dgm:pt modelId="{70FE43C6-0DA4-4F5A-B1FC-83A0A87D7D6C}">
+      <dgm:prSet/>
+      <dgm:spPr>
+        <a:solidFill>
+          <a:srgbClr val="A77E58"/>
+        </a:solidFill>
+        <a:ln w="76200">
+          <a:solidFill>
+            <a:srgbClr val="A77E58"/>
+          </a:solidFill>
+        </a:ln>
+      </dgm:spPr>
+      <dgm:t>
+        <a:bodyPr/>
+        <a:lstStyle/>
+        <a:p>
+          <a:pPr>
+            <a:buFont typeface="Times New Roman" panose="02020603050405020304" pitchFamily="18" charset="0"/>
+            <a:buChar char="•"/>
+          </a:pPr>
+          <a:r>
+            <a:rPr lang="en-US" dirty="0"/>
+            <a:t>BME280 </a:t>
+          </a:r>
+          <a:r>
+            <a:rPr lang="ru-RU" dirty="0"/>
+            <a:t>(измерения) </a:t>
+          </a:r>
+        </a:p>
+      </dgm:t>
+    </dgm:pt>
+    <dgm:pt modelId="{F9DAD58D-F978-484D-B106-CB595BBD6B5C}" type="parTrans" cxnId="{F9B55E21-3B2C-4002-9A84-E5C484940747}">
+      <dgm:prSet/>
+      <dgm:spPr>
+        <a:ln w="76200">
+          <a:solidFill>
+            <a:schemeClr val="accent1"/>
+          </a:solidFill>
+        </a:ln>
+      </dgm:spPr>
+      <dgm:t>
+        <a:bodyPr/>
+        <a:lstStyle/>
+        <a:p>
+          <a:endParaRPr lang="ru-RU">
+            <a:solidFill>
+              <a:srgbClr val="80A1C1"/>
+            </a:solidFill>
+          </a:endParaRPr>
+        </a:p>
+      </dgm:t>
+    </dgm:pt>
+    <dgm:pt modelId="{0D7D6FC2-8AB2-43B0-9748-B0D3E0E56E7D}" type="sibTrans" cxnId="{F9B55E21-3B2C-4002-9A84-E5C484940747}">
+      <dgm:prSet/>
+      <dgm:spPr/>
+      <dgm:t>
+        <a:bodyPr/>
+        <a:lstStyle/>
+        <a:p>
+          <a:endParaRPr lang="ru-RU"/>
+        </a:p>
+      </dgm:t>
+    </dgm:pt>
+    <dgm:pt modelId="{B5E5AF00-7784-4522-ADE4-AE5D7A7A945B}">
+      <dgm:prSet/>
+      <dgm:spPr>
+        <a:solidFill>
+          <a:srgbClr val="A77E58"/>
+        </a:solidFill>
+        <a:ln w="76200">
+          <a:solidFill>
+            <a:srgbClr val="A77E58"/>
+          </a:solidFill>
+        </a:ln>
+      </dgm:spPr>
+      <dgm:t>
+        <a:bodyPr/>
+        <a:lstStyle/>
+        <a:p>
+          <a:pPr>
+            <a:buFont typeface="Times New Roman" panose="02020603050405020304" pitchFamily="18" charset="0"/>
+            <a:buChar char="•"/>
+          </a:pPr>
+          <a:r>
+            <a:rPr lang="en-US" dirty="0"/>
+            <a:t>RTC DS3231 mini (</a:t>
+          </a:r>
+          <a:r>
+            <a:rPr lang="ru-RU" dirty="0"/>
+            <a:t>время</a:t>
+          </a:r>
+          <a:r>
+            <a:rPr lang="en-US" dirty="0"/>
+            <a:t>)</a:t>
+          </a:r>
+          <a:endParaRPr lang="ru-RU" dirty="0"/>
+        </a:p>
+      </dgm:t>
+    </dgm:pt>
+    <dgm:pt modelId="{FED475BD-1753-4C01-B11D-1F43B213FE17}" type="parTrans" cxnId="{8D5E25F0-2713-4E40-82E5-58221E085153}">
+      <dgm:prSet/>
+      <dgm:spPr>
+        <a:ln w="76200">
+          <a:solidFill>
+            <a:schemeClr val="accent1"/>
+          </a:solidFill>
+        </a:ln>
+      </dgm:spPr>
+      <dgm:t>
+        <a:bodyPr/>
+        <a:lstStyle/>
+        <a:p>
+          <a:endParaRPr lang="ru-RU"/>
+        </a:p>
+      </dgm:t>
+    </dgm:pt>
+    <dgm:pt modelId="{B95DE573-F5CC-40C0-802E-3B5C0420E097}" type="sibTrans" cxnId="{8D5E25F0-2713-4E40-82E5-58221E085153}">
+      <dgm:prSet/>
+      <dgm:spPr/>
+      <dgm:t>
+        <a:bodyPr/>
+        <a:lstStyle/>
+        <a:p>
+          <a:endParaRPr lang="ru-RU"/>
+        </a:p>
+      </dgm:t>
+    </dgm:pt>
+    <dgm:pt modelId="{94E8155F-2187-4CAE-BF4D-D60C8F9841F0}">
+      <dgm:prSet/>
+      <dgm:spPr>
+        <a:solidFill>
+          <a:srgbClr val="A77E58"/>
+        </a:solidFill>
+        <a:ln w="76200">
+          <a:solidFill>
+            <a:srgbClr val="80A1C1"/>
+          </a:solidFill>
+        </a:ln>
+      </dgm:spPr>
+      <dgm:t>
+        <a:bodyPr/>
+        <a:lstStyle/>
+        <a:p>
+          <a:pPr>
+            <a:buFont typeface="Times New Roman" panose="02020603050405020304" pitchFamily="18" charset="0"/>
+            <a:buChar char="•"/>
+          </a:pPr>
+          <a:r>
+            <a:rPr lang="ru-RU" dirty="0"/>
+            <a:t>Реле 4 для нагрузки</a:t>
+          </a:r>
+        </a:p>
+      </dgm:t>
+    </dgm:pt>
+    <dgm:pt modelId="{3AAF8586-F5D6-4F38-AF03-F4A7D00C931F}" type="parTrans" cxnId="{33319D06-07AD-4E30-AB54-A7299A0AF4AE}">
+      <dgm:prSet/>
+      <dgm:spPr>
+        <a:ln w="76200">
+          <a:solidFill>
+            <a:schemeClr val="accent1"/>
+          </a:solidFill>
+        </a:ln>
+      </dgm:spPr>
+      <dgm:t>
+        <a:bodyPr/>
+        <a:lstStyle/>
+        <a:p>
+          <a:endParaRPr lang="ru-RU"/>
+        </a:p>
+      </dgm:t>
+    </dgm:pt>
+    <dgm:pt modelId="{51CACBFA-6803-4B4B-957A-172EE3007CCE}" type="sibTrans" cxnId="{33319D06-07AD-4E30-AB54-A7299A0AF4AE}">
+      <dgm:prSet/>
+      <dgm:spPr/>
+      <dgm:t>
+        <a:bodyPr/>
+        <a:lstStyle/>
+        <a:p>
+          <a:endParaRPr lang="ru-RU"/>
+        </a:p>
+      </dgm:t>
+    </dgm:pt>
+    <dgm:pt modelId="{17B9FA44-AAA7-4363-96CA-BB05A10425B4}">
+      <dgm:prSet/>
+      <dgm:spPr>
+        <a:solidFill>
+          <a:srgbClr val="A77E58"/>
+        </a:solidFill>
+        <a:ln w="76200">
+          <a:solidFill>
+            <a:srgbClr val="80A1C1"/>
+          </a:solidFill>
+        </a:ln>
+      </dgm:spPr>
+      <dgm:t>
+        <a:bodyPr/>
+        <a:lstStyle/>
+        <a:p>
+          <a:pPr>
+            <a:buFont typeface="Times New Roman" panose="02020603050405020304" pitchFamily="18" charset="0"/>
+            <a:buChar char="•"/>
+          </a:pPr>
+          <a:r>
+            <a:rPr lang="ru-RU" dirty="0"/>
+            <a:t>Порты для модулей</a:t>
+          </a:r>
+        </a:p>
+      </dgm:t>
+    </dgm:pt>
+    <dgm:pt modelId="{F5B42162-CD1D-435C-B1F7-4DA9E9FD2CAF}" type="parTrans" cxnId="{E76110C0-0E00-4A14-91C1-3E8AE7E37405}">
+      <dgm:prSet/>
+      <dgm:spPr>
+        <a:ln w="76200">
+          <a:solidFill>
+            <a:schemeClr val="accent1"/>
+          </a:solidFill>
+        </a:ln>
+      </dgm:spPr>
+      <dgm:t>
+        <a:bodyPr/>
+        <a:lstStyle/>
+        <a:p>
+          <a:endParaRPr lang="ru-RU"/>
+        </a:p>
+      </dgm:t>
+    </dgm:pt>
+    <dgm:pt modelId="{FFD0BE4C-4493-4E6F-A4EB-467E906E87B0}" type="sibTrans" cxnId="{E76110C0-0E00-4A14-91C1-3E8AE7E37405}">
+      <dgm:prSet/>
+      <dgm:spPr/>
+      <dgm:t>
+        <a:bodyPr/>
+        <a:lstStyle/>
+        <a:p>
+          <a:endParaRPr lang="ru-RU"/>
+        </a:p>
+      </dgm:t>
+    </dgm:pt>
+    <dgm:pt modelId="{6A8A18B2-7F93-490F-9985-E06DDD1AA730}">
+      <dgm:prSet/>
+      <dgm:spPr>
+        <a:solidFill>
+          <a:srgbClr val="BA3F1D"/>
+        </a:solidFill>
+        <a:ln w="76200">
+          <a:solidFill>
+            <a:srgbClr val="EEE3AB"/>
+          </a:solidFill>
+        </a:ln>
+      </dgm:spPr>
+      <dgm:t>
+        <a:bodyPr/>
+        <a:lstStyle/>
+        <a:p>
+          <a:pPr>
+            <a:buFont typeface="Times New Roman" panose="02020603050405020304" pitchFamily="18" charset="0"/>
+            <a:buChar char="•"/>
+          </a:pPr>
+          <a:r>
+            <a:rPr lang="en-US" dirty="0"/>
+            <a:t>Esp8266</a:t>
+          </a:r>
+          <a:endParaRPr lang="ru-RU" dirty="0"/>
+        </a:p>
+      </dgm:t>
+    </dgm:pt>
+    <dgm:pt modelId="{FE90903F-D403-45E8-A5F7-1B84D22F9DF1}" type="parTrans" cxnId="{9882C913-98AA-46B7-8BD3-15109981D2AE}">
+      <dgm:prSet/>
+      <dgm:spPr>
+        <a:ln w="73025">
+          <a:solidFill>
+            <a:schemeClr val="accent1"/>
+          </a:solidFill>
+        </a:ln>
+      </dgm:spPr>
+      <dgm:t>
+        <a:bodyPr/>
+        <a:lstStyle/>
+        <a:p>
+          <a:endParaRPr lang="ru-RU"/>
+        </a:p>
+      </dgm:t>
+    </dgm:pt>
+    <dgm:pt modelId="{9BD4FD3E-9EF6-4F95-A54B-C0D189700BCB}" type="sibTrans" cxnId="{9882C913-98AA-46B7-8BD3-15109981D2AE}">
+      <dgm:prSet/>
+      <dgm:spPr/>
+      <dgm:t>
+        <a:bodyPr/>
+        <a:lstStyle/>
+        <a:p>
+          <a:endParaRPr lang="ru-RU"/>
+        </a:p>
+      </dgm:t>
+    </dgm:pt>
+    <dgm:pt modelId="{74A13260-533F-487F-BE09-E48DB56E3F92}">
+      <dgm:prSet/>
+      <dgm:spPr>
+        <a:solidFill>
+          <a:srgbClr val="EEE3AB"/>
+        </a:solidFill>
+        <a:ln w="76200">
+          <a:solidFill>
+            <a:srgbClr val="EEE3AB"/>
+          </a:solidFill>
+        </a:ln>
+      </dgm:spPr>
+      <dgm:t>
+        <a:bodyPr/>
+        <a:lstStyle/>
+        <a:p>
+          <a:pPr>
+            <a:buFont typeface="Times New Roman" panose="02020603050405020304" pitchFamily="18" charset="0"/>
+            <a:buChar char="•"/>
+          </a:pPr>
+          <a:r>
+            <a:rPr lang="en-US">
+              <a:solidFill>
+                <a:sysClr val="windowText" lastClr="000000"/>
+              </a:solidFill>
+            </a:rPr>
+            <a:t>API</a:t>
+          </a:r>
+          <a:endParaRPr lang="ru-RU">
+            <a:solidFill>
+              <a:sysClr val="windowText" lastClr="000000"/>
+            </a:solidFill>
+          </a:endParaRPr>
+        </a:p>
+      </dgm:t>
+    </dgm:pt>
+    <dgm:pt modelId="{659708D0-2234-47F0-8704-CC4320A8714F}" type="parTrans" cxnId="{0E20D4D1-CF2D-4A3E-BC23-B467077975FE}">
+      <dgm:prSet/>
+      <dgm:spPr>
+        <a:ln w="76200">
+          <a:solidFill>
+            <a:schemeClr val="accent1"/>
+          </a:solidFill>
+        </a:ln>
+      </dgm:spPr>
+      <dgm:t>
+        <a:bodyPr/>
+        <a:lstStyle/>
+        <a:p>
+          <a:endParaRPr lang="ru-RU">
+            <a:solidFill>
+              <a:srgbClr val="80A1C1"/>
+            </a:solidFill>
+          </a:endParaRPr>
+        </a:p>
+      </dgm:t>
+    </dgm:pt>
+    <dgm:pt modelId="{B30740EB-664A-4103-A18F-7C095462BD48}" type="sibTrans" cxnId="{0E20D4D1-CF2D-4A3E-BC23-B467077975FE}">
+      <dgm:prSet/>
+      <dgm:spPr/>
+      <dgm:t>
+        <a:bodyPr/>
+        <a:lstStyle/>
+        <a:p>
+          <a:endParaRPr lang="ru-RU"/>
+        </a:p>
+      </dgm:t>
+    </dgm:pt>
+    <dgm:pt modelId="{EDC9C009-22F1-4C4C-BD0B-EFAD7E3A32E5}">
+      <dgm:prSet/>
+      <dgm:spPr>
+        <a:solidFill>
+          <a:srgbClr val="EEE3AB"/>
+        </a:solidFill>
+        <a:ln w="76200">
+          <a:solidFill>
+            <a:srgbClr val="EEE3AB"/>
+          </a:solidFill>
+        </a:ln>
+      </dgm:spPr>
+      <dgm:t>
+        <a:bodyPr/>
+        <a:lstStyle/>
+        <a:p>
+          <a:pPr>
+            <a:buFont typeface="Times New Roman" panose="02020603050405020304" pitchFamily="18" charset="0"/>
+            <a:buChar char="•"/>
+          </a:pPr>
+          <a:r>
+            <a:rPr lang="en-US" dirty="0">
+              <a:solidFill>
+                <a:sysClr val="windowText" lastClr="000000"/>
+              </a:solidFill>
+            </a:rPr>
+            <a:t>Web-</a:t>
+          </a:r>
+          <a:r>
+            <a:rPr lang="ru-RU" dirty="0">
+              <a:solidFill>
+                <a:sysClr val="windowText" lastClr="000000"/>
+              </a:solidFill>
+            </a:rPr>
+            <a:t>интерфейс</a:t>
+          </a:r>
+        </a:p>
+      </dgm:t>
+    </dgm:pt>
+    <dgm:pt modelId="{2D025C83-BDFD-4E8E-A08D-D0EB80FFE315}" type="parTrans" cxnId="{E3B29DFA-8DBE-48ED-A25B-CECE962CD3D3}">
+      <dgm:prSet/>
+      <dgm:spPr>
+        <a:ln w="76200">
+          <a:solidFill>
+            <a:schemeClr val="accent1"/>
+          </a:solidFill>
+        </a:ln>
+      </dgm:spPr>
+      <dgm:t>
+        <a:bodyPr/>
+        <a:lstStyle/>
+        <a:p>
+          <a:endParaRPr lang="ru-RU"/>
+        </a:p>
+      </dgm:t>
+    </dgm:pt>
+    <dgm:pt modelId="{77A4DF8A-FD8D-4170-8EEB-4BB01300E7AB}" type="sibTrans" cxnId="{E3B29DFA-8DBE-48ED-A25B-CECE962CD3D3}">
+      <dgm:prSet/>
+      <dgm:spPr/>
+      <dgm:t>
+        <a:bodyPr/>
+        <a:lstStyle/>
+        <a:p>
+          <a:endParaRPr lang="ru-RU"/>
+        </a:p>
+      </dgm:t>
+    </dgm:pt>
+    <dgm:pt modelId="{50A7C2CF-3FCA-413F-AE5D-1C5A134FAFDA}">
+      <dgm:prSet/>
+      <dgm:spPr>
+        <a:solidFill>
+          <a:srgbClr val="EEE3AB"/>
+        </a:solidFill>
+        <a:ln w="76200">
+          <a:solidFill>
+            <a:srgbClr val="BA3F1D"/>
+          </a:solidFill>
+        </a:ln>
+      </dgm:spPr>
+      <dgm:t>
+        <a:bodyPr/>
+        <a:lstStyle/>
+        <a:p>
+          <a:pPr>
+            <a:buFont typeface="Times New Roman" panose="02020603050405020304" pitchFamily="18" charset="0"/>
+            <a:buChar char="•"/>
+          </a:pPr>
+          <a:r>
+            <a:rPr lang="ru-RU" dirty="0">
+              <a:solidFill>
+                <a:sysClr val="windowText" lastClr="000000"/>
+              </a:solidFill>
+            </a:rPr>
+            <a:t>Приложение на </a:t>
+          </a:r>
+          <a:r>
+            <a:rPr lang="en-US" dirty="0">
+              <a:solidFill>
+                <a:sysClr val="windowText" lastClr="000000"/>
+              </a:solidFill>
+            </a:rPr>
+            <a:t>android</a:t>
+          </a:r>
+          <a:endParaRPr lang="ru-RU" dirty="0">
+            <a:solidFill>
+              <a:sysClr val="windowText" lastClr="000000"/>
+            </a:solidFill>
+          </a:endParaRPr>
+        </a:p>
+      </dgm:t>
+    </dgm:pt>
+    <dgm:pt modelId="{239B0206-481C-4B7E-A488-AFC7EFFC685B}" type="parTrans" cxnId="{28D4FC6D-269E-43DB-B1BA-E54671AFA117}">
+      <dgm:prSet/>
+      <dgm:spPr/>
+      <dgm:t>
+        <a:bodyPr/>
+        <a:lstStyle/>
+        <a:p>
+          <a:endParaRPr lang="ru-RU"/>
+        </a:p>
+      </dgm:t>
+    </dgm:pt>
+    <dgm:pt modelId="{6D1ED52E-2F96-4F62-9C50-2EDEE663CDB6}" type="sibTrans" cxnId="{28D4FC6D-269E-43DB-B1BA-E54671AFA117}">
+      <dgm:prSet/>
+      <dgm:spPr/>
+      <dgm:t>
+        <a:bodyPr/>
+        <a:lstStyle/>
+        <a:p>
+          <a:endParaRPr lang="ru-RU"/>
+        </a:p>
+      </dgm:t>
+    </dgm:pt>
+    <dgm:pt modelId="{74FCF6C2-BAE6-45EC-BDCE-E4B45D3996E2}" type="pres">
+      <dgm:prSet presAssocID="{1783B29B-BA53-403E-95BD-45C410786D51}" presName="hierChild1" presStyleCnt="0">
+        <dgm:presLayoutVars>
+          <dgm:orgChart val="1"/>
+          <dgm:chPref val="1"/>
+          <dgm:dir/>
+          <dgm:animOne val="branch"/>
+          <dgm:animLvl val="lvl"/>
+          <dgm:resizeHandles/>
+        </dgm:presLayoutVars>
+      </dgm:prSet>
+      <dgm:spPr/>
+    </dgm:pt>
+    <dgm:pt modelId="{A3C63833-B7F7-4038-B0F2-C6FCD86D7A83}" type="pres">
+      <dgm:prSet presAssocID="{722B92BB-A237-42B3-B0F1-8D8462AB1A33}" presName="hierRoot1" presStyleCnt="0">
+        <dgm:presLayoutVars>
+          <dgm:hierBranch val="init"/>
+        </dgm:presLayoutVars>
+      </dgm:prSet>
+      <dgm:spPr/>
+    </dgm:pt>
+    <dgm:pt modelId="{8B82B447-998F-42A3-9B7B-99ED5BEEA786}" type="pres">
+      <dgm:prSet presAssocID="{722B92BB-A237-42B3-B0F1-8D8462AB1A33}" presName="rootComposite1" presStyleCnt="0"/>
+      <dgm:spPr/>
+    </dgm:pt>
+    <dgm:pt modelId="{ED59A847-C4E7-43E4-B750-C8EE47BC21B3}" type="pres">
+      <dgm:prSet presAssocID="{722B92BB-A237-42B3-B0F1-8D8462AB1A33}" presName="rootText1" presStyleLbl="node0" presStyleIdx="0" presStyleCnt="2" custScaleX="1703250" custScaleY="1823509" custLinFactX="133805" custLinFactY="89070" custLinFactNeighborX="200000" custLinFactNeighborY="100000">
+        <dgm:presLayoutVars>
+          <dgm:chPref val="3"/>
+        </dgm:presLayoutVars>
+      </dgm:prSet>
+      <dgm:spPr/>
+    </dgm:pt>
+    <dgm:pt modelId="{235DE7B5-7A9F-4E7F-B0A3-8CF710C58175}" type="pres">
+      <dgm:prSet presAssocID="{722B92BB-A237-42B3-B0F1-8D8462AB1A33}" presName="rootConnector1" presStyleLbl="node1" presStyleIdx="0" presStyleCnt="0"/>
+      <dgm:spPr/>
+    </dgm:pt>
+    <dgm:pt modelId="{3B194A2C-BF3B-4DDE-81F3-DFDADC563874}" type="pres">
+      <dgm:prSet presAssocID="{722B92BB-A237-42B3-B0F1-8D8462AB1A33}" presName="hierChild2" presStyleCnt="0"/>
+      <dgm:spPr/>
+    </dgm:pt>
+    <dgm:pt modelId="{EA658CC5-C3C5-468C-AC7D-1E85AEB06105}" type="pres">
+      <dgm:prSet presAssocID="{69765B59-EFFF-4B26-B038-AAEE98C6C04D}" presName="Name37" presStyleLbl="parChTrans1D2" presStyleIdx="0" presStyleCnt="2" custSzX="783264" custSzY="257620"/>
+      <dgm:spPr/>
+    </dgm:pt>
+    <dgm:pt modelId="{F0FE3EF1-7F53-45CF-BA20-B3BBC3D1B751}" type="pres">
+      <dgm:prSet presAssocID="{097C02E2-A1F3-4CCF-8B5D-80BDB88A7D86}" presName="hierRoot2" presStyleCnt="0">
+        <dgm:presLayoutVars>
+          <dgm:hierBranch val="init"/>
+        </dgm:presLayoutVars>
+      </dgm:prSet>
+      <dgm:spPr/>
+    </dgm:pt>
+    <dgm:pt modelId="{D636204A-AE59-4191-8D31-49E07F42D052}" type="pres">
+      <dgm:prSet presAssocID="{097C02E2-A1F3-4CCF-8B5D-80BDB88A7D86}" presName="rootComposite" presStyleCnt="0"/>
+      <dgm:spPr/>
+    </dgm:pt>
+    <dgm:pt modelId="{027086B6-9701-4E75-90D8-F2A0BB2D4A91}" type="pres">
+      <dgm:prSet presAssocID="{097C02E2-A1F3-4CCF-8B5D-80BDB88A7D86}" presName="rootText" presStyleLbl="node2" presStyleIdx="0" presStyleCnt="2" custScaleX="1703250" custScaleY="1823509" custLinFactY="267698" custLinFactNeighborX="92814" custLinFactNeighborY="300000">
+        <dgm:presLayoutVars>
+          <dgm:chPref val="3"/>
+        </dgm:presLayoutVars>
+      </dgm:prSet>
+      <dgm:spPr/>
+    </dgm:pt>
+    <dgm:pt modelId="{2CC8BFEF-3017-4710-8EF2-99EF37FE921B}" type="pres">
+      <dgm:prSet presAssocID="{097C02E2-A1F3-4CCF-8B5D-80BDB88A7D86}" presName="rootConnector" presStyleLbl="node2" presStyleIdx="0" presStyleCnt="2"/>
+      <dgm:spPr/>
+    </dgm:pt>
+    <dgm:pt modelId="{B25BA49C-33AE-42E6-AAE0-7747E484023A}" type="pres">
+      <dgm:prSet presAssocID="{097C02E2-A1F3-4CCF-8B5D-80BDB88A7D86}" presName="hierChild4" presStyleCnt="0"/>
+      <dgm:spPr/>
+    </dgm:pt>
+    <dgm:pt modelId="{E942735B-A981-4444-9624-7891E0990E6F}" type="pres">
+      <dgm:prSet presAssocID="{F9DAD58D-F978-484D-B106-CB595BBD6B5C}" presName="Name37" presStyleLbl="parChTrans1D3" presStyleIdx="0" presStyleCnt="6" custSzX="336462" custSzY="752748"/>
+      <dgm:spPr/>
+    </dgm:pt>
+    <dgm:pt modelId="{02FF6549-D7A5-4F93-9945-CA32E7B52CD9}" type="pres">
+      <dgm:prSet presAssocID="{70FE43C6-0DA4-4F5A-B1FC-83A0A87D7D6C}" presName="hierRoot2" presStyleCnt="0">
+        <dgm:presLayoutVars>
+          <dgm:hierBranch val="init"/>
+        </dgm:presLayoutVars>
+      </dgm:prSet>
+      <dgm:spPr/>
+    </dgm:pt>
+    <dgm:pt modelId="{20F56B3E-F170-47B9-962A-7B3292DC9DF2}" type="pres">
+      <dgm:prSet presAssocID="{70FE43C6-0DA4-4F5A-B1FC-83A0A87D7D6C}" presName="rootComposite" presStyleCnt="0"/>
+      <dgm:spPr/>
+    </dgm:pt>
+    <dgm:pt modelId="{58D894D6-944F-446F-900C-6F270831610F}" type="pres">
+      <dgm:prSet presAssocID="{70FE43C6-0DA4-4F5A-B1FC-83A0A87D7D6C}" presName="rootText" presStyleLbl="node3" presStyleIdx="0" presStyleCnt="6" custScaleX="1703250" custScaleY="1823509" custLinFactY="506154" custLinFactNeighborX="62132" custLinFactNeighborY="600000">
+        <dgm:presLayoutVars>
+          <dgm:chPref val="3"/>
+        </dgm:presLayoutVars>
+      </dgm:prSet>
+      <dgm:spPr/>
+    </dgm:pt>
+    <dgm:pt modelId="{91E1887E-E661-4E13-A008-903C5FF3FE7E}" type="pres">
+      <dgm:prSet presAssocID="{70FE43C6-0DA4-4F5A-B1FC-83A0A87D7D6C}" presName="rootConnector" presStyleLbl="node3" presStyleIdx="0" presStyleCnt="6"/>
+      <dgm:spPr/>
+    </dgm:pt>
+    <dgm:pt modelId="{83A01D0C-4321-4E7C-B42F-C347928281DE}" type="pres">
+      <dgm:prSet presAssocID="{70FE43C6-0DA4-4F5A-B1FC-83A0A87D7D6C}" presName="hierChild4" presStyleCnt="0"/>
+      <dgm:spPr/>
+    </dgm:pt>
+    <dgm:pt modelId="{30945C5D-5560-405E-A1CA-6B06EE0924E5}" type="pres">
+      <dgm:prSet presAssocID="{70FE43C6-0DA4-4F5A-B1FC-83A0A87D7D6C}" presName="hierChild5" presStyleCnt="0"/>
+      <dgm:spPr/>
+    </dgm:pt>
+    <dgm:pt modelId="{D53A4437-0ED4-44E5-8BD0-4A77AB3336E2}" type="pres">
+      <dgm:prSet presAssocID="{FED475BD-1753-4C01-B11D-1F43B213FE17}" presName="Name37" presStyleLbl="parChTrans1D3" presStyleIdx="1" presStyleCnt="6" custSzX="300110" custSzY="2047052"/>
+      <dgm:spPr/>
+    </dgm:pt>
+    <dgm:pt modelId="{52E88F67-DD35-4D13-BFE2-4AD2AFF2221D}" type="pres">
+      <dgm:prSet presAssocID="{B5E5AF00-7784-4522-ADE4-AE5D7A7A945B}" presName="hierRoot2" presStyleCnt="0">
+        <dgm:presLayoutVars>
+          <dgm:hierBranch val="init"/>
+        </dgm:presLayoutVars>
+      </dgm:prSet>
+      <dgm:spPr/>
+    </dgm:pt>
+    <dgm:pt modelId="{A638583C-2D33-49F5-AFDB-F8BCA40F12FF}" type="pres">
+      <dgm:prSet presAssocID="{B5E5AF00-7784-4522-ADE4-AE5D7A7A945B}" presName="rootComposite" presStyleCnt="0"/>
+      <dgm:spPr/>
+    </dgm:pt>
+    <dgm:pt modelId="{D1CE3C61-7196-4842-803E-9B57618348B0}" type="pres">
+      <dgm:prSet presAssocID="{B5E5AF00-7784-4522-ADE4-AE5D7A7A945B}" presName="rootText" presStyleLbl="node3" presStyleIdx="1" presStyleCnt="6" custScaleX="1703250" custScaleY="1823509" custLinFactY="800000" custLinFactNeighborX="51207" custLinFactNeighborY="810265">
+        <dgm:presLayoutVars>
+          <dgm:chPref val="3"/>
+        </dgm:presLayoutVars>
+      </dgm:prSet>
+      <dgm:spPr/>
+    </dgm:pt>
+    <dgm:pt modelId="{092302D9-D38D-4DFF-8DC8-F3F2DFCCEDF7}" type="pres">
+      <dgm:prSet presAssocID="{B5E5AF00-7784-4522-ADE4-AE5D7A7A945B}" presName="rootConnector" presStyleLbl="node3" presStyleIdx="1" presStyleCnt="6"/>
+      <dgm:spPr/>
+    </dgm:pt>
+    <dgm:pt modelId="{C02213BA-1995-4F30-89CA-57EBF92A85FD}" type="pres">
+      <dgm:prSet presAssocID="{B5E5AF00-7784-4522-ADE4-AE5D7A7A945B}" presName="hierChild4" presStyleCnt="0"/>
+      <dgm:spPr/>
+    </dgm:pt>
+    <dgm:pt modelId="{2248A21D-E7ED-4173-B5F0-13982550E53D}" type="pres">
+      <dgm:prSet presAssocID="{B5E5AF00-7784-4522-ADE4-AE5D7A7A945B}" presName="hierChild5" presStyleCnt="0"/>
+      <dgm:spPr/>
+    </dgm:pt>
+    <dgm:pt modelId="{EAABAEDD-6E39-4B81-9252-1BD5D252A841}" type="pres">
+      <dgm:prSet presAssocID="{3AAF8586-F5D6-4F38-AF03-F4A7D00C931F}" presName="Name37" presStyleLbl="parChTrans1D3" presStyleIdx="2" presStyleCnt="6" custSzX="390203" custSzY="486218"/>
+      <dgm:spPr/>
+    </dgm:pt>
+    <dgm:pt modelId="{A77B7F1A-265A-4814-AAFF-CE7FE501BA9A}" type="pres">
+      <dgm:prSet presAssocID="{94E8155F-2187-4CAE-BF4D-D60C8F9841F0}" presName="hierRoot2" presStyleCnt="0">
+        <dgm:presLayoutVars>
+          <dgm:hierBranch val="init"/>
+        </dgm:presLayoutVars>
+      </dgm:prSet>
+      <dgm:spPr/>
+    </dgm:pt>
+    <dgm:pt modelId="{C61368BA-5820-45C6-9EC3-B58E6D04801E}" type="pres">
+      <dgm:prSet presAssocID="{94E8155F-2187-4CAE-BF4D-D60C8F9841F0}" presName="rootComposite" presStyleCnt="0"/>
+      <dgm:spPr/>
+    </dgm:pt>
+    <dgm:pt modelId="{E4ED5915-4669-4438-801C-09A02FFD535D}" type="pres">
+      <dgm:prSet presAssocID="{94E8155F-2187-4CAE-BF4D-D60C8F9841F0}" presName="rootText" presStyleLbl="node3" presStyleIdx="2" presStyleCnt="6" custScaleX="1703250" custScaleY="1823509" custLinFactX="-1100000" custLinFactY="-1300000" custLinFactNeighborX="-1145762" custLinFactNeighborY="-1324863">
+        <dgm:presLayoutVars>
+          <dgm:chPref val="3"/>
+        </dgm:presLayoutVars>
+      </dgm:prSet>
+      <dgm:spPr/>
+    </dgm:pt>
+    <dgm:pt modelId="{0EC6B267-3626-483D-8A81-0AB5E179758A}" type="pres">
+      <dgm:prSet presAssocID="{94E8155F-2187-4CAE-BF4D-D60C8F9841F0}" presName="rootConnector" presStyleLbl="node3" presStyleIdx="2" presStyleCnt="6"/>
+      <dgm:spPr/>
+    </dgm:pt>
+    <dgm:pt modelId="{C5D3547C-891C-44C9-A307-B94EC0D25A92}" type="pres">
+      <dgm:prSet presAssocID="{94E8155F-2187-4CAE-BF4D-D60C8F9841F0}" presName="hierChild4" presStyleCnt="0"/>
+      <dgm:spPr/>
+    </dgm:pt>
+    <dgm:pt modelId="{DB1C4319-BE1D-422A-AA80-2A3265C901C8}" type="pres">
+      <dgm:prSet presAssocID="{94E8155F-2187-4CAE-BF4D-D60C8F9841F0}" presName="hierChild5" presStyleCnt="0"/>
+      <dgm:spPr/>
+    </dgm:pt>
+    <dgm:pt modelId="{3294AEA3-6B19-4D05-AFA0-D67C8DB1FA42}" type="pres">
+      <dgm:prSet presAssocID="{F5B42162-CD1D-435C-B1F7-4DA9E9FD2CAF}" presName="Name37" presStyleLbl="parChTrans1D3" presStyleIdx="3" presStyleCnt="6" custSzX="226661" custSzY="2068274"/>
+      <dgm:spPr/>
+    </dgm:pt>
+    <dgm:pt modelId="{FCB38618-A26D-4083-9D59-86D31BBA314A}" type="pres">
+      <dgm:prSet presAssocID="{17B9FA44-AAA7-4363-96CA-BB05A10425B4}" presName="hierRoot2" presStyleCnt="0">
+        <dgm:presLayoutVars>
+          <dgm:hierBranch val="init"/>
+        </dgm:presLayoutVars>
+      </dgm:prSet>
+      <dgm:spPr/>
+    </dgm:pt>
+    <dgm:pt modelId="{2AB41B52-C2BB-45FF-BB37-0790EDE26534}" type="pres">
+      <dgm:prSet presAssocID="{17B9FA44-AAA7-4363-96CA-BB05A10425B4}" presName="rootComposite" presStyleCnt="0"/>
+      <dgm:spPr/>
+    </dgm:pt>
+    <dgm:pt modelId="{BE3DC108-31F5-447E-B300-DB7BB25C9139}" type="pres">
+      <dgm:prSet presAssocID="{17B9FA44-AAA7-4363-96CA-BB05A10425B4}" presName="rootText" presStyleLbl="node3" presStyleIdx="3" presStyleCnt="6" custScaleX="1703250" custScaleY="1823509" custLinFactX="-1100000" custLinFactY="-1016295" custLinFactNeighborX="-1134218" custLinFactNeighborY="-1100000">
+        <dgm:presLayoutVars>
+          <dgm:chPref val="3"/>
+        </dgm:presLayoutVars>
+      </dgm:prSet>
+      <dgm:spPr/>
+    </dgm:pt>
+    <dgm:pt modelId="{C1B08E33-1A07-4736-829C-11D388431965}" type="pres">
+      <dgm:prSet presAssocID="{17B9FA44-AAA7-4363-96CA-BB05A10425B4}" presName="rootConnector" presStyleLbl="node3" presStyleIdx="3" presStyleCnt="6"/>
+      <dgm:spPr/>
+    </dgm:pt>
+    <dgm:pt modelId="{F76F1957-DD4D-402C-83CB-C23399EE4F7B}" type="pres">
+      <dgm:prSet presAssocID="{17B9FA44-AAA7-4363-96CA-BB05A10425B4}" presName="hierChild4" presStyleCnt="0"/>
+      <dgm:spPr/>
+    </dgm:pt>
+    <dgm:pt modelId="{524B5BF2-CB14-46B0-A669-FF9B963FA1C8}" type="pres">
+      <dgm:prSet presAssocID="{17B9FA44-AAA7-4363-96CA-BB05A10425B4}" presName="hierChild5" presStyleCnt="0"/>
+      <dgm:spPr/>
+    </dgm:pt>
+    <dgm:pt modelId="{30DD3BB4-3B7B-4499-83FE-2BB1683EF538}" type="pres">
+      <dgm:prSet presAssocID="{097C02E2-A1F3-4CCF-8B5D-80BDB88A7D86}" presName="hierChild5" presStyleCnt="0"/>
+      <dgm:spPr/>
+    </dgm:pt>
+    <dgm:pt modelId="{E223DC11-9B1E-493A-9CF7-6B06F40CED8E}" type="pres">
+      <dgm:prSet presAssocID="{FE90903F-D403-45E8-A5F7-1B84D22F9DF1}" presName="Name37" presStyleLbl="parChTrans1D2" presStyleIdx="1" presStyleCnt="2" custSzX="1054290" custSzY="588328"/>
+      <dgm:spPr/>
+    </dgm:pt>
+    <dgm:pt modelId="{6EF392D7-1D31-4FE2-889B-0E10CBC7BC14}" type="pres">
+      <dgm:prSet presAssocID="{6A8A18B2-7F93-490F-9985-E06DDD1AA730}" presName="hierRoot2" presStyleCnt="0">
+        <dgm:presLayoutVars>
+          <dgm:hierBranch val="init"/>
+        </dgm:presLayoutVars>
+      </dgm:prSet>
+      <dgm:spPr/>
+    </dgm:pt>
+    <dgm:pt modelId="{10AF6647-0B03-40E2-995D-A4FAA6E329DC}" type="pres">
+      <dgm:prSet presAssocID="{6A8A18B2-7F93-490F-9985-E06DDD1AA730}" presName="rootComposite" presStyleCnt="0"/>
+      <dgm:spPr/>
+    </dgm:pt>
+    <dgm:pt modelId="{A141AF1C-7EC2-4205-81BC-9FD40F648A9D}" type="pres">
+      <dgm:prSet presAssocID="{6A8A18B2-7F93-490F-9985-E06DDD1AA730}" presName="rootText" presStyleLbl="node2" presStyleIdx="1" presStyleCnt="2" custScaleX="1703250" custScaleY="1823509" custLinFactX="300000" custLinFactY="267698" custLinFactNeighborX="343999" custLinFactNeighborY="300000">
+        <dgm:presLayoutVars>
+          <dgm:chPref val="3"/>
+        </dgm:presLayoutVars>
+      </dgm:prSet>
+      <dgm:spPr/>
+    </dgm:pt>
+    <dgm:pt modelId="{0D97F312-18FC-4FEB-BAB2-F4355116F285}" type="pres">
+      <dgm:prSet presAssocID="{6A8A18B2-7F93-490F-9985-E06DDD1AA730}" presName="rootConnector" presStyleLbl="node2" presStyleIdx="1" presStyleCnt="2"/>
+      <dgm:spPr/>
+    </dgm:pt>
+    <dgm:pt modelId="{00305531-16D0-4178-A779-CFAC725084B0}" type="pres">
+      <dgm:prSet presAssocID="{6A8A18B2-7F93-490F-9985-E06DDD1AA730}" presName="hierChild4" presStyleCnt="0"/>
+      <dgm:spPr/>
+    </dgm:pt>
+    <dgm:pt modelId="{B5FE3E8C-F0A2-4187-B1B6-78DCF0E50A3F}" type="pres">
+      <dgm:prSet presAssocID="{659708D0-2234-47F0-8704-CC4320A8714F}" presName="Name37" presStyleLbl="parChTrans1D3" presStyleIdx="4" presStyleCnt="6" custSzX="182227" custSzY="737086"/>
+      <dgm:spPr/>
+    </dgm:pt>
+    <dgm:pt modelId="{871A6951-3001-4AA2-ABE4-9E3981E68F51}" type="pres">
+      <dgm:prSet presAssocID="{74A13260-533F-487F-BE09-E48DB56E3F92}" presName="hierRoot2" presStyleCnt="0">
+        <dgm:presLayoutVars>
+          <dgm:hierBranch val="init"/>
+        </dgm:presLayoutVars>
+      </dgm:prSet>
+      <dgm:spPr/>
+    </dgm:pt>
+    <dgm:pt modelId="{A44202ED-2B81-41A4-A25E-9B1CE75898B1}" type="pres">
+      <dgm:prSet presAssocID="{74A13260-533F-487F-BE09-E48DB56E3F92}" presName="rootComposite" presStyleCnt="0"/>
+      <dgm:spPr/>
+    </dgm:pt>
+    <dgm:pt modelId="{A027D978-D55B-4D8F-9ECF-F5FC0A8CE6EB}" type="pres">
+      <dgm:prSet presAssocID="{74A13260-533F-487F-BE09-E48DB56E3F92}" presName="rootText" presStyleLbl="node3" presStyleIdx="4" presStyleCnt="6" custScaleX="1703250" custScaleY="1823509" custLinFactX="300000" custLinFactY="506154" custLinFactNeighborX="315332" custLinFactNeighborY="600000">
+        <dgm:presLayoutVars>
+          <dgm:chPref val="3"/>
+        </dgm:presLayoutVars>
+      </dgm:prSet>
+      <dgm:spPr/>
+    </dgm:pt>
+    <dgm:pt modelId="{18B4804F-14E5-4ACB-99FB-F27F52C07031}" type="pres">
+      <dgm:prSet presAssocID="{74A13260-533F-487F-BE09-E48DB56E3F92}" presName="rootConnector" presStyleLbl="node3" presStyleIdx="4" presStyleCnt="6"/>
+      <dgm:spPr/>
+    </dgm:pt>
+    <dgm:pt modelId="{7BB3EAF4-7FE0-480C-8CB9-C8BE49741BCA}" type="pres">
+      <dgm:prSet presAssocID="{74A13260-533F-487F-BE09-E48DB56E3F92}" presName="hierChild4" presStyleCnt="0"/>
+      <dgm:spPr/>
+    </dgm:pt>
+    <dgm:pt modelId="{FC00427E-A357-47C0-9546-A683EB6273DC}" type="pres">
+      <dgm:prSet presAssocID="{74A13260-533F-487F-BE09-E48DB56E3F92}" presName="hierChild5" presStyleCnt="0"/>
+      <dgm:spPr/>
+    </dgm:pt>
+    <dgm:pt modelId="{590CBC32-56A3-4A39-A398-7B9965F3D489}" type="pres">
+      <dgm:prSet presAssocID="{2D025C83-BDFD-4E8E-A08D-D0EB80FFE315}" presName="Name37" presStyleLbl="parChTrans1D3" presStyleIdx="5" presStyleCnt="6" custSzX="236756" custSzY="1957691"/>
+      <dgm:spPr/>
+    </dgm:pt>
+    <dgm:pt modelId="{97582487-09B3-45B4-B35C-522FA8C78BD8}" type="pres">
+      <dgm:prSet presAssocID="{EDC9C009-22F1-4C4C-BD0B-EFAD7E3A32E5}" presName="hierRoot2" presStyleCnt="0">
+        <dgm:presLayoutVars>
+          <dgm:hierBranch val="init"/>
+        </dgm:presLayoutVars>
+      </dgm:prSet>
+      <dgm:spPr/>
+    </dgm:pt>
+    <dgm:pt modelId="{394EEFAA-EF48-4CC6-AFBD-8396310016EA}" type="pres">
+      <dgm:prSet presAssocID="{EDC9C009-22F1-4C4C-BD0B-EFAD7E3A32E5}" presName="rootComposite" presStyleCnt="0"/>
+      <dgm:spPr/>
+    </dgm:pt>
+    <dgm:pt modelId="{35BC7145-66FB-431A-8D82-81210901C82B}" type="pres">
+      <dgm:prSet presAssocID="{EDC9C009-22F1-4C4C-BD0B-EFAD7E3A32E5}" presName="rootText" presStyleLbl="node3" presStyleIdx="5" presStyleCnt="6" custScaleX="1703250" custScaleY="1823509" custLinFactX="300000" custLinFactY="800000" custLinFactNeighborX="315332" custLinFactNeighborY="861627">
+        <dgm:presLayoutVars>
+          <dgm:chPref val="3"/>
+        </dgm:presLayoutVars>
+      </dgm:prSet>
+      <dgm:spPr/>
+    </dgm:pt>
+    <dgm:pt modelId="{88C365E5-A0B9-4F95-AC17-49018204D9A5}" type="pres">
+      <dgm:prSet presAssocID="{EDC9C009-22F1-4C4C-BD0B-EFAD7E3A32E5}" presName="rootConnector" presStyleLbl="node3" presStyleIdx="5" presStyleCnt="6"/>
+      <dgm:spPr/>
+    </dgm:pt>
+    <dgm:pt modelId="{12F358BB-6746-450B-B58D-113B887ED1F1}" type="pres">
+      <dgm:prSet presAssocID="{EDC9C009-22F1-4C4C-BD0B-EFAD7E3A32E5}" presName="hierChild4" presStyleCnt="0"/>
+      <dgm:spPr/>
+    </dgm:pt>
+    <dgm:pt modelId="{9BFFE899-8DBF-4A6B-B71D-F4C6782DD05A}" type="pres">
+      <dgm:prSet presAssocID="{EDC9C009-22F1-4C4C-BD0B-EFAD7E3A32E5}" presName="hierChild5" presStyleCnt="0"/>
+      <dgm:spPr/>
+    </dgm:pt>
+    <dgm:pt modelId="{DFD6D985-BA43-400B-AE55-9EAFE397187B}" type="pres">
+      <dgm:prSet presAssocID="{6A8A18B2-7F93-490F-9985-E06DDD1AA730}" presName="hierChild5" presStyleCnt="0"/>
+      <dgm:spPr/>
+    </dgm:pt>
+    <dgm:pt modelId="{CF4B0A58-DF5B-4EE6-BD51-E29E34E896AD}" type="pres">
+      <dgm:prSet presAssocID="{722B92BB-A237-42B3-B0F1-8D8462AB1A33}" presName="hierChild3" presStyleCnt="0"/>
+      <dgm:spPr/>
+    </dgm:pt>
+    <dgm:pt modelId="{D6D5C3C8-496B-40EA-BC89-CBBA6E021F2A}" type="pres">
+      <dgm:prSet presAssocID="{50A7C2CF-3FCA-413F-AE5D-1C5A134FAFDA}" presName="hierRoot1" presStyleCnt="0">
+        <dgm:presLayoutVars>
+          <dgm:hierBranch val="init"/>
+        </dgm:presLayoutVars>
+      </dgm:prSet>
+      <dgm:spPr/>
+    </dgm:pt>
+    <dgm:pt modelId="{2D7286EB-DED4-455C-9683-976A0D389EBE}" type="pres">
+      <dgm:prSet presAssocID="{50A7C2CF-3FCA-413F-AE5D-1C5A134FAFDA}" presName="rootComposite1" presStyleCnt="0"/>
+      <dgm:spPr/>
+    </dgm:pt>
+    <dgm:pt modelId="{9154B44B-A7EE-4636-9085-27D226F40DD3}" type="pres">
+      <dgm:prSet presAssocID="{50A7C2CF-3FCA-413F-AE5D-1C5A134FAFDA}" presName="rootText1" presStyleLbl="node0" presStyleIdx="1" presStyleCnt="2" custScaleX="1729857" custScaleY="2000000" custLinFactX="700000" custLinFactY="2400000" custLinFactNeighborX="766004" custLinFactNeighborY="2437173">
+        <dgm:presLayoutVars>
+          <dgm:chPref val="3"/>
+        </dgm:presLayoutVars>
+      </dgm:prSet>
+      <dgm:spPr/>
+    </dgm:pt>
+    <dgm:pt modelId="{7469C932-293B-4EE2-98A1-DB1BD7DCEDEA}" type="pres">
+      <dgm:prSet presAssocID="{50A7C2CF-3FCA-413F-AE5D-1C5A134FAFDA}" presName="rootConnector1" presStyleLbl="node1" presStyleIdx="0" presStyleCnt="0"/>
+      <dgm:spPr/>
+    </dgm:pt>
+    <dgm:pt modelId="{5F41EC1D-29EE-4ADF-9B46-EC88765B93AB}" type="pres">
+      <dgm:prSet presAssocID="{50A7C2CF-3FCA-413F-AE5D-1C5A134FAFDA}" presName="hierChild2" presStyleCnt="0"/>
+      <dgm:spPr/>
+    </dgm:pt>
+    <dgm:pt modelId="{939BCC0D-9A99-4103-8CD7-4DC0D342F990}" type="pres">
+      <dgm:prSet presAssocID="{50A7C2CF-3FCA-413F-AE5D-1C5A134FAFDA}" presName="hierChild3" presStyleCnt="0"/>
+      <dgm:spPr/>
+    </dgm:pt>
+  </dgm:ptLst>
+  <dgm:cxnLst>
+    <dgm:cxn modelId="{949D9D04-60CE-4FCE-8D4F-F4ED7E66727F}" type="presOf" srcId="{74A13260-533F-487F-BE09-E48DB56E3F92}" destId="{18B4804F-14E5-4ACB-99FB-F27F52C07031}" srcOrd="1" destOrd="0" presId="urn:microsoft.com/office/officeart/2005/8/layout/orgChart1"/>
+    <dgm:cxn modelId="{0CECFF05-B915-4177-948C-9FD786D92C7A}" type="presOf" srcId="{6A8A18B2-7F93-490F-9985-E06DDD1AA730}" destId="{0D97F312-18FC-4FEB-BAB2-F4355116F285}" srcOrd="1" destOrd="0" presId="urn:microsoft.com/office/officeart/2005/8/layout/orgChart1"/>
+    <dgm:cxn modelId="{33319D06-07AD-4E30-AB54-A7299A0AF4AE}" srcId="{097C02E2-A1F3-4CCF-8B5D-80BDB88A7D86}" destId="{94E8155F-2187-4CAE-BF4D-D60C8F9841F0}" srcOrd="2" destOrd="0" parTransId="{3AAF8586-F5D6-4F38-AF03-F4A7D00C931F}" sibTransId="{51CACBFA-6803-4B4B-957A-172EE3007CCE}"/>
+    <dgm:cxn modelId="{CDA8D00C-DADD-44BA-82AD-1AF2AA784BE3}" type="presOf" srcId="{F9DAD58D-F978-484D-B106-CB595BBD6B5C}" destId="{E942735B-A981-4444-9624-7891E0990E6F}" srcOrd="0" destOrd="0" presId="urn:microsoft.com/office/officeart/2005/8/layout/orgChart1"/>
+    <dgm:cxn modelId="{9882C913-98AA-46B7-8BD3-15109981D2AE}" srcId="{722B92BB-A237-42B3-B0F1-8D8462AB1A33}" destId="{6A8A18B2-7F93-490F-9985-E06DDD1AA730}" srcOrd="1" destOrd="0" parTransId="{FE90903F-D403-45E8-A5F7-1B84D22F9DF1}" sibTransId="{9BD4FD3E-9EF6-4F95-A54B-C0D189700BCB}"/>
+    <dgm:cxn modelId="{0BF24114-0A9C-464B-914E-C59679C4497E}" type="presOf" srcId="{659708D0-2234-47F0-8704-CC4320A8714F}" destId="{B5FE3E8C-F0A2-4187-B1B6-78DCF0E50A3F}" srcOrd="0" destOrd="0" presId="urn:microsoft.com/office/officeart/2005/8/layout/orgChart1"/>
+    <dgm:cxn modelId="{5F22251C-988C-4AC5-A7F3-F049A9F73F40}" type="presOf" srcId="{50A7C2CF-3FCA-413F-AE5D-1C5A134FAFDA}" destId="{9154B44B-A7EE-4636-9085-27D226F40DD3}" srcOrd="0" destOrd="0" presId="urn:microsoft.com/office/officeart/2005/8/layout/orgChart1"/>
+    <dgm:cxn modelId="{F9B55E21-3B2C-4002-9A84-E5C484940747}" srcId="{097C02E2-A1F3-4CCF-8B5D-80BDB88A7D86}" destId="{70FE43C6-0DA4-4F5A-B1FC-83A0A87D7D6C}" srcOrd="0" destOrd="0" parTransId="{F9DAD58D-F978-484D-B106-CB595BBD6B5C}" sibTransId="{0D7D6FC2-8AB2-43B0-9748-B0D3E0E56E7D}"/>
+    <dgm:cxn modelId="{82403322-029C-40E7-BFB8-26CDA73193BF}" type="presOf" srcId="{722B92BB-A237-42B3-B0F1-8D8462AB1A33}" destId="{ED59A847-C4E7-43E4-B750-C8EE47BC21B3}" srcOrd="0" destOrd="0" presId="urn:microsoft.com/office/officeart/2005/8/layout/orgChart1"/>
+    <dgm:cxn modelId="{448B2728-B1F2-4B05-9F42-AB8A20389B88}" type="presOf" srcId="{1783B29B-BA53-403E-95BD-45C410786D51}" destId="{74FCF6C2-BAE6-45EC-BDCE-E4B45D3996E2}" srcOrd="0" destOrd="0" presId="urn:microsoft.com/office/officeart/2005/8/layout/orgChart1"/>
+    <dgm:cxn modelId="{F71D9934-6544-4231-B383-0D00C47EAFCE}" type="presOf" srcId="{69765B59-EFFF-4B26-B038-AAEE98C6C04D}" destId="{EA658CC5-C3C5-468C-AC7D-1E85AEB06105}" srcOrd="0" destOrd="0" presId="urn:microsoft.com/office/officeart/2005/8/layout/orgChart1"/>
+    <dgm:cxn modelId="{B9204D68-756D-4C78-99F0-19998C7ABB5E}" type="presOf" srcId="{FE90903F-D403-45E8-A5F7-1B84D22F9DF1}" destId="{E223DC11-9B1E-493A-9CF7-6B06F40CED8E}" srcOrd="0" destOrd="0" presId="urn:microsoft.com/office/officeart/2005/8/layout/orgChart1"/>
+    <dgm:cxn modelId="{6EB3C26B-0135-4A96-8FE3-D0DD0883A933}" type="presOf" srcId="{B5E5AF00-7784-4522-ADE4-AE5D7A7A945B}" destId="{092302D9-D38D-4DFF-8DC8-F3F2DFCCEDF7}" srcOrd="1" destOrd="0" presId="urn:microsoft.com/office/officeart/2005/8/layout/orgChart1"/>
+    <dgm:cxn modelId="{28D4FC6D-269E-43DB-B1BA-E54671AFA117}" srcId="{1783B29B-BA53-403E-95BD-45C410786D51}" destId="{50A7C2CF-3FCA-413F-AE5D-1C5A134FAFDA}" srcOrd="1" destOrd="0" parTransId="{239B0206-481C-4B7E-A488-AFC7EFFC685B}" sibTransId="{6D1ED52E-2F96-4F62-9C50-2EDEE663CDB6}"/>
+    <dgm:cxn modelId="{09B7C071-99B0-4549-BFD8-1F2E2D9D4AD9}" type="presOf" srcId="{74A13260-533F-487F-BE09-E48DB56E3F92}" destId="{A027D978-D55B-4D8F-9ECF-F5FC0A8CE6EB}" srcOrd="0" destOrd="0" presId="urn:microsoft.com/office/officeart/2005/8/layout/orgChart1"/>
+    <dgm:cxn modelId="{BCB42155-D47B-4C0C-8E0B-0C75753796F1}" type="presOf" srcId="{17B9FA44-AAA7-4363-96CA-BB05A10425B4}" destId="{BE3DC108-31F5-447E-B300-DB7BB25C9139}" srcOrd="0" destOrd="0" presId="urn:microsoft.com/office/officeart/2005/8/layout/orgChart1"/>
+    <dgm:cxn modelId="{516A0378-F856-4A96-B74B-6ED24E56B893}" type="presOf" srcId="{F5B42162-CD1D-435C-B1F7-4DA9E9FD2CAF}" destId="{3294AEA3-6B19-4D05-AFA0-D67C8DB1FA42}" srcOrd="0" destOrd="0" presId="urn:microsoft.com/office/officeart/2005/8/layout/orgChart1"/>
+    <dgm:cxn modelId="{61C2EE8B-5291-4E54-B472-C8625B0BBE47}" type="presOf" srcId="{70FE43C6-0DA4-4F5A-B1FC-83A0A87D7D6C}" destId="{58D894D6-944F-446F-900C-6F270831610F}" srcOrd="0" destOrd="0" presId="urn:microsoft.com/office/officeart/2005/8/layout/orgChart1"/>
+    <dgm:cxn modelId="{032B5A8E-1797-407A-9F39-2AFDAF675F37}" type="presOf" srcId="{50A7C2CF-3FCA-413F-AE5D-1C5A134FAFDA}" destId="{7469C932-293B-4EE2-98A1-DB1BD7DCEDEA}" srcOrd="1" destOrd="0" presId="urn:microsoft.com/office/officeart/2005/8/layout/orgChart1"/>
+    <dgm:cxn modelId="{3FE6198F-7ECA-4AB5-9954-2F80277618AF}" type="presOf" srcId="{EDC9C009-22F1-4C4C-BD0B-EFAD7E3A32E5}" destId="{88C365E5-A0B9-4F95-AC17-49018204D9A5}" srcOrd="1" destOrd="0" presId="urn:microsoft.com/office/officeart/2005/8/layout/orgChart1"/>
+    <dgm:cxn modelId="{83ECC396-66C8-4A5B-8EC0-EE9FE7A39413}" type="presOf" srcId="{70FE43C6-0DA4-4F5A-B1FC-83A0A87D7D6C}" destId="{91E1887E-E661-4E13-A008-903C5FF3FE7E}" srcOrd="1" destOrd="0" presId="urn:microsoft.com/office/officeart/2005/8/layout/orgChart1"/>
+    <dgm:cxn modelId="{8A8AF49B-B6FE-40C0-A71B-4DE2FDEF9C18}" srcId="{722B92BB-A237-42B3-B0F1-8D8462AB1A33}" destId="{097C02E2-A1F3-4CCF-8B5D-80BDB88A7D86}" srcOrd="0" destOrd="0" parTransId="{69765B59-EFFF-4B26-B038-AAEE98C6C04D}" sibTransId="{7E0D1A2E-7406-4710-BA0F-0D734B0C6AEF}"/>
+    <dgm:cxn modelId="{F764C5A4-8202-4337-93D6-B2A8EA3CCDA1}" type="presOf" srcId="{94E8155F-2187-4CAE-BF4D-D60C8F9841F0}" destId="{E4ED5915-4669-4438-801C-09A02FFD535D}" srcOrd="0" destOrd="0" presId="urn:microsoft.com/office/officeart/2005/8/layout/orgChart1"/>
+    <dgm:cxn modelId="{742C1FA6-F396-439A-A1D8-75F4C63893A3}" srcId="{1783B29B-BA53-403E-95BD-45C410786D51}" destId="{722B92BB-A237-42B3-B0F1-8D8462AB1A33}" srcOrd="0" destOrd="0" parTransId="{0C4BE624-4E04-4A2F-97C7-BCE89D2F39BA}" sibTransId="{6C9A4D57-F822-4A38-8FDD-ED7D3C44B057}"/>
+    <dgm:cxn modelId="{5E0507A8-9BCD-4B22-8DC2-1B17A9C53B97}" type="presOf" srcId="{FED475BD-1753-4C01-B11D-1F43B213FE17}" destId="{D53A4437-0ED4-44E5-8BD0-4A77AB3336E2}" srcOrd="0" destOrd="0" presId="urn:microsoft.com/office/officeart/2005/8/layout/orgChart1"/>
+    <dgm:cxn modelId="{DC6F07AB-773E-4501-8059-E581F20F7F59}" type="presOf" srcId="{17B9FA44-AAA7-4363-96CA-BB05A10425B4}" destId="{C1B08E33-1A07-4736-829C-11D388431965}" srcOrd="1" destOrd="0" presId="urn:microsoft.com/office/officeart/2005/8/layout/orgChart1"/>
+    <dgm:cxn modelId="{AF770CAB-AE40-45D7-8485-175E61E127C3}" type="presOf" srcId="{3AAF8586-F5D6-4F38-AF03-F4A7D00C931F}" destId="{EAABAEDD-6E39-4B81-9252-1BD5D252A841}" srcOrd="0" destOrd="0" presId="urn:microsoft.com/office/officeart/2005/8/layout/orgChart1"/>
+    <dgm:cxn modelId="{1C78C5B5-D617-4A7E-BE43-D8113A235D1A}" type="presOf" srcId="{097C02E2-A1F3-4CCF-8B5D-80BDB88A7D86}" destId="{027086B6-9701-4E75-90D8-F2A0BB2D4A91}" srcOrd="0" destOrd="0" presId="urn:microsoft.com/office/officeart/2005/8/layout/orgChart1"/>
+    <dgm:cxn modelId="{E76110C0-0E00-4A14-91C1-3E8AE7E37405}" srcId="{097C02E2-A1F3-4CCF-8B5D-80BDB88A7D86}" destId="{17B9FA44-AAA7-4363-96CA-BB05A10425B4}" srcOrd="3" destOrd="0" parTransId="{F5B42162-CD1D-435C-B1F7-4DA9E9FD2CAF}" sibTransId="{FFD0BE4C-4493-4E6F-A4EB-467E906E87B0}"/>
+    <dgm:cxn modelId="{534542C3-78CC-47F0-BF96-40B9434E9DB3}" type="presOf" srcId="{2D025C83-BDFD-4E8E-A08D-D0EB80FFE315}" destId="{590CBC32-56A3-4A39-A398-7B9965F3D489}" srcOrd="0" destOrd="0" presId="urn:microsoft.com/office/officeart/2005/8/layout/orgChart1"/>
+    <dgm:cxn modelId="{28A273C8-CA22-46A2-A136-A636D16DEE1B}" type="presOf" srcId="{097C02E2-A1F3-4CCF-8B5D-80BDB88A7D86}" destId="{2CC8BFEF-3017-4710-8EF2-99EF37FE921B}" srcOrd="1" destOrd="0" presId="urn:microsoft.com/office/officeart/2005/8/layout/orgChart1"/>
+    <dgm:cxn modelId="{0E20D4D1-CF2D-4A3E-BC23-B467077975FE}" srcId="{6A8A18B2-7F93-490F-9985-E06DDD1AA730}" destId="{74A13260-533F-487F-BE09-E48DB56E3F92}" srcOrd="0" destOrd="0" parTransId="{659708D0-2234-47F0-8704-CC4320A8714F}" sibTransId="{B30740EB-664A-4103-A18F-7C095462BD48}"/>
+    <dgm:cxn modelId="{F71F95DF-0B30-43AC-927F-7F63F733FF9B}" type="presOf" srcId="{722B92BB-A237-42B3-B0F1-8D8462AB1A33}" destId="{235DE7B5-7A9F-4E7F-B0A3-8CF710C58175}" srcOrd="1" destOrd="0" presId="urn:microsoft.com/office/officeart/2005/8/layout/orgChart1"/>
+    <dgm:cxn modelId="{75F492E2-24E8-4C32-93E5-B2FDE3384761}" type="presOf" srcId="{6A8A18B2-7F93-490F-9985-E06DDD1AA730}" destId="{A141AF1C-7EC2-4205-81BC-9FD40F648A9D}" srcOrd="0" destOrd="0" presId="urn:microsoft.com/office/officeart/2005/8/layout/orgChart1"/>
+    <dgm:cxn modelId="{8D5E25F0-2713-4E40-82E5-58221E085153}" srcId="{097C02E2-A1F3-4CCF-8B5D-80BDB88A7D86}" destId="{B5E5AF00-7784-4522-ADE4-AE5D7A7A945B}" srcOrd="1" destOrd="0" parTransId="{FED475BD-1753-4C01-B11D-1F43B213FE17}" sibTransId="{B95DE573-F5CC-40C0-802E-3B5C0420E097}"/>
+    <dgm:cxn modelId="{6B0A5DF1-DB0A-4A0A-B232-66B74B152EAA}" type="presOf" srcId="{94E8155F-2187-4CAE-BF4D-D60C8F9841F0}" destId="{0EC6B267-3626-483D-8A81-0AB5E179758A}" srcOrd="1" destOrd="0" presId="urn:microsoft.com/office/officeart/2005/8/layout/orgChart1"/>
+    <dgm:cxn modelId="{E3B29DFA-8DBE-48ED-A25B-CECE962CD3D3}" srcId="{6A8A18B2-7F93-490F-9985-E06DDD1AA730}" destId="{EDC9C009-22F1-4C4C-BD0B-EFAD7E3A32E5}" srcOrd="1" destOrd="0" parTransId="{2D025C83-BDFD-4E8E-A08D-D0EB80FFE315}" sibTransId="{77A4DF8A-FD8D-4170-8EEB-4BB01300E7AB}"/>
+    <dgm:cxn modelId="{9664BAFB-E28A-472D-815E-5E0D792BF6BB}" type="presOf" srcId="{EDC9C009-22F1-4C4C-BD0B-EFAD7E3A32E5}" destId="{35BC7145-66FB-431A-8D82-81210901C82B}" srcOrd="0" destOrd="0" presId="urn:microsoft.com/office/officeart/2005/8/layout/orgChart1"/>
+    <dgm:cxn modelId="{77B453FF-651C-4D47-AC42-8C54C79F496E}" type="presOf" srcId="{B5E5AF00-7784-4522-ADE4-AE5D7A7A945B}" destId="{D1CE3C61-7196-4842-803E-9B57618348B0}" srcOrd="0" destOrd="0" presId="urn:microsoft.com/office/officeart/2005/8/layout/orgChart1"/>
+    <dgm:cxn modelId="{EFC56E6A-95E1-4113-9A78-F752C159E60A}" type="presParOf" srcId="{74FCF6C2-BAE6-45EC-BDCE-E4B45D3996E2}" destId="{A3C63833-B7F7-4038-B0F2-C6FCD86D7A83}" srcOrd="0" destOrd="0" presId="urn:microsoft.com/office/officeart/2005/8/layout/orgChart1"/>
+    <dgm:cxn modelId="{1FAE5C29-B3F3-4BFC-B8AC-299C0DE523F5}" type="presParOf" srcId="{A3C63833-B7F7-4038-B0F2-C6FCD86D7A83}" destId="{8B82B447-998F-42A3-9B7B-99ED5BEEA786}" srcOrd="0" destOrd="0" presId="urn:microsoft.com/office/officeart/2005/8/layout/orgChart1"/>
+    <dgm:cxn modelId="{9E4E2847-1657-4265-A97B-007BA0BB243F}" type="presParOf" srcId="{8B82B447-998F-42A3-9B7B-99ED5BEEA786}" destId="{ED59A847-C4E7-43E4-B750-C8EE47BC21B3}" srcOrd="0" destOrd="0" presId="urn:microsoft.com/office/officeart/2005/8/layout/orgChart1"/>
+    <dgm:cxn modelId="{6306FBB5-E76B-4837-BA3C-96DF2550A300}" type="presParOf" srcId="{8B82B447-998F-42A3-9B7B-99ED5BEEA786}" destId="{235DE7B5-7A9F-4E7F-B0A3-8CF710C58175}" srcOrd="1" destOrd="0" presId="urn:microsoft.com/office/officeart/2005/8/layout/orgChart1"/>
+    <dgm:cxn modelId="{5D503A3B-BD02-4239-AF24-61C427E8793E}" type="presParOf" srcId="{A3C63833-B7F7-4038-B0F2-C6FCD86D7A83}" destId="{3B194A2C-BF3B-4DDE-81F3-DFDADC563874}" srcOrd="1" destOrd="0" presId="urn:microsoft.com/office/officeart/2005/8/layout/orgChart1"/>
+    <dgm:cxn modelId="{58DD717D-9B0B-40C4-BF9F-9EAE8B185900}" type="presParOf" srcId="{3B194A2C-BF3B-4DDE-81F3-DFDADC563874}" destId="{EA658CC5-C3C5-468C-AC7D-1E85AEB06105}" srcOrd="0" destOrd="0" presId="urn:microsoft.com/office/officeart/2005/8/layout/orgChart1"/>
+    <dgm:cxn modelId="{6466608A-FAB6-454C-95A8-3C8101CDCCCB}" type="presParOf" srcId="{3B194A2C-BF3B-4DDE-81F3-DFDADC563874}" destId="{F0FE3EF1-7F53-45CF-BA20-B3BBC3D1B751}" srcOrd="1" destOrd="0" presId="urn:microsoft.com/office/officeart/2005/8/layout/orgChart1"/>
+    <dgm:cxn modelId="{79429F43-BD96-45F5-AEB9-0BB0CC14EE90}" type="presParOf" srcId="{F0FE3EF1-7F53-45CF-BA20-B3BBC3D1B751}" destId="{D636204A-AE59-4191-8D31-49E07F42D052}" srcOrd="0" destOrd="0" presId="urn:microsoft.com/office/officeart/2005/8/layout/orgChart1"/>
+    <dgm:cxn modelId="{812BF64D-0082-480A-B8C1-576360C55E4F}" type="presParOf" srcId="{D636204A-AE59-4191-8D31-49E07F42D052}" destId="{027086B6-9701-4E75-90D8-F2A0BB2D4A91}" srcOrd="0" destOrd="0" presId="urn:microsoft.com/office/officeart/2005/8/layout/orgChart1"/>
+    <dgm:cxn modelId="{EFEE5FCC-65FD-4310-9B6C-CC92A87DB192}" type="presParOf" srcId="{D636204A-AE59-4191-8D31-49E07F42D052}" destId="{2CC8BFEF-3017-4710-8EF2-99EF37FE921B}" srcOrd="1" destOrd="0" presId="urn:microsoft.com/office/officeart/2005/8/layout/orgChart1"/>
+    <dgm:cxn modelId="{E2D0492C-0D6D-4DE1-8DE7-1D50B33A7FE1}" type="presParOf" srcId="{F0FE3EF1-7F53-45CF-BA20-B3BBC3D1B751}" destId="{B25BA49C-33AE-42E6-AAE0-7747E484023A}" srcOrd="1" destOrd="0" presId="urn:microsoft.com/office/officeart/2005/8/layout/orgChart1"/>
+    <dgm:cxn modelId="{B98C1FF1-B6DB-49A0-BF3A-C140DCA91442}" type="presParOf" srcId="{B25BA49C-33AE-42E6-AAE0-7747E484023A}" destId="{E942735B-A981-4444-9624-7891E0990E6F}" srcOrd="0" destOrd="0" presId="urn:microsoft.com/office/officeart/2005/8/layout/orgChart1"/>
+    <dgm:cxn modelId="{05335E13-821F-422C-A3C9-43F01CEF69ED}" type="presParOf" srcId="{B25BA49C-33AE-42E6-AAE0-7747E484023A}" destId="{02FF6549-D7A5-4F93-9945-CA32E7B52CD9}" srcOrd="1" destOrd="0" presId="urn:microsoft.com/office/officeart/2005/8/layout/orgChart1"/>
+    <dgm:cxn modelId="{1B5397E7-7155-4884-B012-9AA3690D4522}" type="presParOf" srcId="{02FF6549-D7A5-4F93-9945-CA32E7B52CD9}" destId="{20F56B3E-F170-47B9-962A-7B3292DC9DF2}" srcOrd="0" destOrd="0" presId="urn:microsoft.com/office/officeart/2005/8/layout/orgChart1"/>
+    <dgm:cxn modelId="{8BC2738D-9FA9-435E-8CAC-9D8B3CB19F6C}" type="presParOf" srcId="{20F56B3E-F170-47B9-962A-7B3292DC9DF2}" destId="{58D894D6-944F-446F-900C-6F270831610F}" srcOrd="0" destOrd="0" presId="urn:microsoft.com/office/officeart/2005/8/layout/orgChart1"/>
+    <dgm:cxn modelId="{04426C78-FECA-4BAC-A91A-6AD4B0B1FDF5}" type="presParOf" srcId="{20F56B3E-F170-47B9-962A-7B3292DC9DF2}" destId="{91E1887E-E661-4E13-A008-903C5FF3FE7E}" srcOrd="1" destOrd="0" presId="urn:microsoft.com/office/officeart/2005/8/layout/orgChart1"/>
+    <dgm:cxn modelId="{14440D16-843E-416A-8FAC-81216ED98AEB}" type="presParOf" srcId="{02FF6549-D7A5-4F93-9945-CA32E7B52CD9}" destId="{83A01D0C-4321-4E7C-B42F-C347928281DE}" srcOrd="1" destOrd="0" presId="urn:microsoft.com/office/officeart/2005/8/layout/orgChart1"/>
+    <dgm:cxn modelId="{7D3564B5-1013-4A99-88D3-BFA100527771}" type="presParOf" srcId="{02FF6549-D7A5-4F93-9945-CA32E7B52CD9}" destId="{30945C5D-5560-405E-A1CA-6B06EE0924E5}" srcOrd="2" destOrd="0" presId="urn:microsoft.com/office/officeart/2005/8/layout/orgChart1"/>
+    <dgm:cxn modelId="{C94F23F1-B5E0-4261-8710-3387D486A64E}" type="presParOf" srcId="{B25BA49C-33AE-42E6-AAE0-7747E484023A}" destId="{D53A4437-0ED4-44E5-8BD0-4A77AB3336E2}" srcOrd="2" destOrd="0" presId="urn:microsoft.com/office/officeart/2005/8/layout/orgChart1"/>
+    <dgm:cxn modelId="{16CC63F9-C0B7-454A-969D-0FDF815F2491}" type="presParOf" srcId="{B25BA49C-33AE-42E6-AAE0-7747E484023A}" destId="{52E88F67-DD35-4D13-BFE2-4AD2AFF2221D}" srcOrd="3" destOrd="0" presId="urn:microsoft.com/office/officeart/2005/8/layout/orgChart1"/>
+    <dgm:cxn modelId="{B5036886-EA1B-4866-9E0C-392540AA5430}" type="presParOf" srcId="{52E88F67-DD35-4D13-BFE2-4AD2AFF2221D}" destId="{A638583C-2D33-49F5-AFDB-F8BCA40F12FF}" srcOrd="0" destOrd="0" presId="urn:microsoft.com/office/officeart/2005/8/layout/orgChart1"/>
+    <dgm:cxn modelId="{D2157C82-1AD5-444C-949E-7991D196A4C6}" type="presParOf" srcId="{A638583C-2D33-49F5-AFDB-F8BCA40F12FF}" destId="{D1CE3C61-7196-4842-803E-9B57618348B0}" srcOrd="0" destOrd="0" presId="urn:microsoft.com/office/officeart/2005/8/layout/orgChart1"/>
+    <dgm:cxn modelId="{D8173ED5-8A39-4222-9335-D90CE834E9F5}" type="presParOf" srcId="{A638583C-2D33-49F5-AFDB-F8BCA40F12FF}" destId="{092302D9-D38D-4DFF-8DC8-F3F2DFCCEDF7}" srcOrd="1" destOrd="0" presId="urn:microsoft.com/office/officeart/2005/8/layout/orgChart1"/>
+    <dgm:cxn modelId="{482F557B-D815-4338-9A39-5051FC4ED052}" type="presParOf" srcId="{52E88F67-DD35-4D13-BFE2-4AD2AFF2221D}" destId="{C02213BA-1995-4F30-89CA-57EBF92A85FD}" srcOrd="1" destOrd="0" presId="urn:microsoft.com/office/officeart/2005/8/layout/orgChart1"/>
+    <dgm:cxn modelId="{792DB350-DAE6-4DE4-BA62-B08466745830}" type="presParOf" srcId="{52E88F67-DD35-4D13-BFE2-4AD2AFF2221D}" destId="{2248A21D-E7ED-4173-B5F0-13982550E53D}" srcOrd="2" destOrd="0" presId="urn:microsoft.com/office/officeart/2005/8/layout/orgChart1"/>
+    <dgm:cxn modelId="{78D145D0-15EC-437A-AA76-201DA941A188}" type="presParOf" srcId="{B25BA49C-33AE-42E6-AAE0-7747E484023A}" destId="{EAABAEDD-6E39-4B81-9252-1BD5D252A841}" srcOrd="4" destOrd="0" presId="urn:microsoft.com/office/officeart/2005/8/layout/orgChart1"/>
+    <dgm:cxn modelId="{AC8575F5-DD16-40EB-B037-8A075B5BAA94}" type="presParOf" srcId="{B25BA49C-33AE-42E6-AAE0-7747E484023A}" destId="{A77B7F1A-265A-4814-AAFF-CE7FE501BA9A}" srcOrd="5" destOrd="0" presId="urn:microsoft.com/office/officeart/2005/8/layout/orgChart1"/>
+    <dgm:cxn modelId="{7C4FEF5E-F442-4258-945D-E0A718B8B99C}" type="presParOf" srcId="{A77B7F1A-265A-4814-AAFF-CE7FE501BA9A}" destId="{C61368BA-5820-45C6-9EC3-B58E6D04801E}" srcOrd="0" destOrd="0" presId="urn:microsoft.com/office/officeart/2005/8/layout/orgChart1"/>
+    <dgm:cxn modelId="{417F691E-3014-4A86-80BD-5497B6980174}" type="presParOf" srcId="{C61368BA-5820-45C6-9EC3-B58E6D04801E}" destId="{E4ED5915-4669-4438-801C-09A02FFD535D}" srcOrd="0" destOrd="0" presId="urn:microsoft.com/office/officeart/2005/8/layout/orgChart1"/>
+    <dgm:cxn modelId="{988D9F06-AD31-4976-B5D7-138FF54CC589}" type="presParOf" srcId="{C61368BA-5820-45C6-9EC3-B58E6D04801E}" destId="{0EC6B267-3626-483D-8A81-0AB5E179758A}" srcOrd="1" destOrd="0" presId="urn:microsoft.com/office/officeart/2005/8/layout/orgChart1"/>
+    <dgm:cxn modelId="{8808817D-D703-403B-B142-093A7A0B384A}" type="presParOf" srcId="{A77B7F1A-265A-4814-AAFF-CE7FE501BA9A}" destId="{C5D3547C-891C-44C9-A307-B94EC0D25A92}" srcOrd="1" destOrd="0" presId="urn:microsoft.com/office/officeart/2005/8/layout/orgChart1"/>
+    <dgm:cxn modelId="{E05B3D4A-BCE9-40BE-877F-4F59F16EA1DD}" type="presParOf" srcId="{A77B7F1A-265A-4814-AAFF-CE7FE501BA9A}" destId="{DB1C4319-BE1D-422A-AA80-2A3265C901C8}" srcOrd="2" destOrd="0" presId="urn:microsoft.com/office/officeart/2005/8/layout/orgChart1"/>
+    <dgm:cxn modelId="{9A118F22-9CE5-489C-84E6-925DF09E03A7}" type="presParOf" srcId="{B25BA49C-33AE-42E6-AAE0-7747E484023A}" destId="{3294AEA3-6B19-4D05-AFA0-D67C8DB1FA42}" srcOrd="6" destOrd="0" presId="urn:microsoft.com/office/officeart/2005/8/layout/orgChart1"/>
+    <dgm:cxn modelId="{0B4C2B1F-2990-45BA-A2C5-0475786BDD98}" type="presParOf" srcId="{B25BA49C-33AE-42E6-AAE0-7747E484023A}" destId="{FCB38618-A26D-4083-9D59-86D31BBA314A}" srcOrd="7" destOrd="0" presId="urn:microsoft.com/office/officeart/2005/8/layout/orgChart1"/>
+    <dgm:cxn modelId="{3AB1C8EC-7A9B-4345-8F02-C059C19B6E78}" type="presParOf" srcId="{FCB38618-A26D-4083-9D59-86D31BBA314A}" destId="{2AB41B52-C2BB-45FF-BB37-0790EDE26534}" srcOrd="0" destOrd="0" presId="urn:microsoft.com/office/officeart/2005/8/layout/orgChart1"/>
+    <dgm:cxn modelId="{E74FCBAE-E66A-40E4-AF8F-C5E43A8A0274}" type="presParOf" srcId="{2AB41B52-C2BB-45FF-BB37-0790EDE26534}" destId="{BE3DC108-31F5-447E-B300-DB7BB25C9139}" srcOrd="0" destOrd="0" presId="urn:microsoft.com/office/officeart/2005/8/layout/orgChart1"/>
+    <dgm:cxn modelId="{D06BBC8F-D732-4BC8-96AF-5A8A24DFBE01}" type="presParOf" srcId="{2AB41B52-C2BB-45FF-BB37-0790EDE26534}" destId="{C1B08E33-1A07-4736-829C-11D388431965}" srcOrd="1" destOrd="0" presId="urn:microsoft.com/office/officeart/2005/8/layout/orgChart1"/>
+    <dgm:cxn modelId="{EF279FF2-FD8A-4756-83AF-0D0FBA590DA6}" type="presParOf" srcId="{FCB38618-A26D-4083-9D59-86D31BBA314A}" destId="{F76F1957-DD4D-402C-83CB-C23399EE4F7B}" srcOrd="1" destOrd="0" presId="urn:microsoft.com/office/officeart/2005/8/layout/orgChart1"/>
+    <dgm:cxn modelId="{73D04D53-2C98-4F04-BFAE-242C40EF75EA}" type="presParOf" srcId="{FCB38618-A26D-4083-9D59-86D31BBA314A}" destId="{524B5BF2-CB14-46B0-A669-FF9B963FA1C8}" srcOrd="2" destOrd="0" presId="urn:microsoft.com/office/officeart/2005/8/layout/orgChart1"/>
+    <dgm:cxn modelId="{B4893B19-0AED-4C27-AF65-4A1160410C5B}" type="presParOf" srcId="{F0FE3EF1-7F53-45CF-BA20-B3BBC3D1B751}" destId="{30DD3BB4-3B7B-4499-83FE-2BB1683EF538}" srcOrd="2" destOrd="0" presId="urn:microsoft.com/office/officeart/2005/8/layout/orgChart1"/>
+    <dgm:cxn modelId="{ADE2ED96-5061-4A1C-88A9-1C7ADDC74010}" type="presParOf" srcId="{3B194A2C-BF3B-4DDE-81F3-DFDADC563874}" destId="{E223DC11-9B1E-493A-9CF7-6B06F40CED8E}" srcOrd="2" destOrd="0" presId="urn:microsoft.com/office/officeart/2005/8/layout/orgChart1"/>
+    <dgm:cxn modelId="{79324243-3C80-473A-A471-03BD9D8DC2FC}" type="presParOf" srcId="{3B194A2C-BF3B-4DDE-81F3-DFDADC563874}" destId="{6EF392D7-1D31-4FE2-889B-0E10CBC7BC14}" srcOrd="3" destOrd="0" presId="urn:microsoft.com/office/officeart/2005/8/layout/orgChart1"/>
+    <dgm:cxn modelId="{97E31508-F766-4344-AAA0-006470EDC2B5}" type="presParOf" srcId="{6EF392D7-1D31-4FE2-889B-0E10CBC7BC14}" destId="{10AF6647-0B03-40E2-995D-A4FAA6E329DC}" srcOrd="0" destOrd="0" presId="urn:microsoft.com/office/officeart/2005/8/layout/orgChart1"/>
+    <dgm:cxn modelId="{4B15657D-122A-4C16-888D-DC7592CC78CA}" type="presParOf" srcId="{10AF6647-0B03-40E2-995D-A4FAA6E329DC}" destId="{A141AF1C-7EC2-4205-81BC-9FD40F648A9D}" srcOrd="0" destOrd="0" presId="urn:microsoft.com/office/officeart/2005/8/layout/orgChart1"/>
+    <dgm:cxn modelId="{BD024EB7-F0C3-4CE9-AE4B-264AE73EA500}" type="presParOf" srcId="{10AF6647-0B03-40E2-995D-A4FAA6E329DC}" destId="{0D97F312-18FC-4FEB-BAB2-F4355116F285}" srcOrd="1" destOrd="0" presId="urn:microsoft.com/office/officeart/2005/8/layout/orgChart1"/>
+    <dgm:cxn modelId="{B94CC857-5B6F-404E-B8A3-3ABF6E69C4D5}" type="presParOf" srcId="{6EF392D7-1D31-4FE2-889B-0E10CBC7BC14}" destId="{00305531-16D0-4178-A779-CFAC725084B0}" srcOrd="1" destOrd="0" presId="urn:microsoft.com/office/officeart/2005/8/layout/orgChart1"/>
+    <dgm:cxn modelId="{272A7534-1562-4F15-8751-868989BC134F}" type="presParOf" srcId="{00305531-16D0-4178-A779-CFAC725084B0}" destId="{B5FE3E8C-F0A2-4187-B1B6-78DCF0E50A3F}" srcOrd="0" destOrd="0" presId="urn:microsoft.com/office/officeart/2005/8/layout/orgChart1"/>
+    <dgm:cxn modelId="{682E0C11-37FA-4319-A646-FF9301551C0A}" type="presParOf" srcId="{00305531-16D0-4178-A779-CFAC725084B0}" destId="{871A6951-3001-4AA2-ABE4-9E3981E68F51}" srcOrd="1" destOrd="0" presId="urn:microsoft.com/office/officeart/2005/8/layout/orgChart1"/>
+    <dgm:cxn modelId="{18E69474-11D4-4690-81D6-705949248357}" type="presParOf" srcId="{871A6951-3001-4AA2-ABE4-9E3981E68F51}" destId="{A44202ED-2B81-41A4-A25E-9B1CE75898B1}" srcOrd="0" destOrd="0" presId="urn:microsoft.com/office/officeart/2005/8/layout/orgChart1"/>
+    <dgm:cxn modelId="{09C12236-A8A8-4FC7-AE8E-9C74378911A2}" type="presParOf" srcId="{A44202ED-2B81-41A4-A25E-9B1CE75898B1}" destId="{A027D978-D55B-4D8F-9ECF-F5FC0A8CE6EB}" srcOrd="0" destOrd="0" presId="urn:microsoft.com/office/officeart/2005/8/layout/orgChart1"/>
+    <dgm:cxn modelId="{59A9D947-701A-465C-9977-53EB42B9EC0F}" type="presParOf" srcId="{A44202ED-2B81-41A4-A25E-9B1CE75898B1}" destId="{18B4804F-14E5-4ACB-99FB-F27F52C07031}" srcOrd="1" destOrd="0" presId="urn:microsoft.com/office/officeart/2005/8/layout/orgChart1"/>
+    <dgm:cxn modelId="{DF91DD2E-F2A5-4D2A-8A60-7C57799CA7CE}" type="presParOf" srcId="{871A6951-3001-4AA2-ABE4-9E3981E68F51}" destId="{7BB3EAF4-7FE0-480C-8CB9-C8BE49741BCA}" srcOrd="1" destOrd="0" presId="urn:microsoft.com/office/officeart/2005/8/layout/orgChart1"/>
+    <dgm:cxn modelId="{220FE6CC-6571-40E2-8B37-53FD781AA793}" type="presParOf" srcId="{871A6951-3001-4AA2-ABE4-9E3981E68F51}" destId="{FC00427E-A357-47C0-9546-A683EB6273DC}" srcOrd="2" destOrd="0" presId="urn:microsoft.com/office/officeart/2005/8/layout/orgChart1"/>
+    <dgm:cxn modelId="{C4AA43FA-AD5F-4D57-BD20-C97889752709}" type="presParOf" srcId="{00305531-16D0-4178-A779-CFAC725084B0}" destId="{590CBC32-56A3-4A39-A398-7B9965F3D489}" srcOrd="2" destOrd="0" presId="urn:microsoft.com/office/officeart/2005/8/layout/orgChart1"/>
+    <dgm:cxn modelId="{B666CCE9-67DA-4C89-85B6-6C0711B553B0}" type="presParOf" srcId="{00305531-16D0-4178-A779-CFAC725084B0}" destId="{97582487-09B3-45B4-B35C-522FA8C78BD8}" srcOrd="3" destOrd="0" presId="urn:microsoft.com/office/officeart/2005/8/layout/orgChart1"/>
+    <dgm:cxn modelId="{80910015-6140-4907-A761-E8130F1A752F}" type="presParOf" srcId="{97582487-09B3-45B4-B35C-522FA8C78BD8}" destId="{394EEFAA-EF48-4CC6-AFBD-8396310016EA}" srcOrd="0" destOrd="0" presId="urn:microsoft.com/office/officeart/2005/8/layout/orgChart1"/>
+    <dgm:cxn modelId="{F36E9400-1C0E-4ACD-BCDB-5B4167F036AE}" type="presParOf" srcId="{394EEFAA-EF48-4CC6-AFBD-8396310016EA}" destId="{35BC7145-66FB-431A-8D82-81210901C82B}" srcOrd="0" destOrd="0" presId="urn:microsoft.com/office/officeart/2005/8/layout/orgChart1"/>
+    <dgm:cxn modelId="{1B990131-EF05-4367-BA7F-226F22E32C67}" type="presParOf" srcId="{394EEFAA-EF48-4CC6-AFBD-8396310016EA}" destId="{88C365E5-A0B9-4F95-AC17-49018204D9A5}" srcOrd="1" destOrd="0" presId="urn:microsoft.com/office/officeart/2005/8/layout/orgChart1"/>
+    <dgm:cxn modelId="{3E666AA7-D566-47DE-B7FF-17C2DC83A0DC}" type="presParOf" srcId="{97582487-09B3-45B4-B35C-522FA8C78BD8}" destId="{12F358BB-6746-450B-B58D-113B887ED1F1}" srcOrd="1" destOrd="0" presId="urn:microsoft.com/office/officeart/2005/8/layout/orgChart1"/>
+    <dgm:cxn modelId="{8B993A71-BCEC-4A16-92CC-AEF34AF72640}" type="presParOf" srcId="{97582487-09B3-45B4-B35C-522FA8C78BD8}" destId="{9BFFE899-8DBF-4A6B-B71D-F4C6782DD05A}" srcOrd="2" destOrd="0" presId="urn:microsoft.com/office/officeart/2005/8/layout/orgChart1"/>
+    <dgm:cxn modelId="{972CB775-A421-45D5-9F8B-DDC2D61664CF}" type="presParOf" srcId="{6EF392D7-1D31-4FE2-889B-0E10CBC7BC14}" destId="{DFD6D985-BA43-400B-AE55-9EAFE397187B}" srcOrd="2" destOrd="0" presId="urn:microsoft.com/office/officeart/2005/8/layout/orgChart1"/>
+    <dgm:cxn modelId="{7704EDE2-C73C-4CDD-97D5-C739E44D2634}" type="presParOf" srcId="{A3C63833-B7F7-4038-B0F2-C6FCD86D7A83}" destId="{CF4B0A58-DF5B-4EE6-BD51-E29E34E896AD}" srcOrd="2" destOrd="0" presId="urn:microsoft.com/office/officeart/2005/8/layout/orgChart1"/>
+    <dgm:cxn modelId="{CF142265-032F-425C-ACDC-BD93007411B0}" type="presParOf" srcId="{74FCF6C2-BAE6-45EC-BDCE-E4B45D3996E2}" destId="{D6D5C3C8-496B-40EA-BC89-CBBA6E021F2A}" srcOrd="1" destOrd="0" presId="urn:microsoft.com/office/officeart/2005/8/layout/orgChart1"/>
+    <dgm:cxn modelId="{93552623-7F51-4251-A449-5F40DB590DE7}" type="presParOf" srcId="{D6D5C3C8-496B-40EA-BC89-CBBA6E021F2A}" destId="{2D7286EB-DED4-455C-9683-976A0D389EBE}" srcOrd="0" destOrd="0" presId="urn:microsoft.com/office/officeart/2005/8/layout/orgChart1"/>
+    <dgm:cxn modelId="{5FD941C9-CF4C-46C9-A125-C078E9E5AB92}" type="presParOf" srcId="{2D7286EB-DED4-455C-9683-976A0D389EBE}" destId="{9154B44B-A7EE-4636-9085-27D226F40DD3}" srcOrd="0" destOrd="0" presId="urn:microsoft.com/office/officeart/2005/8/layout/orgChart1"/>
+    <dgm:cxn modelId="{4D328C56-AE5E-4C0C-8B26-0545278A1988}" type="presParOf" srcId="{2D7286EB-DED4-455C-9683-976A0D389EBE}" destId="{7469C932-293B-4EE2-98A1-DB1BD7DCEDEA}" srcOrd="1" destOrd="0" presId="urn:microsoft.com/office/officeart/2005/8/layout/orgChart1"/>
+    <dgm:cxn modelId="{BFDE10A7-A6FF-4A08-8063-481F6F92F425}" type="presParOf" srcId="{D6D5C3C8-496B-40EA-BC89-CBBA6E021F2A}" destId="{5F41EC1D-29EE-4ADF-9B46-EC88765B93AB}" srcOrd="1" destOrd="0" presId="urn:microsoft.com/office/officeart/2005/8/layout/orgChart1"/>
+    <dgm:cxn modelId="{5CC18656-436D-4C09-A48F-32F37C5AB3A6}" type="presParOf" srcId="{D6D5C3C8-496B-40EA-BC89-CBBA6E021F2A}" destId="{939BCC0D-9A99-4103-8CD7-4DC0D342F990}" srcOrd="2" destOrd="0" presId="urn:microsoft.com/office/officeart/2005/8/layout/orgChart1"/>
+  </dgm:cxnLst>
+  <dgm:bg/>
+  <dgm:whole/>
+  <dgm:extLst>
+    <a:ext uri="http://schemas.microsoft.com/office/drawing/2008/diagram">
+      <dsp:dataModelExt xmlns:dsp="http://schemas.microsoft.com/office/drawing/2008/diagram" relId="rId6" minVer="http://schemas.openxmlformats.org/drawingml/2006/diagram"/>
     </a:ext>
   </dgm:extLst>
 </dgm:dataModel>
@@ -2100,6 +3946,1191 @@
       <dsp:txXfrm>
         <a:off x="1196658" y="1838000"/>
         <a:ext cx="2005823" cy="1075077"/>
+      </dsp:txXfrm>
+    </dsp:sp>
+  </dsp:spTree>
+</dsp:drawing>
+</file>
+
+<file path=ppt/diagrams/drawing2.xml><?xml version="1.0" encoding="utf-8"?>
+<dsp:drawing xmlns:dgm="http://schemas.openxmlformats.org/drawingml/2006/diagram" xmlns:dsp="http://schemas.microsoft.com/office/drawing/2008/diagram" xmlns:a="http://schemas.openxmlformats.org/drawingml/2006/main">
+  <dsp:spTree>
+    <dsp:nvGrpSpPr>
+      <dsp:cNvPr id="0" name=""/>
+      <dsp:cNvGrpSpPr/>
+    </dsp:nvGrpSpPr>
+    <dsp:grpSpPr/>
+    <dsp:sp modelId="{590CBC32-56A3-4A39-A398-7B9965F3D489}">
+      <dsp:nvSpPr>
+        <dsp:cNvPr id="0" name=""/>
+        <dsp:cNvSpPr/>
+      </dsp:nvSpPr>
+      <dsp:spPr>
+        <a:xfrm>
+          <a:off x="3422600" y="1742757"/>
+          <a:ext cx="185224" cy="1597784"/>
+        </a:xfrm>
+        <a:custGeom>
+          <a:avLst/>
+          <a:gdLst/>
+          <a:ahLst/>
+          <a:cxnLst/>
+          <a:rect l="0" t="0" r="0" b="0"/>
+          <a:pathLst>
+            <a:path>
+              <a:moveTo>
+                <a:pt x="0" y="0"/>
+              </a:moveTo>
+              <a:lnTo>
+                <a:pt x="0" y="1597784"/>
+              </a:lnTo>
+              <a:lnTo>
+                <a:pt x="185224" y="1597784"/>
+              </a:lnTo>
+            </a:path>
+          </a:pathLst>
+        </a:custGeom>
+        <a:noFill/>
+        <a:ln w="76200" cap="flat" cmpd="sng" algn="ctr">
+          <a:solidFill>
+            <a:schemeClr val="accent1"/>
+          </a:solidFill>
+          <a:prstDash val="solid"/>
+          <a:miter lim="800000"/>
+        </a:ln>
+        <a:effectLst/>
+      </dsp:spPr>
+      <dsp:style>
+        <a:lnRef idx="2">
+          <a:scrgbClr r="0" g="0" b="0"/>
+        </a:lnRef>
+        <a:fillRef idx="0">
+          <a:scrgbClr r="0" g="0" b="0"/>
+        </a:fillRef>
+        <a:effectRef idx="0">
+          <a:scrgbClr r="0" g="0" b="0"/>
+        </a:effectRef>
+        <a:fontRef idx="minor"/>
+      </dsp:style>
+    </dsp:sp>
+    <dsp:sp modelId="{B5FE3E8C-F0A2-4187-B1B6-78DCF0E50A3F}">
+      <dsp:nvSpPr>
+        <dsp:cNvPr id="0" name=""/>
+        <dsp:cNvSpPr/>
+      </dsp:nvSpPr>
+      <dsp:spPr>
+        <a:xfrm>
+          <a:off x="3422600" y="1742757"/>
+          <a:ext cx="185224" cy="609280"/>
+        </a:xfrm>
+        <a:custGeom>
+          <a:avLst/>
+          <a:gdLst/>
+          <a:ahLst/>
+          <a:cxnLst/>
+          <a:rect l="0" t="0" r="0" b="0"/>
+          <a:pathLst>
+            <a:path>
+              <a:moveTo>
+                <a:pt x="0" y="0"/>
+              </a:moveTo>
+              <a:lnTo>
+                <a:pt x="0" y="609280"/>
+              </a:lnTo>
+              <a:lnTo>
+                <a:pt x="185224" y="609280"/>
+              </a:lnTo>
+            </a:path>
+          </a:pathLst>
+        </a:custGeom>
+        <a:noFill/>
+        <a:ln w="76200" cap="flat" cmpd="sng" algn="ctr">
+          <a:solidFill>
+            <a:schemeClr val="accent1"/>
+          </a:solidFill>
+          <a:prstDash val="solid"/>
+          <a:miter lim="800000"/>
+        </a:ln>
+        <a:effectLst/>
+      </dsp:spPr>
+      <dsp:style>
+        <a:lnRef idx="2">
+          <a:scrgbClr r="0" g="0" b="0"/>
+        </a:lnRef>
+        <a:fillRef idx="0">
+          <a:scrgbClr r="0" g="0" b="0"/>
+        </a:fillRef>
+        <a:effectRef idx="0">
+          <a:scrgbClr r="0" g="0" b="0"/>
+        </a:effectRef>
+        <a:fontRef idx="minor"/>
+      </dsp:style>
+    </dsp:sp>
+    <dsp:sp modelId="{E223DC11-9B1E-493A-9CF7-6B06F40CED8E}">
+      <dsp:nvSpPr>
+        <dsp:cNvPr id="0" name=""/>
+        <dsp:cNvSpPr/>
+      </dsp:nvSpPr>
+      <dsp:spPr>
+        <a:xfrm>
+          <a:off x="3021627" y="826460"/>
+          <a:ext cx="957332" cy="171745"/>
+        </a:xfrm>
+        <a:custGeom>
+          <a:avLst/>
+          <a:gdLst/>
+          <a:ahLst/>
+          <a:cxnLst/>
+          <a:rect l="0" t="0" r="0" b="0"/>
+          <a:pathLst>
+            <a:path>
+              <a:moveTo>
+                <a:pt x="0" y="0"/>
+              </a:moveTo>
+              <a:lnTo>
+                <a:pt x="0" y="163170"/>
+              </a:lnTo>
+              <a:lnTo>
+                <a:pt x="957332" y="163170"/>
+              </a:lnTo>
+              <a:lnTo>
+                <a:pt x="957332" y="171745"/>
+              </a:lnTo>
+            </a:path>
+          </a:pathLst>
+        </a:custGeom>
+        <a:noFill/>
+        <a:ln w="73025" cap="flat" cmpd="sng" algn="ctr">
+          <a:solidFill>
+            <a:schemeClr val="accent1"/>
+          </a:solidFill>
+          <a:prstDash val="solid"/>
+          <a:miter lim="800000"/>
+        </a:ln>
+        <a:effectLst/>
+      </dsp:spPr>
+      <dsp:style>
+        <a:lnRef idx="2">
+          <a:scrgbClr r="0" g="0" b="0"/>
+        </a:lnRef>
+        <a:fillRef idx="0">
+          <a:scrgbClr r="0" g="0" b="0"/>
+        </a:fillRef>
+        <a:effectRef idx="0">
+          <a:scrgbClr r="0" g="0" b="0"/>
+        </a:effectRef>
+        <a:fontRef idx="minor"/>
+      </dsp:style>
+    </dsp:sp>
+    <dsp:sp modelId="{3294AEA3-6B19-4D05-AFA0-D67C8DB1FA42}">
+      <dsp:nvSpPr>
+        <dsp:cNvPr id="0" name=""/>
+        <dsp:cNvSpPr/>
+      </dsp:nvSpPr>
+      <dsp:spPr>
+        <a:xfrm>
+          <a:off x="1390898" y="1742757"/>
+          <a:ext cx="173549" cy="1578633"/>
+        </a:xfrm>
+        <a:custGeom>
+          <a:avLst/>
+          <a:gdLst/>
+          <a:ahLst/>
+          <a:cxnLst/>
+          <a:rect l="0" t="0" r="0" b="0"/>
+          <a:pathLst>
+            <a:path>
+              <a:moveTo>
+                <a:pt x="173549" y="0"/>
+              </a:moveTo>
+              <a:lnTo>
+                <a:pt x="173549" y="1578633"/>
+              </a:lnTo>
+              <a:lnTo>
+                <a:pt x="0" y="1578633"/>
+              </a:lnTo>
+            </a:path>
+          </a:pathLst>
+        </a:custGeom>
+        <a:noFill/>
+        <a:ln w="76200" cap="flat" cmpd="sng" algn="ctr">
+          <a:solidFill>
+            <a:schemeClr val="accent1"/>
+          </a:solidFill>
+          <a:prstDash val="solid"/>
+          <a:miter lim="800000"/>
+        </a:ln>
+        <a:effectLst/>
+      </dsp:spPr>
+      <dsp:style>
+        <a:lnRef idx="2">
+          <a:scrgbClr r="0" g="0" b="0"/>
+        </a:lnRef>
+        <a:fillRef idx="0">
+          <a:scrgbClr r="0" g="0" b="0"/>
+        </a:fillRef>
+        <a:effectRef idx="0">
+          <a:scrgbClr r="0" g="0" b="0"/>
+        </a:effectRef>
+        <a:fontRef idx="minor"/>
+      </dsp:style>
+    </dsp:sp>
+    <dsp:sp modelId="{EAABAEDD-6E39-4B81-9252-1BD5D252A841}">
+      <dsp:nvSpPr>
+        <dsp:cNvPr id="0" name=""/>
+        <dsp:cNvSpPr/>
+      </dsp:nvSpPr>
+      <dsp:spPr>
+        <a:xfrm>
+          <a:off x="1390898" y="1742757"/>
+          <a:ext cx="173549" cy="609280"/>
+        </a:xfrm>
+        <a:custGeom>
+          <a:avLst/>
+          <a:gdLst/>
+          <a:ahLst/>
+          <a:cxnLst/>
+          <a:rect l="0" t="0" r="0" b="0"/>
+          <a:pathLst>
+            <a:path>
+              <a:moveTo>
+                <a:pt x="173549" y="0"/>
+              </a:moveTo>
+              <a:lnTo>
+                <a:pt x="173549" y="609280"/>
+              </a:lnTo>
+              <a:lnTo>
+                <a:pt x="0" y="609280"/>
+              </a:lnTo>
+            </a:path>
+          </a:pathLst>
+        </a:custGeom>
+        <a:noFill/>
+        <a:ln w="76200" cap="flat" cmpd="sng" algn="ctr">
+          <a:solidFill>
+            <a:schemeClr val="accent1"/>
+          </a:solidFill>
+          <a:prstDash val="solid"/>
+          <a:miter lim="800000"/>
+        </a:ln>
+        <a:effectLst/>
+      </dsp:spPr>
+      <dsp:style>
+        <a:lnRef idx="2">
+          <a:scrgbClr r="0" g="0" b="0"/>
+        </a:lnRef>
+        <a:fillRef idx="0">
+          <a:scrgbClr r="0" g="0" b="0"/>
+        </a:fillRef>
+        <a:effectRef idx="0">
+          <a:scrgbClr r="0" g="0" b="0"/>
+        </a:effectRef>
+        <a:fontRef idx="minor"/>
+      </dsp:style>
+    </dsp:sp>
+    <dsp:sp modelId="{D53A4437-0ED4-44E5-8BD0-4A77AB3336E2}">
+      <dsp:nvSpPr>
+        <dsp:cNvPr id="0" name=""/>
+        <dsp:cNvSpPr/>
+      </dsp:nvSpPr>
+      <dsp:spPr>
+        <a:xfrm>
+          <a:off x="1564447" y="1742757"/>
+          <a:ext cx="174657" cy="1576813"/>
+        </a:xfrm>
+        <a:custGeom>
+          <a:avLst/>
+          <a:gdLst/>
+          <a:ahLst/>
+          <a:cxnLst/>
+          <a:rect l="0" t="0" r="0" b="0"/>
+          <a:pathLst>
+            <a:path>
+              <a:moveTo>
+                <a:pt x="0" y="0"/>
+              </a:moveTo>
+              <a:lnTo>
+                <a:pt x="0" y="1576813"/>
+              </a:lnTo>
+              <a:lnTo>
+                <a:pt x="174657" y="1576813"/>
+              </a:lnTo>
+            </a:path>
+          </a:pathLst>
+        </a:custGeom>
+        <a:noFill/>
+        <a:ln w="76200" cap="flat" cmpd="sng" algn="ctr">
+          <a:solidFill>
+            <a:schemeClr val="accent1"/>
+          </a:solidFill>
+          <a:prstDash val="solid"/>
+          <a:miter lim="800000"/>
+        </a:ln>
+        <a:effectLst/>
+      </dsp:spPr>
+      <dsp:style>
+        <a:lnRef idx="2">
+          <a:scrgbClr r="0" g="0" b="0"/>
+        </a:lnRef>
+        <a:fillRef idx="0">
+          <a:scrgbClr r="0" g="0" b="0"/>
+        </a:fillRef>
+        <a:effectRef idx="0">
+          <a:scrgbClr r="0" g="0" b="0"/>
+        </a:effectRef>
+        <a:fontRef idx="minor"/>
+      </dsp:style>
+    </dsp:sp>
+    <dsp:sp modelId="{E942735B-A981-4444-9624-7891E0990E6F}">
+      <dsp:nvSpPr>
+        <dsp:cNvPr id="0" name=""/>
+        <dsp:cNvSpPr/>
+      </dsp:nvSpPr>
+      <dsp:spPr>
+        <a:xfrm>
+          <a:off x="1564447" y="1742757"/>
+          <a:ext cx="183579" cy="609280"/>
+        </a:xfrm>
+        <a:custGeom>
+          <a:avLst/>
+          <a:gdLst/>
+          <a:ahLst/>
+          <a:cxnLst/>
+          <a:rect l="0" t="0" r="0" b="0"/>
+          <a:pathLst>
+            <a:path>
+              <a:moveTo>
+                <a:pt x="0" y="0"/>
+              </a:moveTo>
+              <a:lnTo>
+                <a:pt x="0" y="609280"/>
+              </a:lnTo>
+              <a:lnTo>
+                <a:pt x="183579" y="609280"/>
+              </a:lnTo>
+            </a:path>
+          </a:pathLst>
+        </a:custGeom>
+        <a:noFill/>
+        <a:ln w="76200" cap="flat" cmpd="sng" algn="ctr">
+          <a:solidFill>
+            <a:schemeClr val="accent1"/>
+          </a:solidFill>
+          <a:prstDash val="solid"/>
+          <a:miter lim="800000"/>
+        </a:ln>
+        <a:effectLst/>
+      </dsp:spPr>
+      <dsp:style>
+        <a:lnRef idx="2">
+          <a:scrgbClr r="0" g="0" b="0"/>
+        </a:lnRef>
+        <a:fillRef idx="0">
+          <a:scrgbClr r="0" g="0" b="0"/>
+        </a:fillRef>
+        <a:effectRef idx="0">
+          <a:scrgbClr r="0" g="0" b="0"/>
+        </a:effectRef>
+        <a:fontRef idx="minor"/>
+      </dsp:style>
+    </dsp:sp>
+    <dsp:sp modelId="{EA658CC5-C3C5-468C-AC7D-1E85AEB06105}">
+      <dsp:nvSpPr>
+        <dsp:cNvPr id="0" name=""/>
+        <dsp:cNvSpPr/>
+      </dsp:nvSpPr>
+      <dsp:spPr>
+        <a:xfrm>
+          <a:off x="2120807" y="826460"/>
+          <a:ext cx="900820" cy="171745"/>
+        </a:xfrm>
+        <a:custGeom>
+          <a:avLst/>
+          <a:gdLst/>
+          <a:ahLst/>
+          <a:cxnLst/>
+          <a:rect l="0" t="0" r="0" b="0"/>
+          <a:pathLst>
+            <a:path>
+              <a:moveTo>
+                <a:pt x="900820" y="0"/>
+              </a:moveTo>
+              <a:lnTo>
+                <a:pt x="900820" y="163170"/>
+              </a:lnTo>
+              <a:lnTo>
+                <a:pt x="0" y="163170"/>
+              </a:lnTo>
+              <a:lnTo>
+                <a:pt x="0" y="171745"/>
+              </a:lnTo>
+            </a:path>
+          </a:pathLst>
+        </a:custGeom>
+        <a:noFill/>
+        <a:ln w="73025" cap="flat" cmpd="sng" algn="ctr">
+          <a:solidFill>
+            <a:schemeClr val="accent1"/>
+          </a:solidFill>
+          <a:prstDash val="solid"/>
+          <a:miter lim="800000"/>
+        </a:ln>
+        <a:effectLst/>
+      </dsp:spPr>
+      <dsp:style>
+        <a:lnRef idx="2">
+          <a:scrgbClr r="0" g="0" b="0"/>
+        </a:lnRef>
+        <a:fillRef idx="0">
+          <a:scrgbClr r="0" g="0" b="0"/>
+        </a:fillRef>
+        <a:effectRef idx="0">
+          <a:scrgbClr r="0" g="0" b="0"/>
+        </a:effectRef>
+        <a:fontRef idx="minor"/>
+      </dsp:style>
+    </dsp:sp>
+    <dsp:sp modelId="{ED59A847-C4E7-43E4-B750-C8EE47BC21B3}">
+      <dsp:nvSpPr>
+        <dsp:cNvPr id="0" name=""/>
+        <dsp:cNvSpPr/>
+      </dsp:nvSpPr>
+      <dsp:spPr>
+        <a:xfrm>
+          <a:off x="2326178" y="81908"/>
+          <a:ext cx="1390898" cy="744551"/>
+        </a:xfrm>
+        <a:prstGeom prst="rect">
+          <a:avLst/>
+        </a:prstGeom>
+        <a:solidFill>
+          <a:srgbClr val="BA3F1D"/>
+        </a:solidFill>
+        <a:ln w="76200" cap="flat" cmpd="sng" algn="ctr">
+          <a:solidFill>
+            <a:srgbClr val="BA3F1D"/>
+          </a:solidFill>
+          <a:prstDash val="solid"/>
+          <a:miter lim="800000"/>
+        </a:ln>
+        <a:effectLst/>
+      </dsp:spPr>
+      <dsp:style>
+        <a:lnRef idx="2">
+          <a:scrgbClr r="0" g="0" b="0"/>
+        </a:lnRef>
+        <a:fillRef idx="1">
+          <a:scrgbClr r="0" g="0" b="0"/>
+        </a:fillRef>
+        <a:effectRef idx="0">
+          <a:scrgbClr r="0" g="0" b="0"/>
+        </a:effectRef>
+        <a:fontRef idx="minor">
+          <a:schemeClr val="lt1"/>
+        </a:fontRef>
+      </dsp:style>
+      <dsp:txBody>
+        <a:bodyPr spcFirstLastPara="0" vert="horz" wrap="square" lIns="11430" tIns="11430" rIns="11430" bIns="11430" numCol="1" spcCol="1270" anchor="ctr" anchorCtr="0">
+          <a:noAutofit/>
+        </a:bodyPr>
+        <a:lstStyle/>
+        <a:p>
+          <a:pPr marL="0" lvl="0" indent="0" algn="ctr" defTabSz="800100">
+            <a:lnSpc>
+              <a:spcPct val="90000"/>
+            </a:lnSpc>
+            <a:spcBef>
+              <a:spcPct val="0"/>
+            </a:spcBef>
+            <a:spcAft>
+              <a:spcPct val="35000"/>
+            </a:spcAft>
+            <a:buFont typeface="Times New Roman" panose="02020603050405020304" pitchFamily="18" charset="0"/>
+            <a:buNone/>
+          </a:pPr>
+          <a:r>
+            <a:rPr lang="ru-RU" sz="1800" kern="1200" dirty="0"/>
+            <a:t>Контроллер</a:t>
+          </a:r>
+        </a:p>
+      </dsp:txBody>
+      <dsp:txXfrm>
+        <a:off x="2326178" y="81908"/>
+        <a:ext cx="1390898" cy="744551"/>
+      </dsp:txXfrm>
+    </dsp:sp>
+    <dsp:sp modelId="{027086B6-9701-4E75-90D8-F2A0BB2D4A91}">
+      <dsp:nvSpPr>
+        <dsp:cNvPr id="0" name=""/>
+        <dsp:cNvSpPr/>
+      </dsp:nvSpPr>
+      <dsp:spPr>
+        <a:xfrm>
+          <a:off x="1425357" y="998205"/>
+          <a:ext cx="1390898" cy="744551"/>
+        </a:xfrm>
+        <a:prstGeom prst="rect">
+          <a:avLst/>
+        </a:prstGeom>
+        <a:solidFill>
+          <a:srgbClr val="BA3F1D"/>
+        </a:solidFill>
+        <a:ln w="76200" cap="flat" cmpd="sng" algn="ctr">
+          <a:solidFill>
+            <a:srgbClr val="A77E58"/>
+          </a:solidFill>
+          <a:prstDash val="solid"/>
+          <a:miter lim="800000"/>
+        </a:ln>
+        <a:effectLst/>
+      </dsp:spPr>
+      <dsp:style>
+        <a:lnRef idx="2">
+          <a:scrgbClr r="0" g="0" b="0"/>
+        </a:lnRef>
+        <a:fillRef idx="1">
+          <a:scrgbClr r="0" g="0" b="0"/>
+        </a:fillRef>
+        <a:effectRef idx="0">
+          <a:scrgbClr r="0" g="0" b="0"/>
+        </a:effectRef>
+        <a:fontRef idx="minor">
+          <a:schemeClr val="lt1"/>
+        </a:fontRef>
+      </dsp:style>
+      <dsp:txBody>
+        <a:bodyPr spcFirstLastPara="0" vert="horz" wrap="square" lIns="11430" tIns="11430" rIns="11430" bIns="11430" numCol="1" spcCol="1270" anchor="ctr" anchorCtr="0">
+          <a:noAutofit/>
+        </a:bodyPr>
+        <a:lstStyle/>
+        <a:p>
+          <a:pPr marL="0" lvl="0" indent="0" algn="ctr" defTabSz="800100">
+            <a:lnSpc>
+              <a:spcPct val="90000"/>
+            </a:lnSpc>
+            <a:spcBef>
+              <a:spcPct val="0"/>
+            </a:spcBef>
+            <a:spcAft>
+              <a:spcPct val="35000"/>
+            </a:spcAft>
+            <a:buFont typeface="Times New Roman" panose="02020603050405020304" pitchFamily="18" charset="0"/>
+            <a:buNone/>
+          </a:pPr>
+          <a:r>
+            <a:rPr lang="en-US" sz="1800" kern="1200" dirty="0"/>
+            <a:t>Atmega328p</a:t>
+          </a:r>
+          <a:endParaRPr lang="ru-RU" sz="1800" kern="1200" dirty="0"/>
+        </a:p>
+      </dsp:txBody>
+      <dsp:txXfrm>
+        <a:off x="1425357" y="998205"/>
+        <a:ext cx="1390898" cy="744551"/>
+      </dsp:txXfrm>
+    </dsp:sp>
+    <dsp:sp modelId="{58D894D6-944F-446F-900C-6F270831610F}">
+      <dsp:nvSpPr>
+        <dsp:cNvPr id="0" name=""/>
+        <dsp:cNvSpPr/>
+      </dsp:nvSpPr>
+      <dsp:spPr>
+        <a:xfrm>
+          <a:off x="1748027" y="1979761"/>
+          <a:ext cx="1390898" cy="744551"/>
+        </a:xfrm>
+        <a:prstGeom prst="rect">
+          <a:avLst/>
+        </a:prstGeom>
+        <a:solidFill>
+          <a:srgbClr val="A77E58"/>
+        </a:solidFill>
+        <a:ln w="76200" cap="flat" cmpd="sng" algn="ctr">
+          <a:solidFill>
+            <a:srgbClr val="A77E58"/>
+          </a:solidFill>
+          <a:prstDash val="solid"/>
+          <a:miter lim="800000"/>
+        </a:ln>
+        <a:effectLst/>
+      </dsp:spPr>
+      <dsp:style>
+        <a:lnRef idx="2">
+          <a:scrgbClr r="0" g="0" b="0"/>
+        </a:lnRef>
+        <a:fillRef idx="1">
+          <a:scrgbClr r="0" g="0" b="0"/>
+        </a:fillRef>
+        <a:effectRef idx="0">
+          <a:scrgbClr r="0" g="0" b="0"/>
+        </a:effectRef>
+        <a:fontRef idx="minor">
+          <a:schemeClr val="lt1"/>
+        </a:fontRef>
+      </dsp:style>
+      <dsp:txBody>
+        <a:bodyPr spcFirstLastPara="0" vert="horz" wrap="square" lIns="11430" tIns="11430" rIns="11430" bIns="11430" numCol="1" spcCol="1270" anchor="ctr" anchorCtr="0">
+          <a:noAutofit/>
+        </a:bodyPr>
+        <a:lstStyle/>
+        <a:p>
+          <a:pPr marL="0" lvl="0" indent="0" algn="ctr" defTabSz="800100">
+            <a:lnSpc>
+              <a:spcPct val="90000"/>
+            </a:lnSpc>
+            <a:spcBef>
+              <a:spcPct val="0"/>
+            </a:spcBef>
+            <a:spcAft>
+              <a:spcPct val="35000"/>
+            </a:spcAft>
+            <a:buFont typeface="Times New Roman" panose="02020603050405020304" pitchFamily="18" charset="0"/>
+            <a:buNone/>
+          </a:pPr>
+          <a:r>
+            <a:rPr lang="en-US" sz="1800" kern="1200" dirty="0"/>
+            <a:t>BME280 </a:t>
+          </a:r>
+          <a:r>
+            <a:rPr lang="ru-RU" sz="1800" kern="1200" dirty="0"/>
+            <a:t>(измерения) </a:t>
+          </a:r>
+        </a:p>
+      </dsp:txBody>
+      <dsp:txXfrm>
+        <a:off x="1748027" y="1979761"/>
+        <a:ext cx="1390898" cy="744551"/>
+      </dsp:txXfrm>
+    </dsp:sp>
+    <dsp:sp modelId="{D1CE3C61-7196-4842-803E-9B57618348B0}">
+      <dsp:nvSpPr>
+        <dsp:cNvPr id="0" name=""/>
+        <dsp:cNvSpPr/>
+      </dsp:nvSpPr>
+      <dsp:spPr>
+        <a:xfrm>
+          <a:off x="1739105" y="2947294"/>
+          <a:ext cx="1390898" cy="744551"/>
+        </a:xfrm>
+        <a:prstGeom prst="rect">
+          <a:avLst/>
+        </a:prstGeom>
+        <a:solidFill>
+          <a:srgbClr val="A77E58"/>
+        </a:solidFill>
+        <a:ln w="76200" cap="flat" cmpd="sng" algn="ctr">
+          <a:solidFill>
+            <a:srgbClr val="A77E58"/>
+          </a:solidFill>
+          <a:prstDash val="solid"/>
+          <a:miter lim="800000"/>
+        </a:ln>
+        <a:effectLst/>
+      </dsp:spPr>
+      <dsp:style>
+        <a:lnRef idx="2">
+          <a:scrgbClr r="0" g="0" b="0"/>
+        </a:lnRef>
+        <a:fillRef idx="1">
+          <a:scrgbClr r="0" g="0" b="0"/>
+        </a:fillRef>
+        <a:effectRef idx="0">
+          <a:scrgbClr r="0" g="0" b="0"/>
+        </a:effectRef>
+        <a:fontRef idx="minor">
+          <a:schemeClr val="lt1"/>
+        </a:fontRef>
+      </dsp:style>
+      <dsp:txBody>
+        <a:bodyPr spcFirstLastPara="0" vert="horz" wrap="square" lIns="11430" tIns="11430" rIns="11430" bIns="11430" numCol="1" spcCol="1270" anchor="ctr" anchorCtr="0">
+          <a:noAutofit/>
+        </a:bodyPr>
+        <a:lstStyle/>
+        <a:p>
+          <a:pPr marL="0" lvl="0" indent="0" algn="ctr" defTabSz="800100">
+            <a:lnSpc>
+              <a:spcPct val="90000"/>
+            </a:lnSpc>
+            <a:spcBef>
+              <a:spcPct val="0"/>
+            </a:spcBef>
+            <a:spcAft>
+              <a:spcPct val="35000"/>
+            </a:spcAft>
+            <a:buFont typeface="Times New Roman" panose="02020603050405020304" pitchFamily="18" charset="0"/>
+            <a:buNone/>
+          </a:pPr>
+          <a:r>
+            <a:rPr lang="en-US" sz="1800" kern="1200" dirty="0"/>
+            <a:t>RTC DS3231 mini (</a:t>
+          </a:r>
+          <a:r>
+            <a:rPr lang="ru-RU" sz="1800" kern="1200" dirty="0"/>
+            <a:t>время</a:t>
+          </a:r>
+          <a:r>
+            <a:rPr lang="en-US" sz="1800" kern="1200" dirty="0"/>
+            <a:t>)</a:t>
+          </a:r>
+          <a:endParaRPr lang="ru-RU" sz="1800" kern="1200" dirty="0"/>
+        </a:p>
+      </dsp:txBody>
+      <dsp:txXfrm>
+        <a:off x="1739105" y="2947294"/>
+        <a:ext cx="1390898" cy="744551"/>
+      </dsp:txXfrm>
+    </dsp:sp>
+    <dsp:sp modelId="{E4ED5915-4669-4438-801C-09A02FFD535D}">
+      <dsp:nvSpPr>
+        <dsp:cNvPr id="0" name=""/>
+        <dsp:cNvSpPr/>
+      </dsp:nvSpPr>
+      <dsp:spPr>
+        <a:xfrm>
+          <a:off x="0" y="1979762"/>
+          <a:ext cx="1390898" cy="744551"/>
+        </a:xfrm>
+        <a:prstGeom prst="rect">
+          <a:avLst/>
+        </a:prstGeom>
+        <a:solidFill>
+          <a:srgbClr val="A77E58"/>
+        </a:solidFill>
+        <a:ln w="76200" cap="flat" cmpd="sng" algn="ctr">
+          <a:solidFill>
+            <a:srgbClr val="80A1C1"/>
+          </a:solidFill>
+          <a:prstDash val="solid"/>
+          <a:miter lim="800000"/>
+        </a:ln>
+        <a:effectLst/>
+      </dsp:spPr>
+      <dsp:style>
+        <a:lnRef idx="2">
+          <a:scrgbClr r="0" g="0" b="0"/>
+        </a:lnRef>
+        <a:fillRef idx="1">
+          <a:scrgbClr r="0" g="0" b="0"/>
+        </a:fillRef>
+        <a:effectRef idx="0">
+          <a:scrgbClr r="0" g="0" b="0"/>
+        </a:effectRef>
+        <a:fontRef idx="minor">
+          <a:schemeClr val="lt1"/>
+        </a:fontRef>
+      </dsp:style>
+      <dsp:txBody>
+        <a:bodyPr spcFirstLastPara="0" vert="horz" wrap="square" lIns="11430" tIns="11430" rIns="11430" bIns="11430" numCol="1" spcCol="1270" anchor="ctr" anchorCtr="0">
+          <a:noAutofit/>
+        </a:bodyPr>
+        <a:lstStyle/>
+        <a:p>
+          <a:pPr marL="0" lvl="0" indent="0" algn="ctr" defTabSz="800100">
+            <a:lnSpc>
+              <a:spcPct val="90000"/>
+            </a:lnSpc>
+            <a:spcBef>
+              <a:spcPct val="0"/>
+            </a:spcBef>
+            <a:spcAft>
+              <a:spcPct val="35000"/>
+            </a:spcAft>
+            <a:buFont typeface="Times New Roman" panose="02020603050405020304" pitchFamily="18" charset="0"/>
+            <a:buNone/>
+          </a:pPr>
+          <a:r>
+            <a:rPr lang="ru-RU" sz="1800" kern="1200" dirty="0"/>
+            <a:t>Реле 4 для нагрузки</a:t>
+          </a:r>
+        </a:p>
+      </dsp:txBody>
+      <dsp:txXfrm>
+        <a:off x="0" y="1979762"/>
+        <a:ext cx="1390898" cy="744551"/>
+      </dsp:txXfrm>
+    </dsp:sp>
+    <dsp:sp modelId="{BE3DC108-31F5-447E-B300-DB7BB25C9139}">
+      <dsp:nvSpPr>
+        <dsp:cNvPr id="0" name=""/>
+        <dsp:cNvSpPr/>
+      </dsp:nvSpPr>
+      <dsp:spPr>
+        <a:xfrm>
+          <a:off x="0" y="2949114"/>
+          <a:ext cx="1390898" cy="744551"/>
+        </a:xfrm>
+        <a:prstGeom prst="rect">
+          <a:avLst/>
+        </a:prstGeom>
+        <a:solidFill>
+          <a:srgbClr val="A77E58"/>
+        </a:solidFill>
+        <a:ln w="76200" cap="flat" cmpd="sng" algn="ctr">
+          <a:solidFill>
+            <a:srgbClr val="80A1C1"/>
+          </a:solidFill>
+          <a:prstDash val="solid"/>
+          <a:miter lim="800000"/>
+        </a:ln>
+        <a:effectLst/>
+      </dsp:spPr>
+      <dsp:style>
+        <a:lnRef idx="2">
+          <a:scrgbClr r="0" g="0" b="0"/>
+        </a:lnRef>
+        <a:fillRef idx="1">
+          <a:scrgbClr r="0" g="0" b="0"/>
+        </a:fillRef>
+        <a:effectRef idx="0">
+          <a:scrgbClr r="0" g="0" b="0"/>
+        </a:effectRef>
+        <a:fontRef idx="minor">
+          <a:schemeClr val="lt1"/>
+        </a:fontRef>
+      </dsp:style>
+      <dsp:txBody>
+        <a:bodyPr spcFirstLastPara="0" vert="horz" wrap="square" lIns="11430" tIns="11430" rIns="11430" bIns="11430" numCol="1" spcCol="1270" anchor="ctr" anchorCtr="0">
+          <a:noAutofit/>
+        </a:bodyPr>
+        <a:lstStyle/>
+        <a:p>
+          <a:pPr marL="0" lvl="0" indent="0" algn="ctr" defTabSz="800100">
+            <a:lnSpc>
+              <a:spcPct val="90000"/>
+            </a:lnSpc>
+            <a:spcBef>
+              <a:spcPct val="0"/>
+            </a:spcBef>
+            <a:spcAft>
+              <a:spcPct val="35000"/>
+            </a:spcAft>
+            <a:buFont typeface="Times New Roman" panose="02020603050405020304" pitchFamily="18" charset="0"/>
+            <a:buNone/>
+          </a:pPr>
+          <a:r>
+            <a:rPr lang="ru-RU" sz="1800" kern="1200" dirty="0"/>
+            <a:t>Порты для модулей</a:t>
+          </a:r>
+        </a:p>
+      </dsp:txBody>
+      <dsp:txXfrm>
+        <a:off x="0" y="2949114"/>
+        <a:ext cx="1390898" cy="744551"/>
+      </dsp:txXfrm>
+    </dsp:sp>
+    <dsp:sp modelId="{A141AF1C-7EC2-4205-81BC-9FD40F648A9D}">
+      <dsp:nvSpPr>
+        <dsp:cNvPr id="0" name=""/>
+        <dsp:cNvSpPr/>
+      </dsp:nvSpPr>
+      <dsp:spPr>
+        <a:xfrm>
+          <a:off x="3283510" y="998205"/>
+          <a:ext cx="1390898" cy="744551"/>
+        </a:xfrm>
+        <a:prstGeom prst="rect">
+          <a:avLst/>
+        </a:prstGeom>
+        <a:solidFill>
+          <a:srgbClr val="BA3F1D"/>
+        </a:solidFill>
+        <a:ln w="76200" cap="flat" cmpd="sng" algn="ctr">
+          <a:solidFill>
+            <a:srgbClr val="EEE3AB"/>
+          </a:solidFill>
+          <a:prstDash val="solid"/>
+          <a:miter lim="800000"/>
+        </a:ln>
+        <a:effectLst/>
+      </dsp:spPr>
+      <dsp:style>
+        <a:lnRef idx="2">
+          <a:scrgbClr r="0" g="0" b="0"/>
+        </a:lnRef>
+        <a:fillRef idx="1">
+          <a:scrgbClr r="0" g="0" b="0"/>
+        </a:fillRef>
+        <a:effectRef idx="0">
+          <a:scrgbClr r="0" g="0" b="0"/>
+        </a:effectRef>
+        <a:fontRef idx="minor">
+          <a:schemeClr val="lt1"/>
+        </a:fontRef>
+      </dsp:style>
+      <dsp:txBody>
+        <a:bodyPr spcFirstLastPara="0" vert="horz" wrap="square" lIns="11430" tIns="11430" rIns="11430" bIns="11430" numCol="1" spcCol="1270" anchor="ctr" anchorCtr="0">
+          <a:noAutofit/>
+        </a:bodyPr>
+        <a:lstStyle/>
+        <a:p>
+          <a:pPr marL="0" lvl="0" indent="0" algn="ctr" defTabSz="800100">
+            <a:lnSpc>
+              <a:spcPct val="90000"/>
+            </a:lnSpc>
+            <a:spcBef>
+              <a:spcPct val="0"/>
+            </a:spcBef>
+            <a:spcAft>
+              <a:spcPct val="35000"/>
+            </a:spcAft>
+            <a:buFont typeface="Times New Roman" panose="02020603050405020304" pitchFamily="18" charset="0"/>
+            <a:buNone/>
+          </a:pPr>
+          <a:r>
+            <a:rPr lang="en-US" sz="1800" kern="1200" dirty="0"/>
+            <a:t>Esp8266</a:t>
+          </a:r>
+          <a:endParaRPr lang="ru-RU" sz="1800" kern="1200" dirty="0"/>
+        </a:p>
+      </dsp:txBody>
+      <dsp:txXfrm>
+        <a:off x="3283510" y="998205"/>
+        <a:ext cx="1390898" cy="744551"/>
+      </dsp:txXfrm>
+    </dsp:sp>
+    <dsp:sp modelId="{A027D978-D55B-4D8F-9ECF-F5FC0A8CE6EB}">
+      <dsp:nvSpPr>
+        <dsp:cNvPr id="0" name=""/>
+        <dsp:cNvSpPr/>
+      </dsp:nvSpPr>
+      <dsp:spPr>
+        <a:xfrm>
+          <a:off x="3607825" y="1979761"/>
+          <a:ext cx="1390898" cy="744551"/>
+        </a:xfrm>
+        <a:prstGeom prst="rect">
+          <a:avLst/>
+        </a:prstGeom>
+        <a:solidFill>
+          <a:srgbClr val="EEE3AB"/>
+        </a:solidFill>
+        <a:ln w="76200" cap="flat" cmpd="sng" algn="ctr">
+          <a:solidFill>
+            <a:srgbClr val="EEE3AB"/>
+          </a:solidFill>
+          <a:prstDash val="solid"/>
+          <a:miter lim="800000"/>
+        </a:ln>
+        <a:effectLst/>
+      </dsp:spPr>
+      <dsp:style>
+        <a:lnRef idx="2">
+          <a:scrgbClr r="0" g="0" b="0"/>
+        </a:lnRef>
+        <a:fillRef idx="1">
+          <a:scrgbClr r="0" g="0" b="0"/>
+        </a:fillRef>
+        <a:effectRef idx="0">
+          <a:scrgbClr r="0" g="0" b="0"/>
+        </a:effectRef>
+        <a:fontRef idx="minor">
+          <a:schemeClr val="lt1"/>
+        </a:fontRef>
+      </dsp:style>
+      <dsp:txBody>
+        <a:bodyPr spcFirstLastPara="0" vert="horz" wrap="square" lIns="11430" tIns="11430" rIns="11430" bIns="11430" numCol="1" spcCol="1270" anchor="ctr" anchorCtr="0">
+          <a:noAutofit/>
+        </a:bodyPr>
+        <a:lstStyle/>
+        <a:p>
+          <a:pPr marL="0" lvl="0" indent="0" algn="ctr" defTabSz="800100">
+            <a:lnSpc>
+              <a:spcPct val="90000"/>
+            </a:lnSpc>
+            <a:spcBef>
+              <a:spcPct val="0"/>
+            </a:spcBef>
+            <a:spcAft>
+              <a:spcPct val="35000"/>
+            </a:spcAft>
+            <a:buFont typeface="Times New Roman" panose="02020603050405020304" pitchFamily="18" charset="0"/>
+            <a:buNone/>
+          </a:pPr>
+          <a:r>
+            <a:rPr lang="en-US" sz="1800" kern="1200">
+              <a:solidFill>
+                <a:sysClr val="windowText" lastClr="000000"/>
+              </a:solidFill>
+            </a:rPr>
+            <a:t>API</a:t>
+          </a:r>
+          <a:endParaRPr lang="ru-RU" sz="1800" kern="1200">
+            <a:solidFill>
+              <a:sysClr val="windowText" lastClr="000000"/>
+            </a:solidFill>
+          </a:endParaRPr>
+        </a:p>
+      </dsp:txBody>
+      <dsp:txXfrm>
+        <a:off x="3607825" y="1979761"/>
+        <a:ext cx="1390898" cy="744551"/>
+      </dsp:txXfrm>
+    </dsp:sp>
+    <dsp:sp modelId="{35BC7145-66FB-431A-8D82-81210901C82B}">
+      <dsp:nvSpPr>
+        <dsp:cNvPr id="0" name=""/>
+        <dsp:cNvSpPr/>
+      </dsp:nvSpPr>
+      <dsp:spPr>
+        <a:xfrm>
+          <a:off x="3607825" y="2968266"/>
+          <a:ext cx="1390898" cy="744551"/>
+        </a:xfrm>
+        <a:prstGeom prst="rect">
+          <a:avLst/>
+        </a:prstGeom>
+        <a:solidFill>
+          <a:srgbClr val="EEE3AB"/>
+        </a:solidFill>
+        <a:ln w="76200" cap="flat" cmpd="sng" algn="ctr">
+          <a:solidFill>
+            <a:srgbClr val="EEE3AB"/>
+          </a:solidFill>
+          <a:prstDash val="solid"/>
+          <a:miter lim="800000"/>
+        </a:ln>
+        <a:effectLst/>
+      </dsp:spPr>
+      <dsp:style>
+        <a:lnRef idx="2">
+          <a:scrgbClr r="0" g="0" b="0"/>
+        </a:lnRef>
+        <a:fillRef idx="1">
+          <a:scrgbClr r="0" g="0" b="0"/>
+        </a:fillRef>
+        <a:effectRef idx="0">
+          <a:scrgbClr r="0" g="0" b="0"/>
+        </a:effectRef>
+        <a:fontRef idx="minor">
+          <a:schemeClr val="lt1"/>
+        </a:fontRef>
+      </dsp:style>
+      <dsp:txBody>
+        <a:bodyPr spcFirstLastPara="0" vert="horz" wrap="square" lIns="11430" tIns="11430" rIns="11430" bIns="11430" numCol="1" spcCol="1270" anchor="ctr" anchorCtr="0">
+          <a:noAutofit/>
+        </a:bodyPr>
+        <a:lstStyle/>
+        <a:p>
+          <a:pPr marL="0" lvl="0" indent="0" algn="ctr" defTabSz="800100">
+            <a:lnSpc>
+              <a:spcPct val="90000"/>
+            </a:lnSpc>
+            <a:spcBef>
+              <a:spcPct val="0"/>
+            </a:spcBef>
+            <a:spcAft>
+              <a:spcPct val="35000"/>
+            </a:spcAft>
+            <a:buFont typeface="Times New Roman" panose="02020603050405020304" pitchFamily="18" charset="0"/>
+            <a:buNone/>
+          </a:pPr>
+          <a:r>
+            <a:rPr lang="en-US" sz="1800" kern="1200" dirty="0">
+              <a:solidFill>
+                <a:sysClr val="windowText" lastClr="000000"/>
+              </a:solidFill>
+            </a:rPr>
+            <a:t>Web-</a:t>
+          </a:r>
+          <a:r>
+            <a:rPr lang="ru-RU" sz="1800" kern="1200" dirty="0">
+              <a:solidFill>
+                <a:sysClr val="windowText" lastClr="000000"/>
+              </a:solidFill>
+            </a:rPr>
+            <a:t>интерфейс</a:t>
+          </a:r>
+        </a:p>
+      </dsp:txBody>
+      <dsp:txXfrm>
+        <a:off x="3607825" y="2968266"/>
+        <a:ext cx="1390898" cy="744551"/>
+      </dsp:txXfrm>
+    </dsp:sp>
+    <dsp:sp modelId="{9154B44B-A7EE-4636-9085-27D226F40DD3}">
+      <dsp:nvSpPr>
+        <dsp:cNvPr id="0" name=""/>
+        <dsp:cNvSpPr/>
+      </dsp:nvSpPr>
+      <dsp:spPr>
+        <a:xfrm>
+          <a:off x="5362819" y="1979762"/>
+          <a:ext cx="1412626" cy="816614"/>
+        </a:xfrm>
+        <a:prstGeom prst="rect">
+          <a:avLst/>
+        </a:prstGeom>
+        <a:solidFill>
+          <a:srgbClr val="EEE3AB"/>
+        </a:solidFill>
+        <a:ln w="76200" cap="flat" cmpd="sng" algn="ctr">
+          <a:solidFill>
+            <a:srgbClr val="BA3F1D"/>
+          </a:solidFill>
+          <a:prstDash val="solid"/>
+          <a:miter lim="800000"/>
+        </a:ln>
+        <a:effectLst/>
+      </dsp:spPr>
+      <dsp:style>
+        <a:lnRef idx="2">
+          <a:scrgbClr r="0" g="0" b="0"/>
+        </a:lnRef>
+        <a:fillRef idx="1">
+          <a:scrgbClr r="0" g="0" b="0"/>
+        </a:fillRef>
+        <a:effectRef idx="0">
+          <a:scrgbClr r="0" g="0" b="0"/>
+        </a:effectRef>
+        <a:fontRef idx="minor">
+          <a:schemeClr val="lt1"/>
+        </a:fontRef>
+      </dsp:style>
+      <dsp:txBody>
+        <a:bodyPr spcFirstLastPara="0" vert="horz" wrap="square" lIns="11430" tIns="11430" rIns="11430" bIns="11430" numCol="1" spcCol="1270" anchor="ctr" anchorCtr="0">
+          <a:noAutofit/>
+        </a:bodyPr>
+        <a:lstStyle/>
+        <a:p>
+          <a:pPr marL="0" lvl="0" indent="0" algn="ctr" defTabSz="800100">
+            <a:lnSpc>
+              <a:spcPct val="90000"/>
+            </a:lnSpc>
+            <a:spcBef>
+              <a:spcPct val="0"/>
+            </a:spcBef>
+            <a:spcAft>
+              <a:spcPct val="35000"/>
+            </a:spcAft>
+            <a:buFont typeface="Times New Roman" panose="02020603050405020304" pitchFamily="18" charset="0"/>
+            <a:buNone/>
+          </a:pPr>
+          <a:r>
+            <a:rPr lang="ru-RU" sz="1800" kern="1200" dirty="0">
+              <a:solidFill>
+                <a:sysClr val="windowText" lastClr="000000"/>
+              </a:solidFill>
+            </a:rPr>
+            <a:t>Приложение на </a:t>
+          </a:r>
+          <a:r>
+            <a:rPr lang="en-US" sz="1800" kern="1200" dirty="0">
+              <a:solidFill>
+                <a:sysClr val="windowText" lastClr="000000"/>
+              </a:solidFill>
+            </a:rPr>
+            <a:t>android</a:t>
+          </a:r>
+          <a:endParaRPr lang="ru-RU" sz="1800" kern="1200" dirty="0">
+            <a:solidFill>
+              <a:sysClr val="windowText" lastClr="000000"/>
+            </a:solidFill>
+          </a:endParaRPr>
+        </a:p>
+      </dsp:txBody>
+      <dsp:txXfrm>
+        <a:off x="5362819" y="1979762"/>
+        <a:ext cx="1412626" cy="816614"/>
       </dsp:txXfrm>
     </dsp:sp>
   </dsp:spTree>
@@ -3252,7 +6283,2187 @@
 </dgm:layoutDef>
 </file>
 
+<file path=ppt/diagrams/layout2.xml><?xml version="1.0" encoding="utf-8"?>
+<dgm:layoutDef xmlns:dgm="http://schemas.openxmlformats.org/drawingml/2006/diagram" xmlns:a="http://schemas.openxmlformats.org/drawingml/2006/main" uniqueId="urn:microsoft.com/office/officeart/2005/8/layout/orgChart1">
+  <dgm:title val=""/>
+  <dgm:desc val=""/>
+  <dgm:catLst>
+    <dgm:cat type="hierarchy" pri="1000"/>
+    <dgm:cat type="convert" pri="6000"/>
+  </dgm:catLst>
+  <dgm:sampData>
+    <dgm:dataModel>
+      <dgm:ptLst>
+        <dgm:pt modelId="0" type="doc"/>
+        <dgm:pt modelId="1">
+          <dgm:prSet phldr="1"/>
+        </dgm:pt>
+        <dgm:pt modelId="2" type="asst">
+          <dgm:prSet phldr="1"/>
+        </dgm:pt>
+        <dgm:pt modelId="3">
+          <dgm:prSet phldr="1"/>
+        </dgm:pt>
+        <dgm:pt modelId="4">
+          <dgm:prSet phldr="1"/>
+        </dgm:pt>
+        <dgm:pt modelId="5">
+          <dgm:prSet phldr="1"/>
+        </dgm:pt>
+      </dgm:ptLst>
+      <dgm:cxnLst>
+        <dgm:cxn modelId="5" srcId="0" destId="1" srcOrd="0" destOrd="0"/>
+        <dgm:cxn modelId="6" srcId="1" destId="2" srcOrd="0" destOrd="0"/>
+        <dgm:cxn modelId="7" srcId="1" destId="3" srcOrd="1" destOrd="0"/>
+        <dgm:cxn modelId="8" srcId="1" destId="4" srcOrd="2" destOrd="0"/>
+        <dgm:cxn modelId="9" srcId="1" destId="5" srcOrd="3" destOrd="0"/>
+      </dgm:cxnLst>
+      <dgm:bg/>
+      <dgm:whole/>
+    </dgm:dataModel>
+  </dgm:sampData>
+  <dgm:styleData>
+    <dgm:dataModel>
+      <dgm:ptLst>
+        <dgm:pt modelId="0" type="doc"/>
+        <dgm:pt modelId="1"/>
+        <dgm:pt modelId="12"/>
+        <dgm:pt modelId="13"/>
+      </dgm:ptLst>
+      <dgm:cxnLst>
+        <dgm:cxn modelId="2" srcId="0" destId="1" srcOrd="0" destOrd="0"/>
+        <dgm:cxn modelId="16" srcId="1" destId="12" srcOrd="1" destOrd="0"/>
+        <dgm:cxn modelId="17" srcId="1" destId="13" srcOrd="2" destOrd="0"/>
+      </dgm:cxnLst>
+      <dgm:bg/>
+      <dgm:whole/>
+    </dgm:dataModel>
+  </dgm:styleData>
+  <dgm:clrData>
+    <dgm:dataModel>
+      <dgm:ptLst>
+        <dgm:pt modelId="0" type="doc"/>
+        <dgm:pt modelId="1"/>
+        <dgm:pt modelId="11" type="asst"/>
+        <dgm:pt modelId="12"/>
+        <dgm:pt modelId="13"/>
+        <dgm:pt modelId="14"/>
+      </dgm:ptLst>
+      <dgm:cxnLst>
+        <dgm:cxn modelId="2" srcId="0" destId="1" srcOrd="0" destOrd="0"/>
+        <dgm:cxn modelId="15" srcId="1" destId="11" srcOrd="0" destOrd="0"/>
+        <dgm:cxn modelId="16" srcId="1" destId="12" srcOrd="1" destOrd="0"/>
+        <dgm:cxn modelId="17" srcId="1" destId="13" srcOrd="2" destOrd="0"/>
+        <dgm:cxn modelId="18" srcId="1" destId="14" srcOrd="2" destOrd="0"/>
+      </dgm:cxnLst>
+      <dgm:bg/>
+      <dgm:whole/>
+    </dgm:dataModel>
+  </dgm:clrData>
+  <dgm:layoutNode name="hierChild1">
+    <dgm:varLst>
+      <dgm:orgChart val="1"/>
+      <dgm:chPref val="1"/>
+      <dgm:dir/>
+      <dgm:animOne val="branch"/>
+      <dgm:animLvl val="lvl"/>
+      <dgm:resizeHandles/>
+    </dgm:varLst>
+    <dgm:choose name="Name0">
+      <dgm:if name="Name1" func="var" arg="dir" op="equ" val="norm">
+        <dgm:alg type="hierChild">
+          <dgm:param type="linDir" val="fromL"/>
+        </dgm:alg>
+      </dgm:if>
+      <dgm:else name="Name2">
+        <dgm:alg type="hierChild">
+          <dgm:param type="linDir" val="fromR"/>
+        </dgm:alg>
+      </dgm:else>
+    </dgm:choose>
+    <dgm:shape xmlns:r="http://schemas.openxmlformats.org/officeDocument/2006/relationships" r:blip="">
+      <dgm:adjLst/>
+    </dgm:shape>
+    <dgm:presOf/>
+    <dgm:constrLst>
+      <dgm:constr type="w" for="des" forName="rootComposite1" refType="w" fact="10"/>
+      <dgm:constr type="h" for="des" forName="rootComposite1" refType="w" refFor="des" refForName="rootComposite1" fact="0.5"/>
+      <dgm:constr type="w" for="des" forName="rootComposite" refType="w" fact="10"/>
+      <dgm:constr type="h" for="des" forName="rootComposite" refType="w" refFor="des" refForName="rootComposite1" fact="0.5"/>
+      <dgm:constr type="w" for="des" forName="rootComposite3" refType="w" fact="10"/>
+      <dgm:constr type="h" for="des" forName="rootComposite3" refType="w" refFor="des" refForName="rootComposite1" fact="0.5"/>
+      <dgm:constr type="primFontSz" for="des" ptType="node" op="equ"/>
+      <dgm:constr type="sp" for="des" op="equ"/>
+      <dgm:constr type="sp" for="des" forName="hierRoot1" refType="w" refFor="des" refForName="rootComposite1" fact="0.21"/>
+      <dgm:constr type="sp" for="des" forName="hierRoot2" refType="sp" refFor="des" refForName="hierRoot1"/>
+      <dgm:constr type="sp" for="des" forName="hierRoot3" refType="sp" refFor="des" refForName="hierRoot1"/>
+      <dgm:constr type="sibSp" refType="w" refFor="des" refForName="rootComposite1" fact="0.21"/>
+      <dgm:constr type="sibSp" for="des" forName="hierChild2" refType="sibSp"/>
+      <dgm:constr type="sibSp" for="des" forName="hierChild3" refType="sibSp"/>
+      <dgm:constr type="sibSp" for="des" forName="hierChild4" refType="sibSp"/>
+      <dgm:constr type="sibSp" for="des" forName="hierChild5" refType="sibSp"/>
+      <dgm:constr type="sibSp" for="des" forName="hierChild6" refType="sibSp"/>
+      <dgm:constr type="sibSp" for="des" forName="hierChild7" refType="sibSp"/>
+      <dgm:constr type="secSibSp" refType="w" refFor="des" refForName="rootComposite1" fact="0.21"/>
+      <dgm:constr type="secSibSp" for="des" forName="hierChild2" refType="secSibSp"/>
+      <dgm:constr type="secSibSp" for="des" forName="hierChild3" refType="secSibSp"/>
+      <dgm:constr type="secSibSp" for="des" forName="hierChild4" refType="secSibSp"/>
+      <dgm:constr type="secSibSp" for="des" forName="hierChild5" refType="secSibSp"/>
+      <dgm:constr type="secSibSp" for="des" forName="hierChild6" refType="secSibSp"/>
+      <dgm:constr type="secSibSp" for="des" forName="hierChild7" refType="secSibSp"/>
+    </dgm:constrLst>
+    <dgm:ruleLst/>
+    <dgm:forEach name="Name3" axis="ch">
+      <dgm:forEach name="Name4" axis="self" ptType="node">
+        <dgm:layoutNode name="hierRoot1">
+          <dgm:varLst>
+            <dgm:hierBranch val="init"/>
+          </dgm:varLst>
+          <dgm:choose name="Name5">
+            <dgm:if name="Name6" func="var" arg="hierBranch" op="equ" val="l">
+              <dgm:choose name="Name7">
+                <dgm:if name="Name8" axis="ch" ptType="asst" func="cnt" op="gte" val="1">
+                  <dgm:alg type="hierRoot">
+                    <dgm:param type="hierAlign" val="tR"/>
+                  </dgm:alg>
+                  <dgm:constrLst>
+                    <dgm:constr type="alignOff" val="0.65"/>
+                  </dgm:constrLst>
+                </dgm:if>
+                <dgm:else name="Name9">
+                  <dgm:alg type="hierRoot">
+                    <dgm:param type="hierAlign" val="tR"/>
+                  </dgm:alg>
+                  <dgm:constrLst>
+                    <dgm:constr type="alignOff" val="0.25"/>
+                  </dgm:constrLst>
+                </dgm:else>
+              </dgm:choose>
+            </dgm:if>
+            <dgm:if name="Name10" func="var" arg="hierBranch" op="equ" val="r">
+              <dgm:choose name="Name11">
+                <dgm:if name="Name12" axis="ch" ptType="asst" func="cnt" op="gte" val="1">
+                  <dgm:alg type="hierRoot">
+                    <dgm:param type="hierAlign" val="tL"/>
+                  </dgm:alg>
+                  <dgm:constrLst>
+                    <dgm:constr type="alignOff" val="0.65"/>
+                  </dgm:constrLst>
+                </dgm:if>
+                <dgm:else name="Name13">
+                  <dgm:alg type="hierRoot">
+                    <dgm:param type="hierAlign" val="tL"/>
+                  </dgm:alg>
+                  <dgm:constrLst>
+                    <dgm:constr type="alignOff" val="0.25"/>
+                  </dgm:constrLst>
+                </dgm:else>
+              </dgm:choose>
+            </dgm:if>
+            <dgm:if name="Name14" func="var" arg="hierBranch" op="equ" val="hang">
+              <dgm:alg type="hierRoot"/>
+              <dgm:constrLst>
+                <dgm:constr type="alignOff" val="0.65"/>
+              </dgm:constrLst>
+            </dgm:if>
+            <dgm:else name="Name15">
+              <dgm:alg type="hierRoot"/>
+              <dgm:constrLst>
+                <dgm:constr type="alignOff"/>
+                <dgm:constr type="bendDist" for="des" ptType="parTrans" refType="sp" fact="0.5"/>
+              </dgm:constrLst>
+            </dgm:else>
+          </dgm:choose>
+          <dgm:shape xmlns:r="http://schemas.openxmlformats.org/officeDocument/2006/relationships" r:blip="">
+            <dgm:adjLst/>
+          </dgm:shape>
+          <dgm:presOf/>
+          <dgm:ruleLst/>
+          <dgm:layoutNode name="rootComposite1">
+            <dgm:alg type="composite"/>
+            <dgm:shape xmlns:r="http://schemas.openxmlformats.org/officeDocument/2006/relationships" r:blip="">
+              <dgm:adjLst/>
+            </dgm:shape>
+            <dgm:presOf axis="self" ptType="node" cnt="1"/>
+            <dgm:choose name="Name16">
+              <dgm:if name="Name17" func="var" arg="hierBranch" op="equ" val="init">
+                <dgm:constrLst>
+                  <dgm:constr type="l" for="ch" forName="rootText1"/>
+                  <dgm:constr type="t" for="ch" forName="rootText1"/>
+                  <dgm:constr type="w" for="ch" forName="rootText1" refType="w"/>
+                  <dgm:constr type="h" for="ch" forName="rootText1" refType="h"/>
+                  <dgm:constr type="l" for="ch" forName="rootConnector1"/>
+                  <dgm:constr type="t" for="ch" forName="rootConnector1"/>
+                  <dgm:constr type="w" for="ch" forName="rootConnector1" refType="w" refFor="ch" refForName="rootText1" fact="0.2"/>
+                  <dgm:constr type="h" for="ch" forName="rootConnector1" refType="h" refFor="ch" refForName="rootText1"/>
+                </dgm:constrLst>
+              </dgm:if>
+              <dgm:if name="Name18" func="var" arg="hierBranch" op="equ" val="l">
+                <dgm:constrLst>
+                  <dgm:constr type="l" for="ch" forName="rootText1"/>
+                  <dgm:constr type="t" for="ch" forName="rootText1"/>
+                  <dgm:constr type="w" for="ch" forName="rootText1" refType="w"/>
+                  <dgm:constr type="h" for="ch" forName="rootText1" refType="h"/>
+                  <dgm:constr type="r" for="ch" forName="rootConnector1" refType="w"/>
+                  <dgm:constr type="t" for="ch" forName="rootConnector1"/>
+                  <dgm:constr type="w" for="ch" forName="rootConnector1" refType="w" refFor="ch" refForName="rootText1" fact="0.2"/>
+                  <dgm:constr type="h" for="ch" forName="rootConnector1" refType="h" refFor="ch" refForName="rootText1"/>
+                </dgm:constrLst>
+              </dgm:if>
+              <dgm:if name="Name19" func="var" arg="hierBranch" op="equ" val="r">
+                <dgm:constrLst>
+                  <dgm:constr type="l" for="ch" forName="rootText1"/>
+                  <dgm:constr type="t" for="ch" forName="rootText1"/>
+                  <dgm:constr type="w" for="ch" forName="rootText1" refType="w"/>
+                  <dgm:constr type="h" for="ch" forName="rootText1" refType="h"/>
+                  <dgm:constr type="l" for="ch" forName="rootConnector1"/>
+                  <dgm:constr type="t" for="ch" forName="rootConnector1"/>
+                  <dgm:constr type="w" for="ch" forName="rootConnector1" refType="w" refFor="ch" refForName="rootText1" fact="0.2"/>
+                  <dgm:constr type="h" for="ch" forName="rootConnector1" refType="h" refFor="ch" refForName="rootText1"/>
+                </dgm:constrLst>
+              </dgm:if>
+              <dgm:else name="Name20">
+                <dgm:constrLst>
+                  <dgm:constr type="l" for="ch" forName="rootText1"/>
+                  <dgm:constr type="t" for="ch" forName="rootText1"/>
+                  <dgm:constr type="w" for="ch" forName="rootText1" refType="w"/>
+                  <dgm:constr type="h" for="ch" forName="rootText1" refType="h"/>
+                  <dgm:constr type="r" for="ch" forName="rootConnector1" refType="w"/>
+                  <dgm:constr type="t" for="ch" forName="rootConnector1"/>
+                  <dgm:constr type="w" for="ch" forName="rootConnector1" refType="w" refFor="ch" refForName="rootText1" fact="0.2"/>
+                  <dgm:constr type="h" for="ch" forName="rootConnector1" refType="h" refFor="ch" refForName="rootText1"/>
+                </dgm:constrLst>
+              </dgm:else>
+            </dgm:choose>
+            <dgm:ruleLst/>
+            <dgm:layoutNode name="rootText1" styleLbl="node0">
+              <dgm:varLst>
+                <dgm:chPref val="3"/>
+              </dgm:varLst>
+              <dgm:alg type="tx"/>
+              <dgm:shape xmlns:r="http://schemas.openxmlformats.org/officeDocument/2006/relationships" type="rect" r:blip="">
+                <dgm:adjLst/>
+              </dgm:shape>
+              <dgm:presOf axis="self" ptType="node" cnt="1"/>
+              <dgm:constrLst>
+                <dgm:constr type="primFontSz" val="65"/>
+                <dgm:constr type="lMarg" refType="primFontSz" fact="0.05"/>
+                <dgm:constr type="rMarg" refType="primFontSz" fact="0.05"/>
+                <dgm:constr type="tMarg" refType="primFontSz" fact="0.05"/>
+                <dgm:constr type="bMarg" refType="primFontSz" fact="0.05"/>
+              </dgm:constrLst>
+              <dgm:ruleLst>
+                <dgm:rule type="primFontSz" val="5" fact="NaN" max="NaN"/>
+              </dgm:ruleLst>
+            </dgm:layoutNode>
+            <dgm:layoutNode name="rootConnector1" moveWith="rootText1">
+              <dgm:alg type="sp"/>
+              <dgm:shape xmlns:r="http://schemas.openxmlformats.org/officeDocument/2006/relationships" type="rect" r:blip="" hideGeom="1">
+                <dgm:adjLst/>
+              </dgm:shape>
+              <dgm:presOf axis="self" ptType="node" cnt="1"/>
+              <dgm:constrLst/>
+              <dgm:ruleLst/>
+            </dgm:layoutNode>
+          </dgm:layoutNode>
+          <dgm:layoutNode name="hierChild2">
+            <dgm:choose name="Name21">
+              <dgm:if name="Name22" func="var" arg="hierBranch" op="equ" val="l">
+                <dgm:alg type="hierChild">
+                  <dgm:param type="chAlign" val="r"/>
+                  <dgm:param type="linDir" val="fromT"/>
+                </dgm:alg>
+              </dgm:if>
+              <dgm:if name="Name23" func="var" arg="hierBranch" op="equ" val="r">
+                <dgm:alg type="hierChild">
+                  <dgm:param type="chAlign" val="l"/>
+                  <dgm:param type="linDir" val="fromT"/>
+                </dgm:alg>
+              </dgm:if>
+              <dgm:if name="Name24" func="var" arg="hierBranch" op="equ" val="hang">
+                <dgm:choose name="Name25">
+                  <dgm:if name="Name26" func="var" arg="dir" op="equ" val="norm">
+                    <dgm:alg type="hierChild">
+                      <dgm:param type="chAlign" val="l"/>
+                      <dgm:param type="linDir" val="fromL"/>
+                      <dgm:param type="secChAlign" val="t"/>
+                      <dgm:param type="secLinDir" val="fromT"/>
+                    </dgm:alg>
+                  </dgm:if>
+                  <dgm:else name="Name27">
+                    <dgm:alg type="hierChild">
+                      <dgm:param type="chAlign" val="l"/>
+                      <dgm:param type="linDir" val="fromR"/>
+                      <dgm:param type="secChAlign" val="t"/>
+                      <dgm:param type="secLinDir" val="fromT"/>
+                    </dgm:alg>
+                  </dgm:else>
+                </dgm:choose>
+              </dgm:if>
+              <dgm:else name="Name28">
+                <dgm:choose name="Name29">
+                  <dgm:if name="Name30" func="var" arg="dir" op="equ" val="norm">
+                    <dgm:alg type="hierChild"/>
+                  </dgm:if>
+                  <dgm:else name="Name31">
+                    <dgm:alg type="hierChild">
+                      <dgm:param type="linDir" val="fromR"/>
+                    </dgm:alg>
+                  </dgm:else>
+                </dgm:choose>
+              </dgm:else>
+            </dgm:choose>
+            <dgm:shape xmlns:r="http://schemas.openxmlformats.org/officeDocument/2006/relationships" r:blip="">
+              <dgm:adjLst/>
+            </dgm:shape>
+            <dgm:presOf/>
+            <dgm:constrLst/>
+            <dgm:ruleLst/>
+            <dgm:forEach name="rep2a" axis="ch" ptType="nonAsst">
+              <dgm:forEach name="Name32" axis="precedSib" ptType="parTrans" st="-1" cnt="1">
+                <dgm:choose name="Name33">
+                  <dgm:if name="Name34" func="var" arg="hierBranch" op="equ" val="std">
+                    <dgm:layoutNode name="Name35">
+                      <dgm:alg type="conn">
+                        <dgm:param type="connRout" val="bend"/>
+                        <dgm:param type="dim" val="1D"/>
+                        <dgm:param type="endSty" val="noArr"/>
+                        <dgm:param type="begPts" val="bCtr"/>
+                        <dgm:param type="endPts" val="tCtr"/>
+                        <dgm:param type="bendPt" val="end"/>
+                      </dgm:alg>
+                      <dgm:shape xmlns:r="http://schemas.openxmlformats.org/officeDocument/2006/relationships" type="conn" r:blip="" zOrderOff="-99999">
+                        <dgm:adjLst/>
+                      </dgm:shape>
+                      <dgm:presOf axis="self"/>
+                      <dgm:constrLst>
+                        <dgm:constr type="begPad"/>
+                        <dgm:constr type="endPad"/>
+                      </dgm:constrLst>
+                      <dgm:ruleLst/>
+                    </dgm:layoutNode>
+                  </dgm:if>
+                  <dgm:if name="Name36" func="var" arg="hierBranch" op="equ" val="init">
+                    <dgm:layoutNode name="Name37">
+                      <dgm:choose name="Name38">
+                        <dgm:if name="Name39" axis="self" func="depth" op="lte" val="2">
+                          <dgm:alg type="conn">
+                            <dgm:param type="connRout" val="bend"/>
+                            <dgm:param type="dim" val="1D"/>
+                            <dgm:param type="endSty" val="noArr"/>
+                            <dgm:param type="begPts" val="bCtr"/>
+                            <dgm:param type="endPts" val="tCtr"/>
+                            <dgm:param type="bendPt" val="end"/>
+                          </dgm:alg>
+                        </dgm:if>
+                        <dgm:else name="Name40">
+                          <dgm:choose name="Name41">
+                            <dgm:if name="Name42" axis="par des" func="maxDepth" op="lte" val="1">
+                              <dgm:choose name="Name43">
+                                <dgm:if name="Name44" axis="par ch" ptType="node asst" func="cnt" op="gte" val="1">
+                                  <dgm:alg type="conn">
+                                    <dgm:param type="connRout" val="bend"/>
+                                    <dgm:param type="dim" val="1D"/>
+                                    <dgm:param type="endSty" val="noArr"/>
+                                    <dgm:param type="begPts" val="bCtr"/>
+                                    <dgm:param type="endPts" val="midL midR"/>
+                                  </dgm:alg>
+                                </dgm:if>
+                                <dgm:else name="Name45">
+                                  <dgm:alg type="conn">
+                                    <dgm:param type="connRout" val="bend"/>
+                                    <dgm:param type="dim" val="1D"/>
+                                    <dgm:param type="endSty" val="noArr"/>
+                                    <dgm:param type="begPts" val="bCtr"/>
+                                    <dgm:param type="endPts" val="midL midR"/>
+                                    <dgm:param type="srcNode" val="rootConnector"/>
+                                  </dgm:alg>
+                                </dgm:else>
+                              </dgm:choose>
+                            </dgm:if>
+                            <dgm:else name="Name46">
+                              <dgm:alg type="conn">
+                                <dgm:param type="connRout" val="bend"/>
+                                <dgm:param type="dim" val="1D"/>
+                                <dgm:param type="endSty" val="noArr"/>
+                                <dgm:param type="begPts" val="bCtr"/>
+                                <dgm:param type="endPts" val="tCtr"/>
+                                <dgm:param type="bendPt" val="end"/>
+                              </dgm:alg>
+                            </dgm:else>
+                          </dgm:choose>
+                        </dgm:else>
+                      </dgm:choose>
+                      <dgm:shape xmlns:r="http://schemas.openxmlformats.org/officeDocument/2006/relationships" type="conn" r:blip="" zOrderOff="-99999">
+                        <dgm:adjLst/>
+                      </dgm:shape>
+                      <dgm:presOf axis="self"/>
+                      <dgm:constrLst>
+                        <dgm:constr type="begPad"/>
+                        <dgm:constr type="endPad"/>
+                      </dgm:constrLst>
+                      <dgm:ruleLst/>
+                    </dgm:layoutNode>
+                  </dgm:if>
+                  <dgm:if name="Name47" func="var" arg="hierBranch" op="equ" val="hang">
+                    <dgm:layoutNode name="Name48">
+                      <dgm:alg type="conn">
+                        <dgm:param type="connRout" val="bend"/>
+                        <dgm:param type="dim" val="1D"/>
+                        <dgm:param type="endSty" val="noArr"/>
+                        <dgm:param type="begPts" val="bCtr"/>
+                        <dgm:param type="endPts" val="midL midR"/>
+                      </dgm:alg>
+                      <dgm:shape xmlns:r="http://schemas.openxmlformats.org/officeDocument/2006/relationships" type="conn" r:blip="" zOrderOff="-99999">
+                        <dgm:adjLst/>
+                      </dgm:shape>
+                      <dgm:presOf axis="self"/>
+                      <dgm:constrLst>
+                        <dgm:constr type="begPad"/>
+                        <dgm:constr type="endPad"/>
+                      </dgm:constrLst>
+                      <dgm:ruleLst/>
+                    </dgm:layoutNode>
+                  </dgm:if>
+                  <dgm:else name="Name49">
+                    <dgm:layoutNode name="Name50">
+                      <dgm:choose name="Name51">
+                        <dgm:if name="Name52" axis="self" func="depth" op="lte" val="2">
+                          <dgm:choose name="Name53">
+                            <dgm:if name="Name54" axis="par ch" ptType="node asst" func="cnt" op="gte" val="1">
+                              <dgm:alg type="conn">
+                                <dgm:param type="connRout" val="bend"/>
+                                <dgm:param type="dim" val="1D"/>
+                                <dgm:param type="endSty" val="noArr"/>
+                                <dgm:param type="begPts" val="bCtr"/>
+                                <dgm:param type="endPts" val="midL midR"/>
+                              </dgm:alg>
+                            </dgm:if>
+                            <dgm:else name="Name55">
+                              <dgm:alg type="conn">
+                                <dgm:param type="connRout" val="bend"/>
+                                <dgm:param type="dim" val="1D"/>
+                                <dgm:param type="endSty" val="noArr"/>
+                                <dgm:param type="begPts" val="bCtr"/>
+                                <dgm:param type="endPts" val="midL midR"/>
+                                <dgm:param type="srcNode" val="rootConnector1"/>
+                              </dgm:alg>
+                            </dgm:else>
+                          </dgm:choose>
+                        </dgm:if>
+                        <dgm:else name="Name56">
+                          <dgm:choose name="Name57">
+                            <dgm:if name="Name58" axis="par ch" ptType="node asst" func="cnt" op="gte" val="1">
+                              <dgm:alg type="conn">
+                                <dgm:param type="connRout" val="bend"/>
+                                <dgm:param type="dim" val="1D"/>
+                                <dgm:param type="endSty" val="noArr"/>
+                                <dgm:param type="begPts" val="bCtr"/>
+                                <dgm:param type="endPts" val="midL midR"/>
+                              </dgm:alg>
+                            </dgm:if>
+                            <dgm:else name="Name59">
+                              <dgm:alg type="conn">
+                                <dgm:param type="connRout" val="bend"/>
+                                <dgm:param type="dim" val="1D"/>
+                                <dgm:param type="endSty" val="noArr"/>
+                                <dgm:param type="begPts" val="bCtr"/>
+                                <dgm:param type="endPts" val="midL midR"/>
+                                <dgm:param type="srcNode" val="rootConnector"/>
+                              </dgm:alg>
+                            </dgm:else>
+                          </dgm:choose>
+                        </dgm:else>
+                      </dgm:choose>
+                      <dgm:shape xmlns:r="http://schemas.openxmlformats.org/officeDocument/2006/relationships" type="conn" r:blip="" zOrderOff="-99999">
+                        <dgm:adjLst/>
+                      </dgm:shape>
+                      <dgm:presOf axis="self"/>
+                      <dgm:constrLst>
+                        <dgm:constr type="begPad"/>
+                        <dgm:constr type="endPad"/>
+                      </dgm:constrLst>
+                      <dgm:ruleLst/>
+                    </dgm:layoutNode>
+                  </dgm:else>
+                </dgm:choose>
+              </dgm:forEach>
+              <dgm:layoutNode name="hierRoot2">
+                <dgm:varLst>
+                  <dgm:hierBranch val="init"/>
+                </dgm:varLst>
+                <dgm:choose name="Name60">
+                  <dgm:if name="Name61" func="var" arg="hierBranch" op="equ" val="l">
+                    <dgm:choose name="Name62">
+                      <dgm:if name="Name63" axis="ch" ptType="asst" func="cnt" op="gte" val="1">
+                        <dgm:alg type="hierRoot">
+                          <dgm:param type="hierAlign" val="tR"/>
+                        </dgm:alg>
+                        <dgm:shape xmlns:r="http://schemas.openxmlformats.org/officeDocument/2006/relationships" r:blip="">
+                          <dgm:adjLst/>
+                        </dgm:shape>
+                        <dgm:presOf/>
+                        <dgm:constrLst>
+                          <dgm:constr type="alignOff" val="0.65"/>
+                        </dgm:constrLst>
+                      </dgm:if>
+                      <dgm:else name="Name64">
+                        <dgm:alg type="hierRoot">
+                          <dgm:param type="hierAlign" val="tR"/>
+                        </dgm:alg>
+                        <dgm:shape xmlns:r="http://schemas.openxmlformats.org/officeDocument/2006/relationships" r:blip="">
+                          <dgm:adjLst/>
+                        </dgm:shape>
+                        <dgm:presOf/>
+                        <dgm:constrLst>
+                          <dgm:constr type="alignOff" val="0.25"/>
+                        </dgm:constrLst>
+                      </dgm:else>
+                    </dgm:choose>
+                  </dgm:if>
+                  <dgm:if name="Name65" func="var" arg="hierBranch" op="equ" val="r">
+                    <dgm:choose name="Name66">
+                      <dgm:if name="Name67" axis="ch" ptType="asst" func="cnt" op="gte" val="1">
+                        <dgm:alg type="hierRoot">
+                          <dgm:param type="hierAlign" val="tL"/>
+                        </dgm:alg>
+                        <dgm:shape xmlns:r="http://schemas.openxmlformats.org/officeDocument/2006/relationships" r:blip="">
+                          <dgm:adjLst/>
+                        </dgm:shape>
+                        <dgm:presOf/>
+                        <dgm:constrLst>
+                          <dgm:constr type="alignOff" val="0.65"/>
+                        </dgm:constrLst>
+                      </dgm:if>
+                      <dgm:else name="Name68">
+                        <dgm:alg type="hierRoot">
+                          <dgm:param type="hierAlign" val="tL"/>
+                        </dgm:alg>
+                        <dgm:shape xmlns:r="http://schemas.openxmlformats.org/officeDocument/2006/relationships" r:blip="">
+                          <dgm:adjLst/>
+                        </dgm:shape>
+                        <dgm:presOf/>
+                        <dgm:constrLst>
+                          <dgm:constr type="alignOff" val="0.25"/>
+                        </dgm:constrLst>
+                      </dgm:else>
+                    </dgm:choose>
+                  </dgm:if>
+                  <dgm:if name="Name69" func="var" arg="hierBranch" op="equ" val="std">
+                    <dgm:alg type="hierRoot"/>
+                    <dgm:shape xmlns:r="http://schemas.openxmlformats.org/officeDocument/2006/relationships" r:blip="">
+                      <dgm:adjLst/>
+                    </dgm:shape>
+                    <dgm:presOf/>
+                    <dgm:constrLst>
+                      <dgm:constr type="alignOff"/>
+                      <dgm:constr type="bendDist" for="des" ptType="parTrans" refType="sp" fact="0.5"/>
+                    </dgm:constrLst>
+                  </dgm:if>
+                  <dgm:if name="Name70" func="var" arg="hierBranch" op="equ" val="init">
+                    <dgm:choose name="Name71">
+                      <dgm:if name="Name72" axis="des" func="maxDepth" op="lte" val="1">
+                        <dgm:choose name="Name73">
+                          <dgm:if name="Name74" axis="ch" ptType="asst" func="cnt" op="gte" val="1">
+                            <dgm:alg type="hierRoot">
+                              <dgm:param type="hierAlign" val="tL"/>
+                            </dgm:alg>
+                            <dgm:shape xmlns:r="http://schemas.openxmlformats.org/officeDocument/2006/relationships" r:blip="">
+                              <dgm:adjLst/>
+                            </dgm:shape>
+                            <dgm:presOf/>
+                            <dgm:constrLst>
+                              <dgm:constr type="alignOff" val="0.65"/>
+                            </dgm:constrLst>
+                          </dgm:if>
+                          <dgm:else name="Name75">
+                            <dgm:alg type="hierRoot">
+                              <dgm:param type="hierAlign" val="tL"/>
+                            </dgm:alg>
+                            <dgm:shape xmlns:r="http://schemas.openxmlformats.org/officeDocument/2006/relationships" r:blip="">
+                              <dgm:adjLst/>
+                            </dgm:shape>
+                            <dgm:presOf/>
+                            <dgm:constrLst>
+                              <dgm:constr type="alignOff" val="0.25"/>
+                            </dgm:constrLst>
+                          </dgm:else>
+                        </dgm:choose>
+                      </dgm:if>
+                      <dgm:else name="Name76">
+                        <dgm:alg type="hierRoot"/>
+                        <dgm:shape xmlns:r="http://schemas.openxmlformats.org/officeDocument/2006/relationships" r:blip="">
+                          <dgm:adjLst/>
+                        </dgm:shape>
+                        <dgm:presOf/>
+                        <dgm:constrLst>
+                          <dgm:constr type="alignOff"/>
+                          <dgm:constr type="bendDist" for="des" ptType="parTrans" refType="sp" fact="0.5"/>
+                        </dgm:constrLst>
+                      </dgm:else>
+                    </dgm:choose>
+                  </dgm:if>
+                  <dgm:else name="Name77">
+                    <dgm:alg type="hierRoot"/>
+                    <dgm:shape xmlns:r="http://schemas.openxmlformats.org/officeDocument/2006/relationships" r:blip="">
+                      <dgm:adjLst/>
+                    </dgm:shape>
+                    <dgm:presOf/>
+                    <dgm:constrLst>
+                      <dgm:constr type="alignOff" val="0.65"/>
+                    </dgm:constrLst>
+                  </dgm:else>
+                </dgm:choose>
+                <dgm:ruleLst/>
+                <dgm:layoutNode name="rootComposite">
+                  <dgm:alg type="composite"/>
+                  <dgm:shape xmlns:r="http://schemas.openxmlformats.org/officeDocument/2006/relationships" r:blip="">
+                    <dgm:adjLst/>
+                  </dgm:shape>
+                  <dgm:presOf axis="self" ptType="node" cnt="1"/>
+                  <dgm:choose name="Name78">
+                    <dgm:if name="Name79" func="var" arg="hierBranch" op="equ" val="init">
+                      <dgm:constrLst>
+                        <dgm:constr type="l" for="ch" forName="rootText"/>
+                        <dgm:constr type="t" for="ch" forName="rootText"/>
+                        <dgm:constr type="w" for="ch" forName="rootText" refType="w"/>
+                        <dgm:constr type="h" for="ch" forName="rootText" refType="h"/>
+                        <dgm:constr type="l" for="ch" forName="rootConnector"/>
+                        <dgm:constr type="t" for="ch" forName="rootConnector"/>
+                        <dgm:constr type="w" for="ch" forName="rootConnector" refType="w" refFor="ch" refForName="rootText" fact="0.2"/>
+                        <dgm:constr type="h" for="ch" forName="rootConnector" refType="h" refFor="ch" refForName="rootText"/>
+                      </dgm:constrLst>
+                    </dgm:if>
+                    <dgm:if name="Name80" func="var" arg="hierBranch" op="equ" val="l">
+                      <dgm:constrLst>
+                        <dgm:constr type="l" for="ch" forName="rootText"/>
+                        <dgm:constr type="t" for="ch" forName="rootText"/>
+                        <dgm:constr type="w" for="ch" forName="rootText" refType="w"/>
+                        <dgm:constr type="h" for="ch" forName="rootText" refType="h"/>
+                        <dgm:constr type="r" for="ch" forName="rootConnector" refType="w"/>
+                        <dgm:constr type="t" for="ch" forName="rootConnector"/>
+                        <dgm:constr type="w" for="ch" forName="rootConnector" refType="w" refFor="ch" refForName="rootText" fact="0.2"/>
+                        <dgm:constr type="h" for="ch" forName="rootConnector" refType="h" refFor="ch" refForName="rootText"/>
+                      </dgm:constrLst>
+                    </dgm:if>
+                    <dgm:if name="Name81" func="var" arg="hierBranch" op="equ" val="r">
+                      <dgm:constrLst>
+                        <dgm:constr type="l" for="ch" forName="rootText"/>
+                        <dgm:constr type="t" for="ch" forName="rootText"/>
+                        <dgm:constr type="w" for="ch" forName="rootText" refType="w"/>
+                        <dgm:constr type="h" for="ch" forName="rootText" refType="h"/>
+                        <dgm:constr type="l" for="ch" forName="rootConnector"/>
+                        <dgm:constr type="t" for="ch" forName="rootConnector"/>
+                        <dgm:constr type="w" for="ch" forName="rootConnector" refType="w" refFor="ch" refForName="rootText" fact="0.2"/>
+                        <dgm:constr type="h" for="ch" forName="rootConnector" refType="h" refFor="ch" refForName="rootText"/>
+                      </dgm:constrLst>
+                    </dgm:if>
+                    <dgm:else name="Name82">
+                      <dgm:constrLst>
+                        <dgm:constr type="l" for="ch" forName="rootText"/>
+                        <dgm:constr type="t" for="ch" forName="rootText"/>
+                        <dgm:constr type="w" for="ch" forName="rootText" refType="w"/>
+                        <dgm:constr type="h" for="ch" forName="rootText" refType="h"/>
+                        <dgm:constr type="r" for="ch" forName="rootConnector" refType="w"/>
+                        <dgm:constr type="t" for="ch" forName="rootConnector"/>
+                        <dgm:constr type="w" for="ch" forName="rootConnector" refType="w" refFor="ch" refForName="rootText" fact="0.2"/>
+                        <dgm:constr type="h" for="ch" forName="rootConnector" refType="h" refFor="ch" refForName="rootText"/>
+                      </dgm:constrLst>
+                    </dgm:else>
+                  </dgm:choose>
+                  <dgm:ruleLst/>
+                  <dgm:layoutNode name="rootText">
+                    <dgm:varLst>
+                      <dgm:chPref val="3"/>
+                    </dgm:varLst>
+                    <dgm:alg type="tx"/>
+                    <dgm:shape xmlns:r="http://schemas.openxmlformats.org/officeDocument/2006/relationships" type="rect" r:blip="">
+                      <dgm:adjLst/>
+                    </dgm:shape>
+                    <dgm:presOf axis="self" ptType="node" cnt="1"/>
+                    <dgm:constrLst>
+                      <dgm:constr type="primFontSz" val="65"/>
+                      <dgm:constr type="lMarg" refType="primFontSz" fact="0.05"/>
+                      <dgm:constr type="rMarg" refType="primFontSz" fact="0.05"/>
+                      <dgm:constr type="tMarg" refType="primFontSz" fact="0.05"/>
+                      <dgm:constr type="bMarg" refType="primFontSz" fact="0.05"/>
+                    </dgm:constrLst>
+                    <dgm:ruleLst>
+                      <dgm:rule type="primFontSz" val="5" fact="NaN" max="NaN"/>
+                    </dgm:ruleLst>
+                  </dgm:layoutNode>
+                  <dgm:layoutNode name="rootConnector" moveWith="rootText">
+                    <dgm:alg type="sp"/>
+                    <dgm:shape xmlns:r="http://schemas.openxmlformats.org/officeDocument/2006/relationships" type="rect" r:blip="" hideGeom="1">
+                      <dgm:adjLst/>
+                    </dgm:shape>
+                    <dgm:presOf axis="self" ptType="node" cnt="1"/>
+                    <dgm:constrLst/>
+                    <dgm:ruleLst/>
+                  </dgm:layoutNode>
+                </dgm:layoutNode>
+                <dgm:layoutNode name="hierChild4">
+                  <dgm:choose name="Name83">
+                    <dgm:if name="Name84" func="var" arg="hierBranch" op="equ" val="l">
+                      <dgm:alg type="hierChild">
+                        <dgm:param type="chAlign" val="r"/>
+                        <dgm:param type="linDir" val="fromT"/>
+                      </dgm:alg>
+                    </dgm:if>
+                    <dgm:if name="Name85" func="var" arg="hierBranch" op="equ" val="r">
+                      <dgm:alg type="hierChild">
+                        <dgm:param type="chAlign" val="l"/>
+                        <dgm:param type="linDir" val="fromT"/>
+                      </dgm:alg>
+                    </dgm:if>
+                    <dgm:if name="Name86" func="var" arg="hierBranch" op="equ" val="hang">
+                      <dgm:choose name="Name87">
+                        <dgm:if name="Name88" func="var" arg="dir" op="equ" val="norm">
+                          <dgm:alg type="hierChild">
+                            <dgm:param type="chAlign" val="l"/>
+                            <dgm:param type="linDir" val="fromL"/>
+                            <dgm:param type="secChAlign" val="t"/>
+                            <dgm:param type="secLinDir" val="fromT"/>
+                          </dgm:alg>
+                        </dgm:if>
+                        <dgm:else name="Name89">
+                          <dgm:alg type="hierChild">
+                            <dgm:param type="chAlign" val="l"/>
+                            <dgm:param type="linDir" val="fromR"/>
+                            <dgm:param type="secChAlign" val="t"/>
+                            <dgm:param type="secLinDir" val="fromT"/>
+                          </dgm:alg>
+                        </dgm:else>
+                      </dgm:choose>
+                    </dgm:if>
+                    <dgm:if name="Name90" func="var" arg="hierBranch" op="equ" val="std">
+                      <dgm:choose name="Name91">
+                        <dgm:if name="Name92" func="var" arg="dir" op="equ" val="norm">
+                          <dgm:alg type="hierChild"/>
+                        </dgm:if>
+                        <dgm:else name="Name93">
+                          <dgm:alg type="hierChild">
+                            <dgm:param type="linDir" val="fromR"/>
+                          </dgm:alg>
+                        </dgm:else>
+                      </dgm:choose>
+                    </dgm:if>
+                    <dgm:if name="Name94" func="var" arg="hierBranch" op="equ" val="init">
+                      <dgm:choose name="Name95">
+                        <dgm:if name="Name96" axis="des" func="maxDepth" op="lte" val="1">
+                          <dgm:alg type="hierChild">
+                            <dgm:param type="chAlign" val="l"/>
+                            <dgm:param type="linDir" val="fromT"/>
+                          </dgm:alg>
+                        </dgm:if>
+                        <dgm:else name="Name97">
+                          <dgm:choose name="Name98">
+                            <dgm:if name="Name99" func="var" arg="dir" op="equ" val="norm">
+                              <dgm:alg type="hierChild"/>
+                            </dgm:if>
+                            <dgm:else name="Name100">
+                              <dgm:alg type="hierChild">
+                                <dgm:param type="linDir" val="fromR"/>
+                              </dgm:alg>
+                            </dgm:else>
+                          </dgm:choose>
+                        </dgm:else>
+                      </dgm:choose>
+                    </dgm:if>
+                    <dgm:else name="Name101"/>
+                  </dgm:choose>
+                  <dgm:shape xmlns:r="http://schemas.openxmlformats.org/officeDocument/2006/relationships" r:blip="">
+                    <dgm:adjLst/>
+                  </dgm:shape>
+                  <dgm:presOf/>
+                  <dgm:constrLst/>
+                  <dgm:ruleLst/>
+                  <dgm:forEach name="Name102" ref="rep2a"/>
+                </dgm:layoutNode>
+                <dgm:layoutNode name="hierChild5">
+                  <dgm:choose name="Name103">
+                    <dgm:if name="Name104" func="var" arg="dir" op="equ" val="norm">
+                      <dgm:alg type="hierChild">
+                        <dgm:param type="chAlign" val="l"/>
+                        <dgm:param type="linDir" val="fromL"/>
+                        <dgm:param type="secChAlign" val="t"/>
+                        <dgm:param type="secLinDir" val="fromT"/>
+                      </dgm:alg>
+                    </dgm:if>
+                    <dgm:else name="Name105">
+                      <dgm:alg type="hierChild">
+                        <dgm:param type="chAlign" val="l"/>
+                        <dgm:param type="linDir" val="fromR"/>
+                        <dgm:param type="secChAlign" val="t"/>
+                        <dgm:param type="secLinDir" val="fromT"/>
+                      </dgm:alg>
+                    </dgm:else>
+                  </dgm:choose>
+                  <dgm:shape xmlns:r="http://schemas.openxmlformats.org/officeDocument/2006/relationships" r:blip="">
+                    <dgm:adjLst/>
+                  </dgm:shape>
+                  <dgm:presOf/>
+                  <dgm:constrLst/>
+                  <dgm:ruleLst/>
+                  <dgm:forEach name="Name106" ref="rep2b"/>
+                </dgm:layoutNode>
+              </dgm:layoutNode>
+            </dgm:forEach>
+          </dgm:layoutNode>
+          <dgm:layoutNode name="hierChild3">
+            <dgm:choose name="Name107">
+              <dgm:if name="Name108" func="var" arg="dir" op="equ" val="norm">
+                <dgm:alg type="hierChild">
+                  <dgm:param type="chAlign" val="l"/>
+                  <dgm:param type="linDir" val="fromL"/>
+                  <dgm:param type="secChAlign" val="t"/>
+                  <dgm:param type="secLinDir" val="fromT"/>
+                </dgm:alg>
+              </dgm:if>
+              <dgm:else name="Name109">
+                <dgm:alg type="hierChild">
+                  <dgm:param type="chAlign" val="l"/>
+                  <dgm:param type="linDir" val="fromR"/>
+                  <dgm:param type="secChAlign" val="t"/>
+                  <dgm:param type="secLinDir" val="fromT"/>
+                </dgm:alg>
+              </dgm:else>
+            </dgm:choose>
+            <dgm:shape xmlns:r="http://schemas.openxmlformats.org/officeDocument/2006/relationships" r:blip="">
+              <dgm:adjLst/>
+            </dgm:shape>
+            <dgm:presOf/>
+            <dgm:constrLst/>
+            <dgm:ruleLst/>
+            <dgm:forEach name="rep2b" axis="ch" ptType="asst">
+              <dgm:forEach name="Name110" axis="precedSib" ptType="parTrans" st="-1" cnt="1">
+                <dgm:layoutNode name="Name111">
+                  <dgm:alg type="conn">
+                    <dgm:param type="connRout" val="bend"/>
+                    <dgm:param type="dim" val="1D"/>
+                    <dgm:param type="endSty" val="noArr"/>
+                    <dgm:param type="begPts" val="bCtr"/>
+                    <dgm:param type="endPts" val="midL midR"/>
+                  </dgm:alg>
+                  <dgm:shape xmlns:r="http://schemas.openxmlformats.org/officeDocument/2006/relationships" type="conn" r:blip="" zOrderOff="-99999">
+                    <dgm:adjLst/>
+                  </dgm:shape>
+                  <dgm:presOf axis="self"/>
+                  <dgm:constrLst>
+                    <dgm:constr type="begPad"/>
+                    <dgm:constr type="endPad"/>
+                  </dgm:constrLst>
+                  <dgm:ruleLst/>
+                </dgm:layoutNode>
+              </dgm:forEach>
+              <dgm:layoutNode name="hierRoot3">
+                <dgm:varLst>
+                  <dgm:hierBranch val="init"/>
+                </dgm:varLst>
+                <dgm:choose name="Name112">
+                  <dgm:if name="Name113" func="var" arg="hierBranch" op="equ" val="l">
+                    <dgm:alg type="hierRoot">
+                      <dgm:param type="hierAlign" val="tR"/>
+                    </dgm:alg>
+                    <dgm:shape xmlns:r="http://schemas.openxmlformats.org/officeDocument/2006/relationships" r:blip="">
+                      <dgm:adjLst/>
+                    </dgm:shape>
+                    <dgm:presOf/>
+                    <dgm:constrLst>
+                      <dgm:constr type="alignOff" val="0.65"/>
+                    </dgm:constrLst>
+                  </dgm:if>
+                  <dgm:if name="Name114" func="var" arg="hierBranch" op="equ" val="r">
+                    <dgm:alg type="hierRoot">
+                      <dgm:param type="hierAlign" val="tL"/>
+                    </dgm:alg>
+                    <dgm:shape xmlns:r="http://schemas.openxmlformats.org/officeDocument/2006/relationships" r:blip="">
+                      <dgm:adjLst/>
+                    </dgm:shape>
+                    <dgm:presOf/>
+                    <dgm:constrLst>
+                      <dgm:constr type="alignOff" val="0.65"/>
+                    </dgm:constrLst>
+                  </dgm:if>
+                  <dgm:if name="Name115" func="var" arg="hierBranch" op="equ" val="hang">
+                    <dgm:alg type="hierRoot"/>
+                    <dgm:shape xmlns:r="http://schemas.openxmlformats.org/officeDocument/2006/relationships" r:blip="">
+                      <dgm:adjLst/>
+                    </dgm:shape>
+                    <dgm:presOf/>
+                    <dgm:constrLst>
+                      <dgm:constr type="alignOff" val="0.65"/>
+                    </dgm:constrLst>
+                  </dgm:if>
+                  <dgm:if name="Name116" func="var" arg="hierBranch" op="equ" val="std">
+                    <dgm:alg type="hierRoot"/>
+                    <dgm:shape xmlns:r="http://schemas.openxmlformats.org/officeDocument/2006/relationships" r:blip="">
+                      <dgm:adjLst/>
+                    </dgm:shape>
+                    <dgm:presOf/>
+                    <dgm:constrLst>
+                      <dgm:constr type="alignOff"/>
+                      <dgm:constr type="bendDist" for="des" ptType="parTrans" refType="sp" fact="0.5"/>
+                    </dgm:constrLst>
+                  </dgm:if>
+                  <dgm:if name="Name117" func="var" arg="hierBranch" op="equ" val="init">
+                    <dgm:choose name="Name118">
+                      <dgm:if name="Name119" axis="des" func="maxDepth" op="lte" val="1">
+                        <dgm:alg type="hierRoot">
+                          <dgm:param type="hierAlign" val="tL"/>
+                        </dgm:alg>
+                        <dgm:shape xmlns:r="http://schemas.openxmlformats.org/officeDocument/2006/relationships" r:blip="">
+                          <dgm:adjLst/>
+                        </dgm:shape>
+                        <dgm:presOf/>
+                        <dgm:constrLst>
+                          <dgm:constr type="alignOff" val="0.65"/>
+                        </dgm:constrLst>
+                      </dgm:if>
+                      <dgm:else name="Name120">
+                        <dgm:alg type="hierRoot"/>
+                        <dgm:shape xmlns:r="http://schemas.openxmlformats.org/officeDocument/2006/relationships" r:blip="">
+                          <dgm:adjLst/>
+                        </dgm:shape>
+                        <dgm:presOf/>
+                        <dgm:constrLst>
+                          <dgm:constr type="alignOff"/>
+                          <dgm:constr type="bendDist" for="des" ptType="parTrans" refType="sp" fact="0.5"/>
+                        </dgm:constrLst>
+                      </dgm:else>
+                    </dgm:choose>
+                  </dgm:if>
+                  <dgm:else name="Name121"/>
+                </dgm:choose>
+                <dgm:ruleLst/>
+                <dgm:layoutNode name="rootComposite3">
+                  <dgm:alg type="composite"/>
+                  <dgm:shape xmlns:r="http://schemas.openxmlformats.org/officeDocument/2006/relationships" r:blip="">
+                    <dgm:adjLst/>
+                  </dgm:shape>
+                  <dgm:presOf axis="self" ptType="node" cnt="1"/>
+                  <dgm:choose name="Name122">
+                    <dgm:if name="Name123" func="var" arg="hierBranch" op="equ" val="init">
+                      <dgm:constrLst>
+                        <dgm:constr type="l" for="ch" forName="rootText3"/>
+                        <dgm:constr type="t" for="ch" forName="rootText3"/>
+                        <dgm:constr type="w" for="ch" forName="rootText3" refType="w"/>
+                        <dgm:constr type="h" for="ch" forName="rootText3" refType="h"/>
+                        <dgm:constr type="l" for="ch" forName="rootConnector3"/>
+                        <dgm:constr type="t" for="ch" forName="rootConnector3"/>
+                        <dgm:constr type="w" for="ch" forName="rootConnector3" refType="w" refFor="ch" refForName="rootText3" fact="0.2"/>
+                        <dgm:constr type="h" for="ch" forName="rootConnector3" refType="h" refFor="ch" refForName="rootText3"/>
+                      </dgm:constrLst>
+                    </dgm:if>
+                    <dgm:if name="Name124" func="var" arg="hierBranch" op="equ" val="l">
+                      <dgm:constrLst>
+                        <dgm:constr type="l" for="ch" forName="rootText3"/>
+                        <dgm:constr type="t" for="ch" forName="rootText3"/>
+                        <dgm:constr type="w" for="ch" forName="rootText3" refType="w"/>
+                        <dgm:constr type="h" for="ch" forName="rootText3" refType="h"/>
+                        <dgm:constr type="r" for="ch" forName="rootConnector3" refType="w"/>
+                        <dgm:constr type="t" for="ch" forName="rootConnector3"/>
+                        <dgm:constr type="w" for="ch" forName="rootConnector3" refType="w" refFor="ch" refForName="rootText3" fact="0.2"/>
+                        <dgm:constr type="h" for="ch" forName="rootConnector3" refType="h" refFor="ch" refForName="rootText3"/>
+                      </dgm:constrLst>
+                    </dgm:if>
+                    <dgm:if name="Name125" func="var" arg="hierBranch" op="equ" val="r">
+                      <dgm:constrLst>
+                        <dgm:constr type="l" for="ch" forName="rootText3"/>
+                        <dgm:constr type="t" for="ch" forName="rootText3"/>
+                        <dgm:constr type="w" for="ch" forName="rootText3" refType="w"/>
+                        <dgm:constr type="h" for="ch" forName="rootText3" refType="h"/>
+                        <dgm:constr type="l" for="ch" forName="rootConnector3"/>
+                        <dgm:constr type="t" for="ch" forName="rootConnector3"/>
+                        <dgm:constr type="w" for="ch" forName="rootConnector3" refType="w" refFor="ch" refForName="rootText3" fact="0.2"/>
+                        <dgm:constr type="h" for="ch" forName="rootConnector3" refType="h" refFor="ch" refForName="rootText3"/>
+                      </dgm:constrLst>
+                    </dgm:if>
+                    <dgm:else name="Name126">
+                      <dgm:constrLst>
+                        <dgm:constr type="l" for="ch" forName="rootText3"/>
+                        <dgm:constr type="t" for="ch" forName="rootText3"/>
+                        <dgm:constr type="w" for="ch" forName="rootText3" refType="w"/>
+                        <dgm:constr type="h" for="ch" forName="rootText3" refType="h"/>
+                        <dgm:constr type="r" for="ch" forName="rootConnector3" refType="w"/>
+                        <dgm:constr type="t" for="ch" forName="rootConnector3"/>
+                        <dgm:constr type="w" for="ch" forName="rootConnector3" refType="w" refFor="ch" refForName="rootText3" fact="0.2"/>
+                        <dgm:constr type="h" for="ch" forName="rootConnector3" refType="h" refFor="ch" refForName="rootText3"/>
+                      </dgm:constrLst>
+                    </dgm:else>
+                  </dgm:choose>
+                  <dgm:ruleLst/>
+                  <dgm:layoutNode name="rootText3">
+                    <dgm:varLst>
+                      <dgm:chPref val="3"/>
+                    </dgm:varLst>
+                    <dgm:alg type="tx"/>
+                    <dgm:shape xmlns:r="http://schemas.openxmlformats.org/officeDocument/2006/relationships" type="rect" r:blip="">
+                      <dgm:adjLst/>
+                    </dgm:shape>
+                    <dgm:presOf axis="self" ptType="node" cnt="1"/>
+                    <dgm:constrLst>
+                      <dgm:constr type="primFontSz" val="65"/>
+                      <dgm:constr type="lMarg" refType="primFontSz" fact="0.05"/>
+                      <dgm:constr type="rMarg" refType="primFontSz" fact="0.05"/>
+                      <dgm:constr type="tMarg" refType="primFontSz" fact="0.05"/>
+                      <dgm:constr type="bMarg" refType="primFontSz" fact="0.05"/>
+                    </dgm:constrLst>
+                    <dgm:ruleLst>
+                      <dgm:rule type="primFontSz" val="5" fact="NaN" max="NaN"/>
+                    </dgm:ruleLst>
+                  </dgm:layoutNode>
+                  <dgm:layoutNode name="rootConnector3" moveWith="rootText1">
+                    <dgm:alg type="sp"/>
+                    <dgm:shape xmlns:r="http://schemas.openxmlformats.org/officeDocument/2006/relationships" type="rect" r:blip="" hideGeom="1">
+                      <dgm:adjLst/>
+                    </dgm:shape>
+                    <dgm:presOf axis="self" ptType="node" cnt="1"/>
+                    <dgm:constrLst/>
+                    <dgm:ruleLst/>
+                  </dgm:layoutNode>
+                </dgm:layoutNode>
+                <dgm:layoutNode name="hierChild6">
+                  <dgm:choose name="Name127">
+                    <dgm:if name="Name128" func="var" arg="hierBranch" op="equ" val="l">
+                      <dgm:alg type="hierChild">
+                        <dgm:param type="chAlign" val="r"/>
+                        <dgm:param type="linDir" val="fromT"/>
+                      </dgm:alg>
+                    </dgm:if>
+                    <dgm:if name="Name129" func="var" arg="hierBranch" op="equ" val="r">
+                      <dgm:alg type="hierChild">
+                        <dgm:param type="chAlign" val="l"/>
+                        <dgm:param type="linDir" val="fromT"/>
+                      </dgm:alg>
+                    </dgm:if>
+                    <dgm:if name="Name130" func="var" arg="hierBranch" op="equ" val="hang">
+                      <dgm:choose name="Name131">
+                        <dgm:if name="Name132" func="var" arg="dir" op="equ" val="norm">
+                          <dgm:alg type="hierChild">
+                            <dgm:param type="chAlign" val="l"/>
+                            <dgm:param type="linDir" val="fromL"/>
+                            <dgm:param type="secChAlign" val="t"/>
+                            <dgm:param type="secLinDir" val="fromT"/>
+                          </dgm:alg>
+                        </dgm:if>
+                        <dgm:else name="Name133">
+                          <dgm:alg type="hierChild">
+                            <dgm:param type="chAlign" val="l"/>
+                            <dgm:param type="linDir" val="fromR"/>
+                            <dgm:param type="secChAlign" val="t"/>
+                            <dgm:param type="secLinDir" val="fromT"/>
+                          </dgm:alg>
+                        </dgm:else>
+                      </dgm:choose>
+                    </dgm:if>
+                    <dgm:if name="Name134" func="var" arg="hierBranch" op="equ" val="std">
+                      <dgm:choose name="Name135">
+                        <dgm:if name="Name136" func="var" arg="dir" op="equ" val="norm">
+                          <dgm:alg type="hierChild"/>
+                        </dgm:if>
+                        <dgm:else name="Name137">
+                          <dgm:alg type="hierChild">
+                            <dgm:param type="linDir" val="fromR"/>
+                          </dgm:alg>
+                        </dgm:else>
+                      </dgm:choose>
+                    </dgm:if>
+                    <dgm:if name="Name138" func="var" arg="hierBranch" op="equ" val="init">
+                      <dgm:choose name="Name139">
+                        <dgm:if name="Name140" axis="des" func="maxDepth" op="lte" val="1">
+                          <dgm:alg type="hierChild">
+                            <dgm:param type="chAlign" val="l"/>
+                            <dgm:param type="linDir" val="fromT"/>
+                          </dgm:alg>
+                        </dgm:if>
+                        <dgm:else name="Name141">
+                          <dgm:alg type="hierChild"/>
+                        </dgm:else>
+                      </dgm:choose>
+                    </dgm:if>
+                    <dgm:else name="Name142"/>
+                  </dgm:choose>
+                  <dgm:shape xmlns:r="http://schemas.openxmlformats.org/officeDocument/2006/relationships" r:blip="">
+                    <dgm:adjLst/>
+                  </dgm:shape>
+                  <dgm:presOf/>
+                  <dgm:constrLst/>
+                  <dgm:ruleLst/>
+                  <dgm:forEach name="Name143" ref="rep2a"/>
+                </dgm:layoutNode>
+                <dgm:layoutNode name="hierChild7">
+                  <dgm:choose name="Name144">
+                    <dgm:if name="Name145" func="var" arg="dir" op="equ" val="norm">
+                      <dgm:alg type="hierChild">
+                        <dgm:param type="chAlign" val="l"/>
+                        <dgm:param type="linDir" val="fromL"/>
+                        <dgm:param type="secChAlign" val="t"/>
+                        <dgm:param type="secLinDir" val="fromT"/>
+                      </dgm:alg>
+                    </dgm:if>
+                    <dgm:else name="Name146">
+                      <dgm:alg type="hierChild">
+                        <dgm:param type="chAlign" val="l"/>
+                        <dgm:param type="linDir" val="fromR"/>
+                        <dgm:param type="secChAlign" val="t"/>
+                        <dgm:param type="secLinDir" val="fromT"/>
+                      </dgm:alg>
+                    </dgm:else>
+                  </dgm:choose>
+                  <dgm:shape xmlns:r="http://schemas.openxmlformats.org/officeDocument/2006/relationships" r:blip="">
+                    <dgm:adjLst/>
+                  </dgm:shape>
+                  <dgm:presOf/>
+                  <dgm:constrLst/>
+                  <dgm:ruleLst/>
+                  <dgm:forEach name="Name147" ref="rep2b"/>
+                </dgm:layoutNode>
+              </dgm:layoutNode>
+            </dgm:forEach>
+          </dgm:layoutNode>
+        </dgm:layoutNode>
+      </dgm:forEach>
+    </dgm:forEach>
+  </dgm:layoutNode>
+</dgm:layoutDef>
+</file>
+
 <file path=ppt/diagrams/quickStyle1.xml><?xml version="1.0" encoding="utf-8"?>
+<dgm:styleDef xmlns:dgm="http://schemas.openxmlformats.org/drawingml/2006/diagram" xmlns:a="http://schemas.openxmlformats.org/drawingml/2006/main" uniqueId="urn:microsoft.com/office/officeart/2005/8/quickstyle/simple1">
+  <dgm:title val=""/>
+  <dgm:desc val=""/>
+  <dgm:catLst>
+    <dgm:cat type="simple" pri="10100"/>
+  </dgm:catLst>
+  <dgm:scene3d>
+    <a:camera prst="orthographicFront"/>
+    <a:lightRig rig="threePt" dir="t"/>
+  </dgm:scene3d>
+  <dgm:styleLbl name="node0">
+    <dgm:scene3d>
+      <a:camera prst="orthographicFront"/>
+      <a:lightRig rig="threePt" dir="t"/>
+    </dgm:scene3d>
+    <dgm:sp3d/>
+    <dgm:txPr/>
+    <dgm:style>
+      <a:lnRef idx="2">
+        <a:scrgbClr r="0" g="0" b="0"/>
+      </a:lnRef>
+      <a:fillRef idx="1">
+        <a:scrgbClr r="0" g="0" b="0"/>
+      </a:fillRef>
+      <a:effectRef idx="0">
+        <a:scrgbClr r="0" g="0" b="0"/>
+      </a:effectRef>
+      <a:fontRef idx="minor">
+        <a:schemeClr val="lt1"/>
+      </a:fontRef>
+    </dgm:style>
+  </dgm:styleLbl>
+  <dgm:styleLbl name="lnNode1">
+    <dgm:scene3d>
+      <a:camera prst="orthographicFront"/>
+      <a:lightRig rig="threePt" dir="t"/>
+    </dgm:scene3d>
+    <dgm:sp3d/>
+    <dgm:txPr/>
+    <dgm:style>
+      <a:lnRef idx="2">
+        <a:scrgbClr r="0" g="0" b="0"/>
+      </a:lnRef>
+      <a:fillRef idx="1">
+        <a:scrgbClr r="0" g="0" b="0"/>
+      </a:fillRef>
+      <a:effectRef idx="0">
+        <a:scrgbClr r="0" g="0" b="0"/>
+      </a:effectRef>
+      <a:fontRef idx="minor">
+        <a:schemeClr val="lt1"/>
+      </a:fontRef>
+    </dgm:style>
+  </dgm:styleLbl>
+  <dgm:styleLbl name="vennNode1">
+    <dgm:scene3d>
+      <a:camera prst="orthographicFront"/>
+      <a:lightRig rig="threePt" dir="t"/>
+    </dgm:scene3d>
+    <dgm:sp3d/>
+    <dgm:txPr/>
+    <dgm:style>
+      <a:lnRef idx="2">
+        <a:scrgbClr r="0" g="0" b="0"/>
+      </a:lnRef>
+      <a:fillRef idx="1">
+        <a:scrgbClr r="0" g="0" b="0"/>
+      </a:fillRef>
+      <a:effectRef idx="0">
+        <a:scrgbClr r="0" g="0" b="0"/>
+      </a:effectRef>
+      <a:fontRef idx="minor">
+        <a:schemeClr val="tx1"/>
+      </a:fontRef>
+    </dgm:style>
+  </dgm:styleLbl>
+  <dgm:styleLbl name="alignNode1">
+    <dgm:scene3d>
+      <a:camera prst="orthographicFront"/>
+      <a:lightRig rig="threePt" dir="t"/>
+    </dgm:scene3d>
+    <dgm:sp3d/>
+    <dgm:txPr/>
+    <dgm:style>
+      <a:lnRef idx="2">
+        <a:scrgbClr r="0" g="0" b="0"/>
+      </a:lnRef>
+      <a:fillRef idx="1">
+        <a:scrgbClr r="0" g="0" b="0"/>
+      </a:fillRef>
+      <a:effectRef idx="0">
+        <a:scrgbClr r="0" g="0" b="0"/>
+      </a:effectRef>
+      <a:fontRef idx="minor">
+        <a:schemeClr val="lt1"/>
+      </a:fontRef>
+    </dgm:style>
+  </dgm:styleLbl>
+  <dgm:styleLbl name="node1">
+    <dgm:scene3d>
+      <a:camera prst="orthographicFront"/>
+      <a:lightRig rig="threePt" dir="t"/>
+    </dgm:scene3d>
+    <dgm:sp3d/>
+    <dgm:txPr/>
+    <dgm:style>
+      <a:lnRef idx="2">
+        <a:scrgbClr r="0" g="0" b="0"/>
+      </a:lnRef>
+      <a:fillRef idx="1">
+        <a:scrgbClr r="0" g="0" b="0"/>
+      </a:fillRef>
+      <a:effectRef idx="0">
+        <a:scrgbClr r="0" g="0" b="0"/>
+      </a:effectRef>
+      <a:fontRef idx="minor">
+        <a:schemeClr val="lt1"/>
+      </a:fontRef>
+    </dgm:style>
+  </dgm:styleLbl>
+  <dgm:styleLbl name="node2">
+    <dgm:scene3d>
+      <a:camera prst="orthographicFront"/>
+      <a:lightRig rig="threePt" dir="t"/>
+    </dgm:scene3d>
+    <dgm:sp3d/>
+    <dgm:txPr/>
+    <dgm:style>
+      <a:lnRef idx="2">
+        <a:scrgbClr r="0" g="0" b="0"/>
+      </a:lnRef>
+      <a:fillRef idx="1">
+        <a:scrgbClr r="0" g="0" b="0"/>
+      </a:fillRef>
+      <a:effectRef idx="0">
+        <a:scrgbClr r="0" g="0" b="0"/>
+      </a:effectRef>
+      <a:fontRef idx="minor">
+        <a:schemeClr val="lt1"/>
+      </a:fontRef>
+    </dgm:style>
+  </dgm:styleLbl>
+  <dgm:styleLbl name="node3">
+    <dgm:scene3d>
+      <a:camera prst="orthographicFront"/>
+      <a:lightRig rig="threePt" dir="t"/>
+    </dgm:scene3d>
+    <dgm:sp3d/>
+    <dgm:txPr/>
+    <dgm:style>
+      <a:lnRef idx="2">
+        <a:scrgbClr r="0" g="0" b="0"/>
+      </a:lnRef>
+      <a:fillRef idx="1">
+        <a:scrgbClr r="0" g="0" b="0"/>
+      </a:fillRef>
+      <a:effectRef idx="0">
+        <a:scrgbClr r="0" g="0" b="0"/>
+      </a:effectRef>
+      <a:fontRef idx="minor">
+        <a:schemeClr val="lt1"/>
+      </a:fontRef>
+    </dgm:style>
+  </dgm:styleLbl>
+  <dgm:styleLbl name="node4">
+    <dgm:scene3d>
+      <a:camera prst="orthographicFront"/>
+      <a:lightRig rig="threePt" dir="t"/>
+    </dgm:scene3d>
+    <dgm:sp3d/>
+    <dgm:txPr/>
+    <dgm:style>
+      <a:lnRef idx="2">
+        <a:scrgbClr r="0" g="0" b="0"/>
+      </a:lnRef>
+      <a:fillRef idx="1">
+        <a:scrgbClr r="0" g="0" b="0"/>
+      </a:fillRef>
+      <a:effectRef idx="0">
+        <a:scrgbClr r="0" g="0" b="0"/>
+      </a:effectRef>
+      <a:fontRef idx="minor">
+        <a:schemeClr val="lt1"/>
+      </a:fontRef>
+    </dgm:style>
+  </dgm:styleLbl>
+  <dgm:styleLbl name="fgImgPlace1">
+    <dgm:scene3d>
+      <a:camera prst="orthographicFront"/>
+      <a:lightRig rig="threePt" dir="t"/>
+    </dgm:scene3d>
+    <dgm:sp3d/>
+    <dgm:txPr/>
+    <dgm:style>
+      <a:lnRef idx="2">
+        <a:scrgbClr r="0" g="0" b="0"/>
+      </a:lnRef>
+      <a:fillRef idx="1">
+        <a:scrgbClr r="0" g="0" b="0"/>
+      </a:fillRef>
+      <a:effectRef idx="0">
+        <a:scrgbClr r="0" g="0" b="0"/>
+      </a:effectRef>
+      <a:fontRef idx="minor"/>
+    </dgm:style>
+  </dgm:styleLbl>
+  <dgm:styleLbl name="alignImgPlace1">
+    <dgm:scene3d>
+      <a:camera prst="orthographicFront"/>
+      <a:lightRig rig="threePt" dir="t"/>
+    </dgm:scene3d>
+    <dgm:sp3d/>
+    <dgm:txPr/>
+    <dgm:style>
+      <a:lnRef idx="2">
+        <a:scrgbClr r="0" g="0" b="0"/>
+      </a:lnRef>
+      <a:fillRef idx="1">
+        <a:scrgbClr r="0" g="0" b="0"/>
+      </a:fillRef>
+      <a:effectRef idx="0">
+        <a:scrgbClr r="0" g="0" b="0"/>
+      </a:effectRef>
+      <a:fontRef idx="minor"/>
+    </dgm:style>
+  </dgm:styleLbl>
+  <dgm:styleLbl name="bgImgPlace1">
+    <dgm:scene3d>
+      <a:camera prst="orthographicFront"/>
+      <a:lightRig rig="threePt" dir="t"/>
+    </dgm:scene3d>
+    <dgm:sp3d/>
+    <dgm:txPr/>
+    <dgm:style>
+      <a:lnRef idx="2">
+        <a:scrgbClr r="0" g="0" b="0"/>
+      </a:lnRef>
+      <a:fillRef idx="1">
+        <a:scrgbClr r="0" g="0" b="0"/>
+      </a:fillRef>
+      <a:effectRef idx="0">
+        <a:scrgbClr r="0" g="0" b="0"/>
+      </a:effectRef>
+      <a:fontRef idx="minor"/>
+    </dgm:style>
+  </dgm:styleLbl>
+  <dgm:styleLbl name="sibTrans2D1">
+    <dgm:scene3d>
+      <a:camera prst="orthographicFront"/>
+      <a:lightRig rig="threePt" dir="t"/>
+    </dgm:scene3d>
+    <dgm:sp3d/>
+    <dgm:txPr/>
+    <dgm:style>
+      <a:lnRef idx="0">
+        <a:scrgbClr r="0" g="0" b="0"/>
+      </a:lnRef>
+      <a:fillRef idx="1">
+        <a:scrgbClr r="0" g="0" b="0"/>
+      </a:fillRef>
+      <a:effectRef idx="0">
+        <a:scrgbClr r="0" g="0" b="0"/>
+      </a:effectRef>
+      <a:fontRef idx="minor">
+        <a:schemeClr val="lt1"/>
+      </a:fontRef>
+    </dgm:style>
+  </dgm:styleLbl>
+  <dgm:styleLbl name="fgSibTrans2D1">
+    <dgm:scene3d>
+      <a:camera prst="orthographicFront"/>
+      <a:lightRig rig="threePt" dir="t"/>
+    </dgm:scene3d>
+    <dgm:sp3d/>
+    <dgm:txPr/>
+    <dgm:style>
+      <a:lnRef idx="0">
+        <a:scrgbClr r="0" g="0" b="0"/>
+      </a:lnRef>
+      <a:fillRef idx="1">
+        <a:scrgbClr r="0" g="0" b="0"/>
+      </a:fillRef>
+      <a:effectRef idx="0">
+        <a:scrgbClr r="0" g="0" b="0"/>
+      </a:effectRef>
+      <a:fontRef idx="minor">
+        <a:schemeClr val="lt1"/>
+      </a:fontRef>
+    </dgm:style>
+  </dgm:styleLbl>
+  <dgm:styleLbl name="bgSibTrans2D1">
+    <dgm:scene3d>
+      <a:camera prst="orthographicFront"/>
+      <a:lightRig rig="threePt" dir="t"/>
+    </dgm:scene3d>
+    <dgm:sp3d/>
+    <dgm:txPr/>
+    <dgm:style>
+      <a:lnRef idx="0">
+        <a:scrgbClr r="0" g="0" b="0"/>
+      </a:lnRef>
+      <a:fillRef idx="1">
+        <a:scrgbClr r="0" g="0" b="0"/>
+      </a:fillRef>
+      <a:effectRef idx="0">
+        <a:scrgbClr r="0" g="0" b="0"/>
+      </a:effectRef>
+      <a:fontRef idx="minor">
+        <a:schemeClr val="lt1"/>
+      </a:fontRef>
+    </dgm:style>
+  </dgm:styleLbl>
+  <dgm:styleLbl name="sibTrans1D1">
+    <dgm:scene3d>
+      <a:camera prst="orthographicFront"/>
+      <a:lightRig rig="threePt" dir="t"/>
+    </dgm:scene3d>
+    <dgm:sp3d/>
+    <dgm:txPr/>
+    <dgm:style>
+      <a:lnRef idx="1">
+        <a:scrgbClr r="0" g="0" b="0"/>
+      </a:lnRef>
+      <a:fillRef idx="0">
+        <a:scrgbClr r="0" g="0" b="0"/>
+      </a:fillRef>
+      <a:effectRef idx="0">
+        <a:scrgbClr r="0" g="0" b="0"/>
+      </a:effectRef>
+      <a:fontRef idx="minor"/>
+    </dgm:style>
+  </dgm:styleLbl>
+  <dgm:styleLbl name="callout">
+    <dgm:scene3d>
+      <a:camera prst="orthographicFront"/>
+      <a:lightRig rig="threePt" dir="t"/>
+    </dgm:scene3d>
+    <dgm:sp3d/>
+    <dgm:txPr/>
+    <dgm:style>
+      <a:lnRef idx="2">
+        <a:scrgbClr r="0" g="0" b="0"/>
+      </a:lnRef>
+      <a:fillRef idx="1">
+        <a:scrgbClr r="0" g="0" b="0"/>
+      </a:fillRef>
+      <a:effectRef idx="0">
+        <a:scrgbClr r="0" g="0" b="0"/>
+      </a:effectRef>
+      <a:fontRef idx="minor"/>
+    </dgm:style>
+  </dgm:styleLbl>
+  <dgm:styleLbl name="asst0">
+    <dgm:scene3d>
+      <a:camera prst="orthographicFront"/>
+      <a:lightRig rig="threePt" dir="t"/>
+    </dgm:scene3d>
+    <dgm:sp3d/>
+    <dgm:txPr/>
+    <dgm:style>
+      <a:lnRef idx="2">
+        <a:scrgbClr r="0" g="0" b="0"/>
+      </a:lnRef>
+      <a:fillRef idx="1">
+        <a:scrgbClr r="0" g="0" b="0"/>
+      </a:fillRef>
+      <a:effectRef idx="0">
+        <a:scrgbClr r="0" g="0" b="0"/>
+      </a:effectRef>
+      <a:fontRef idx="minor">
+        <a:schemeClr val="lt1"/>
+      </a:fontRef>
+    </dgm:style>
+  </dgm:styleLbl>
+  <dgm:styleLbl name="asst1">
+    <dgm:scene3d>
+      <a:camera prst="orthographicFront"/>
+      <a:lightRig rig="threePt" dir="t"/>
+    </dgm:scene3d>
+    <dgm:sp3d/>
+    <dgm:txPr/>
+    <dgm:style>
+      <a:lnRef idx="2">
+        <a:scrgbClr r="0" g="0" b="0"/>
+      </a:lnRef>
+      <a:fillRef idx="1">
+        <a:scrgbClr r="0" g="0" b="0"/>
+      </a:fillRef>
+      <a:effectRef idx="0">
+        <a:scrgbClr r="0" g="0" b="0"/>
+      </a:effectRef>
+      <a:fontRef idx="minor">
+        <a:schemeClr val="lt1"/>
+      </a:fontRef>
+    </dgm:style>
+  </dgm:styleLbl>
+  <dgm:styleLbl name="asst2">
+    <dgm:scene3d>
+      <a:camera prst="orthographicFront"/>
+      <a:lightRig rig="threePt" dir="t"/>
+    </dgm:scene3d>
+    <dgm:sp3d/>
+    <dgm:txPr/>
+    <dgm:style>
+      <a:lnRef idx="2">
+        <a:scrgbClr r="0" g="0" b="0"/>
+      </a:lnRef>
+      <a:fillRef idx="1">
+        <a:scrgbClr r="0" g="0" b="0"/>
+      </a:fillRef>
+      <a:effectRef idx="0">
+        <a:scrgbClr r="0" g="0" b="0"/>
+      </a:effectRef>
+      <a:fontRef idx="minor">
+        <a:schemeClr val="lt1"/>
+      </a:fontRef>
+    </dgm:style>
+  </dgm:styleLbl>
+  <dgm:styleLbl name="asst3">
+    <dgm:scene3d>
+      <a:camera prst="orthographicFront"/>
+      <a:lightRig rig="threePt" dir="t"/>
+    </dgm:scene3d>
+    <dgm:sp3d/>
+    <dgm:txPr/>
+    <dgm:style>
+      <a:lnRef idx="2">
+        <a:scrgbClr r="0" g="0" b="0"/>
+      </a:lnRef>
+      <a:fillRef idx="1">
+        <a:scrgbClr r="0" g="0" b="0"/>
+      </a:fillRef>
+      <a:effectRef idx="0">
+        <a:scrgbClr r="0" g="0" b="0"/>
+      </a:effectRef>
+      <a:fontRef idx="minor">
+        <a:schemeClr val="lt1"/>
+      </a:fontRef>
+    </dgm:style>
+  </dgm:styleLbl>
+  <dgm:styleLbl name="asst4">
+    <dgm:scene3d>
+      <a:camera prst="orthographicFront"/>
+      <a:lightRig rig="threePt" dir="t"/>
+    </dgm:scene3d>
+    <dgm:sp3d/>
+    <dgm:txPr/>
+    <dgm:style>
+      <a:lnRef idx="2">
+        <a:scrgbClr r="0" g="0" b="0"/>
+      </a:lnRef>
+      <a:fillRef idx="1">
+        <a:scrgbClr r="0" g="0" b="0"/>
+      </a:fillRef>
+      <a:effectRef idx="0">
+        <a:scrgbClr r="0" g="0" b="0"/>
+      </a:effectRef>
+      <a:fontRef idx="minor">
+        <a:schemeClr val="lt1"/>
+      </a:fontRef>
+    </dgm:style>
+  </dgm:styleLbl>
+  <dgm:styleLbl name="parChTrans2D1">
+    <dgm:scene3d>
+      <a:camera prst="orthographicFront"/>
+      <a:lightRig rig="threePt" dir="t"/>
+    </dgm:scene3d>
+    <dgm:sp3d/>
+    <dgm:txPr/>
+    <dgm:style>
+      <a:lnRef idx="2">
+        <a:scrgbClr r="0" g="0" b="0"/>
+      </a:lnRef>
+      <a:fillRef idx="1">
+        <a:scrgbClr r="0" g="0" b="0"/>
+      </a:fillRef>
+      <a:effectRef idx="0">
+        <a:scrgbClr r="0" g="0" b="0"/>
+      </a:effectRef>
+      <a:fontRef idx="minor">
+        <a:schemeClr val="lt1"/>
+      </a:fontRef>
+    </dgm:style>
+  </dgm:styleLbl>
+  <dgm:styleLbl name="parChTrans2D2">
+    <dgm:scene3d>
+      <a:camera prst="orthographicFront"/>
+      <a:lightRig rig="threePt" dir="t"/>
+    </dgm:scene3d>
+    <dgm:sp3d/>
+    <dgm:txPr/>
+    <dgm:style>
+      <a:lnRef idx="2">
+        <a:scrgbClr r="0" g="0" b="0"/>
+      </a:lnRef>
+      <a:fillRef idx="1">
+        <a:scrgbClr r="0" g="0" b="0"/>
+      </a:fillRef>
+      <a:effectRef idx="0">
+        <a:scrgbClr r="0" g="0" b="0"/>
+      </a:effectRef>
+      <a:fontRef idx="minor">
+        <a:schemeClr val="lt1"/>
+      </a:fontRef>
+    </dgm:style>
+  </dgm:styleLbl>
+  <dgm:styleLbl name="parChTrans2D3">
+    <dgm:scene3d>
+      <a:camera prst="orthographicFront"/>
+      <a:lightRig rig="threePt" dir="t"/>
+    </dgm:scene3d>
+    <dgm:sp3d/>
+    <dgm:txPr/>
+    <dgm:style>
+      <a:lnRef idx="2">
+        <a:scrgbClr r="0" g="0" b="0"/>
+      </a:lnRef>
+      <a:fillRef idx="1">
+        <a:scrgbClr r="0" g="0" b="0"/>
+      </a:fillRef>
+      <a:effectRef idx="0">
+        <a:scrgbClr r="0" g="0" b="0"/>
+      </a:effectRef>
+      <a:fontRef idx="minor">
+        <a:schemeClr val="lt1"/>
+      </a:fontRef>
+    </dgm:style>
+  </dgm:styleLbl>
+  <dgm:styleLbl name="parChTrans2D4">
+    <dgm:scene3d>
+      <a:camera prst="orthographicFront"/>
+      <a:lightRig rig="threePt" dir="t"/>
+    </dgm:scene3d>
+    <dgm:sp3d/>
+    <dgm:txPr/>
+    <dgm:style>
+      <a:lnRef idx="2">
+        <a:scrgbClr r="0" g="0" b="0"/>
+      </a:lnRef>
+      <a:fillRef idx="1">
+        <a:scrgbClr r="0" g="0" b="0"/>
+      </a:fillRef>
+      <a:effectRef idx="0">
+        <a:scrgbClr r="0" g="0" b="0"/>
+      </a:effectRef>
+      <a:fontRef idx="minor">
+        <a:schemeClr val="lt1"/>
+      </a:fontRef>
+    </dgm:style>
+  </dgm:styleLbl>
+  <dgm:styleLbl name="parChTrans1D1">
+    <dgm:scene3d>
+      <a:camera prst="orthographicFront"/>
+      <a:lightRig rig="threePt" dir="t"/>
+    </dgm:scene3d>
+    <dgm:sp3d/>
+    <dgm:txPr/>
+    <dgm:style>
+      <a:lnRef idx="2">
+        <a:scrgbClr r="0" g="0" b="0"/>
+      </a:lnRef>
+      <a:fillRef idx="0">
+        <a:scrgbClr r="0" g="0" b="0"/>
+      </a:fillRef>
+      <a:effectRef idx="0">
+        <a:scrgbClr r="0" g="0" b="0"/>
+      </a:effectRef>
+      <a:fontRef idx="minor"/>
+    </dgm:style>
+  </dgm:styleLbl>
+  <dgm:styleLbl name="parChTrans1D2">
+    <dgm:scene3d>
+      <a:camera prst="orthographicFront"/>
+      <a:lightRig rig="threePt" dir="t"/>
+    </dgm:scene3d>
+    <dgm:sp3d/>
+    <dgm:txPr/>
+    <dgm:style>
+      <a:lnRef idx="2">
+        <a:scrgbClr r="0" g="0" b="0"/>
+      </a:lnRef>
+      <a:fillRef idx="0">
+        <a:scrgbClr r="0" g="0" b="0"/>
+      </a:fillRef>
+      <a:effectRef idx="0">
+        <a:scrgbClr r="0" g="0" b="0"/>
+      </a:effectRef>
+      <a:fontRef idx="minor"/>
+    </dgm:style>
+  </dgm:styleLbl>
+  <dgm:styleLbl name="parChTrans1D3">
+    <dgm:scene3d>
+      <a:camera prst="orthographicFront"/>
+      <a:lightRig rig="threePt" dir="t"/>
+    </dgm:scene3d>
+    <dgm:sp3d/>
+    <dgm:txPr/>
+    <dgm:style>
+      <a:lnRef idx="2">
+        <a:scrgbClr r="0" g="0" b="0"/>
+      </a:lnRef>
+      <a:fillRef idx="0">
+        <a:scrgbClr r="0" g="0" b="0"/>
+      </a:fillRef>
+      <a:effectRef idx="0">
+        <a:scrgbClr r="0" g="0" b="0"/>
+      </a:effectRef>
+      <a:fontRef idx="minor"/>
+    </dgm:style>
+  </dgm:styleLbl>
+  <dgm:styleLbl name="parChTrans1D4">
+    <dgm:scene3d>
+      <a:camera prst="orthographicFront"/>
+      <a:lightRig rig="threePt" dir="t"/>
+    </dgm:scene3d>
+    <dgm:sp3d/>
+    <dgm:txPr/>
+    <dgm:style>
+      <a:lnRef idx="2">
+        <a:scrgbClr r="0" g="0" b="0"/>
+      </a:lnRef>
+      <a:fillRef idx="0">
+        <a:scrgbClr r="0" g="0" b="0"/>
+      </a:fillRef>
+      <a:effectRef idx="0">
+        <a:scrgbClr r="0" g="0" b="0"/>
+      </a:effectRef>
+      <a:fontRef idx="minor"/>
+    </dgm:style>
+  </dgm:styleLbl>
+  <dgm:styleLbl name="fgAcc1">
+    <dgm:scene3d>
+      <a:camera prst="orthographicFront"/>
+      <a:lightRig rig="threePt" dir="t"/>
+    </dgm:scene3d>
+    <dgm:sp3d/>
+    <dgm:txPr/>
+    <dgm:style>
+      <a:lnRef idx="2">
+        <a:scrgbClr r="0" g="0" b="0"/>
+      </a:lnRef>
+      <a:fillRef idx="1">
+        <a:scrgbClr r="0" g="0" b="0"/>
+      </a:fillRef>
+      <a:effectRef idx="0">
+        <a:scrgbClr r="0" g="0" b="0"/>
+      </a:effectRef>
+      <a:fontRef idx="minor"/>
+    </dgm:style>
+  </dgm:styleLbl>
+  <dgm:styleLbl name="conFgAcc1">
+    <dgm:scene3d>
+      <a:camera prst="orthographicFront"/>
+      <a:lightRig rig="threePt" dir="t"/>
+    </dgm:scene3d>
+    <dgm:sp3d/>
+    <dgm:txPr/>
+    <dgm:style>
+      <a:lnRef idx="2">
+        <a:scrgbClr r="0" g="0" b="0"/>
+      </a:lnRef>
+      <a:fillRef idx="1">
+        <a:scrgbClr r="0" g="0" b="0"/>
+      </a:fillRef>
+      <a:effectRef idx="0">
+        <a:scrgbClr r="0" g="0" b="0"/>
+      </a:effectRef>
+      <a:fontRef idx="minor"/>
+    </dgm:style>
+  </dgm:styleLbl>
+  <dgm:styleLbl name="alignAcc1">
+    <dgm:scene3d>
+      <a:camera prst="orthographicFront"/>
+      <a:lightRig rig="threePt" dir="t"/>
+    </dgm:scene3d>
+    <dgm:sp3d/>
+    <dgm:txPr/>
+    <dgm:style>
+      <a:lnRef idx="2">
+        <a:scrgbClr r="0" g="0" b="0"/>
+      </a:lnRef>
+      <a:fillRef idx="1">
+        <a:scrgbClr r="0" g="0" b="0"/>
+      </a:fillRef>
+      <a:effectRef idx="0">
+        <a:scrgbClr r="0" g="0" b="0"/>
+      </a:effectRef>
+      <a:fontRef idx="minor"/>
+    </dgm:style>
+  </dgm:styleLbl>
+  <dgm:styleLbl name="trAlignAcc1">
+    <dgm:scene3d>
+      <a:camera prst="orthographicFront"/>
+      <a:lightRig rig="threePt" dir="t"/>
+    </dgm:scene3d>
+    <dgm:sp3d/>
+    <dgm:txPr/>
+    <dgm:style>
+      <a:lnRef idx="1">
+        <a:scrgbClr r="0" g="0" b="0"/>
+      </a:lnRef>
+      <a:fillRef idx="1">
+        <a:scrgbClr r="0" g="0" b="0"/>
+      </a:fillRef>
+      <a:effectRef idx="0">
+        <a:scrgbClr r="0" g="0" b="0"/>
+      </a:effectRef>
+      <a:fontRef idx="minor"/>
+    </dgm:style>
+  </dgm:styleLbl>
+  <dgm:styleLbl name="bgAcc1">
+    <dgm:scene3d>
+      <a:camera prst="orthographicFront"/>
+      <a:lightRig rig="threePt" dir="t"/>
+    </dgm:scene3d>
+    <dgm:sp3d/>
+    <dgm:txPr/>
+    <dgm:style>
+      <a:lnRef idx="2">
+        <a:scrgbClr r="0" g="0" b="0"/>
+      </a:lnRef>
+      <a:fillRef idx="1">
+        <a:scrgbClr r="0" g="0" b="0"/>
+      </a:fillRef>
+      <a:effectRef idx="0">
+        <a:scrgbClr r="0" g="0" b="0"/>
+      </a:effectRef>
+      <a:fontRef idx="minor"/>
+    </dgm:style>
+  </dgm:styleLbl>
+  <dgm:styleLbl name="solidFgAcc1">
+    <dgm:scene3d>
+      <a:camera prst="orthographicFront"/>
+      <a:lightRig rig="threePt" dir="t"/>
+    </dgm:scene3d>
+    <dgm:sp3d/>
+    <dgm:txPr/>
+    <dgm:style>
+      <a:lnRef idx="2">
+        <a:scrgbClr r="0" g="0" b="0"/>
+      </a:lnRef>
+      <a:fillRef idx="1">
+        <a:scrgbClr r="0" g="0" b="0"/>
+      </a:fillRef>
+      <a:effectRef idx="0">
+        <a:scrgbClr r="0" g="0" b="0"/>
+      </a:effectRef>
+      <a:fontRef idx="minor"/>
+    </dgm:style>
+  </dgm:styleLbl>
+  <dgm:styleLbl name="solidAlignAcc1">
+    <dgm:scene3d>
+      <a:camera prst="orthographicFront"/>
+      <a:lightRig rig="threePt" dir="t"/>
+    </dgm:scene3d>
+    <dgm:sp3d/>
+    <dgm:txPr/>
+    <dgm:style>
+      <a:lnRef idx="2">
+        <a:scrgbClr r="0" g="0" b="0"/>
+      </a:lnRef>
+      <a:fillRef idx="1">
+        <a:scrgbClr r="0" g="0" b="0"/>
+      </a:fillRef>
+      <a:effectRef idx="0">
+        <a:scrgbClr r="0" g="0" b="0"/>
+      </a:effectRef>
+      <a:fontRef idx="minor"/>
+    </dgm:style>
+  </dgm:styleLbl>
+  <dgm:styleLbl name="solidBgAcc1">
+    <dgm:scene3d>
+      <a:camera prst="orthographicFront"/>
+      <a:lightRig rig="threePt" dir="t"/>
+    </dgm:scene3d>
+    <dgm:sp3d/>
+    <dgm:txPr/>
+    <dgm:style>
+      <a:lnRef idx="2">
+        <a:scrgbClr r="0" g="0" b="0"/>
+      </a:lnRef>
+      <a:fillRef idx="1">
+        <a:scrgbClr r="0" g="0" b="0"/>
+      </a:fillRef>
+      <a:effectRef idx="0">
+        <a:scrgbClr r="0" g="0" b="0"/>
+      </a:effectRef>
+      <a:fontRef idx="minor"/>
+    </dgm:style>
+  </dgm:styleLbl>
+  <dgm:styleLbl name="fgAccFollowNode1">
+    <dgm:scene3d>
+      <a:camera prst="orthographicFront"/>
+      <a:lightRig rig="threePt" dir="t"/>
+    </dgm:scene3d>
+    <dgm:sp3d/>
+    <dgm:txPr/>
+    <dgm:style>
+      <a:lnRef idx="2">
+        <a:scrgbClr r="0" g="0" b="0"/>
+      </a:lnRef>
+      <a:fillRef idx="1">
+        <a:scrgbClr r="0" g="0" b="0"/>
+      </a:fillRef>
+      <a:effectRef idx="0">
+        <a:scrgbClr r="0" g="0" b="0"/>
+      </a:effectRef>
+      <a:fontRef idx="minor"/>
+    </dgm:style>
+  </dgm:styleLbl>
+  <dgm:styleLbl name="alignAccFollowNode1">
+    <dgm:scene3d>
+      <a:camera prst="orthographicFront"/>
+      <a:lightRig rig="threePt" dir="t"/>
+    </dgm:scene3d>
+    <dgm:sp3d/>
+    <dgm:txPr/>
+    <dgm:style>
+      <a:lnRef idx="2">
+        <a:scrgbClr r="0" g="0" b="0"/>
+      </a:lnRef>
+      <a:fillRef idx="1">
+        <a:scrgbClr r="0" g="0" b="0"/>
+      </a:fillRef>
+      <a:effectRef idx="0">
+        <a:scrgbClr r="0" g="0" b="0"/>
+      </a:effectRef>
+      <a:fontRef idx="minor"/>
+    </dgm:style>
+  </dgm:styleLbl>
+  <dgm:styleLbl name="bgAccFollowNode1">
+    <dgm:scene3d>
+      <a:camera prst="orthographicFront"/>
+      <a:lightRig rig="threePt" dir="t"/>
+    </dgm:scene3d>
+    <dgm:sp3d/>
+    <dgm:txPr/>
+    <dgm:style>
+      <a:lnRef idx="2">
+        <a:scrgbClr r="0" g="0" b="0"/>
+      </a:lnRef>
+      <a:fillRef idx="1">
+        <a:scrgbClr r="0" g="0" b="0"/>
+      </a:fillRef>
+      <a:effectRef idx="0">
+        <a:scrgbClr r="0" g="0" b="0"/>
+      </a:effectRef>
+      <a:fontRef idx="minor"/>
+    </dgm:style>
+  </dgm:styleLbl>
+  <dgm:styleLbl name="fgAcc0">
+    <dgm:scene3d>
+      <a:camera prst="orthographicFront"/>
+      <a:lightRig rig="threePt" dir="t"/>
+    </dgm:scene3d>
+    <dgm:sp3d/>
+    <dgm:txPr/>
+    <dgm:style>
+      <a:lnRef idx="2">
+        <a:scrgbClr r="0" g="0" b="0"/>
+      </a:lnRef>
+      <a:fillRef idx="1">
+        <a:scrgbClr r="0" g="0" b="0"/>
+      </a:fillRef>
+      <a:effectRef idx="0">
+        <a:scrgbClr r="0" g="0" b="0"/>
+      </a:effectRef>
+      <a:fontRef idx="minor"/>
+    </dgm:style>
+  </dgm:styleLbl>
+  <dgm:styleLbl name="fgAcc2">
+    <dgm:scene3d>
+      <a:camera prst="orthographicFront"/>
+      <a:lightRig rig="threePt" dir="t"/>
+    </dgm:scene3d>
+    <dgm:sp3d/>
+    <dgm:txPr/>
+    <dgm:style>
+      <a:lnRef idx="2">
+        <a:scrgbClr r="0" g="0" b="0"/>
+      </a:lnRef>
+      <a:fillRef idx="1">
+        <a:scrgbClr r="0" g="0" b="0"/>
+      </a:fillRef>
+      <a:effectRef idx="0">
+        <a:scrgbClr r="0" g="0" b="0"/>
+      </a:effectRef>
+      <a:fontRef idx="minor"/>
+    </dgm:style>
+  </dgm:styleLbl>
+  <dgm:styleLbl name="fgAcc3">
+    <dgm:scene3d>
+      <a:camera prst="orthographicFront"/>
+      <a:lightRig rig="threePt" dir="t"/>
+    </dgm:scene3d>
+    <dgm:sp3d/>
+    <dgm:txPr/>
+    <dgm:style>
+      <a:lnRef idx="2">
+        <a:scrgbClr r="0" g="0" b="0"/>
+      </a:lnRef>
+      <a:fillRef idx="1">
+        <a:scrgbClr r="0" g="0" b="0"/>
+      </a:fillRef>
+      <a:effectRef idx="0">
+        <a:scrgbClr r="0" g="0" b="0"/>
+      </a:effectRef>
+      <a:fontRef idx="minor"/>
+    </dgm:style>
+  </dgm:styleLbl>
+  <dgm:styleLbl name="fgAcc4">
+    <dgm:scene3d>
+      <a:camera prst="orthographicFront"/>
+      <a:lightRig rig="threePt" dir="t"/>
+    </dgm:scene3d>
+    <dgm:sp3d/>
+    <dgm:txPr/>
+    <dgm:style>
+      <a:lnRef idx="2">
+        <a:scrgbClr r="0" g="0" b="0"/>
+      </a:lnRef>
+      <a:fillRef idx="1">
+        <a:scrgbClr r="0" g="0" b="0"/>
+      </a:fillRef>
+      <a:effectRef idx="0">
+        <a:scrgbClr r="0" g="0" b="0"/>
+      </a:effectRef>
+      <a:fontRef idx="minor"/>
+    </dgm:style>
+  </dgm:styleLbl>
+  <dgm:styleLbl name="bgShp">
+    <dgm:scene3d>
+      <a:camera prst="orthographicFront"/>
+      <a:lightRig rig="threePt" dir="t"/>
+    </dgm:scene3d>
+    <dgm:sp3d/>
+    <dgm:txPr/>
+    <dgm:style>
+      <a:lnRef idx="0">
+        <a:scrgbClr r="0" g="0" b="0"/>
+      </a:lnRef>
+      <a:fillRef idx="1">
+        <a:scrgbClr r="0" g="0" b="0"/>
+      </a:fillRef>
+      <a:effectRef idx="0">
+        <a:scrgbClr r="0" g="0" b="0"/>
+      </a:effectRef>
+      <a:fontRef idx="minor"/>
+    </dgm:style>
+  </dgm:styleLbl>
+  <dgm:styleLbl name="dkBgShp">
+    <dgm:scene3d>
+      <a:camera prst="orthographicFront"/>
+      <a:lightRig rig="threePt" dir="t"/>
+    </dgm:scene3d>
+    <dgm:sp3d/>
+    <dgm:txPr/>
+    <dgm:style>
+      <a:lnRef idx="0">
+        <a:scrgbClr r="0" g="0" b="0"/>
+      </a:lnRef>
+      <a:fillRef idx="1">
+        <a:scrgbClr r="0" g="0" b="0"/>
+      </a:fillRef>
+      <a:effectRef idx="0">
+        <a:scrgbClr r="0" g="0" b="0"/>
+      </a:effectRef>
+      <a:fontRef idx="minor"/>
+    </dgm:style>
+  </dgm:styleLbl>
+  <dgm:styleLbl name="trBgShp">
+    <dgm:scene3d>
+      <a:camera prst="orthographicFront"/>
+      <a:lightRig rig="threePt" dir="t"/>
+    </dgm:scene3d>
+    <dgm:sp3d/>
+    <dgm:txPr/>
+    <dgm:style>
+      <a:lnRef idx="0">
+        <a:scrgbClr r="0" g="0" b="0"/>
+      </a:lnRef>
+      <a:fillRef idx="1">
+        <a:scrgbClr r="0" g="0" b="0"/>
+      </a:fillRef>
+      <a:effectRef idx="0">
+        <a:scrgbClr r="0" g="0" b="0"/>
+      </a:effectRef>
+      <a:fontRef idx="minor"/>
+    </dgm:style>
+  </dgm:styleLbl>
+  <dgm:styleLbl name="fgShp">
+    <dgm:scene3d>
+      <a:camera prst="orthographicFront"/>
+      <a:lightRig rig="threePt" dir="t"/>
+    </dgm:scene3d>
+    <dgm:sp3d/>
+    <dgm:txPr/>
+    <dgm:style>
+      <a:lnRef idx="2">
+        <a:scrgbClr r="0" g="0" b="0"/>
+      </a:lnRef>
+      <a:fillRef idx="1">
+        <a:scrgbClr r="0" g="0" b="0"/>
+      </a:fillRef>
+      <a:effectRef idx="0">
+        <a:scrgbClr r="0" g="0" b="0"/>
+      </a:effectRef>
+      <a:fontRef idx="minor"/>
+    </dgm:style>
+  </dgm:styleLbl>
+  <dgm:styleLbl name="revTx">
+    <dgm:scene3d>
+      <a:camera prst="orthographicFront"/>
+      <a:lightRig rig="threePt" dir="t"/>
+    </dgm:scene3d>
+    <dgm:sp3d/>
+    <dgm:txPr/>
+    <dgm:style>
+      <a:lnRef idx="0">
+        <a:scrgbClr r="0" g="0" b="0"/>
+      </a:lnRef>
+      <a:fillRef idx="0">
+        <a:scrgbClr r="0" g="0" b="0"/>
+      </a:fillRef>
+      <a:effectRef idx="0">
+        <a:scrgbClr r="0" g="0" b="0"/>
+      </a:effectRef>
+      <a:fontRef idx="minor"/>
+    </dgm:style>
+  </dgm:styleLbl>
+</dgm:styleDef>
+</file>
+
+<file path=ppt/diagrams/quickStyle2.xml><?xml version="1.0" encoding="utf-8"?>
 <dgm:styleDef xmlns:dgm="http://schemas.openxmlformats.org/drawingml/2006/diagram" xmlns:a="http://schemas.openxmlformats.org/drawingml/2006/main" uniqueId="urn:microsoft.com/office/officeart/2005/8/quickstyle/simple1">
   <dgm:title val=""/>
   <dgm:desc val=""/>
@@ -6877,6 +12088,120 @@
 </p:sld>
 </file>
 
+<file path=ppt/slides/slide4.xml><?xml version="1.0" encoding="utf-8"?>
+<p:sld xmlns:a="http://schemas.openxmlformats.org/drawingml/2006/main" xmlns:r="http://schemas.openxmlformats.org/officeDocument/2006/relationships" xmlns:p="http://schemas.openxmlformats.org/presentationml/2006/main">
+  <p:cSld>
+    <p:spTree>
+      <p:nvGrpSpPr>
+        <p:cNvPr id="1" name=""/>
+        <p:cNvGrpSpPr/>
+        <p:nvPr/>
+      </p:nvGrpSpPr>
+      <p:grpSpPr>
+        <a:xfrm>
+          <a:off x="0" y="0"/>
+          <a:ext cx="0" cy="0"/>
+          <a:chOff x="0" y="0"/>
+          <a:chExt cx="0" cy="0"/>
+        </a:xfrm>
+      </p:grpSpPr>
+      <p:sp>
+        <p:nvSpPr>
+          <p:cNvPr id="2" name="Заголовок 1">
+            <a:extLst>
+              <a:ext uri="{FF2B5EF4-FFF2-40B4-BE49-F238E27FC236}">
+                <a16:creationId xmlns:a16="http://schemas.microsoft.com/office/drawing/2014/main" id="{88BFD43A-6E36-2D8A-4A67-5D910678F80A}"/>
+              </a:ext>
+            </a:extLst>
+          </p:cNvPr>
+          <p:cNvSpPr>
+            <a:spLocks noGrp="1"/>
+          </p:cNvSpPr>
+          <p:nvPr>
+            <p:ph type="title"/>
+          </p:nvPr>
+        </p:nvSpPr>
+        <p:spPr/>
+        <p:txBody>
+          <a:bodyPr/>
+          <a:lstStyle/>
+          <a:p>
+            <a:r>
+              <a:rPr lang="ru-RU" dirty="0"/>
+              <a:t>СХЕМА РАБОТЫ</a:t>
+            </a:r>
+          </a:p>
+        </p:txBody>
+      </p:sp>
+      <p:sp>
+        <p:nvSpPr>
+          <p:cNvPr id="4" name="Объект 3">
+            <a:extLst>
+              <a:ext uri="{FF2B5EF4-FFF2-40B4-BE49-F238E27FC236}">
+                <a16:creationId xmlns:a16="http://schemas.microsoft.com/office/drawing/2014/main" id="{F205B3ED-55E6-B3AE-BD4A-391D32E0BFC3}"/>
+              </a:ext>
+            </a:extLst>
+          </p:cNvPr>
+          <p:cNvSpPr>
+            <a:spLocks noGrp="1"/>
+          </p:cNvSpPr>
+          <p:nvPr>
+            <p:ph sz="quarter" idx="12"/>
+          </p:nvPr>
+        </p:nvSpPr>
+        <p:spPr/>
+        <p:txBody>
+          <a:bodyPr/>
+          <a:lstStyle/>
+          <a:p>
+            <a:endParaRPr lang="ru-RU"/>
+          </a:p>
+        </p:txBody>
+      </p:sp>
+      <p:graphicFrame>
+        <p:nvGraphicFramePr>
+          <p:cNvPr id="5" name="Объект 4">
+            <a:extLst>
+              <a:ext uri="{FF2B5EF4-FFF2-40B4-BE49-F238E27FC236}">
+                <a16:creationId xmlns:a16="http://schemas.microsoft.com/office/drawing/2014/main" id="{388E8F0B-1B58-9AC4-E927-E76E7EAE3695}"/>
+              </a:ext>
+            </a:extLst>
+          </p:cNvPr>
+          <p:cNvGraphicFramePr>
+            <a:graphicFrameLocks noGrp="1"/>
+          </p:cNvGraphicFramePr>
+          <p:nvPr>
+            <p:ph sz="quarter" idx="11"/>
+            <p:extLst>
+              <p:ext uri="{D42A27DB-BD31-4B8C-83A1-F6EECF244321}">
+                <p14:modId xmlns:p14="http://schemas.microsoft.com/office/powerpoint/2010/main" val="761012128"/>
+              </p:ext>
+            </p:extLst>
+          </p:nvPr>
+        </p:nvGraphicFramePr>
+        <p:xfrm>
+          <a:off x="4786313" y="1757363"/>
+          <a:ext cx="6927850" cy="4562475"/>
+        </p:xfrm>
+        <a:graphic>
+          <a:graphicData uri="http://schemas.openxmlformats.org/drawingml/2006/diagram">
+            <dgm:relIds xmlns:dgm="http://schemas.openxmlformats.org/drawingml/2006/diagram" xmlns:r="http://schemas.openxmlformats.org/officeDocument/2006/relationships" r:dm="rId2" r:lo="rId3" r:qs="rId4" r:cs="rId5"/>
+          </a:graphicData>
+        </a:graphic>
+      </p:graphicFrame>
+    </p:spTree>
+    <p:extLst>
+      <p:ext uri="{BB962C8B-B14F-4D97-AF65-F5344CB8AC3E}">
+        <p14:creationId xmlns:p14="http://schemas.microsoft.com/office/powerpoint/2010/main" val="1963828625"/>
+      </p:ext>
+    </p:extLst>
+  </p:cSld>
+  <p:clrMapOvr>
+    <a:masterClrMapping/>
+  </p:clrMapOvr>
+</p:sld>
+</file>
+
 <file path=ppt/theme/theme1.xml><?xml version="1.0" encoding="utf-8"?>
 <a:theme xmlns:a="http://schemas.openxmlformats.org/drawingml/2006/main" name="Тема Office">
   <a:themeElements>

--- a/Documents/SChickenPresent-SakulinIM.pptx
+++ b/Documents/SChickenPresent-SakulinIM.pptx
@@ -5,13 +5,12 @@
     <p:sldMasterId id="2147483722" r:id="rId1"/>
   </p:sldMasterIdLst>
   <p:notesMasterIdLst>
-    <p:notesMasterId r:id="rId6"/>
+    <p:notesMasterId r:id="rId5"/>
   </p:notesMasterIdLst>
   <p:sldIdLst>
     <p:sldId id="257" r:id="rId2"/>
-    <p:sldId id="259" r:id="rId3"/>
-    <p:sldId id="260" r:id="rId4"/>
-    <p:sldId id="261" r:id="rId5"/>
+    <p:sldId id="262" r:id="rId3"/>
+    <p:sldId id="261" r:id="rId4"/>
   </p:sldIdLst>
   <p:sldSz cx="12192000" cy="6858000"/>
   <p:notesSz cx="6858000" cy="9144000"/>
@@ -122,813 +121,6 @@
 </file>
 
 <file path=ppt/diagrams/colors1.xml><?xml version="1.0" encoding="utf-8"?>
-<dgm:colorsDef xmlns:dgm="http://schemas.openxmlformats.org/drawingml/2006/diagram" xmlns:a="http://schemas.openxmlformats.org/drawingml/2006/main" uniqueId="urn:microsoft.com/office/officeart/2005/8/colors/accent0_1">
-  <dgm:title val=""/>
-  <dgm:desc val=""/>
-  <dgm:catLst>
-    <dgm:cat type="mainScheme" pri="10100"/>
-  </dgm:catLst>
-  <dgm:styleLbl name="node0">
-    <dgm:fillClrLst meth="repeat">
-      <a:schemeClr val="lt1"/>
-    </dgm:fillClrLst>
-    <dgm:linClrLst meth="repeat">
-      <a:schemeClr val="dk1">
-        <a:shade val="80000"/>
-      </a:schemeClr>
-    </dgm:linClrLst>
-    <dgm:effectClrLst/>
-    <dgm:txLinClrLst/>
-    <dgm:txFillClrLst meth="repeat">
-      <a:schemeClr val="dk1"/>
-    </dgm:txFillClrLst>
-    <dgm:txEffectClrLst/>
-  </dgm:styleLbl>
-  <dgm:styleLbl name="node1">
-    <dgm:fillClrLst meth="repeat">
-      <a:schemeClr val="lt1"/>
-    </dgm:fillClrLst>
-    <dgm:linClrLst meth="repeat">
-      <a:schemeClr val="dk1">
-        <a:shade val="80000"/>
-      </a:schemeClr>
-    </dgm:linClrLst>
-    <dgm:effectClrLst/>
-    <dgm:txLinClrLst/>
-    <dgm:txFillClrLst meth="repeat">
-      <a:schemeClr val="dk1"/>
-    </dgm:txFillClrLst>
-    <dgm:txEffectClrLst/>
-  </dgm:styleLbl>
-  <dgm:styleLbl name="alignNode1">
-    <dgm:fillClrLst meth="repeat">
-      <a:schemeClr val="lt1"/>
-    </dgm:fillClrLst>
-    <dgm:linClrLst meth="repeat">
-      <a:schemeClr val="dk1">
-        <a:shade val="80000"/>
-      </a:schemeClr>
-    </dgm:linClrLst>
-    <dgm:effectClrLst/>
-    <dgm:txLinClrLst/>
-    <dgm:txFillClrLst meth="repeat">
-      <a:schemeClr val="dk1"/>
-    </dgm:txFillClrLst>
-    <dgm:txEffectClrLst/>
-  </dgm:styleLbl>
-  <dgm:styleLbl name="lnNode1">
-    <dgm:fillClrLst meth="repeat">
-      <a:schemeClr val="lt1"/>
-    </dgm:fillClrLst>
-    <dgm:linClrLst meth="repeat">
-      <a:schemeClr val="dk1">
-        <a:shade val="80000"/>
-      </a:schemeClr>
-    </dgm:linClrLst>
-    <dgm:effectClrLst/>
-    <dgm:txLinClrLst/>
-    <dgm:txFillClrLst meth="repeat">
-      <a:schemeClr val="dk1"/>
-    </dgm:txFillClrLst>
-    <dgm:txEffectClrLst/>
-  </dgm:styleLbl>
-  <dgm:styleLbl name="vennNode1">
-    <dgm:fillClrLst meth="repeat">
-      <a:schemeClr val="lt1">
-        <a:alpha val="50000"/>
-      </a:schemeClr>
-    </dgm:fillClrLst>
-    <dgm:linClrLst meth="repeat">
-      <a:schemeClr val="dk1">
-        <a:shade val="80000"/>
-      </a:schemeClr>
-    </dgm:linClrLst>
-    <dgm:effectClrLst/>
-    <dgm:txLinClrLst/>
-    <dgm:txFillClrLst/>
-    <dgm:txEffectClrLst/>
-  </dgm:styleLbl>
-  <dgm:styleLbl name="node2">
-    <dgm:fillClrLst meth="repeat">
-      <a:schemeClr val="lt1"/>
-    </dgm:fillClrLst>
-    <dgm:linClrLst meth="repeat">
-      <a:schemeClr val="dk1">
-        <a:shade val="80000"/>
-      </a:schemeClr>
-    </dgm:linClrLst>
-    <dgm:effectClrLst/>
-    <dgm:txLinClrLst/>
-    <dgm:txFillClrLst meth="repeat">
-      <a:schemeClr val="dk1"/>
-    </dgm:txFillClrLst>
-    <dgm:txEffectClrLst/>
-  </dgm:styleLbl>
-  <dgm:styleLbl name="node3">
-    <dgm:fillClrLst meth="repeat">
-      <a:schemeClr val="lt1"/>
-    </dgm:fillClrLst>
-    <dgm:linClrLst meth="repeat">
-      <a:schemeClr val="dk1">
-        <a:shade val="80000"/>
-      </a:schemeClr>
-    </dgm:linClrLst>
-    <dgm:effectClrLst/>
-    <dgm:txLinClrLst/>
-    <dgm:txFillClrLst meth="repeat">
-      <a:schemeClr val="dk1"/>
-    </dgm:txFillClrLst>
-    <dgm:txEffectClrLst/>
-  </dgm:styleLbl>
-  <dgm:styleLbl name="node4">
-    <dgm:fillClrLst meth="repeat">
-      <a:schemeClr val="lt1"/>
-    </dgm:fillClrLst>
-    <dgm:linClrLst meth="repeat">
-      <a:schemeClr val="dk1">
-        <a:shade val="80000"/>
-      </a:schemeClr>
-    </dgm:linClrLst>
-    <dgm:effectClrLst/>
-    <dgm:txLinClrLst/>
-    <dgm:txFillClrLst meth="repeat">
-      <a:schemeClr val="dk1"/>
-    </dgm:txFillClrLst>
-    <dgm:txEffectClrLst/>
-  </dgm:styleLbl>
-  <dgm:styleLbl name="fgImgPlace1">
-    <dgm:fillClrLst meth="repeat">
-      <a:schemeClr val="dk1">
-        <a:tint val="40000"/>
-      </a:schemeClr>
-    </dgm:fillClrLst>
-    <dgm:linClrLst meth="repeat">
-      <a:schemeClr val="dk1">
-        <a:shade val="80000"/>
-      </a:schemeClr>
-    </dgm:linClrLst>
-    <dgm:effectClrLst/>
-    <dgm:txLinClrLst/>
-    <dgm:txFillClrLst meth="repeat">
-      <a:schemeClr val="lt1"/>
-    </dgm:txFillClrLst>
-    <dgm:txEffectClrLst/>
-  </dgm:styleLbl>
-  <dgm:styleLbl name="alignImgPlace1">
-    <dgm:fillClrLst meth="repeat">
-      <a:schemeClr val="dk1">
-        <a:tint val="40000"/>
-      </a:schemeClr>
-    </dgm:fillClrLst>
-    <dgm:linClrLst meth="repeat">
-      <a:schemeClr val="dk1">
-        <a:shade val="80000"/>
-      </a:schemeClr>
-    </dgm:linClrLst>
-    <dgm:effectClrLst/>
-    <dgm:txLinClrLst/>
-    <dgm:txFillClrLst meth="repeat">
-      <a:schemeClr val="lt1"/>
-    </dgm:txFillClrLst>
-    <dgm:txEffectClrLst/>
-  </dgm:styleLbl>
-  <dgm:styleLbl name="bgImgPlace1">
-    <dgm:fillClrLst meth="repeat">
-      <a:schemeClr val="dk1">
-        <a:tint val="40000"/>
-      </a:schemeClr>
-    </dgm:fillClrLst>
-    <dgm:linClrLst meth="repeat">
-      <a:schemeClr val="dk1">
-        <a:shade val="80000"/>
-      </a:schemeClr>
-    </dgm:linClrLst>
-    <dgm:effectClrLst/>
-    <dgm:txLinClrLst/>
-    <dgm:txFillClrLst meth="repeat">
-      <a:schemeClr val="lt1"/>
-    </dgm:txFillClrLst>
-    <dgm:txEffectClrLst/>
-  </dgm:styleLbl>
-  <dgm:styleLbl name="sibTrans2D1">
-    <dgm:fillClrLst meth="repeat">
-      <a:schemeClr val="dk1">
-        <a:tint val="60000"/>
-      </a:schemeClr>
-    </dgm:fillClrLst>
-    <dgm:linClrLst meth="repeat">
-      <a:schemeClr val="dk1">
-        <a:tint val="60000"/>
-      </a:schemeClr>
-    </dgm:linClrLst>
-    <dgm:effectClrLst/>
-    <dgm:txLinClrLst/>
-    <dgm:txFillClrLst meth="repeat">
-      <a:schemeClr val="dk1"/>
-    </dgm:txFillClrLst>
-    <dgm:txEffectClrLst/>
-  </dgm:styleLbl>
-  <dgm:styleLbl name="fgSibTrans2D1">
-    <dgm:fillClrLst meth="repeat">
-      <a:schemeClr val="dk1">
-        <a:tint val="60000"/>
-      </a:schemeClr>
-    </dgm:fillClrLst>
-    <dgm:linClrLst meth="repeat">
-      <a:schemeClr val="dk1">
-        <a:tint val="60000"/>
-      </a:schemeClr>
-    </dgm:linClrLst>
-    <dgm:effectClrLst/>
-    <dgm:txLinClrLst/>
-    <dgm:txFillClrLst meth="repeat">
-      <a:schemeClr val="dk1"/>
-    </dgm:txFillClrLst>
-    <dgm:txEffectClrLst/>
-  </dgm:styleLbl>
-  <dgm:styleLbl name="bgSibTrans2D1">
-    <dgm:fillClrLst meth="repeat">
-      <a:schemeClr val="dk1">
-        <a:tint val="60000"/>
-      </a:schemeClr>
-    </dgm:fillClrLst>
-    <dgm:linClrLst meth="repeat">
-      <a:schemeClr val="dk1">
-        <a:tint val="60000"/>
-      </a:schemeClr>
-    </dgm:linClrLst>
-    <dgm:effectClrLst/>
-    <dgm:txLinClrLst/>
-    <dgm:txFillClrLst meth="repeat">
-      <a:schemeClr val="dk1"/>
-    </dgm:txFillClrLst>
-    <dgm:txEffectClrLst/>
-  </dgm:styleLbl>
-  <dgm:styleLbl name="sibTrans1D1">
-    <dgm:fillClrLst meth="repeat">
-      <a:schemeClr val="dk1"/>
-    </dgm:fillClrLst>
-    <dgm:linClrLst meth="repeat">
-      <a:schemeClr val="dk1"/>
-    </dgm:linClrLst>
-    <dgm:effectClrLst/>
-    <dgm:txLinClrLst/>
-    <dgm:txFillClrLst meth="repeat">
-      <a:schemeClr val="tx1"/>
-    </dgm:txFillClrLst>
-    <dgm:txEffectClrLst/>
-  </dgm:styleLbl>
-  <dgm:styleLbl name="callout">
-    <dgm:fillClrLst meth="repeat">
-      <a:schemeClr val="dk1"/>
-    </dgm:fillClrLst>
-    <dgm:linClrLst meth="repeat">
-      <a:schemeClr val="dk1"/>
-    </dgm:linClrLst>
-    <dgm:effectClrLst/>
-    <dgm:txLinClrLst/>
-    <dgm:txFillClrLst meth="repeat">
-      <a:schemeClr val="tx1"/>
-    </dgm:txFillClrLst>
-    <dgm:txEffectClrLst/>
-  </dgm:styleLbl>
-  <dgm:styleLbl name="asst0">
-    <dgm:fillClrLst meth="repeat">
-      <a:schemeClr val="lt1"/>
-    </dgm:fillClrLst>
-    <dgm:linClrLst meth="repeat">
-      <a:schemeClr val="dk1">
-        <a:shade val="80000"/>
-      </a:schemeClr>
-    </dgm:linClrLst>
-    <dgm:effectClrLst/>
-    <dgm:txLinClrLst/>
-    <dgm:txFillClrLst meth="repeat">
-      <a:schemeClr val="dk1"/>
-    </dgm:txFillClrLst>
-    <dgm:txEffectClrLst/>
-  </dgm:styleLbl>
-  <dgm:styleLbl name="asst1">
-    <dgm:fillClrLst meth="repeat">
-      <a:schemeClr val="lt1"/>
-    </dgm:fillClrLst>
-    <dgm:linClrLst meth="repeat">
-      <a:schemeClr val="dk1">
-        <a:shade val="80000"/>
-      </a:schemeClr>
-    </dgm:linClrLst>
-    <dgm:effectClrLst/>
-    <dgm:txLinClrLst/>
-    <dgm:txFillClrLst meth="repeat">
-      <a:schemeClr val="dk1"/>
-    </dgm:txFillClrLst>
-    <dgm:txEffectClrLst/>
-  </dgm:styleLbl>
-  <dgm:styleLbl name="asst2">
-    <dgm:fillClrLst meth="repeat">
-      <a:schemeClr val="lt1"/>
-    </dgm:fillClrLst>
-    <dgm:linClrLst meth="repeat">
-      <a:schemeClr val="dk1">
-        <a:shade val="80000"/>
-      </a:schemeClr>
-    </dgm:linClrLst>
-    <dgm:effectClrLst/>
-    <dgm:txLinClrLst/>
-    <dgm:txFillClrLst meth="repeat">
-      <a:schemeClr val="dk1"/>
-    </dgm:txFillClrLst>
-    <dgm:txEffectClrLst/>
-  </dgm:styleLbl>
-  <dgm:styleLbl name="asst3">
-    <dgm:fillClrLst meth="repeat">
-      <a:schemeClr val="lt1"/>
-    </dgm:fillClrLst>
-    <dgm:linClrLst meth="repeat">
-      <a:schemeClr val="dk1">
-        <a:shade val="80000"/>
-      </a:schemeClr>
-    </dgm:linClrLst>
-    <dgm:effectClrLst/>
-    <dgm:txLinClrLst/>
-    <dgm:txFillClrLst meth="repeat">
-      <a:schemeClr val="dk1"/>
-    </dgm:txFillClrLst>
-    <dgm:txEffectClrLst/>
-  </dgm:styleLbl>
-  <dgm:styleLbl name="asst4">
-    <dgm:fillClrLst meth="repeat">
-      <a:schemeClr val="lt1"/>
-    </dgm:fillClrLst>
-    <dgm:linClrLst meth="repeat">
-      <a:schemeClr val="dk1">
-        <a:shade val="80000"/>
-      </a:schemeClr>
-    </dgm:linClrLst>
-    <dgm:effectClrLst/>
-    <dgm:txLinClrLst/>
-    <dgm:txFillClrLst meth="repeat">
-      <a:schemeClr val="dk1"/>
-    </dgm:txFillClrLst>
-    <dgm:txEffectClrLst/>
-  </dgm:styleLbl>
-  <dgm:styleLbl name="parChTrans2D1">
-    <dgm:fillClrLst meth="repeat">
-      <a:schemeClr val="dk1">
-        <a:tint val="60000"/>
-      </a:schemeClr>
-    </dgm:fillClrLst>
-    <dgm:linClrLst meth="repeat">
-      <a:schemeClr val="dk1">
-        <a:tint val="60000"/>
-      </a:schemeClr>
-    </dgm:linClrLst>
-    <dgm:effectClrLst/>
-    <dgm:txLinClrLst/>
-    <dgm:txFillClrLst/>
-    <dgm:txEffectClrLst/>
-  </dgm:styleLbl>
-  <dgm:styleLbl name="parChTrans2D2">
-    <dgm:fillClrLst meth="repeat">
-      <a:schemeClr val="dk1"/>
-    </dgm:fillClrLst>
-    <dgm:linClrLst meth="repeat">
-      <a:schemeClr val="dk1"/>
-    </dgm:linClrLst>
-    <dgm:effectClrLst/>
-    <dgm:txLinClrLst/>
-    <dgm:txFillClrLst/>
-    <dgm:txEffectClrLst/>
-  </dgm:styleLbl>
-  <dgm:styleLbl name="parChTrans2D3">
-    <dgm:fillClrLst meth="repeat">
-      <a:schemeClr val="dk1"/>
-    </dgm:fillClrLst>
-    <dgm:linClrLst meth="repeat">
-      <a:schemeClr val="dk1"/>
-    </dgm:linClrLst>
-    <dgm:effectClrLst/>
-    <dgm:txLinClrLst/>
-    <dgm:txFillClrLst/>
-    <dgm:txEffectClrLst/>
-  </dgm:styleLbl>
-  <dgm:styleLbl name="parChTrans2D4">
-    <dgm:fillClrLst meth="repeat">
-      <a:schemeClr val="dk1"/>
-    </dgm:fillClrLst>
-    <dgm:linClrLst meth="repeat">
-      <a:schemeClr val="dk1"/>
-    </dgm:linClrLst>
-    <dgm:effectClrLst/>
-    <dgm:txLinClrLst/>
-    <dgm:txFillClrLst meth="repeat">
-      <a:schemeClr val="lt1"/>
-    </dgm:txFillClrLst>
-    <dgm:txEffectClrLst/>
-  </dgm:styleLbl>
-  <dgm:styleLbl name="parChTrans1D1">
-    <dgm:fillClrLst meth="repeat">
-      <a:schemeClr val="dk1"/>
-    </dgm:fillClrLst>
-    <dgm:linClrLst meth="repeat">
-      <a:schemeClr val="dk1">
-        <a:shade val="60000"/>
-      </a:schemeClr>
-    </dgm:linClrLst>
-    <dgm:effectClrLst/>
-    <dgm:txLinClrLst/>
-    <dgm:txFillClrLst meth="repeat">
-      <a:schemeClr val="tx1"/>
-    </dgm:txFillClrLst>
-    <dgm:txEffectClrLst/>
-  </dgm:styleLbl>
-  <dgm:styleLbl name="parChTrans1D2">
-    <dgm:fillClrLst meth="repeat">
-      <a:schemeClr val="dk1"/>
-    </dgm:fillClrLst>
-    <dgm:linClrLst meth="repeat">
-      <a:schemeClr val="dk1">
-        <a:shade val="60000"/>
-      </a:schemeClr>
-    </dgm:linClrLst>
-    <dgm:effectClrLst/>
-    <dgm:txLinClrLst/>
-    <dgm:txFillClrLst meth="repeat">
-      <a:schemeClr val="tx1"/>
-    </dgm:txFillClrLst>
-    <dgm:txEffectClrLst/>
-  </dgm:styleLbl>
-  <dgm:styleLbl name="parChTrans1D3">
-    <dgm:fillClrLst meth="repeat">
-      <a:schemeClr val="dk1"/>
-    </dgm:fillClrLst>
-    <dgm:linClrLst meth="repeat">
-      <a:schemeClr val="dk1">
-        <a:shade val="80000"/>
-      </a:schemeClr>
-    </dgm:linClrLst>
-    <dgm:effectClrLst/>
-    <dgm:txLinClrLst/>
-    <dgm:txFillClrLst meth="repeat">
-      <a:schemeClr val="tx1"/>
-    </dgm:txFillClrLst>
-    <dgm:txEffectClrLst/>
-  </dgm:styleLbl>
-  <dgm:styleLbl name="parChTrans1D4">
-    <dgm:fillClrLst meth="repeat">
-      <a:schemeClr val="dk1"/>
-    </dgm:fillClrLst>
-    <dgm:linClrLst meth="repeat">
-      <a:schemeClr val="dk1">
-        <a:shade val="80000"/>
-      </a:schemeClr>
-    </dgm:linClrLst>
-    <dgm:effectClrLst/>
-    <dgm:txLinClrLst/>
-    <dgm:txFillClrLst meth="repeat">
-      <a:schemeClr val="tx1"/>
-    </dgm:txFillClrLst>
-    <dgm:txEffectClrLst/>
-  </dgm:styleLbl>
-  <dgm:styleLbl name="fgAcc1">
-    <dgm:fillClrLst meth="repeat">
-      <a:schemeClr val="dk1">
-        <a:alpha val="90000"/>
-        <a:tint val="40000"/>
-      </a:schemeClr>
-    </dgm:fillClrLst>
-    <dgm:linClrLst meth="repeat">
-      <a:schemeClr val="dk1"/>
-    </dgm:linClrLst>
-    <dgm:effectClrLst/>
-    <dgm:txLinClrLst/>
-    <dgm:txFillClrLst meth="repeat">
-      <a:schemeClr val="dk1"/>
-    </dgm:txFillClrLst>
-    <dgm:txEffectClrLst/>
-  </dgm:styleLbl>
-  <dgm:styleLbl name="conFgAcc1">
-    <dgm:fillClrLst meth="repeat">
-      <a:schemeClr val="dk1">
-        <a:alpha val="90000"/>
-        <a:tint val="40000"/>
-      </a:schemeClr>
-    </dgm:fillClrLst>
-    <dgm:linClrLst meth="repeat">
-      <a:schemeClr val="dk1"/>
-    </dgm:linClrLst>
-    <dgm:effectClrLst/>
-    <dgm:txLinClrLst/>
-    <dgm:txFillClrLst meth="repeat">
-      <a:schemeClr val="dk1"/>
-    </dgm:txFillClrLst>
-    <dgm:txEffectClrLst/>
-  </dgm:styleLbl>
-  <dgm:styleLbl name="alignAcc1">
-    <dgm:fillClrLst meth="repeat">
-      <a:schemeClr val="dk1">
-        <a:alpha val="90000"/>
-        <a:tint val="40000"/>
-      </a:schemeClr>
-    </dgm:fillClrLst>
-    <dgm:linClrLst meth="repeat">
-      <a:schemeClr val="dk1"/>
-    </dgm:linClrLst>
-    <dgm:effectClrLst/>
-    <dgm:txLinClrLst/>
-    <dgm:txFillClrLst meth="repeat">
-      <a:schemeClr val="dk1"/>
-    </dgm:txFillClrLst>
-    <dgm:txEffectClrLst/>
-  </dgm:styleLbl>
-  <dgm:styleLbl name="trAlignAcc1">
-    <dgm:fillClrLst meth="repeat">
-      <a:schemeClr val="dk1">
-        <a:alpha val="40000"/>
-        <a:tint val="40000"/>
-      </a:schemeClr>
-    </dgm:fillClrLst>
-    <dgm:linClrLst meth="repeat">
-      <a:schemeClr val="dk1"/>
-    </dgm:linClrLst>
-    <dgm:effectClrLst/>
-    <dgm:txLinClrLst/>
-    <dgm:txFillClrLst meth="repeat">
-      <a:schemeClr val="dk1"/>
-    </dgm:txFillClrLst>
-    <dgm:txEffectClrLst/>
-  </dgm:styleLbl>
-  <dgm:styleLbl name="bgAcc1">
-    <dgm:fillClrLst meth="repeat">
-      <a:schemeClr val="dk1">
-        <a:alpha val="90000"/>
-        <a:tint val="40000"/>
-      </a:schemeClr>
-    </dgm:fillClrLst>
-    <dgm:linClrLst meth="repeat">
-      <a:schemeClr val="dk1"/>
-    </dgm:linClrLst>
-    <dgm:effectClrLst/>
-    <dgm:txLinClrLst/>
-    <dgm:txFillClrLst meth="repeat">
-      <a:schemeClr val="dk1"/>
-    </dgm:txFillClrLst>
-    <dgm:txEffectClrLst/>
-  </dgm:styleLbl>
-  <dgm:styleLbl name="solidFgAcc1">
-    <dgm:fillClrLst meth="repeat">
-      <a:schemeClr val="lt1"/>
-    </dgm:fillClrLst>
-    <dgm:linClrLst meth="repeat">
-      <a:schemeClr val="dk1"/>
-    </dgm:linClrLst>
-    <dgm:effectClrLst/>
-    <dgm:txLinClrLst/>
-    <dgm:txFillClrLst meth="repeat">
-      <a:schemeClr val="dk1"/>
-    </dgm:txFillClrLst>
-    <dgm:txEffectClrLst/>
-  </dgm:styleLbl>
-  <dgm:styleLbl name="solidAlignAcc1">
-    <dgm:fillClrLst meth="repeat">
-      <a:schemeClr val="lt1"/>
-    </dgm:fillClrLst>
-    <dgm:linClrLst meth="repeat">
-      <a:schemeClr val="dk1"/>
-    </dgm:linClrLst>
-    <dgm:effectClrLst/>
-    <dgm:txLinClrLst/>
-    <dgm:txFillClrLst meth="repeat">
-      <a:schemeClr val="dk1"/>
-    </dgm:txFillClrLst>
-    <dgm:txEffectClrLst/>
-  </dgm:styleLbl>
-  <dgm:styleLbl name="solidBgAcc1">
-    <dgm:fillClrLst meth="repeat">
-      <a:schemeClr val="lt1"/>
-    </dgm:fillClrLst>
-    <dgm:linClrLst meth="repeat">
-      <a:schemeClr val="dk1"/>
-    </dgm:linClrLst>
-    <dgm:effectClrLst/>
-    <dgm:txLinClrLst/>
-    <dgm:txFillClrLst meth="repeat">
-      <a:schemeClr val="dk1"/>
-    </dgm:txFillClrLst>
-    <dgm:txEffectClrLst/>
-  </dgm:styleLbl>
-  <dgm:styleLbl name="fgAccFollowNode1">
-    <dgm:fillClrLst meth="repeat">
-      <a:schemeClr val="lt1">
-        <a:alpha val="90000"/>
-        <a:tint val="40000"/>
-      </a:schemeClr>
-    </dgm:fillClrLst>
-    <dgm:linClrLst meth="repeat">
-      <a:schemeClr val="dk1">
-        <a:alpha val="90000"/>
-      </a:schemeClr>
-    </dgm:linClrLst>
-    <dgm:effectClrLst/>
-    <dgm:txLinClrLst/>
-    <dgm:txFillClrLst meth="repeat">
-      <a:schemeClr val="dk1"/>
-    </dgm:txFillClrLst>
-    <dgm:txEffectClrLst/>
-  </dgm:styleLbl>
-  <dgm:styleLbl name="alignAccFollowNode1">
-    <dgm:fillClrLst meth="repeat">
-      <a:schemeClr val="lt1">
-        <a:alpha val="90000"/>
-        <a:tint val="40000"/>
-      </a:schemeClr>
-    </dgm:fillClrLst>
-    <dgm:linClrLst meth="repeat">
-      <a:schemeClr val="dk1">
-        <a:alpha val="90000"/>
-      </a:schemeClr>
-    </dgm:linClrLst>
-    <dgm:effectClrLst/>
-    <dgm:txLinClrLst/>
-    <dgm:txFillClrLst meth="repeat">
-      <a:schemeClr val="dk1"/>
-    </dgm:txFillClrLst>
-    <dgm:txEffectClrLst/>
-  </dgm:styleLbl>
-  <dgm:styleLbl name="bgAccFollowNode1">
-    <dgm:fillClrLst meth="repeat">
-      <a:schemeClr val="lt1">
-        <a:alpha val="90000"/>
-        <a:tint val="40000"/>
-      </a:schemeClr>
-    </dgm:fillClrLst>
-    <dgm:linClrLst meth="repeat">
-      <a:schemeClr val="dk1">
-        <a:alpha val="90000"/>
-      </a:schemeClr>
-    </dgm:linClrLst>
-    <dgm:effectClrLst/>
-    <dgm:txLinClrLst/>
-    <dgm:txFillClrLst meth="repeat">
-      <a:schemeClr val="dk1"/>
-    </dgm:txFillClrLst>
-    <dgm:txEffectClrLst/>
-  </dgm:styleLbl>
-  <dgm:styleLbl name="fgAcc0">
-    <dgm:fillClrLst meth="repeat">
-      <a:schemeClr val="dk1">
-        <a:alpha val="90000"/>
-        <a:tint val="40000"/>
-      </a:schemeClr>
-    </dgm:fillClrLst>
-    <dgm:linClrLst meth="repeat">
-      <a:schemeClr val="dk1"/>
-    </dgm:linClrLst>
-    <dgm:effectClrLst/>
-    <dgm:txLinClrLst/>
-    <dgm:txFillClrLst meth="repeat">
-      <a:schemeClr val="dk1"/>
-    </dgm:txFillClrLst>
-    <dgm:txEffectClrLst/>
-  </dgm:styleLbl>
-  <dgm:styleLbl name="fgAcc2">
-    <dgm:fillClrLst meth="repeat">
-      <a:schemeClr val="dk1">
-        <a:alpha val="90000"/>
-        <a:tint val="40000"/>
-      </a:schemeClr>
-    </dgm:fillClrLst>
-    <dgm:linClrLst meth="repeat">
-      <a:schemeClr val="dk1"/>
-    </dgm:linClrLst>
-    <dgm:effectClrLst/>
-    <dgm:txLinClrLst/>
-    <dgm:txFillClrLst meth="repeat">
-      <a:schemeClr val="dk1"/>
-    </dgm:txFillClrLst>
-    <dgm:txEffectClrLst/>
-  </dgm:styleLbl>
-  <dgm:styleLbl name="fgAcc3">
-    <dgm:fillClrLst meth="repeat">
-      <a:schemeClr val="dk1">
-        <a:alpha val="90000"/>
-        <a:tint val="40000"/>
-      </a:schemeClr>
-    </dgm:fillClrLst>
-    <dgm:linClrLst meth="repeat">
-      <a:schemeClr val="dk1"/>
-    </dgm:linClrLst>
-    <dgm:effectClrLst/>
-    <dgm:txLinClrLst/>
-    <dgm:txFillClrLst meth="repeat">
-      <a:schemeClr val="dk1"/>
-    </dgm:txFillClrLst>
-    <dgm:txEffectClrLst/>
-  </dgm:styleLbl>
-  <dgm:styleLbl name="fgAcc4">
-    <dgm:fillClrLst meth="repeat">
-      <a:schemeClr val="dk1">
-        <a:alpha val="90000"/>
-        <a:tint val="40000"/>
-      </a:schemeClr>
-    </dgm:fillClrLst>
-    <dgm:linClrLst meth="repeat">
-      <a:schemeClr val="dk1"/>
-    </dgm:linClrLst>
-    <dgm:effectClrLst/>
-    <dgm:txLinClrLst/>
-    <dgm:txFillClrLst meth="repeat">
-      <a:schemeClr val="dk1"/>
-    </dgm:txFillClrLst>
-    <dgm:txEffectClrLst/>
-  </dgm:styleLbl>
-  <dgm:styleLbl name="bgShp">
-    <dgm:fillClrLst meth="repeat">
-      <a:schemeClr val="dk1">
-        <a:tint val="40000"/>
-      </a:schemeClr>
-    </dgm:fillClrLst>
-    <dgm:linClrLst meth="repeat">
-      <a:schemeClr val="dk1"/>
-    </dgm:linClrLst>
-    <dgm:effectClrLst/>
-    <dgm:txLinClrLst/>
-    <dgm:txFillClrLst meth="repeat">
-      <a:schemeClr val="dk1"/>
-    </dgm:txFillClrLst>
-    <dgm:txEffectClrLst/>
-  </dgm:styleLbl>
-  <dgm:styleLbl name="dkBgShp">
-    <dgm:fillClrLst meth="repeat">
-      <a:schemeClr val="dk1">
-        <a:shade val="80000"/>
-      </a:schemeClr>
-    </dgm:fillClrLst>
-    <dgm:linClrLst meth="repeat">
-      <a:schemeClr val="dk1"/>
-    </dgm:linClrLst>
-    <dgm:effectClrLst/>
-    <dgm:txLinClrLst/>
-    <dgm:txFillClrLst meth="repeat">
-      <a:schemeClr val="lt1"/>
-    </dgm:txFillClrLst>
-    <dgm:txEffectClrLst/>
-  </dgm:styleLbl>
-  <dgm:styleLbl name="trBgShp">
-    <dgm:fillClrLst meth="repeat">
-      <a:schemeClr val="dk1">
-        <a:tint val="50000"/>
-        <a:alpha val="40000"/>
-      </a:schemeClr>
-    </dgm:fillClrLst>
-    <dgm:linClrLst meth="repeat">
-      <a:schemeClr val="dk1"/>
-    </dgm:linClrLst>
-    <dgm:effectClrLst/>
-    <dgm:txLinClrLst/>
-    <dgm:txFillClrLst meth="repeat">
-      <a:schemeClr val="lt1"/>
-    </dgm:txFillClrLst>
-    <dgm:txEffectClrLst/>
-  </dgm:styleLbl>
-  <dgm:styleLbl name="fgShp">
-    <dgm:fillClrLst meth="repeat">
-      <a:schemeClr val="dk1">
-        <a:tint val="60000"/>
-      </a:schemeClr>
-    </dgm:fillClrLst>
-    <dgm:linClrLst meth="repeat">
-      <a:schemeClr val="lt1"/>
-    </dgm:linClrLst>
-    <dgm:effectClrLst/>
-    <dgm:txLinClrLst/>
-    <dgm:txFillClrLst meth="repeat">
-      <a:schemeClr val="dk1"/>
-    </dgm:txFillClrLst>
-    <dgm:txEffectClrLst/>
-  </dgm:styleLbl>
-  <dgm:styleLbl name="revTx">
-    <dgm:fillClrLst meth="repeat">
-      <a:schemeClr val="lt1">
-        <a:alpha val="0"/>
-      </a:schemeClr>
-    </dgm:fillClrLst>
-    <dgm:linClrLst meth="repeat">
-      <a:schemeClr val="dk1">
-        <a:alpha val="0"/>
-      </a:schemeClr>
-    </dgm:linClrLst>
-    <dgm:effectClrLst/>
-    <dgm:txLinClrLst/>
-    <dgm:txFillClrLst meth="repeat">
-      <a:schemeClr val="tx1"/>
-    </dgm:txFillClrLst>
-    <dgm:txEffectClrLst/>
-  </dgm:styleLbl>
-</dgm:colorsDef>
-</file>
-
-<file path=ppt/diagrams/colors2.xml><?xml version="1.0" encoding="utf-8"?>
 <dgm:colorsDef xmlns:dgm="http://schemas.openxmlformats.org/drawingml/2006/diagram" xmlns:a="http://schemas.openxmlformats.org/drawingml/2006/main" uniqueId="urn:microsoft.com/office/officeart/2005/8/colors/accent1_2">
   <dgm:title val=""/>
   <dgm:desc val=""/>
@@ -1676,496 +868,6 @@
 </file>
 
 <file path=ppt/diagrams/data1.xml><?xml version="1.0" encoding="utf-8"?>
-<dgm:dataModel xmlns:dgm="http://schemas.openxmlformats.org/drawingml/2006/diagram" xmlns:a="http://schemas.openxmlformats.org/drawingml/2006/main">
-  <dgm:ptLst>
-    <dgm:pt modelId="{2C2E6E7E-59DE-4CBC-9671-F0B4A9F533E9}" type="doc">
-      <dgm:prSet loTypeId="urn:microsoft.com/office/officeart/2005/8/layout/orgChart1" loCatId="hierarchy" qsTypeId="urn:microsoft.com/office/officeart/2005/8/quickstyle/simple1" qsCatId="simple" csTypeId="urn:microsoft.com/office/officeart/2005/8/colors/accent0_1" csCatId="mainScheme" phldr="1"/>
-      <dgm:spPr/>
-      <dgm:t>
-        <a:bodyPr/>
-        <a:lstStyle/>
-        <a:p>
-          <a:endParaRPr lang="ru-RU"/>
-        </a:p>
-      </dgm:t>
-    </dgm:pt>
-    <dgm:pt modelId="{231B2431-E8D5-4B64-B4BF-23A510E1E4BC}">
-      <dgm:prSet phldrT="[Текст]" custT="1"/>
-      <dgm:spPr/>
-      <dgm:t>
-        <a:bodyPr/>
-        <a:lstStyle/>
-        <a:p>
-          <a:r>
-            <a:rPr lang="ru-RU" sz="4000" b="0" dirty="0">
-              <a:solidFill>
-                <a:srgbClr val="BA3F1D"/>
-              </a:solidFill>
-              <a:latin typeface="+mj-lt"/>
-            </a:rPr>
-            <a:t>КНЯЗЬ</a:t>
-          </a:r>
-          <a:endParaRPr lang="ru-RU" sz="3200" b="0" dirty="0">
-            <a:solidFill>
-              <a:srgbClr val="BA3F1D"/>
-            </a:solidFill>
-            <a:latin typeface="+mj-lt"/>
-          </a:endParaRPr>
-        </a:p>
-      </dgm:t>
-    </dgm:pt>
-    <dgm:pt modelId="{DAD87E9D-5EDA-493D-ACEB-37E5ED3F6485}" type="parTrans" cxnId="{FA799D9B-B97A-4BA9-B7FD-C4529FF72193}">
-      <dgm:prSet/>
-      <dgm:spPr/>
-      <dgm:t>
-        <a:bodyPr/>
-        <a:lstStyle/>
-        <a:p>
-          <a:endParaRPr lang="ru-RU"/>
-        </a:p>
-      </dgm:t>
-    </dgm:pt>
-    <dgm:pt modelId="{7930B753-E0B7-47C7-8D55-35B46C32F85E}" type="sibTrans" cxnId="{FA799D9B-B97A-4BA9-B7FD-C4529FF72193}">
-      <dgm:prSet/>
-      <dgm:spPr/>
-      <dgm:t>
-        <a:bodyPr/>
-        <a:lstStyle/>
-        <a:p>
-          <a:endParaRPr lang="ru-RU"/>
-        </a:p>
-      </dgm:t>
-    </dgm:pt>
-    <dgm:pt modelId="{BA3D852A-AFD6-40F6-B842-C246D46348A4}" type="asst">
-      <dgm:prSet phldrT="[Текст]"/>
-      <dgm:spPr/>
-      <dgm:t>
-        <a:bodyPr/>
-        <a:lstStyle/>
-        <a:p>
-          <a:r>
-            <a:rPr lang="ru-RU" b="0" dirty="0" err="1">
-              <a:solidFill>
-                <a:srgbClr val="BA3F1D"/>
-              </a:solidFill>
-              <a:latin typeface="+mj-lt"/>
-            </a:rPr>
-            <a:t>Душнила</a:t>
-          </a:r>
-          <a:endParaRPr lang="ru-RU" b="0" dirty="0">
-            <a:solidFill>
-              <a:srgbClr val="BA3F1D"/>
-            </a:solidFill>
-            <a:latin typeface="+mj-lt"/>
-          </a:endParaRPr>
-        </a:p>
-      </dgm:t>
-    </dgm:pt>
-    <dgm:pt modelId="{B7D27D7E-06C0-4ADA-B570-FD4DDEFB4792}" type="parTrans" cxnId="{6D5F9421-7074-4A91-ADD8-A4E00086DF49}">
-      <dgm:prSet/>
-      <dgm:spPr/>
-      <dgm:t>
-        <a:bodyPr/>
-        <a:lstStyle/>
-        <a:p>
-          <a:endParaRPr lang="ru-RU"/>
-        </a:p>
-      </dgm:t>
-    </dgm:pt>
-    <dgm:pt modelId="{051043A2-9C5A-4FE7-B566-6A9F9287E19F}" type="sibTrans" cxnId="{6D5F9421-7074-4A91-ADD8-A4E00086DF49}">
-      <dgm:prSet/>
-      <dgm:spPr/>
-      <dgm:t>
-        <a:bodyPr/>
-        <a:lstStyle/>
-        <a:p>
-          <a:endParaRPr lang="ru-RU"/>
-        </a:p>
-      </dgm:t>
-    </dgm:pt>
-    <dgm:pt modelId="{38C80281-692B-4E23-99F4-68656E0EB857}">
-      <dgm:prSet phldrT="[Текст]"/>
-      <dgm:spPr/>
-      <dgm:t>
-        <a:bodyPr/>
-        <a:lstStyle/>
-        <a:p>
-          <a:r>
-            <a:rPr lang="ru-RU" b="0" dirty="0">
-              <a:solidFill>
-                <a:srgbClr val="BA3F1D"/>
-              </a:solidFill>
-              <a:latin typeface="+mj-lt"/>
-            </a:rPr>
-            <a:t>Попуск 1</a:t>
-          </a:r>
-        </a:p>
-      </dgm:t>
-    </dgm:pt>
-    <dgm:pt modelId="{5E1FB43F-789E-467F-A3FB-9AC2D39B4580}" type="parTrans" cxnId="{3C4851FB-1BD4-4FFF-8BFE-DA83DE561ED2}">
-      <dgm:prSet/>
-      <dgm:spPr/>
-      <dgm:t>
-        <a:bodyPr/>
-        <a:lstStyle/>
-        <a:p>
-          <a:endParaRPr lang="ru-RU"/>
-        </a:p>
-      </dgm:t>
-    </dgm:pt>
-    <dgm:pt modelId="{75B8B470-58CE-4F09-86CC-56A547555356}" type="sibTrans" cxnId="{3C4851FB-1BD4-4FFF-8BFE-DA83DE561ED2}">
-      <dgm:prSet/>
-      <dgm:spPr/>
-      <dgm:t>
-        <a:bodyPr/>
-        <a:lstStyle/>
-        <a:p>
-          <a:endParaRPr lang="ru-RU"/>
-        </a:p>
-      </dgm:t>
-    </dgm:pt>
-    <dgm:pt modelId="{A7A807C6-68EE-4FE2-A4F6-34549D112E9A}">
-      <dgm:prSet phldrT="[Текст]"/>
-      <dgm:spPr/>
-      <dgm:t>
-        <a:bodyPr/>
-        <a:lstStyle/>
-        <a:p>
-          <a:r>
-            <a:rPr lang="ru-RU" b="0" dirty="0">
-              <a:solidFill>
-                <a:srgbClr val="BA3F1D"/>
-              </a:solidFill>
-              <a:latin typeface="+mj-lt"/>
-            </a:rPr>
-            <a:t>Попуск 2</a:t>
-          </a:r>
-        </a:p>
-      </dgm:t>
-    </dgm:pt>
-    <dgm:pt modelId="{1AC8A890-58B9-4D7C-BE01-FED087D8D7F5}" type="parTrans" cxnId="{AACAA08F-1901-4CEF-BBF8-6875952B1B76}">
-      <dgm:prSet/>
-      <dgm:spPr/>
-      <dgm:t>
-        <a:bodyPr/>
-        <a:lstStyle/>
-        <a:p>
-          <a:endParaRPr lang="ru-RU"/>
-        </a:p>
-      </dgm:t>
-    </dgm:pt>
-    <dgm:pt modelId="{985C5057-758D-4D47-8A67-2EF3F7DBE2E9}" type="sibTrans" cxnId="{AACAA08F-1901-4CEF-BBF8-6875952B1B76}">
-      <dgm:prSet/>
-      <dgm:spPr/>
-      <dgm:t>
-        <a:bodyPr/>
-        <a:lstStyle/>
-        <a:p>
-          <a:endParaRPr lang="ru-RU"/>
-        </a:p>
-      </dgm:t>
-    </dgm:pt>
-    <dgm:pt modelId="{3B4FA202-8AD1-4549-B862-C0A318CE125A}">
-      <dgm:prSet phldrT="[Текст]"/>
-      <dgm:spPr/>
-      <dgm:t>
-        <a:bodyPr/>
-        <a:lstStyle/>
-        <a:p>
-          <a:r>
-            <a:rPr lang="ru-RU" b="0" dirty="0">
-              <a:solidFill>
-                <a:srgbClr val="BA3F1D"/>
-              </a:solidFill>
-              <a:latin typeface="+mj-lt"/>
-            </a:rPr>
-            <a:t>Попуск 3</a:t>
-          </a:r>
-        </a:p>
-      </dgm:t>
-    </dgm:pt>
-    <dgm:pt modelId="{D1C4B81E-C5D5-4676-AA2C-BDFF4AA2EBFE}" type="parTrans" cxnId="{1563D3DF-9870-4672-8B24-283B887DA6EC}">
-      <dgm:prSet/>
-      <dgm:spPr/>
-      <dgm:t>
-        <a:bodyPr/>
-        <a:lstStyle/>
-        <a:p>
-          <a:endParaRPr lang="ru-RU"/>
-        </a:p>
-      </dgm:t>
-    </dgm:pt>
-    <dgm:pt modelId="{C82A07DF-2EF1-4879-B556-E56A7C65289E}" type="sibTrans" cxnId="{1563D3DF-9870-4672-8B24-283B887DA6EC}">
-      <dgm:prSet/>
-      <dgm:spPr/>
-      <dgm:t>
-        <a:bodyPr/>
-        <a:lstStyle/>
-        <a:p>
-          <a:endParaRPr lang="ru-RU"/>
-        </a:p>
-      </dgm:t>
-    </dgm:pt>
-    <dgm:pt modelId="{D9F39011-A2B8-4C53-8FEC-93D9FBB532E5}" type="pres">
-      <dgm:prSet presAssocID="{2C2E6E7E-59DE-4CBC-9671-F0B4A9F533E9}" presName="hierChild1" presStyleCnt="0">
-        <dgm:presLayoutVars>
-          <dgm:orgChart val="1"/>
-          <dgm:chPref val="1"/>
-          <dgm:dir/>
-          <dgm:animOne val="branch"/>
-          <dgm:animLvl val="lvl"/>
-          <dgm:resizeHandles/>
-        </dgm:presLayoutVars>
-      </dgm:prSet>
-      <dgm:spPr/>
-    </dgm:pt>
-    <dgm:pt modelId="{8C61891F-92F8-4DEA-94BC-83610B1D35BA}" type="pres">
-      <dgm:prSet presAssocID="{231B2431-E8D5-4B64-B4BF-23A510E1E4BC}" presName="hierRoot1" presStyleCnt="0">
-        <dgm:presLayoutVars>
-          <dgm:hierBranch val="init"/>
-        </dgm:presLayoutVars>
-      </dgm:prSet>
-      <dgm:spPr/>
-    </dgm:pt>
-    <dgm:pt modelId="{C6892689-BCA6-42E1-BF8A-1BA408A8EE7E}" type="pres">
-      <dgm:prSet presAssocID="{231B2431-E8D5-4B64-B4BF-23A510E1E4BC}" presName="rootComposite1" presStyleCnt="0"/>
-      <dgm:spPr/>
-    </dgm:pt>
-    <dgm:pt modelId="{8F80016C-ED14-4860-985F-D93BAC1FBD1C}" type="pres">
-      <dgm:prSet presAssocID="{231B2431-E8D5-4B64-B4BF-23A510E1E4BC}" presName="rootText1" presStyleLbl="node0" presStyleIdx="0" presStyleCnt="1" custScaleX="132225" custScaleY="139317">
-        <dgm:presLayoutVars>
-          <dgm:chPref val="3"/>
-        </dgm:presLayoutVars>
-      </dgm:prSet>
-      <dgm:spPr/>
-    </dgm:pt>
-    <dgm:pt modelId="{855E046C-8E40-4DD4-9215-F448DC39374A}" type="pres">
-      <dgm:prSet presAssocID="{231B2431-E8D5-4B64-B4BF-23A510E1E4BC}" presName="rootConnector1" presStyleLbl="node1" presStyleIdx="0" presStyleCnt="0"/>
-      <dgm:spPr/>
-    </dgm:pt>
-    <dgm:pt modelId="{01B9F148-3434-44B1-B234-0F6AE5E410A6}" type="pres">
-      <dgm:prSet presAssocID="{231B2431-E8D5-4B64-B4BF-23A510E1E4BC}" presName="hierChild2" presStyleCnt="0"/>
-      <dgm:spPr/>
-    </dgm:pt>
-    <dgm:pt modelId="{F63A2F58-1367-4FB9-BEBE-5FC161071367}" type="pres">
-      <dgm:prSet presAssocID="{5E1FB43F-789E-467F-A3FB-9AC2D39B4580}" presName="Name37" presStyleLbl="parChTrans1D2" presStyleIdx="0" presStyleCnt="4" custSzX="2654247" custSzY="2163310"/>
-      <dgm:spPr/>
-    </dgm:pt>
-    <dgm:pt modelId="{D3E93F6A-1180-4D51-A33E-076DC583EB92}" type="pres">
-      <dgm:prSet presAssocID="{38C80281-692B-4E23-99F4-68656E0EB857}" presName="hierRoot2" presStyleCnt="0">
-        <dgm:presLayoutVars>
-          <dgm:hierBranch val="init"/>
-        </dgm:presLayoutVars>
-      </dgm:prSet>
-      <dgm:spPr/>
-    </dgm:pt>
-    <dgm:pt modelId="{696A70D2-B1B1-45D1-8E39-E6FCBAF0C502}" type="pres">
-      <dgm:prSet presAssocID="{38C80281-692B-4E23-99F4-68656E0EB857}" presName="rootComposite" presStyleCnt="0"/>
-      <dgm:spPr/>
-    </dgm:pt>
-    <dgm:pt modelId="{66BE21EE-0A65-416F-8CC0-C5643707F501}" type="pres">
-      <dgm:prSet presAssocID="{38C80281-692B-4E23-99F4-68656E0EB857}" presName="rootText" presStyleLbl="node2" presStyleIdx="0" presStyleCnt="3" custScaleX="110568" custScaleY="118524">
-        <dgm:presLayoutVars>
-          <dgm:chPref val="3"/>
-        </dgm:presLayoutVars>
-      </dgm:prSet>
-      <dgm:spPr/>
-    </dgm:pt>
-    <dgm:pt modelId="{9F0F7819-1559-4508-BC9E-AA5861E0C8BF}" type="pres">
-      <dgm:prSet presAssocID="{38C80281-692B-4E23-99F4-68656E0EB857}" presName="rootConnector" presStyleLbl="node2" presStyleIdx="0" presStyleCnt="3"/>
-      <dgm:spPr/>
-    </dgm:pt>
-    <dgm:pt modelId="{A390EB1F-D25E-4F87-819E-80C37EE7A774}" type="pres">
-      <dgm:prSet presAssocID="{38C80281-692B-4E23-99F4-68656E0EB857}" presName="hierChild4" presStyleCnt="0"/>
-      <dgm:spPr/>
-    </dgm:pt>
-    <dgm:pt modelId="{EDBB88FB-0B0A-4980-9D41-3B28CBFB8208}" type="pres">
-      <dgm:prSet presAssocID="{38C80281-692B-4E23-99F4-68656E0EB857}" presName="hierChild5" presStyleCnt="0"/>
-      <dgm:spPr/>
-    </dgm:pt>
-    <dgm:pt modelId="{AF16D4BA-2E7F-47C0-A85B-AB0B21346122}" type="pres">
-      <dgm:prSet presAssocID="{1AC8A890-58B9-4D7C-BE01-FED087D8D7F5}" presName="Name37" presStyleLbl="parChTrans1D2" presStyleIdx="1" presStyleCnt="4" custSzX="101103" custSzY="2163310"/>
-      <dgm:spPr/>
-    </dgm:pt>
-    <dgm:pt modelId="{C161F817-2133-4844-A451-691AB60C66C3}" type="pres">
-      <dgm:prSet presAssocID="{A7A807C6-68EE-4FE2-A4F6-34549D112E9A}" presName="hierRoot2" presStyleCnt="0">
-        <dgm:presLayoutVars>
-          <dgm:hierBranch val="init"/>
-        </dgm:presLayoutVars>
-      </dgm:prSet>
-      <dgm:spPr/>
-    </dgm:pt>
-    <dgm:pt modelId="{1A71B5B1-6028-4F78-95C1-612BD0A652E0}" type="pres">
-      <dgm:prSet presAssocID="{A7A807C6-68EE-4FE2-A4F6-34549D112E9A}" presName="rootComposite" presStyleCnt="0"/>
-      <dgm:spPr/>
-    </dgm:pt>
-    <dgm:pt modelId="{67E233DD-B192-43E4-A127-66C74DC70E08}" type="pres">
-      <dgm:prSet presAssocID="{A7A807C6-68EE-4FE2-A4F6-34549D112E9A}" presName="rootText" presStyleLbl="node2" presStyleIdx="1" presStyleCnt="3" custScaleX="110568" custScaleY="118524" custLinFactNeighborX="2561">
-        <dgm:presLayoutVars>
-          <dgm:chPref val="3"/>
-        </dgm:presLayoutVars>
-      </dgm:prSet>
-      <dgm:spPr/>
-    </dgm:pt>
-    <dgm:pt modelId="{D3DA22C1-0F50-49B8-A0B8-2B6C2FA2DAAF}" type="pres">
-      <dgm:prSet presAssocID="{A7A807C6-68EE-4FE2-A4F6-34549D112E9A}" presName="rootConnector" presStyleLbl="node2" presStyleIdx="1" presStyleCnt="3"/>
-      <dgm:spPr/>
-    </dgm:pt>
-    <dgm:pt modelId="{E6A38518-F7F7-40CB-B98C-7A174040FB0A}" type="pres">
-      <dgm:prSet presAssocID="{A7A807C6-68EE-4FE2-A4F6-34549D112E9A}" presName="hierChild4" presStyleCnt="0"/>
-      <dgm:spPr/>
-    </dgm:pt>
-    <dgm:pt modelId="{1F91E9E3-2DAD-46F8-AA36-C5AA9CD5F20D}" type="pres">
-      <dgm:prSet presAssocID="{A7A807C6-68EE-4FE2-A4F6-34549D112E9A}" presName="hierChild5" presStyleCnt="0"/>
-      <dgm:spPr/>
-    </dgm:pt>
-    <dgm:pt modelId="{D590EA69-A7F3-49D9-A4FE-562B2F592BA9}" type="pres">
-      <dgm:prSet presAssocID="{D1C4B81E-C5D5-4676-AA2C-BDFF4AA2EBFE}" presName="Name37" presStyleLbl="parChTrans1D2" presStyleIdx="2" presStyleCnt="4" custSzX="2654751" custSzY="2175350"/>
-      <dgm:spPr/>
-    </dgm:pt>
-    <dgm:pt modelId="{88315CCF-CE9B-4E87-AB43-FF6AAB8E45D9}" type="pres">
-      <dgm:prSet presAssocID="{3B4FA202-8AD1-4549-B862-C0A318CE125A}" presName="hierRoot2" presStyleCnt="0">
-        <dgm:presLayoutVars>
-          <dgm:hierBranch val="init"/>
-        </dgm:presLayoutVars>
-      </dgm:prSet>
-      <dgm:spPr/>
-    </dgm:pt>
-    <dgm:pt modelId="{832919C0-6CB5-4616-AC57-A228A4384F44}" type="pres">
-      <dgm:prSet presAssocID="{3B4FA202-8AD1-4549-B862-C0A318CE125A}" presName="rootComposite" presStyleCnt="0"/>
-      <dgm:spPr/>
-    </dgm:pt>
-    <dgm:pt modelId="{13586F39-EADF-4356-BE14-83FB797F359A}" type="pres">
-      <dgm:prSet presAssocID="{3B4FA202-8AD1-4549-B862-C0A318CE125A}" presName="rootText" presStyleLbl="node2" presStyleIdx="2" presStyleCnt="3" custScaleX="110568" custScaleY="118524" custLinFactNeighborX="1129" custLinFactNeighborY="1024">
-        <dgm:presLayoutVars>
-          <dgm:chPref val="3"/>
-        </dgm:presLayoutVars>
-      </dgm:prSet>
-      <dgm:spPr/>
-    </dgm:pt>
-    <dgm:pt modelId="{225FC5ED-BE7A-41BB-9E6A-304165C266DB}" type="pres">
-      <dgm:prSet presAssocID="{3B4FA202-8AD1-4549-B862-C0A318CE125A}" presName="rootConnector" presStyleLbl="node2" presStyleIdx="2" presStyleCnt="3"/>
-      <dgm:spPr/>
-    </dgm:pt>
-    <dgm:pt modelId="{B547C664-A2C2-47EB-A23F-8034BD1CDAE3}" type="pres">
-      <dgm:prSet presAssocID="{3B4FA202-8AD1-4549-B862-C0A318CE125A}" presName="hierChild4" presStyleCnt="0"/>
-      <dgm:spPr/>
-    </dgm:pt>
-    <dgm:pt modelId="{B138D536-0D43-4463-AC13-7824CE5376FE}" type="pres">
-      <dgm:prSet presAssocID="{3B4FA202-8AD1-4549-B862-C0A318CE125A}" presName="hierChild5" presStyleCnt="0"/>
-      <dgm:spPr/>
-    </dgm:pt>
-    <dgm:pt modelId="{8374EF59-76AB-4819-A517-20606F22AF09}" type="pres">
-      <dgm:prSet presAssocID="{231B2431-E8D5-4B64-B4BF-23A510E1E4BC}" presName="hierChild3" presStyleCnt="0"/>
-      <dgm:spPr/>
-    </dgm:pt>
-    <dgm:pt modelId="{0230332D-2760-4668-8D5D-10FB09EF65B6}" type="pres">
-      <dgm:prSet presAssocID="{B7D27D7E-06C0-4ADA-B570-FD4DDEFB4792}" presName="Name111" presStyleLbl="parChTrans1D2" presStyleIdx="3" presStyleCnt="4" custSzX="230327" custSzY="1081655"/>
-      <dgm:spPr/>
-    </dgm:pt>
-    <dgm:pt modelId="{2C3BAA2D-CD06-4698-9A44-41F2D005D1F9}" type="pres">
-      <dgm:prSet presAssocID="{BA3D852A-AFD6-40F6-B842-C246D46348A4}" presName="hierRoot3" presStyleCnt="0">
-        <dgm:presLayoutVars>
-          <dgm:hierBranch val="init"/>
-        </dgm:presLayoutVars>
-      </dgm:prSet>
-      <dgm:spPr/>
-    </dgm:pt>
-    <dgm:pt modelId="{04BDA49B-7B13-4A34-93F5-CA27C69F65FD}" type="pres">
-      <dgm:prSet presAssocID="{BA3D852A-AFD6-40F6-B842-C246D46348A4}" presName="rootComposite3" presStyleCnt="0"/>
-      <dgm:spPr/>
-    </dgm:pt>
-    <dgm:pt modelId="{178A34CD-CAFF-46C7-B9FE-CD869124A6CA}" type="pres">
-      <dgm:prSet presAssocID="{BA3D852A-AFD6-40F6-B842-C246D46348A4}" presName="rootText3" presStyleLbl="asst1" presStyleIdx="0" presStyleCnt="1" custScaleX="110568" custScaleY="118524">
-        <dgm:presLayoutVars>
-          <dgm:chPref val="3"/>
-        </dgm:presLayoutVars>
-      </dgm:prSet>
-      <dgm:spPr/>
-    </dgm:pt>
-    <dgm:pt modelId="{38EB590E-3BDC-4435-AF2B-2116F7E17D19}" type="pres">
-      <dgm:prSet presAssocID="{BA3D852A-AFD6-40F6-B842-C246D46348A4}" presName="rootConnector3" presStyleLbl="asst1" presStyleIdx="0" presStyleCnt="1"/>
-      <dgm:spPr/>
-    </dgm:pt>
-    <dgm:pt modelId="{B2958713-492A-4A7A-8A94-9ABC41CD318B}" type="pres">
-      <dgm:prSet presAssocID="{BA3D852A-AFD6-40F6-B842-C246D46348A4}" presName="hierChild6" presStyleCnt="0"/>
-      <dgm:spPr/>
-    </dgm:pt>
-    <dgm:pt modelId="{A04D1454-D566-44E9-855B-AB3CE542FA56}" type="pres">
-      <dgm:prSet presAssocID="{BA3D852A-AFD6-40F6-B842-C246D46348A4}" presName="hierChild7" presStyleCnt="0"/>
-      <dgm:spPr/>
-    </dgm:pt>
-  </dgm:ptLst>
-  <dgm:cxnLst>
-    <dgm:cxn modelId="{212D5A01-C00F-4B48-822F-BF69E01EB904}" type="presOf" srcId="{3B4FA202-8AD1-4549-B862-C0A318CE125A}" destId="{225FC5ED-BE7A-41BB-9E6A-304165C266DB}" srcOrd="1" destOrd="0" presId="urn:microsoft.com/office/officeart/2005/8/layout/orgChart1"/>
-    <dgm:cxn modelId="{68867007-51AC-47AF-9887-5C90662DB581}" type="presOf" srcId="{38C80281-692B-4E23-99F4-68656E0EB857}" destId="{66BE21EE-0A65-416F-8CC0-C5643707F501}" srcOrd="0" destOrd="0" presId="urn:microsoft.com/office/officeart/2005/8/layout/orgChart1"/>
-    <dgm:cxn modelId="{B56FED0F-3AB1-4A47-B25F-6C1EAD671EA9}" type="presOf" srcId="{2C2E6E7E-59DE-4CBC-9671-F0B4A9F533E9}" destId="{D9F39011-A2B8-4C53-8FEC-93D9FBB532E5}" srcOrd="0" destOrd="0" presId="urn:microsoft.com/office/officeart/2005/8/layout/orgChart1"/>
-    <dgm:cxn modelId="{6D5F9421-7074-4A91-ADD8-A4E00086DF49}" srcId="{231B2431-E8D5-4B64-B4BF-23A510E1E4BC}" destId="{BA3D852A-AFD6-40F6-B842-C246D46348A4}" srcOrd="0" destOrd="0" parTransId="{B7D27D7E-06C0-4ADA-B570-FD4DDEFB4792}" sibTransId="{051043A2-9C5A-4FE7-B566-6A9F9287E19F}"/>
-    <dgm:cxn modelId="{0CC58D32-01B5-4631-9737-A1527F7D0667}" type="presOf" srcId="{3B4FA202-8AD1-4549-B862-C0A318CE125A}" destId="{13586F39-EADF-4356-BE14-83FB797F359A}" srcOrd="0" destOrd="0" presId="urn:microsoft.com/office/officeart/2005/8/layout/orgChart1"/>
-    <dgm:cxn modelId="{B282F537-EAAA-4BA6-9448-73021A1E0579}" type="presOf" srcId="{1AC8A890-58B9-4D7C-BE01-FED087D8D7F5}" destId="{AF16D4BA-2E7F-47C0-A85B-AB0B21346122}" srcOrd="0" destOrd="0" presId="urn:microsoft.com/office/officeart/2005/8/layout/orgChart1"/>
-    <dgm:cxn modelId="{A87E8B4E-0C56-418E-8DF2-6064DFEC4E67}" type="presOf" srcId="{BA3D852A-AFD6-40F6-B842-C246D46348A4}" destId="{38EB590E-3BDC-4435-AF2B-2116F7E17D19}" srcOrd="1" destOrd="0" presId="urn:microsoft.com/office/officeart/2005/8/layout/orgChart1"/>
-    <dgm:cxn modelId="{159AF774-4147-4A41-9FD8-4C3F833CE385}" type="presOf" srcId="{B7D27D7E-06C0-4ADA-B570-FD4DDEFB4792}" destId="{0230332D-2760-4668-8D5D-10FB09EF65B6}" srcOrd="0" destOrd="0" presId="urn:microsoft.com/office/officeart/2005/8/layout/orgChart1"/>
-    <dgm:cxn modelId="{E402BA7A-A027-4059-80BF-003C42A60F01}" type="presOf" srcId="{5E1FB43F-789E-467F-A3FB-9AC2D39B4580}" destId="{F63A2F58-1367-4FB9-BEBE-5FC161071367}" srcOrd="0" destOrd="0" presId="urn:microsoft.com/office/officeart/2005/8/layout/orgChart1"/>
-    <dgm:cxn modelId="{AACAA08F-1901-4CEF-BBF8-6875952B1B76}" srcId="{231B2431-E8D5-4B64-B4BF-23A510E1E4BC}" destId="{A7A807C6-68EE-4FE2-A4F6-34549D112E9A}" srcOrd="2" destOrd="0" parTransId="{1AC8A890-58B9-4D7C-BE01-FED087D8D7F5}" sibTransId="{985C5057-758D-4D47-8A67-2EF3F7DBE2E9}"/>
-    <dgm:cxn modelId="{FA799D9B-B97A-4BA9-B7FD-C4529FF72193}" srcId="{2C2E6E7E-59DE-4CBC-9671-F0B4A9F533E9}" destId="{231B2431-E8D5-4B64-B4BF-23A510E1E4BC}" srcOrd="0" destOrd="0" parTransId="{DAD87E9D-5EDA-493D-ACEB-37E5ED3F6485}" sibTransId="{7930B753-E0B7-47C7-8D55-35B46C32F85E}"/>
-    <dgm:cxn modelId="{EA0202A6-1F3D-4F46-9EFB-56D9DA87EF22}" type="presOf" srcId="{38C80281-692B-4E23-99F4-68656E0EB857}" destId="{9F0F7819-1559-4508-BC9E-AA5861E0C8BF}" srcOrd="1" destOrd="0" presId="urn:microsoft.com/office/officeart/2005/8/layout/orgChart1"/>
-    <dgm:cxn modelId="{98DEB0A7-EBE9-44BD-8D73-F119E4448AA4}" type="presOf" srcId="{A7A807C6-68EE-4FE2-A4F6-34549D112E9A}" destId="{D3DA22C1-0F50-49B8-A0B8-2B6C2FA2DAAF}" srcOrd="1" destOrd="0" presId="urn:microsoft.com/office/officeart/2005/8/layout/orgChart1"/>
-    <dgm:cxn modelId="{4545AAB4-85AE-46A8-92E3-2F307A26440B}" type="presOf" srcId="{D1C4B81E-C5D5-4676-AA2C-BDFF4AA2EBFE}" destId="{D590EA69-A7F3-49D9-A4FE-562B2F592BA9}" srcOrd="0" destOrd="0" presId="urn:microsoft.com/office/officeart/2005/8/layout/orgChart1"/>
-    <dgm:cxn modelId="{C58DDFC1-D1E8-4BCC-B880-FDF3B8093187}" type="presOf" srcId="{A7A807C6-68EE-4FE2-A4F6-34549D112E9A}" destId="{67E233DD-B192-43E4-A127-66C74DC70E08}" srcOrd="0" destOrd="0" presId="urn:microsoft.com/office/officeart/2005/8/layout/orgChart1"/>
-    <dgm:cxn modelId="{760632D4-BA1A-480F-9F7A-D91CFBC2B800}" type="presOf" srcId="{231B2431-E8D5-4B64-B4BF-23A510E1E4BC}" destId="{855E046C-8E40-4DD4-9215-F448DC39374A}" srcOrd="1" destOrd="0" presId="urn:microsoft.com/office/officeart/2005/8/layout/orgChart1"/>
-    <dgm:cxn modelId="{0FB76DD7-EC6E-4270-9144-745E3642F69A}" type="presOf" srcId="{BA3D852A-AFD6-40F6-B842-C246D46348A4}" destId="{178A34CD-CAFF-46C7-B9FE-CD869124A6CA}" srcOrd="0" destOrd="0" presId="urn:microsoft.com/office/officeart/2005/8/layout/orgChart1"/>
-    <dgm:cxn modelId="{1563D3DF-9870-4672-8B24-283B887DA6EC}" srcId="{231B2431-E8D5-4B64-B4BF-23A510E1E4BC}" destId="{3B4FA202-8AD1-4549-B862-C0A318CE125A}" srcOrd="3" destOrd="0" parTransId="{D1C4B81E-C5D5-4676-AA2C-BDFF4AA2EBFE}" sibTransId="{C82A07DF-2EF1-4879-B556-E56A7C65289E}"/>
-    <dgm:cxn modelId="{9FDFB1F5-8CB2-44A8-8B5A-EC89DDCD6B22}" type="presOf" srcId="{231B2431-E8D5-4B64-B4BF-23A510E1E4BC}" destId="{8F80016C-ED14-4860-985F-D93BAC1FBD1C}" srcOrd="0" destOrd="0" presId="urn:microsoft.com/office/officeart/2005/8/layout/orgChart1"/>
-    <dgm:cxn modelId="{3C4851FB-1BD4-4FFF-8BFE-DA83DE561ED2}" srcId="{231B2431-E8D5-4B64-B4BF-23A510E1E4BC}" destId="{38C80281-692B-4E23-99F4-68656E0EB857}" srcOrd="1" destOrd="0" parTransId="{5E1FB43F-789E-467F-A3FB-9AC2D39B4580}" sibTransId="{75B8B470-58CE-4F09-86CC-56A547555356}"/>
-    <dgm:cxn modelId="{54B2FE0E-3EB4-4F49-8470-B0BF142A0ECB}" type="presParOf" srcId="{D9F39011-A2B8-4C53-8FEC-93D9FBB532E5}" destId="{8C61891F-92F8-4DEA-94BC-83610B1D35BA}" srcOrd="0" destOrd="0" presId="urn:microsoft.com/office/officeart/2005/8/layout/orgChart1"/>
-    <dgm:cxn modelId="{5CF91BCE-D7C8-4B6E-BABE-569C426E4D10}" type="presParOf" srcId="{8C61891F-92F8-4DEA-94BC-83610B1D35BA}" destId="{C6892689-BCA6-42E1-BF8A-1BA408A8EE7E}" srcOrd="0" destOrd="0" presId="urn:microsoft.com/office/officeart/2005/8/layout/orgChart1"/>
-    <dgm:cxn modelId="{7F8D2ACF-1B18-470B-8A50-9F968974451E}" type="presParOf" srcId="{C6892689-BCA6-42E1-BF8A-1BA408A8EE7E}" destId="{8F80016C-ED14-4860-985F-D93BAC1FBD1C}" srcOrd="0" destOrd="0" presId="urn:microsoft.com/office/officeart/2005/8/layout/orgChart1"/>
-    <dgm:cxn modelId="{8EA189B0-EA92-4668-B1A8-FBAB7A2A4374}" type="presParOf" srcId="{C6892689-BCA6-42E1-BF8A-1BA408A8EE7E}" destId="{855E046C-8E40-4DD4-9215-F448DC39374A}" srcOrd="1" destOrd="0" presId="urn:microsoft.com/office/officeart/2005/8/layout/orgChart1"/>
-    <dgm:cxn modelId="{01091F6B-477E-4142-96D4-F9F68D38CD7F}" type="presParOf" srcId="{8C61891F-92F8-4DEA-94BC-83610B1D35BA}" destId="{01B9F148-3434-44B1-B234-0F6AE5E410A6}" srcOrd="1" destOrd="0" presId="urn:microsoft.com/office/officeart/2005/8/layout/orgChart1"/>
-    <dgm:cxn modelId="{4627D68C-4489-466A-B146-EEA2837BEEA3}" type="presParOf" srcId="{01B9F148-3434-44B1-B234-0F6AE5E410A6}" destId="{F63A2F58-1367-4FB9-BEBE-5FC161071367}" srcOrd="0" destOrd="0" presId="urn:microsoft.com/office/officeart/2005/8/layout/orgChart1"/>
-    <dgm:cxn modelId="{2A9CF149-2FD4-4E3F-8D1D-F2ADC6B5F2D1}" type="presParOf" srcId="{01B9F148-3434-44B1-B234-0F6AE5E410A6}" destId="{D3E93F6A-1180-4D51-A33E-076DC583EB92}" srcOrd="1" destOrd="0" presId="urn:microsoft.com/office/officeart/2005/8/layout/orgChart1"/>
-    <dgm:cxn modelId="{DD2356D5-3B18-4B52-A732-73917A9D9F1E}" type="presParOf" srcId="{D3E93F6A-1180-4D51-A33E-076DC583EB92}" destId="{696A70D2-B1B1-45D1-8E39-E6FCBAF0C502}" srcOrd="0" destOrd="0" presId="urn:microsoft.com/office/officeart/2005/8/layout/orgChart1"/>
-    <dgm:cxn modelId="{A2EAF7BD-24AC-44D8-A45A-2B1CC71EC2AB}" type="presParOf" srcId="{696A70D2-B1B1-45D1-8E39-E6FCBAF0C502}" destId="{66BE21EE-0A65-416F-8CC0-C5643707F501}" srcOrd="0" destOrd="0" presId="urn:microsoft.com/office/officeart/2005/8/layout/orgChart1"/>
-    <dgm:cxn modelId="{7A423804-7DB8-4791-AFB4-961BEAEB076C}" type="presParOf" srcId="{696A70D2-B1B1-45D1-8E39-E6FCBAF0C502}" destId="{9F0F7819-1559-4508-BC9E-AA5861E0C8BF}" srcOrd="1" destOrd="0" presId="urn:microsoft.com/office/officeart/2005/8/layout/orgChart1"/>
-    <dgm:cxn modelId="{EE32186D-18DB-4DE1-AE57-9C8FFE8502BF}" type="presParOf" srcId="{D3E93F6A-1180-4D51-A33E-076DC583EB92}" destId="{A390EB1F-D25E-4F87-819E-80C37EE7A774}" srcOrd="1" destOrd="0" presId="urn:microsoft.com/office/officeart/2005/8/layout/orgChart1"/>
-    <dgm:cxn modelId="{03AFD74B-EAB5-4D8F-88AD-E0E74D22B25F}" type="presParOf" srcId="{D3E93F6A-1180-4D51-A33E-076DC583EB92}" destId="{EDBB88FB-0B0A-4980-9D41-3B28CBFB8208}" srcOrd="2" destOrd="0" presId="urn:microsoft.com/office/officeart/2005/8/layout/orgChart1"/>
-    <dgm:cxn modelId="{FA870378-6A93-405A-8C41-2A6E0F8079DE}" type="presParOf" srcId="{01B9F148-3434-44B1-B234-0F6AE5E410A6}" destId="{AF16D4BA-2E7F-47C0-A85B-AB0B21346122}" srcOrd="2" destOrd="0" presId="urn:microsoft.com/office/officeart/2005/8/layout/orgChart1"/>
-    <dgm:cxn modelId="{C5C28BEB-FD1E-430F-ACF2-193D54B59F01}" type="presParOf" srcId="{01B9F148-3434-44B1-B234-0F6AE5E410A6}" destId="{C161F817-2133-4844-A451-691AB60C66C3}" srcOrd="3" destOrd="0" presId="urn:microsoft.com/office/officeart/2005/8/layout/orgChart1"/>
-    <dgm:cxn modelId="{BB21A27A-A88F-40A2-81C7-D133DA63858D}" type="presParOf" srcId="{C161F817-2133-4844-A451-691AB60C66C3}" destId="{1A71B5B1-6028-4F78-95C1-612BD0A652E0}" srcOrd="0" destOrd="0" presId="urn:microsoft.com/office/officeart/2005/8/layout/orgChart1"/>
-    <dgm:cxn modelId="{32B6326B-6BF3-47DF-86FB-BC556B055C7D}" type="presParOf" srcId="{1A71B5B1-6028-4F78-95C1-612BD0A652E0}" destId="{67E233DD-B192-43E4-A127-66C74DC70E08}" srcOrd="0" destOrd="0" presId="urn:microsoft.com/office/officeart/2005/8/layout/orgChart1"/>
-    <dgm:cxn modelId="{28E3DE86-A755-4A06-B0BE-BB0B1B101F9A}" type="presParOf" srcId="{1A71B5B1-6028-4F78-95C1-612BD0A652E0}" destId="{D3DA22C1-0F50-49B8-A0B8-2B6C2FA2DAAF}" srcOrd="1" destOrd="0" presId="urn:microsoft.com/office/officeart/2005/8/layout/orgChart1"/>
-    <dgm:cxn modelId="{41CBEE84-0E43-4F76-AB01-6DD6E77F84C7}" type="presParOf" srcId="{C161F817-2133-4844-A451-691AB60C66C3}" destId="{E6A38518-F7F7-40CB-B98C-7A174040FB0A}" srcOrd="1" destOrd="0" presId="urn:microsoft.com/office/officeart/2005/8/layout/orgChart1"/>
-    <dgm:cxn modelId="{6D757AA9-C51D-437F-AD59-B10F4BC398BD}" type="presParOf" srcId="{C161F817-2133-4844-A451-691AB60C66C3}" destId="{1F91E9E3-2DAD-46F8-AA36-C5AA9CD5F20D}" srcOrd="2" destOrd="0" presId="urn:microsoft.com/office/officeart/2005/8/layout/orgChart1"/>
-    <dgm:cxn modelId="{73EC595E-73C4-4E36-8996-E241051B4E65}" type="presParOf" srcId="{01B9F148-3434-44B1-B234-0F6AE5E410A6}" destId="{D590EA69-A7F3-49D9-A4FE-562B2F592BA9}" srcOrd="4" destOrd="0" presId="urn:microsoft.com/office/officeart/2005/8/layout/orgChart1"/>
-    <dgm:cxn modelId="{9AB43C19-0A42-45E0-A9AE-728D03C6C500}" type="presParOf" srcId="{01B9F148-3434-44B1-B234-0F6AE5E410A6}" destId="{88315CCF-CE9B-4E87-AB43-FF6AAB8E45D9}" srcOrd="5" destOrd="0" presId="urn:microsoft.com/office/officeart/2005/8/layout/orgChart1"/>
-    <dgm:cxn modelId="{7B2F102C-ED6F-469C-9D20-C9735E745FD4}" type="presParOf" srcId="{88315CCF-CE9B-4E87-AB43-FF6AAB8E45D9}" destId="{832919C0-6CB5-4616-AC57-A228A4384F44}" srcOrd="0" destOrd="0" presId="urn:microsoft.com/office/officeart/2005/8/layout/orgChart1"/>
-    <dgm:cxn modelId="{1CA162AB-715E-4BBE-A01F-759DEB270211}" type="presParOf" srcId="{832919C0-6CB5-4616-AC57-A228A4384F44}" destId="{13586F39-EADF-4356-BE14-83FB797F359A}" srcOrd="0" destOrd="0" presId="urn:microsoft.com/office/officeart/2005/8/layout/orgChart1"/>
-    <dgm:cxn modelId="{015EEFFC-4F7D-4756-A6EE-E49FDAAE9923}" type="presParOf" srcId="{832919C0-6CB5-4616-AC57-A228A4384F44}" destId="{225FC5ED-BE7A-41BB-9E6A-304165C266DB}" srcOrd="1" destOrd="0" presId="urn:microsoft.com/office/officeart/2005/8/layout/orgChart1"/>
-    <dgm:cxn modelId="{1D21B898-900A-4CB8-8778-F1DE4481B737}" type="presParOf" srcId="{88315CCF-CE9B-4E87-AB43-FF6AAB8E45D9}" destId="{B547C664-A2C2-47EB-A23F-8034BD1CDAE3}" srcOrd="1" destOrd="0" presId="urn:microsoft.com/office/officeart/2005/8/layout/orgChart1"/>
-    <dgm:cxn modelId="{45210E78-9E24-4AB1-A2B7-F08F6128DFEB}" type="presParOf" srcId="{88315CCF-CE9B-4E87-AB43-FF6AAB8E45D9}" destId="{B138D536-0D43-4463-AC13-7824CE5376FE}" srcOrd="2" destOrd="0" presId="urn:microsoft.com/office/officeart/2005/8/layout/orgChart1"/>
-    <dgm:cxn modelId="{FACAFB29-A6AA-4329-AC29-4C8478ABD3AD}" type="presParOf" srcId="{8C61891F-92F8-4DEA-94BC-83610B1D35BA}" destId="{8374EF59-76AB-4819-A517-20606F22AF09}" srcOrd="2" destOrd="0" presId="urn:microsoft.com/office/officeart/2005/8/layout/orgChart1"/>
-    <dgm:cxn modelId="{72E80775-6554-480E-A4D4-59C5F4FC9919}" type="presParOf" srcId="{8374EF59-76AB-4819-A517-20606F22AF09}" destId="{0230332D-2760-4668-8D5D-10FB09EF65B6}" srcOrd="0" destOrd="0" presId="urn:microsoft.com/office/officeart/2005/8/layout/orgChart1"/>
-    <dgm:cxn modelId="{FB1D6BB1-7D27-461E-BA2C-9D1AA29BF4F3}" type="presParOf" srcId="{8374EF59-76AB-4819-A517-20606F22AF09}" destId="{2C3BAA2D-CD06-4698-9A44-41F2D005D1F9}" srcOrd="1" destOrd="0" presId="urn:microsoft.com/office/officeart/2005/8/layout/orgChart1"/>
-    <dgm:cxn modelId="{58C0C271-5841-4F1E-8367-7AC252CB9A3F}" type="presParOf" srcId="{2C3BAA2D-CD06-4698-9A44-41F2D005D1F9}" destId="{04BDA49B-7B13-4A34-93F5-CA27C69F65FD}" srcOrd="0" destOrd="0" presId="urn:microsoft.com/office/officeart/2005/8/layout/orgChart1"/>
-    <dgm:cxn modelId="{46746721-8573-40F5-9DE6-C3E5FC468AB3}" type="presParOf" srcId="{04BDA49B-7B13-4A34-93F5-CA27C69F65FD}" destId="{178A34CD-CAFF-46C7-B9FE-CD869124A6CA}" srcOrd="0" destOrd="0" presId="urn:microsoft.com/office/officeart/2005/8/layout/orgChart1"/>
-    <dgm:cxn modelId="{79196EEB-CAD4-4E92-AAD9-E97312B6EDAB}" type="presParOf" srcId="{04BDA49B-7B13-4A34-93F5-CA27C69F65FD}" destId="{38EB590E-3BDC-4435-AF2B-2116F7E17D19}" srcOrd="1" destOrd="0" presId="urn:microsoft.com/office/officeart/2005/8/layout/orgChart1"/>
-    <dgm:cxn modelId="{0517AC96-A34F-4015-8FD7-7F4338161C59}" type="presParOf" srcId="{2C3BAA2D-CD06-4698-9A44-41F2D005D1F9}" destId="{B2958713-492A-4A7A-8A94-9ABC41CD318B}" srcOrd="1" destOrd="0" presId="urn:microsoft.com/office/officeart/2005/8/layout/orgChart1"/>
-    <dgm:cxn modelId="{BAFF355D-C171-4E01-91FA-E218D68641CE}" type="presParOf" srcId="{2C3BAA2D-CD06-4698-9A44-41F2D005D1F9}" destId="{A04D1454-D566-44E9-855B-AB3CE542FA56}" srcOrd="2" destOrd="0" presId="urn:microsoft.com/office/officeart/2005/8/layout/orgChart1"/>
-  </dgm:cxnLst>
-  <dgm:bg/>
-  <dgm:whole/>
-  <dgm:extLst>
-    <a:ext uri="http://schemas.microsoft.com/office/drawing/2008/diagram">
-      <dsp:dataModelExt xmlns:dsp="http://schemas.microsoft.com/office/drawing/2008/diagram" relId="rId6" minVer="http://schemas.openxmlformats.org/drawingml/2006/diagram"/>
-    </a:ext>
-    <a:ext uri="{C62137D5-CB1D-491B-B009-E17868A290BF}">
-      <dgm14:recolorImg xmlns:dgm14="http://schemas.microsoft.com/office/drawing/2010/diagram" val="1"/>
-    </a:ext>
-  </dgm:extLst>
-</dgm:dataModel>
-</file>
-
-<file path=ppt/diagrams/data2.xml><?xml version="1.0" encoding="utf-8"?>
 <dgm:dataModel xmlns:dgm="http://schemas.openxmlformats.org/drawingml/2006/diagram" xmlns:a="http://schemas.openxmlformats.org/drawingml/2006/main">
   <dgm:ptLst>
     <dgm:pt modelId="{1783B29B-BA53-403E-95BD-45C410786D51}" type="doc">
@@ -3264,695 +1966,6 @@
 </file>
 
 <file path=ppt/diagrams/drawing1.xml><?xml version="1.0" encoding="utf-8"?>
-<dsp:drawing xmlns:dgm="http://schemas.openxmlformats.org/drawingml/2006/diagram" xmlns:dsp="http://schemas.microsoft.com/office/drawing/2008/diagram" xmlns:a="http://schemas.openxmlformats.org/drawingml/2006/main">
-  <dsp:spTree>
-    <dsp:nvGrpSpPr>
-      <dsp:cNvPr id="0" name=""/>
-      <dsp:cNvGrpSpPr/>
-    </dsp:nvGrpSpPr>
-    <dsp:grpSpPr/>
-    <dsp:sp modelId="{0230332D-2760-4668-8D5D-10FB09EF65B6}">
-      <dsp:nvSpPr>
-        <dsp:cNvPr id="0" name=""/>
-        <dsp:cNvSpPr/>
-      </dsp:nvSpPr>
-      <dsp:spPr>
-        <a:xfrm>
-          <a:off x="3202482" y="1457037"/>
-          <a:ext cx="190481" cy="918501"/>
-        </a:xfrm>
-        <a:custGeom>
-          <a:avLst/>
-          <a:gdLst/>
-          <a:ahLst/>
-          <a:cxnLst/>
-          <a:rect l="0" t="0" r="0" b="0"/>
-          <a:pathLst>
-            <a:path>
-              <a:moveTo>
-                <a:pt x="190481" y="0"/>
-              </a:moveTo>
-              <a:lnTo>
-                <a:pt x="190481" y="918501"/>
-              </a:lnTo>
-              <a:lnTo>
-                <a:pt x="0" y="918501"/>
-              </a:lnTo>
-            </a:path>
-          </a:pathLst>
-        </a:custGeom>
-        <a:noFill/>
-        <a:ln w="12700" cap="flat" cmpd="sng" algn="ctr">
-          <a:solidFill>
-            <a:schemeClr val="dk1">
-              <a:shade val="60000"/>
-              <a:hueOff val="0"/>
-              <a:satOff val="0"/>
-              <a:lumOff val="0"/>
-              <a:alphaOff val="0"/>
-            </a:schemeClr>
-          </a:solidFill>
-          <a:prstDash val="solid"/>
-          <a:miter lim="800000"/>
-        </a:ln>
-        <a:effectLst/>
-      </dsp:spPr>
-      <dsp:style>
-        <a:lnRef idx="2">
-          <a:scrgbClr r="0" g="0" b="0"/>
-        </a:lnRef>
-        <a:fillRef idx="0">
-          <a:scrgbClr r="0" g="0" b="0"/>
-        </a:fillRef>
-        <a:effectRef idx="0">
-          <a:scrgbClr r="0" g="0" b="0"/>
-        </a:effectRef>
-        <a:fontRef idx="minor"/>
-      </dsp:style>
-    </dsp:sp>
-    <dsp:sp modelId="{D590EA69-A7F3-49D9-A4FE-562B2F592BA9}">
-      <dsp:nvSpPr>
-        <dsp:cNvPr id="0" name=""/>
-        <dsp:cNvSpPr/>
-      </dsp:nvSpPr>
-      <dsp:spPr>
-        <a:xfrm>
-          <a:off x="3392963" y="1457037"/>
-          <a:ext cx="2390051" cy="1846291"/>
-        </a:xfrm>
-        <a:custGeom>
-          <a:avLst/>
-          <a:gdLst/>
-          <a:ahLst/>
-          <a:cxnLst/>
-          <a:rect l="0" t="0" r="0" b="0"/>
-          <a:pathLst>
-            <a:path>
-              <a:moveTo>
-                <a:pt x="0" y="0"/>
-              </a:moveTo>
-              <a:lnTo>
-                <a:pt x="0" y="1655809"/>
-              </a:lnTo>
-              <a:lnTo>
-                <a:pt x="2390051" y="1655809"/>
-              </a:lnTo>
-              <a:lnTo>
-                <a:pt x="2390051" y="1846291"/>
-              </a:lnTo>
-            </a:path>
-          </a:pathLst>
-        </a:custGeom>
-        <a:noFill/>
-        <a:ln w="12700" cap="flat" cmpd="sng" algn="ctr">
-          <a:solidFill>
-            <a:schemeClr val="dk1">
-              <a:shade val="60000"/>
-              <a:hueOff val="0"/>
-              <a:satOff val="0"/>
-              <a:lumOff val="0"/>
-              <a:alphaOff val="0"/>
-            </a:schemeClr>
-          </a:solidFill>
-          <a:prstDash val="solid"/>
-          <a:miter lim="800000"/>
-        </a:ln>
-        <a:effectLst/>
-      </dsp:spPr>
-      <dsp:style>
-        <a:lnRef idx="2">
-          <a:scrgbClr r="0" g="0" b="0"/>
-        </a:lnRef>
-        <a:fillRef idx="0">
-          <a:scrgbClr r="0" g="0" b="0"/>
-        </a:fillRef>
-        <a:effectRef idx="0">
-          <a:scrgbClr r="0" g="0" b="0"/>
-        </a:effectRef>
-        <a:fontRef idx="minor"/>
-      </dsp:style>
-    </dsp:sp>
-    <dsp:sp modelId="{AF16D4BA-2E7F-47C0-A85B-AB0B21346122}">
-      <dsp:nvSpPr>
-        <dsp:cNvPr id="0" name=""/>
-        <dsp:cNvSpPr/>
-      </dsp:nvSpPr>
-      <dsp:spPr>
-        <a:xfrm>
-          <a:off x="3347243" y="1457037"/>
-          <a:ext cx="91440" cy="1837002"/>
-        </a:xfrm>
-        <a:custGeom>
-          <a:avLst/>
-          <a:gdLst/>
-          <a:ahLst/>
-          <a:cxnLst/>
-          <a:rect l="0" t="0" r="0" b="0"/>
-          <a:pathLst>
-            <a:path>
-              <a:moveTo>
-                <a:pt x="45720" y="0"/>
-              </a:moveTo>
-              <a:lnTo>
-                <a:pt x="45720" y="1646521"/>
-              </a:lnTo>
-              <a:lnTo>
-                <a:pt x="92179" y="1646521"/>
-              </a:lnTo>
-              <a:lnTo>
-                <a:pt x="92179" y="1837002"/>
-              </a:lnTo>
-            </a:path>
-          </a:pathLst>
-        </a:custGeom>
-        <a:noFill/>
-        <a:ln w="12700" cap="flat" cmpd="sng" algn="ctr">
-          <a:solidFill>
-            <a:schemeClr val="dk1">
-              <a:shade val="60000"/>
-              <a:hueOff val="0"/>
-              <a:satOff val="0"/>
-              <a:lumOff val="0"/>
-              <a:alphaOff val="0"/>
-            </a:schemeClr>
-          </a:solidFill>
-          <a:prstDash val="solid"/>
-          <a:miter lim="800000"/>
-        </a:ln>
-        <a:effectLst/>
-      </dsp:spPr>
-      <dsp:style>
-        <a:lnRef idx="2">
-          <a:scrgbClr r="0" g="0" b="0"/>
-        </a:lnRef>
-        <a:fillRef idx="0">
-          <a:scrgbClr r="0" g="0" b="0"/>
-        </a:fillRef>
-        <a:effectRef idx="0">
-          <a:scrgbClr r="0" g="0" b="0"/>
-        </a:effectRef>
-        <a:fontRef idx="minor"/>
-      </dsp:style>
-    </dsp:sp>
-    <dsp:sp modelId="{F63A2F58-1367-4FB9-BEBE-5FC161071367}">
-      <dsp:nvSpPr>
-        <dsp:cNvPr id="0" name=""/>
-        <dsp:cNvSpPr/>
-      </dsp:nvSpPr>
-      <dsp:spPr>
-        <a:xfrm>
-          <a:off x="1006176" y="1457037"/>
-          <a:ext cx="2386786" cy="1837002"/>
-        </a:xfrm>
-        <a:custGeom>
-          <a:avLst/>
-          <a:gdLst/>
-          <a:ahLst/>
-          <a:cxnLst/>
-          <a:rect l="0" t="0" r="0" b="0"/>
-          <a:pathLst>
-            <a:path>
-              <a:moveTo>
-                <a:pt x="2386786" y="0"/>
-              </a:moveTo>
-              <a:lnTo>
-                <a:pt x="2386786" y="1646521"/>
-              </a:lnTo>
-              <a:lnTo>
-                <a:pt x="0" y="1646521"/>
-              </a:lnTo>
-              <a:lnTo>
-                <a:pt x="0" y="1837002"/>
-              </a:lnTo>
-            </a:path>
-          </a:pathLst>
-        </a:custGeom>
-        <a:noFill/>
-        <a:ln w="12700" cap="flat" cmpd="sng" algn="ctr">
-          <a:solidFill>
-            <a:schemeClr val="dk1">
-              <a:shade val="60000"/>
-              <a:hueOff val="0"/>
-              <a:satOff val="0"/>
-              <a:lumOff val="0"/>
-              <a:alphaOff val="0"/>
-            </a:schemeClr>
-          </a:solidFill>
-          <a:prstDash val="solid"/>
-          <a:miter lim="800000"/>
-        </a:ln>
-        <a:effectLst/>
-      </dsp:spPr>
-      <dsp:style>
-        <a:lnRef idx="2">
-          <a:scrgbClr r="0" g="0" b="0"/>
-        </a:lnRef>
-        <a:fillRef idx="0">
-          <a:scrgbClr r="0" g="0" b="0"/>
-        </a:fillRef>
-        <a:effectRef idx="0">
-          <a:scrgbClr r="0" g="0" b="0"/>
-        </a:effectRef>
-        <a:fontRef idx="minor"/>
-      </dsp:style>
-    </dsp:sp>
-    <dsp:sp modelId="{8F80016C-ED14-4860-985F-D93BAC1FBD1C}">
-      <dsp:nvSpPr>
-        <dsp:cNvPr id="0" name=""/>
-        <dsp:cNvSpPr/>
-      </dsp:nvSpPr>
-      <dsp:spPr>
-        <a:xfrm>
-          <a:off x="2193610" y="193356"/>
-          <a:ext cx="2398705" cy="1263681"/>
-        </a:xfrm>
-        <a:prstGeom prst="rect">
-          <a:avLst/>
-        </a:prstGeom>
-        <a:solidFill>
-          <a:schemeClr val="lt1">
-            <a:hueOff val="0"/>
-            <a:satOff val="0"/>
-            <a:lumOff val="0"/>
-            <a:alphaOff val="0"/>
-          </a:schemeClr>
-        </a:solidFill>
-        <a:ln w="12700" cap="flat" cmpd="sng" algn="ctr">
-          <a:solidFill>
-            <a:schemeClr val="dk1">
-              <a:shade val="80000"/>
-              <a:hueOff val="0"/>
-              <a:satOff val="0"/>
-              <a:lumOff val="0"/>
-              <a:alphaOff val="0"/>
-            </a:schemeClr>
-          </a:solidFill>
-          <a:prstDash val="solid"/>
-          <a:miter lim="800000"/>
-        </a:ln>
-        <a:effectLst/>
-      </dsp:spPr>
-      <dsp:style>
-        <a:lnRef idx="2">
-          <a:scrgbClr r="0" g="0" b="0"/>
-        </a:lnRef>
-        <a:fillRef idx="1">
-          <a:scrgbClr r="0" g="0" b="0"/>
-        </a:fillRef>
-        <a:effectRef idx="0">
-          <a:scrgbClr r="0" g="0" b="0"/>
-        </a:effectRef>
-        <a:fontRef idx="minor">
-          <a:schemeClr val="lt1"/>
-        </a:fontRef>
-      </dsp:style>
-      <dsp:txBody>
-        <a:bodyPr spcFirstLastPara="0" vert="horz" wrap="square" lIns="25400" tIns="25400" rIns="25400" bIns="25400" numCol="1" spcCol="1270" anchor="ctr" anchorCtr="0">
-          <a:noAutofit/>
-        </a:bodyPr>
-        <a:lstStyle/>
-        <a:p>
-          <a:pPr marL="0" lvl="0" indent="0" algn="ctr" defTabSz="1778000">
-            <a:lnSpc>
-              <a:spcPct val="90000"/>
-            </a:lnSpc>
-            <a:spcBef>
-              <a:spcPct val="0"/>
-            </a:spcBef>
-            <a:spcAft>
-              <a:spcPct val="35000"/>
-            </a:spcAft>
-            <a:buNone/>
-          </a:pPr>
-          <a:r>
-            <a:rPr lang="ru-RU" sz="4000" b="0" kern="1200" dirty="0">
-              <a:solidFill>
-                <a:srgbClr val="BA3F1D"/>
-              </a:solidFill>
-              <a:latin typeface="+mj-lt"/>
-            </a:rPr>
-            <a:t>КНЯЗЬ</a:t>
-          </a:r>
-          <a:endParaRPr lang="ru-RU" sz="3200" b="0" kern="1200" dirty="0">
-            <a:solidFill>
-              <a:srgbClr val="BA3F1D"/>
-            </a:solidFill>
-            <a:latin typeface="+mj-lt"/>
-          </a:endParaRPr>
-        </a:p>
-      </dsp:txBody>
-      <dsp:txXfrm>
-        <a:off x="2193610" y="193356"/>
-        <a:ext cx="2398705" cy="1263681"/>
-      </dsp:txXfrm>
-    </dsp:sp>
-    <dsp:sp modelId="{66BE21EE-0A65-416F-8CC0-C5643707F501}">
-      <dsp:nvSpPr>
-        <dsp:cNvPr id="0" name=""/>
-        <dsp:cNvSpPr/>
-      </dsp:nvSpPr>
-      <dsp:spPr>
-        <a:xfrm>
-          <a:off x="3264" y="3294040"/>
-          <a:ext cx="2005823" cy="1075077"/>
-        </a:xfrm>
-        <a:prstGeom prst="rect">
-          <a:avLst/>
-        </a:prstGeom>
-        <a:solidFill>
-          <a:schemeClr val="lt1">
-            <a:hueOff val="0"/>
-            <a:satOff val="0"/>
-            <a:lumOff val="0"/>
-            <a:alphaOff val="0"/>
-          </a:schemeClr>
-        </a:solidFill>
-        <a:ln w="12700" cap="flat" cmpd="sng" algn="ctr">
-          <a:solidFill>
-            <a:schemeClr val="dk1">
-              <a:shade val="80000"/>
-              <a:hueOff val="0"/>
-              <a:satOff val="0"/>
-              <a:lumOff val="0"/>
-              <a:alphaOff val="0"/>
-            </a:schemeClr>
-          </a:solidFill>
-          <a:prstDash val="solid"/>
-          <a:miter lim="800000"/>
-        </a:ln>
-        <a:effectLst/>
-      </dsp:spPr>
-      <dsp:style>
-        <a:lnRef idx="2">
-          <a:scrgbClr r="0" g="0" b="0"/>
-        </a:lnRef>
-        <a:fillRef idx="1">
-          <a:scrgbClr r="0" g="0" b="0"/>
-        </a:fillRef>
-        <a:effectRef idx="0">
-          <a:scrgbClr r="0" g="0" b="0"/>
-        </a:effectRef>
-        <a:fontRef idx="minor">
-          <a:schemeClr val="lt1"/>
-        </a:fontRef>
-      </dsp:style>
-      <dsp:txBody>
-        <a:bodyPr spcFirstLastPara="0" vert="horz" wrap="square" lIns="20320" tIns="20320" rIns="20320" bIns="20320" numCol="1" spcCol="1270" anchor="ctr" anchorCtr="0">
-          <a:noAutofit/>
-        </a:bodyPr>
-        <a:lstStyle/>
-        <a:p>
-          <a:pPr marL="0" lvl="0" indent="0" algn="ctr" defTabSz="1422400">
-            <a:lnSpc>
-              <a:spcPct val="90000"/>
-            </a:lnSpc>
-            <a:spcBef>
-              <a:spcPct val="0"/>
-            </a:spcBef>
-            <a:spcAft>
-              <a:spcPct val="35000"/>
-            </a:spcAft>
-            <a:buNone/>
-          </a:pPr>
-          <a:r>
-            <a:rPr lang="ru-RU" sz="3200" b="0" kern="1200" dirty="0">
-              <a:solidFill>
-                <a:srgbClr val="BA3F1D"/>
-              </a:solidFill>
-              <a:latin typeface="+mj-lt"/>
-            </a:rPr>
-            <a:t>Попуск 1</a:t>
-          </a:r>
-        </a:p>
-      </dsp:txBody>
-      <dsp:txXfrm>
-        <a:off x="3264" y="3294040"/>
-        <a:ext cx="2005823" cy="1075077"/>
-      </dsp:txXfrm>
-    </dsp:sp>
-    <dsp:sp modelId="{67E233DD-B192-43E4-A127-66C74DC70E08}">
-      <dsp:nvSpPr>
-        <dsp:cNvPr id="0" name=""/>
-        <dsp:cNvSpPr/>
-      </dsp:nvSpPr>
-      <dsp:spPr>
-        <a:xfrm>
-          <a:off x="2436510" y="3294040"/>
-          <a:ext cx="2005823" cy="1075077"/>
-        </a:xfrm>
-        <a:prstGeom prst="rect">
-          <a:avLst/>
-        </a:prstGeom>
-        <a:solidFill>
-          <a:schemeClr val="lt1">
-            <a:hueOff val="0"/>
-            <a:satOff val="0"/>
-            <a:lumOff val="0"/>
-            <a:alphaOff val="0"/>
-          </a:schemeClr>
-        </a:solidFill>
-        <a:ln w="12700" cap="flat" cmpd="sng" algn="ctr">
-          <a:solidFill>
-            <a:schemeClr val="dk1">
-              <a:shade val="80000"/>
-              <a:hueOff val="0"/>
-              <a:satOff val="0"/>
-              <a:lumOff val="0"/>
-              <a:alphaOff val="0"/>
-            </a:schemeClr>
-          </a:solidFill>
-          <a:prstDash val="solid"/>
-          <a:miter lim="800000"/>
-        </a:ln>
-        <a:effectLst/>
-      </dsp:spPr>
-      <dsp:style>
-        <a:lnRef idx="2">
-          <a:scrgbClr r="0" g="0" b="0"/>
-        </a:lnRef>
-        <a:fillRef idx="1">
-          <a:scrgbClr r="0" g="0" b="0"/>
-        </a:fillRef>
-        <a:effectRef idx="0">
-          <a:scrgbClr r="0" g="0" b="0"/>
-        </a:effectRef>
-        <a:fontRef idx="minor">
-          <a:schemeClr val="lt1"/>
-        </a:fontRef>
-      </dsp:style>
-      <dsp:txBody>
-        <a:bodyPr spcFirstLastPara="0" vert="horz" wrap="square" lIns="20320" tIns="20320" rIns="20320" bIns="20320" numCol="1" spcCol="1270" anchor="ctr" anchorCtr="0">
-          <a:noAutofit/>
-        </a:bodyPr>
-        <a:lstStyle/>
-        <a:p>
-          <a:pPr marL="0" lvl="0" indent="0" algn="ctr" defTabSz="1422400">
-            <a:lnSpc>
-              <a:spcPct val="90000"/>
-            </a:lnSpc>
-            <a:spcBef>
-              <a:spcPct val="0"/>
-            </a:spcBef>
-            <a:spcAft>
-              <a:spcPct val="35000"/>
-            </a:spcAft>
-            <a:buNone/>
-          </a:pPr>
-          <a:r>
-            <a:rPr lang="ru-RU" sz="3200" b="0" kern="1200" dirty="0">
-              <a:solidFill>
-                <a:srgbClr val="BA3F1D"/>
-              </a:solidFill>
-              <a:latin typeface="+mj-lt"/>
-            </a:rPr>
-            <a:t>Попуск 2</a:t>
-          </a:r>
-        </a:p>
-      </dsp:txBody>
-      <dsp:txXfrm>
-        <a:off x="2436510" y="3294040"/>
-        <a:ext cx="2005823" cy="1075077"/>
-      </dsp:txXfrm>
-    </dsp:sp>
-    <dsp:sp modelId="{13586F39-EADF-4356-BE14-83FB797F359A}">
-      <dsp:nvSpPr>
-        <dsp:cNvPr id="0" name=""/>
-        <dsp:cNvSpPr/>
-      </dsp:nvSpPr>
-      <dsp:spPr>
-        <a:xfrm>
-          <a:off x="4780103" y="3303329"/>
-          <a:ext cx="2005823" cy="1075077"/>
-        </a:xfrm>
-        <a:prstGeom prst="rect">
-          <a:avLst/>
-        </a:prstGeom>
-        <a:solidFill>
-          <a:schemeClr val="lt1">
-            <a:hueOff val="0"/>
-            <a:satOff val="0"/>
-            <a:lumOff val="0"/>
-            <a:alphaOff val="0"/>
-          </a:schemeClr>
-        </a:solidFill>
-        <a:ln w="12700" cap="flat" cmpd="sng" algn="ctr">
-          <a:solidFill>
-            <a:schemeClr val="dk1">
-              <a:shade val="80000"/>
-              <a:hueOff val="0"/>
-              <a:satOff val="0"/>
-              <a:lumOff val="0"/>
-              <a:alphaOff val="0"/>
-            </a:schemeClr>
-          </a:solidFill>
-          <a:prstDash val="solid"/>
-          <a:miter lim="800000"/>
-        </a:ln>
-        <a:effectLst/>
-      </dsp:spPr>
-      <dsp:style>
-        <a:lnRef idx="2">
-          <a:scrgbClr r="0" g="0" b="0"/>
-        </a:lnRef>
-        <a:fillRef idx="1">
-          <a:scrgbClr r="0" g="0" b="0"/>
-        </a:fillRef>
-        <a:effectRef idx="0">
-          <a:scrgbClr r="0" g="0" b="0"/>
-        </a:effectRef>
-        <a:fontRef idx="minor">
-          <a:schemeClr val="lt1"/>
-        </a:fontRef>
-      </dsp:style>
-      <dsp:txBody>
-        <a:bodyPr spcFirstLastPara="0" vert="horz" wrap="square" lIns="20320" tIns="20320" rIns="20320" bIns="20320" numCol="1" spcCol="1270" anchor="ctr" anchorCtr="0">
-          <a:noAutofit/>
-        </a:bodyPr>
-        <a:lstStyle/>
-        <a:p>
-          <a:pPr marL="0" lvl="0" indent="0" algn="ctr" defTabSz="1422400">
-            <a:lnSpc>
-              <a:spcPct val="90000"/>
-            </a:lnSpc>
-            <a:spcBef>
-              <a:spcPct val="0"/>
-            </a:spcBef>
-            <a:spcAft>
-              <a:spcPct val="35000"/>
-            </a:spcAft>
-            <a:buNone/>
-          </a:pPr>
-          <a:r>
-            <a:rPr lang="ru-RU" sz="3200" b="0" kern="1200" dirty="0">
-              <a:solidFill>
-                <a:srgbClr val="BA3F1D"/>
-              </a:solidFill>
-              <a:latin typeface="+mj-lt"/>
-            </a:rPr>
-            <a:t>Попуск 3</a:t>
-          </a:r>
-        </a:p>
-      </dsp:txBody>
-      <dsp:txXfrm>
-        <a:off x="4780103" y="3303329"/>
-        <a:ext cx="2005823" cy="1075077"/>
-      </dsp:txXfrm>
-    </dsp:sp>
-    <dsp:sp modelId="{178A34CD-CAFF-46C7-B9FE-CD869124A6CA}">
-      <dsp:nvSpPr>
-        <dsp:cNvPr id="0" name=""/>
-        <dsp:cNvSpPr/>
-      </dsp:nvSpPr>
-      <dsp:spPr>
-        <a:xfrm>
-          <a:off x="1196658" y="1838000"/>
-          <a:ext cx="2005823" cy="1075077"/>
-        </a:xfrm>
-        <a:prstGeom prst="rect">
-          <a:avLst/>
-        </a:prstGeom>
-        <a:solidFill>
-          <a:schemeClr val="lt1">
-            <a:hueOff val="0"/>
-            <a:satOff val="0"/>
-            <a:lumOff val="0"/>
-            <a:alphaOff val="0"/>
-          </a:schemeClr>
-        </a:solidFill>
-        <a:ln w="12700" cap="flat" cmpd="sng" algn="ctr">
-          <a:solidFill>
-            <a:schemeClr val="dk1">
-              <a:shade val="80000"/>
-              <a:hueOff val="0"/>
-              <a:satOff val="0"/>
-              <a:lumOff val="0"/>
-              <a:alphaOff val="0"/>
-            </a:schemeClr>
-          </a:solidFill>
-          <a:prstDash val="solid"/>
-          <a:miter lim="800000"/>
-        </a:ln>
-        <a:effectLst/>
-      </dsp:spPr>
-      <dsp:style>
-        <a:lnRef idx="2">
-          <a:scrgbClr r="0" g="0" b="0"/>
-        </a:lnRef>
-        <a:fillRef idx="1">
-          <a:scrgbClr r="0" g="0" b="0"/>
-        </a:fillRef>
-        <a:effectRef idx="0">
-          <a:scrgbClr r="0" g="0" b="0"/>
-        </a:effectRef>
-        <a:fontRef idx="minor">
-          <a:schemeClr val="lt1"/>
-        </a:fontRef>
-      </dsp:style>
-      <dsp:txBody>
-        <a:bodyPr spcFirstLastPara="0" vert="horz" wrap="square" lIns="20320" tIns="20320" rIns="20320" bIns="20320" numCol="1" spcCol="1270" anchor="ctr" anchorCtr="0">
-          <a:noAutofit/>
-        </a:bodyPr>
-        <a:lstStyle/>
-        <a:p>
-          <a:pPr marL="0" lvl="0" indent="0" algn="ctr" defTabSz="1422400">
-            <a:lnSpc>
-              <a:spcPct val="90000"/>
-            </a:lnSpc>
-            <a:spcBef>
-              <a:spcPct val="0"/>
-            </a:spcBef>
-            <a:spcAft>
-              <a:spcPct val="35000"/>
-            </a:spcAft>
-            <a:buNone/>
-          </a:pPr>
-          <a:r>
-            <a:rPr lang="ru-RU" sz="3200" b="0" kern="1200" dirty="0" err="1">
-              <a:solidFill>
-                <a:srgbClr val="BA3F1D"/>
-              </a:solidFill>
-              <a:latin typeface="+mj-lt"/>
-            </a:rPr>
-            <a:t>Душнила</a:t>
-          </a:r>
-          <a:endParaRPr lang="ru-RU" sz="3200" b="0" kern="1200" dirty="0">
-            <a:solidFill>
-              <a:srgbClr val="BA3F1D"/>
-            </a:solidFill>
-            <a:latin typeface="+mj-lt"/>
-          </a:endParaRPr>
-        </a:p>
-      </dsp:txBody>
-      <dsp:txXfrm>
-        <a:off x="1196658" y="1838000"/>
-        <a:ext cx="2005823" cy="1075077"/>
-      </dsp:txXfrm>
-    </dsp:sp>
-  </dsp:spTree>
-</dsp:drawing>
-</file>
-
-<file path=ppt/diagrams/drawing2.xml><?xml version="1.0" encoding="utf-8"?>
 <dsp:drawing xmlns:dgm="http://schemas.openxmlformats.org/drawingml/2006/diagram" xmlns:dsp="http://schemas.microsoft.com/office/drawing/2008/diagram" xmlns:a="http://schemas.openxmlformats.org/drawingml/2006/main">
   <dsp:spTree>
     <dsp:nvGrpSpPr>
@@ -6283,2187 +4296,7 @@
 </dgm:layoutDef>
 </file>
 
-<file path=ppt/diagrams/layout2.xml><?xml version="1.0" encoding="utf-8"?>
-<dgm:layoutDef xmlns:dgm="http://schemas.openxmlformats.org/drawingml/2006/diagram" xmlns:a="http://schemas.openxmlformats.org/drawingml/2006/main" uniqueId="urn:microsoft.com/office/officeart/2005/8/layout/orgChart1">
-  <dgm:title val=""/>
-  <dgm:desc val=""/>
-  <dgm:catLst>
-    <dgm:cat type="hierarchy" pri="1000"/>
-    <dgm:cat type="convert" pri="6000"/>
-  </dgm:catLst>
-  <dgm:sampData>
-    <dgm:dataModel>
-      <dgm:ptLst>
-        <dgm:pt modelId="0" type="doc"/>
-        <dgm:pt modelId="1">
-          <dgm:prSet phldr="1"/>
-        </dgm:pt>
-        <dgm:pt modelId="2" type="asst">
-          <dgm:prSet phldr="1"/>
-        </dgm:pt>
-        <dgm:pt modelId="3">
-          <dgm:prSet phldr="1"/>
-        </dgm:pt>
-        <dgm:pt modelId="4">
-          <dgm:prSet phldr="1"/>
-        </dgm:pt>
-        <dgm:pt modelId="5">
-          <dgm:prSet phldr="1"/>
-        </dgm:pt>
-      </dgm:ptLst>
-      <dgm:cxnLst>
-        <dgm:cxn modelId="5" srcId="0" destId="1" srcOrd="0" destOrd="0"/>
-        <dgm:cxn modelId="6" srcId="1" destId="2" srcOrd="0" destOrd="0"/>
-        <dgm:cxn modelId="7" srcId="1" destId="3" srcOrd="1" destOrd="0"/>
-        <dgm:cxn modelId="8" srcId="1" destId="4" srcOrd="2" destOrd="0"/>
-        <dgm:cxn modelId="9" srcId="1" destId="5" srcOrd="3" destOrd="0"/>
-      </dgm:cxnLst>
-      <dgm:bg/>
-      <dgm:whole/>
-    </dgm:dataModel>
-  </dgm:sampData>
-  <dgm:styleData>
-    <dgm:dataModel>
-      <dgm:ptLst>
-        <dgm:pt modelId="0" type="doc"/>
-        <dgm:pt modelId="1"/>
-        <dgm:pt modelId="12"/>
-        <dgm:pt modelId="13"/>
-      </dgm:ptLst>
-      <dgm:cxnLst>
-        <dgm:cxn modelId="2" srcId="0" destId="1" srcOrd="0" destOrd="0"/>
-        <dgm:cxn modelId="16" srcId="1" destId="12" srcOrd="1" destOrd="0"/>
-        <dgm:cxn modelId="17" srcId="1" destId="13" srcOrd="2" destOrd="0"/>
-      </dgm:cxnLst>
-      <dgm:bg/>
-      <dgm:whole/>
-    </dgm:dataModel>
-  </dgm:styleData>
-  <dgm:clrData>
-    <dgm:dataModel>
-      <dgm:ptLst>
-        <dgm:pt modelId="0" type="doc"/>
-        <dgm:pt modelId="1"/>
-        <dgm:pt modelId="11" type="asst"/>
-        <dgm:pt modelId="12"/>
-        <dgm:pt modelId="13"/>
-        <dgm:pt modelId="14"/>
-      </dgm:ptLst>
-      <dgm:cxnLst>
-        <dgm:cxn modelId="2" srcId="0" destId="1" srcOrd="0" destOrd="0"/>
-        <dgm:cxn modelId="15" srcId="1" destId="11" srcOrd="0" destOrd="0"/>
-        <dgm:cxn modelId="16" srcId="1" destId="12" srcOrd="1" destOrd="0"/>
-        <dgm:cxn modelId="17" srcId="1" destId="13" srcOrd="2" destOrd="0"/>
-        <dgm:cxn modelId="18" srcId="1" destId="14" srcOrd="2" destOrd="0"/>
-      </dgm:cxnLst>
-      <dgm:bg/>
-      <dgm:whole/>
-    </dgm:dataModel>
-  </dgm:clrData>
-  <dgm:layoutNode name="hierChild1">
-    <dgm:varLst>
-      <dgm:orgChart val="1"/>
-      <dgm:chPref val="1"/>
-      <dgm:dir/>
-      <dgm:animOne val="branch"/>
-      <dgm:animLvl val="lvl"/>
-      <dgm:resizeHandles/>
-    </dgm:varLst>
-    <dgm:choose name="Name0">
-      <dgm:if name="Name1" func="var" arg="dir" op="equ" val="norm">
-        <dgm:alg type="hierChild">
-          <dgm:param type="linDir" val="fromL"/>
-        </dgm:alg>
-      </dgm:if>
-      <dgm:else name="Name2">
-        <dgm:alg type="hierChild">
-          <dgm:param type="linDir" val="fromR"/>
-        </dgm:alg>
-      </dgm:else>
-    </dgm:choose>
-    <dgm:shape xmlns:r="http://schemas.openxmlformats.org/officeDocument/2006/relationships" r:blip="">
-      <dgm:adjLst/>
-    </dgm:shape>
-    <dgm:presOf/>
-    <dgm:constrLst>
-      <dgm:constr type="w" for="des" forName="rootComposite1" refType="w" fact="10"/>
-      <dgm:constr type="h" for="des" forName="rootComposite1" refType="w" refFor="des" refForName="rootComposite1" fact="0.5"/>
-      <dgm:constr type="w" for="des" forName="rootComposite" refType="w" fact="10"/>
-      <dgm:constr type="h" for="des" forName="rootComposite" refType="w" refFor="des" refForName="rootComposite1" fact="0.5"/>
-      <dgm:constr type="w" for="des" forName="rootComposite3" refType="w" fact="10"/>
-      <dgm:constr type="h" for="des" forName="rootComposite3" refType="w" refFor="des" refForName="rootComposite1" fact="0.5"/>
-      <dgm:constr type="primFontSz" for="des" ptType="node" op="equ"/>
-      <dgm:constr type="sp" for="des" op="equ"/>
-      <dgm:constr type="sp" for="des" forName="hierRoot1" refType="w" refFor="des" refForName="rootComposite1" fact="0.21"/>
-      <dgm:constr type="sp" for="des" forName="hierRoot2" refType="sp" refFor="des" refForName="hierRoot1"/>
-      <dgm:constr type="sp" for="des" forName="hierRoot3" refType="sp" refFor="des" refForName="hierRoot1"/>
-      <dgm:constr type="sibSp" refType="w" refFor="des" refForName="rootComposite1" fact="0.21"/>
-      <dgm:constr type="sibSp" for="des" forName="hierChild2" refType="sibSp"/>
-      <dgm:constr type="sibSp" for="des" forName="hierChild3" refType="sibSp"/>
-      <dgm:constr type="sibSp" for="des" forName="hierChild4" refType="sibSp"/>
-      <dgm:constr type="sibSp" for="des" forName="hierChild5" refType="sibSp"/>
-      <dgm:constr type="sibSp" for="des" forName="hierChild6" refType="sibSp"/>
-      <dgm:constr type="sibSp" for="des" forName="hierChild7" refType="sibSp"/>
-      <dgm:constr type="secSibSp" refType="w" refFor="des" refForName="rootComposite1" fact="0.21"/>
-      <dgm:constr type="secSibSp" for="des" forName="hierChild2" refType="secSibSp"/>
-      <dgm:constr type="secSibSp" for="des" forName="hierChild3" refType="secSibSp"/>
-      <dgm:constr type="secSibSp" for="des" forName="hierChild4" refType="secSibSp"/>
-      <dgm:constr type="secSibSp" for="des" forName="hierChild5" refType="secSibSp"/>
-      <dgm:constr type="secSibSp" for="des" forName="hierChild6" refType="secSibSp"/>
-      <dgm:constr type="secSibSp" for="des" forName="hierChild7" refType="secSibSp"/>
-    </dgm:constrLst>
-    <dgm:ruleLst/>
-    <dgm:forEach name="Name3" axis="ch">
-      <dgm:forEach name="Name4" axis="self" ptType="node">
-        <dgm:layoutNode name="hierRoot1">
-          <dgm:varLst>
-            <dgm:hierBranch val="init"/>
-          </dgm:varLst>
-          <dgm:choose name="Name5">
-            <dgm:if name="Name6" func="var" arg="hierBranch" op="equ" val="l">
-              <dgm:choose name="Name7">
-                <dgm:if name="Name8" axis="ch" ptType="asst" func="cnt" op="gte" val="1">
-                  <dgm:alg type="hierRoot">
-                    <dgm:param type="hierAlign" val="tR"/>
-                  </dgm:alg>
-                  <dgm:constrLst>
-                    <dgm:constr type="alignOff" val="0.65"/>
-                  </dgm:constrLst>
-                </dgm:if>
-                <dgm:else name="Name9">
-                  <dgm:alg type="hierRoot">
-                    <dgm:param type="hierAlign" val="tR"/>
-                  </dgm:alg>
-                  <dgm:constrLst>
-                    <dgm:constr type="alignOff" val="0.25"/>
-                  </dgm:constrLst>
-                </dgm:else>
-              </dgm:choose>
-            </dgm:if>
-            <dgm:if name="Name10" func="var" arg="hierBranch" op="equ" val="r">
-              <dgm:choose name="Name11">
-                <dgm:if name="Name12" axis="ch" ptType="asst" func="cnt" op="gte" val="1">
-                  <dgm:alg type="hierRoot">
-                    <dgm:param type="hierAlign" val="tL"/>
-                  </dgm:alg>
-                  <dgm:constrLst>
-                    <dgm:constr type="alignOff" val="0.65"/>
-                  </dgm:constrLst>
-                </dgm:if>
-                <dgm:else name="Name13">
-                  <dgm:alg type="hierRoot">
-                    <dgm:param type="hierAlign" val="tL"/>
-                  </dgm:alg>
-                  <dgm:constrLst>
-                    <dgm:constr type="alignOff" val="0.25"/>
-                  </dgm:constrLst>
-                </dgm:else>
-              </dgm:choose>
-            </dgm:if>
-            <dgm:if name="Name14" func="var" arg="hierBranch" op="equ" val="hang">
-              <dgm:alg type="hierRoot"/>
-              <dgm:constrLst>
-                <dgm:constr type="alignOff" val="0.65"/>
-              </dgm:constrLst>
-            </dgm:if>
-            <dgm:else name="Name15">
-              <dgm:alg type="hierRoot"/>
-              <dgm:constrLst>
-                <dgm:constr type="alignOff"/>
-                <dgm:constr type="bendDist" for="des" ptType="parTrans" refType="sp" fact="0.5"/>
-              </dgm:constrLst>
-            </dgm:else>
-          </dgm:choose>
-          <dgm:shape xmlns:r="http://schemas.openxmlformats.org/officeDocument/2006/relationships" r:blip="">
-            <dgm:adjLst/>
-          </dgm:shape>
-          <dgm:presOf/>
-          <dgm:ruleLst/>
-          <dgm:layoutNode name="rootComposite1">
-            <dgm:alg type="composite"/>
-            <dgm:shape xmlns:r="http://schemas.openxmlformats.org/officeDocument/2006/relationships" r:blip="">
-              <dgm:adjLst/>
-            </dgm:shape>
-            <dgm:presOf axis="self" ptType="node" cnt="1"/>
-            <dgm:choose name="Name16">
-              <dgm:if name="Name17" func="var" arg="hierBranch" op="equ" val="init">
-                <dgm:constrLst>
-                  <dgm:constr type="l" for="ch" forName="rootText1"/>
-                  <dgm:constr type="t" for="ch" forName="rootText1"/>
-                  <dgm:constr type="w" for="ch" forName="rootText1" refType="w"/>
-                  <dgm:constr type="h" for="ch" forName="rootText1" refType="h"/>
-                  <dgm:constr type="l" for="ch" forName="rootConnector1"/>
-                  <dgm:constr type="t" for="ch" forName="rootConnector1"/>
-                  <dgm:constr type="w" for="ch" forName="rootConnector1" refType="w" refFor="ch" refForName="rootText1" fact="0.2"/>
-                  <dgm:constr type="h" for="ch" forName="rootConnector1" refType="h" refFor="ch" refForName="rootText1"/>
-                </dgm:constrLst>
-              </dgm:if>
-              <dgm:if name="Name18" func="var" arg="hierBranch" op="equ" val="l">
-                <dgm:constrLst>
-                  <dgm:constr type="l" for="ch" forName="rootText1"/>
-                  <dgm:constr type="t" for="ch" forName="rootText1"/>
-                  <dgm:constr type="w" for="ch" forName="rootText1" refType="w"/>
-                  <dgm:constr type="h" for="ch" forName="rootText1" refType="h"/>
-                  <dgm:constr type="r" for="ch" forName="rootConnector1" refType="w"/>
-                  <dgm:constr type="t" for="ch" forName="rootConnector1"/>
-                  <dgm:constr type="w" for="ch" forName="rootConnector1" refType="w" refFor="ch" refForName="rootText1" fact="0.2"/>
-                  <dgm:constr type="h" for="ch" forName="rootConnector1" refType="h" refFor="ch" refForName="rootText1"/>
-                </dgm:constrLst>
-              </dgm:if>
-              <dgm:if name="Name19" func="var" arg="hierBranch" op="equ" val="r">
-                <dgm:constrLst>
-                  <dgm:constr type="l" for="ch" forName="rootText1"/>
-                  <dgm:constr type="t" for="ch" forName="rootText1"/>
-                  <dgm:constr type="w" for="ch" forName="rootText1" refType="w"/>
-                  <dgm:constr type="h" for="ch" forName="rootText1" refType="h"/>
-                  <dgm:constr type="l" for="ch" forName="rootConnector1"/>
-                  <dgm:constr type="t" for="ch" forName="rootConnector1"/>
-                  <dgm:constr type="w" for="ch" forName="rootConnector1" refType="w" refFor="ch" refForName="rootText1" fact="0.2"/>
-                  <dgm:constr type="h" for="ch" forName="rootConnector1" refType="h" refFor="ch" refForName="rootText1"/>
-                </dgm:constrLst>
-              </dgm:if>
-              <dgm:else name="Name20">
-                <dgm:constrLst>
-                  <dgm:constr type="l" for="ch" forName="rootText1"/>
-                  <dgm:constr type="t" for="ch" forName="rootText1"/>
-                  <dgm:constr type="w" for="ch" forName="rootText1" refType="w"/>
-                  <dgm:constr type="h" for="ch" forName="rootText1" refType="h"/>
-                  <dgm:constr type="r" for="ch" forName="rootConnector1" refType="w"/>
-                  <dgm:constr type="t" for="ch" forName="rootConnector1"/>
-                  <dgm:constr type="w" for="ch" forName="rootConnector1" refType="w" refFor="ch" refForName="rootText1" fact="0.2"/>
-                  <dgm:constr type="h" for="ch" forName="rootConnector1" refType="h" refFor="ch" refForName="rootText1"/>
-                </dgm:constrLst>
-              </dgm:else>
-            </dgm:choose>
-            <dgm:ruleLst/>
-            <dgm:layoutNode name="rootText1" styleLbl="node0">
-              <dgm:varLst>
-                <dgm:chPref val="3"/>
-              </dgm:varLst>
-              <dgm:alg type="tx"/>
-              <dgm:shape xmlns:r="http://schemas.openxmlformats.org/officeDocument/2006/relationships" type="rect" r:blip="">
-                <dgm:adjLst/>
-              </dgm:shape>
-              <dgm:presOf axis="self" ptType="node" cnt="1"/>
-              <dgm:constrLst>
-                <dgm:constr type="primFontSz" val="65"/>
-                <dgm:constr type="lMarg" refType="primFontSz" fact="0.05"/>
-                <dgm:constr type="rMarg" refType="primFontSz" fact="0.05"/>
-                <dgm:constr type="tMarg" refType="primFontSz" fact="0.05"/>
-                <dgm:constr type="bMarg" refType="primFontSz" fact="0.05"/>
-              </dgm:constrLst>
-              <dgm:ruleLst>
-                <dgm:rule type="primFontSz" val="5" fact="NaN" max="NaN"/>
-              </dgm:ruleLst>
-            </dgm:layoutNode>
-            <dgm:layoutNode name="rootConnector1" moveWith="rootText1">
-              <dgm:alg type="sp"/>
-              <dgm:shape xmlns:r="http://schemas.openxmlformats.org/officeDocument/2006/relationships" type="rect" r:blip="" hideGeom="1">
-                <dgm:adjLst/>
-              </dgm:shape>
-              <dgm:presOf axis="self" ptType="node" cnt="1"/>
-              <dgm:constrLst/>
-              <dgm:ruleLst/>
-            </dgm:layoutNode>
-          </dgm:layoutNode>
-          <dgm:layoutNode name="hierChild2">
-            <dgm:choose name="Name21">
-              <dgm:if name="Name22" func="var" arg="hierBranch" op="equ" val="l">
-                <dgm:alg type="hierChild">
-                  <dgm:param type="chAlign" val="r"/>
-                  <dgm:param type="linDir" val="fromT"/>
-                </dgm:alg>
-              </dgm:if>
-              <dgm:if name="Name23" func="var" arg="hierBranch" op="equ" val="r">
-                <dgm:alg type="hierChild">
-                  <dgm:param type="chAlign" val="l"/>
-                  <dgm:param type="linDir" val="fromT"/>
-                </dgm:alg>
-              </dgm:if>
-              <dgm:if name="Name24" func="var" arg="hierBranch" op="equ" val="hang">
-                <dgm:choose name="Name25">
-                  <dgm:if name="Name26" func="var" arg="dir" op="equ" val="norm">
-                    <dgm:alg type="hierChild">
-                      <dgm:param type="chAlign" val="l"/>
-                      <dgm:param type="linDir" val="fromL"/>
-                      <dgm:param type="secChAlign" val="t"/>
-                      <dgm:param type="secLinDir" val="fromT"/>
-                    </dgm:alg>
-                  </dgm:if>
-                  <dgm:else name="Name27">
-                    <dgm:alg type="hierChild">
-                      <dgm:param type="chAlign" val="l"/>
-                      <dgm:param type="linDir" val="fromR"/>
-                      <dgm:param type="secChAlign" val="t"/>
-                      <dgm:param type="secLinDir" val="fromT"/>
-                    </dgm:alg>
-                  </dgm:else>
-                </dgm:choose>
-              </dgm:if>
-              <dgm:else name="Name28">
-                <dgm:choose name="Name29">
-                  <dgm:if name="Name30" func="var" arg="dir" op="equ" val="norm">
-                    <dgm:alg type="hierChild"/>
-                  </dgm:if>
-                  <dgm:else name="Name31">
-                    <dgm:alg type="hierChild">
-                      <dgm:param type="linDir" val="fromR"/>
-                    </dgm:alg>
-                  </dgm:else>
-                </dgm:choose>
-              </dgm:else>
-            </dgm:choose>
-            <dgm:shape xmlns:r="http://schemas.openxmlformats.org/officeDocument/2006/relationships" r:blip="">
-              <dgm:adjLst/>
-            </dgm:shape>
-            <dgm:presOf/>
-            <dgm:constrLst/>
-            <dgm:ruleLst/>
-            <dgm:forEach name="rep2a" axis="ch" ptType="nonAsst">
-              <dgm:forEach name="Name32" axis="precedSib" ptType="parTrans" st="-1" cnt="1">
-                <dgm:choose name="Name33">
-                  <dgm:if name="Name34" func="var" arg="hierBranch" op="equ" val="std">
-                    <dgm:layoutNode name="Name35">
-                      <dgm:alg type="conn">
-                        <dgm:param type="connRout" val="bend"/>
-                        <dgm:param type="dim" val="1D"/>
-                        <dgm:param type="endSty" val="noArr"/>
-                        <dgm:param type="begPts" val="bCtr"/>
-                        <dgm:param type="endPts" val="tCtr"/>
-                        <dgm:param type="bendPt" val="end"/>
-                      </dgm:alg>
-                      <dgm:shape xmlns:r="http://schemas.openxmlformats.org/officeDocument/2006/relationships" type="conn" r:blip="" zOrderOff="-99999">
-                        <dgm:adjLst/>
-                      </dgm:shape>
-                      <dgm:presOf axis="self"/>
-                      <dgm:constrLst>
-                        <dgm:constr type="begPad"/>
-                        <dgm:constr type="endPad"/>
-                      </dgm:constrLst>
-                      <dgm:ruleLst/>
-                    </dgm:layoutNode>
-                  </dgm:if>
-                  <dgm:if name="Name36" func="var" arg="hierBranch" op="equ" val="init">
-                    <dgm:layoutNode name="Name37">
-                      <dgm:choose name="Name38">
-                        <dgm:if name="Name39" axis="self" func="depth" op="lte" val="2">
-                          <dgm:alg type="conn">
-                            <dgm:param type="connRout" val="bend"/>
-                            <dgm:param type="dim" val="1D"/>
-                            <dgm:param type="endSty" val="noArr"/>
-                            <dgm:param type="begPts" val="bCtr"/>
-                            <dgm:param type="endPts" val="tCtr"/>
-                            <dgm:param type="bendPt" val="end"/>
-                          </dgm:alg>
-                        </dgm:if>
-                        <dgm:else name="Name40">
-                          <dgm:choose name="Name41">
-                            <dgm:if name="Name42" axis="par des" func="maxDepth" op="lte" val="1">
-                              <dgm:choose name="Name43">
-                                <dgm:if name="Name44" axis="par ch" ptType="node asst" func="cnt" op="gte" val="1">
-                                  <dgm:alg type="conn">
-                                    <dgm:param type="connRout" val="bend"/>
-                                    <dgm:param type="dim" val="1D"/>
-                                    <dgm:param type="endSty" val="noArr"/>
-                                    <dgm:param type="begPts" val="bCtr"/>
-                                    <dgm:param type="endPts" val="midL midR"/>
-                                  </dgm:alg>
-                                </dgm:if>
-                                <dgm:else name="Name45">
-                                  <dgm:alg type="conn">
-                                    <dgm:param type="connRout" val="bend"/>
-                                    <dgm:param type="dim" val="1D"/>
-                                    <dgm:param type="endSty" val="noArr"/>
-                                    <dgm:param type="begPts" val="bCtr"/>
-                                    <dgm:param type="endPts" val="midL midR"/>
-                                    <dgm:param type="srcNode" val="rootConnector"/>
-                                  </dgm:alg>
-                                </dgm:else>
-                              </dgm:choose>
-                            </dgm:if>
-                            <dgm:else name="Name46">
-                              <dgm:alg type="conn">
-                                <dgm:param type="connRout" val="bend"/>
-                                <dgm:param type="dim" val="1D"/>
-                                <dgm:param type="endSty" val="noArr"/>
-                                <dgm:param type="begPts" val="bCtr"/>
-                                <dgm:param type="endPts" val="tCtr"/>
-                                <dgm:param type="bendPt" val="end"/>
-                              </dgm:alg>
-                            </dgm:else>
-                          </dgm:choose>
-                        </dgm:else>
-                      </dgm:choose>
-                      <dgm:shape xmlns:r="http://schemas.openxmlformats.org/officeDocument/2006/relationships" type="conn" r:blip="" zOrderOff="-99999">
-                        <dgm:adjLst/>
-                      </dgm:shape>
-                      <dgm:presOf axis="self"/>
-                      <dgm:constrLst>
-                        <dgm:constr type="begPad"/>
-                        <dgm:constr type="endPad"/>
-                      </dgm:constrLst>
-                      <dgm:ruleLst/>
-                    </dgm:layoutNode>
-                  </dgm:if>
-                  <dgm:if name="Name47" func="var" arg="hierBranch" op="equ" val="hang">
-                    <dgm:layoutNode name="Name48">
-                      <dgm:alg type="conn">
-                        <dgm:param type="connRout" val="bend"/>
-                        <dgm:param type="dim" val="1D"/>
-                        <dgm:param type="endSty" val="noArr"/>
-                        <dgm:param type="begPts" val="bCtr"/>
-                        <dgm:param type="endPts" val="midL midR"/>
-                      </dgm:alg>
-                      <dgm:shape xmlns:r="http://schemas.openxmlformats.org/officeDocument/2006/relationships" type="conn" r:blip="" zOrderOff="-99999">
-                        <dgm:adjLst/>
-                      </dgm:shape>
-                      <dgm:presOf axis="self"/>
-                      <dgm:constrLst>
-                        <dgm:constr type="begPad"/>
-                        <dgm:constr type="endPad"/>
-                      </dgm:constrLst>
-                      <dgm:ruleLst/>
-                    </dgm:layoutNode>
-                  </dgm:if>
-                  <dgm:else name="Name49">
-                    <dgm:layoutNode name="Name50">
-                      <dgm:choose name="Name51">
-                        <dgm:if name="Name52" axis="self" func="depth" op="lte" val="2">
-                          <dgm:choose name="Name53">
-                            <dgm:if name="Name54" axis="par ch" ptType="node asst" func="cnt" op="gte" val="1">
-                              <dgm:alg type="conn">
-                                <dgm:param type="connRout" val="bend"/>
-                                <dgm:param type="dim" val="1D"/>
-                                <dgm:param type="endSty" val="noArr"/>
-                                <dgm:param type="begPts" val="bCtr"/>
-                                <dgm:param type="endPts" val="midL midR"/>
-                              </dgm:alg>
-                            </dgm:if>
-                            <dgm:else name="Name55">
-                              <dgm:alg type="conn">
-                                <dgm:param type="connRout" val="bend"/>
-                                <dgm:param type="dim" val="1D"/>
-                                <dgm:param type="endSty" val="noArr"/>
-                                <dgm:param type="begPts" val="bCtr"/>
-                                <dgm:param type="endPts" val="midL midR"/>
-                                <dgm:param type="srcNode" val="rootConnector1"/>
-                              </dgm:alg>
-                            </dgm:else>
-                          </dgm:choose>
-                        </dgm:if>
-                        <dgm:else name="Name56">
-                          <dgm:choose name="Name57">
-                            <dgm:if name="Name58" axis="par ch" ptType="node asst" func="cnt" op="gte" val="1">
-                              <dgm:alg type="conn">
-                                <dgm:param type="connRout" val="bend"/>
-                                <dgm:param type="dim" val="1D"/>
-                                <dgm:param type="endSty" val="noArr"/>
-                                <dgm:param type="begPts" val="bCtr"/>
-                                <dgm:param type="endPts" val="midL midR"/>
-                              </dgm:alg>
-                            </dgm:if>
-                            <dgm:else name="Name59">
-                              <dgm:alg type="conn">
-                                <dgm:param type="connRout" val="bend"/>
-                                <dgm:param type="dim" val="1D"/>
-                                <dgm:param type="endSty" val="noArr"/>
-                                <dgm:param type="begPts" val="bCtr"/>
-                                <dgm:param type="endPts" val="midL midR"/>
-                                <dgm:param type="srcNode" val="rootConnector"/>
-                              </dgm:alg>
-                            </dgm:else>
-                          </dgm:choose>
-                        </dgm:else>
-                      </dgm:choose>
-                      <dgm:shape xmlns:r="http://schemas.openxmlformats.org/officeDocument/2006/relationships" type="conn" r:blip="" zOrderOff="-99999">
-                        <dgm:adjLst/>
-                      </dgm:shape>
-                      <dgm:presOf axis="self"/>
-                      <dgm:constrLst>
-                        <dgm:constr type="begPad"/>
-                        <dgm:constr type="endPad"/>
-                      </dgm:constrLst>
-                      <dgm:ruleLst/>
-                    </dgm:layoutNode>
-                  </dgm:else>
-                </dgm:choose>
-              </dgm:forEach>
-              <dgm:layoutNode name="hierRoot2">
-                <dgm:varLst>
-                  <dgm:hierBranch val="init"/>
-                </dgm:varLst>
-                <dgm:choose name="Name60">
-                  <dgm:if name="Name61" func="var" arg="hierBranch" op="equ" val="l">
-                    <dgm:choose name="Name62">
-                      <dgm:if name="Name63" axis="ch" ptType="asst" func="cnt" op="gte" val="1">
-                        <dgm:alg type="hierRoot">
-                          <dgm:param type="hierAlign" val="tR"/>
-                        </dgm:alg>
-                        <dgm:shape xmlns:r="http://schemas.openxmlformats.org/officeDocument/2006/relationships" r:blip="">
-                          <dgm:adjLst/>
-                        </dgm:shape>
-                        <dgm:presOf/>
-                        <dgm:constrLst>
-                          <dgm:constr type="alignOff" val="0.65"/>
-                        </dgm:constrLst>
-                      </dgm:if>
-                      <dgm:else name="Name64">
-                        <dgm:alg type="hierRoot">
-                          <dgm:param type="hierAlign" val="tR"/>
-                        </dgm:alg>
-                        <dgm:shape xmlns:r="http://schemas.openxmlformats.org/officeDocument/2006/relationships" r:blip="">
-                          <dgm:adjLst/>
-                        </dgm:shape>
-                        <dgm:presOf/>
-                        <dgm:constrLst>
-                          <dgm:constr type="alignOff" val="0.25"/>
-                        </dgm:constrLst>
-                      </dgm:else>
-                    </dgm:choose>
-                  </dgm:if>
-                  <dgm:if name="Name65" func="var" arg="hierBranch" op="equ" val="r">
-                    <dgm:choose name="Name66">
-                      <dgm:if name="Name67" axis="ch" ptType="asst" func="cnt" op="gte" val="1">
-                        <dgm:alg type="hierRoot">
-                          <dgm:param type="hierAlign" val="tL"/>
-                        </dgm:alg>
-                        <dgm:shape xmlns:r="http://schemas.openxmlformats.org/officeDocument/2006/relationships" r:blip="">
-                          <dgm:adjLst/>
-                        </dgm:shape>
-                        <dgm:presOf/>
-                        <dgm:constrLst>
-                          <dgm:constr type="alignOff" val="0.65"/>
-                        </dgm:constrLst>
-                      </dgm:if>
-                      <dgm:else name="Name68">
-                        <dgm:alg type="hierRoot">
-                          <dgm:param type="hierAlign" val="tL"/>
-                        </dgm:alg>
-                        <dgm:shape xmlns:r="http://schemas.openxmlformats.org/officeDocument/2006/relationships" r:blip="">
-                          <dgm:adjLst/>
-                        </dgm:shape>
-                        <dgm:presOf/>
-                        <dgm:constrLst>
-                          <dgm:constr type="alignOff" val="0.25"/>
-                        </dgm:constrLst>
-                      </dgm:else>
-                    </dgm:choose>
-                  </dgm:if>
-                  <dgm:if name="Name69" func="var" arg="hierBranch" op="equ" val="std">
-                    <dgm:alg type="hierRoot"/>
-                    <dgm:shape xmlns:r="http://schemas.openxmlformats.org/officeDocument/2006/relationships" r:blip="">
-                      <dgm:adjLst/>
-                    </dgm:shape>
-                    <dgm:presOf/>
-                    <dgm:constrLst>
-                      <dgm:constr type="alignOff"/>
-                      <dgm:constr type="bendDist" for="des" ptType="parTrans" refType="sp" fact="0.5"/>
-                    </dgm:constrLst>
-                  </dgm:if>
-                  <dgm:if name="Name70" func="var" arg="hierBranch" op="equ" val="init">
-                    <dgm:choose name="Name71">
-                      <dgm:if name="Name72" axis="des" func="maxDepth" op="lte" val="1">
-                        <dgm:choose name="Name73">
-                          <dgm:if name="Name74" axis="ch" ptType="asst" func="cnt" op="gte" val="1">
-                            <dgm:alg type="hierRoot">
-                              <dgm:param type="hierAlign" val="tL"/>
-                            </dgm:alg>
-                            <dgm:shape xmlns:r="http://schemas.openxmlformats.org/officeDocument/2006/relationships" r:blip="">
-                              <dgm:adjLst/>
-                            </dgm:shape>
-                            <dgm:presOf/>
-                            <dgm:constrLst>
-                              <dgm:constr type="alignOff" val="0.65"/>
-                            </dgm:constrLst>
-                          </dgm:if>
-                          <dgm:else name="Name75">
-                            <dgm:alg type="hierRoot">
-                              <dgm:param type="hierAlign" val="tL"/>
-                            </dgm:alg>
-                            <dgm:shape xmlns:r="http://schemas.openxmlformats.org/officeDocument/2006/relationships" r:blip="">
-                              <dgm:adjLst/>
-                            </dgm:shape>
-                            <dgm:presOf/>
-                            <dgm:constrLst>
-                              <dgm:constr type="alignOff" val="0.25"/>
-                            </dgm:constrLst>
-                          </dgm:else>
-                        </dgm:choose>
-                      </dgm:if>
-                      <dgm:else name="Name76">
-                        <dgm:alg type="hierRoot"/>
-                        <dgm:shape xmlns:r="http://schemas.openxmlformats.org/officeDocument/2006/relationships" r:blip="">
-                          <dgm:adjLst/>
-                        </dgm:shape>
-                        <dgm:presOf/>
-                        <dgm:constrLst>
-                          <dgm:constr type="alignOff"/>
-                          <dgm:constr type="bendDist" for="des" ptType="parTrans" refType="sp" fact="0.5"/>
-                        </dgm:constrLst>
-                      </dgm:else>
-                    </dgm:choose>
-                  </dgm:if>
-                  <dgm:else name="Name77">
-                    <dgm:alg type="hierRoot"/>
-                    <dgm:shape xmlns:r="http://schemas.openxmlformats.org/officeDocument/2006/relationships" r:blip="">
-                      <dgm:adjLst/>
-                    </dgm:shape>
-                    <dgm:presOf/>
-                    <dgm:constrLst>
-                      <dgm:constr type="alignOff" val="0.65"/>
-                    </dgm:constrLst>
-                  </dgm:else>
-                </dgm:choose>
-                <dgm:ruleLst/>
-                <dgm:layoutNode name="rootComposite">
-                  <dgm:alg type="composite"/>
-                  <dgm:shape xmlns:r="http://schemas.openxmlformats.org/officeDocument/2006/relationships" r:blip="">
-                    <dgm:adjLst/>
-                  </dgm:shape>
-                  <dgm:presOf axis="self" ptType="node" cnt="1"/>
-                  <dgm:choose name="Name78">
-                    <dgm:if name="Name79" func="var" arg="hierBranch" op="equ" val="init">
-                      <dgm:constrLst>
-                        <dgm:constr type="l" for="ch" forName="rootText"/>
-                        <dgm:constr type="t" for="ch" forName="rootText"/>
-                        <dgm:constr type="w" for="ch" forName="rootText" refType="w"/>
-                        <dgm:constr type="h" for="ch" forName="rootText" refType="h"/>
-                        <dgm:constr type="l" for="ch" forName="rootConnector"/>
-                        <dgm:constr type="t" for="ch" forName="rootConnector"/>
-                        <dgm:constr type="w" for="ch" forName="rootConnector" refType="w" refFor="ch" refForName="rootText" fact="0.2"/>
-                        <dgm:constr type="h" for="ch" forName="rootConnector" refType="h" refFor="ch" refForName="rootText"/>
-                      </dgm:constrLst>
-                    </dgm:if>
-                    <dgm:if name="Name80" func="var" arg="hierBranch" op="equ" val="l">
-                      <dgm:constrLst>
-                        <dgm:constr type="l" for="ch" forName="rootText"/>
-                        <dgm:constr type="t" for="ch" forName="rootText"/>
-                        <dgm:constr type="w" for="ch" forName="rootText" refType="w"/>
-                        <dgm:constr type="h" for="ch" forName="rootText" refType="h"/>
-                        <dgm:constr type="r" for="ch" forName="rootConnector" refType="w"/>
-                        <dgm:constr type="t" for="ch" forName="rootConnector"/>
-                        <dgm:constr type="w" for="ch" forName="rootConnector" refType="w" refFor="ch" refForName="rootText" fact="0.2"/>
-                        <dgm:constr type="h" for="ch" forName="rootConnector" refType="h" refFor="ch" refForName="rootText"/>
-                      </dgm:constrLst>
-                    </dgm:if>
-                    <dgm:if name="Name81" func="var" arg="hierBranch" op="equ" val="r">
-                      <dgm:constrLst>
-                        <dgm:constr type="l" for="ch" forName="rootText"/>
-                        <dgm:constr type="t" for="ch" forName="rootText"/>
-                        <dgm:constr type="w" for="ch" forName="rootText" refType="w"/>
-                        <dgm:constr type="h" for="ch" forName="rootText" refType="h"/>
-                        <dgm:constr type="l" for="ch" forName="rootConnector"/>
-                        <dgm:constr type="t" for="ch" forName="rootConnector"/>
-                        <dgm:constr type="w" for="ch" forName="rootConnector" refType="w" refFor="ch" refForName="rootText" fact="0.2"/>
-                        <dgm:constr type="h" for="ch" forName="rootConnector" refType="h" refFor="ch" refForName="rootText"/>
-                      </dgm:constrLst>
-                    </dgm:if>
-                    <dgm:else name="Name82">
-                      <dgm:constrLst>
-                        <dgm:constr type="l" for="ch" forName="rootText"/>
-                        <dgm:constr type="t" for="ch" forName="rootText"/>
-                        <dgm:constr type="w" for="ch" forName="rootText" refType="w"/>
-                        <dgm:constr type="h" for="ch" forName="rootText" refType="h"/>
-                        <dgm:constr type="r" for="ch" forName="rootConnector" refType="w"/>
-                        <dgm:constr type="t" for="ch" forName="rootConnector"/>
-                        <dgm:constr type="w" for="ch" forName="rootConnector" refType="w" refFor="ch" refForName="rootText" fact="0.2"/>
-                        <dgm:constr type="h" for="ch" forName="rootConnector" refType="h" refFor="ch" refForName="rootText"/>
-                      </dgm:constrLst>
-                    </dgm:else>
-                  </dgm:choose>
-                  <dgm:ruleLst/>
-                  <dgm:layoutNode name="rootText">
-                    <dgm:varLst>
-                      <dgm:chPref val="3"/>
-                    </dgm:varLst>
-                    <dgm:alg type="tx"/>
-                    <dgm:shape xmlns:r="http://schemas.openxmlformats.org/officeDocument/2006/relationships" type="rect" r:blip="">
-                      <dgm:adjLst/>
-                    </dgm:shape>
-                    <dgm:presOf axis="self" ptType="node" cnt="1"/>
-                    <dgm:constrLst>
-                      <dgm:constr type="primFontSz" val="65"/>
-                      <dgm:constr type="lMarg" refType="primFontSz" fact="0.05"/>
-                      <dgm:constr type="rMarg" refType="primFontSz" fact="0.05"/>
-                      <dgm:constr type="tMarg" refType="primFontSz" fact="0.05"/>
-                      <dgm:constr type="bMarg" refType="primFontSz" fact="0.05"/>
-                    </dgm:constrLst>
-                    <dgm:ruleLst>
-                      <dgm:rule type="primFontSz" val="5" fact="NaN" max="NaN"/>
-                    </dgm:ruleLst>
-                  </dgm:layoutNode>
-                  <dgm:layoutNode name="rootConnector" moveWith="rootText">
-                    <dgm:alg type="sp"/>
-                    <dgm:shape xmlns:r="http://schemas.openxmlformats.org/officeDocument/2006/relationships" type="rect" r:blip="" hideGeom="1">
-                      <dgm:adjLst/>
-                    </dgm:shape>
-                    <dgm:presOf axis="self" ptType="node" cnt="1"/>
-                    <dgm:constrLst/>
-                    <dgm:ruleLst/>
-                  </dgm:layoutNode>
-                </dgm:layoutNode>
-                <dgm:layoutNode name="hierChild4">
-                  <dgm:choose name="Name83">
-                    <dgm:if name="Name84" func="var" arg="hierBranch" op="equ" val="l">
-                      <dgm:alg type="hierChild">
-                        <dgm:param type="chAlign" val="r"/>
-                        <dgm:param type="linDir" val="fromT"/>
-                      </dgm:alg>
-                    </dgm:if>
-                    <dgm:if name="Name85" func="var" arg="hierBranch" op="equ" val="r">
-                      <dgm:alg type="hierChild">
-                        <dgm:param type="chAlign" val="l"/>
-                        <dgm:param type="linDir" val="fromT"/>
-                      </dgm:alg>
-                    </dgm:if>
-                    <dgm:if name="Name86" func="var" arg="hierBranch" op="equ" val="hang">
-                      <dgm:choose name="Name87">
-                        <dgm:if name="Name88" func="var" arg="dir" op="equ" val="norm">
-                          <dgm:alg type="hierChild">
-                            <dgm:param type="chAlign" val="l"/>
-                            <dgm:param type="linDir" val="fromL"/>
-                            <dgm:param type="secChAlign" val="t"/>
-                            <dgm:param type="secLinDir" val="fromT"/>
-                          </dgm:alg>
-                        </dgm:if>
-                        <dgm:else name="Name89">
-                          <dgm:alg type="hierChild">
-                            <dgm:param type="chAlign" val="l"/>
-                            <dgm:param type="linDir" val="fromR"/>
-                            <dgm:param type="secChAlign" val="t"/>
-                            <dgm:param type="secLinDir" val="fromT"/>
-                          </dgm:alg>
-                        </dgm:else>
-                      </dgm:choose>
-                    </dgm:if>
-                    <dgm:if name="Name90" func="var" arg="hierBranch" op="equ" val="std">
-                      <dgm:choose name="Name91">
-                        <dgm:if name="Name92" func="var" arg="dir" op="equ" val="norm">
-                          <dgm:alg type="hierChild"/>
-                        </dgm:if>
-                        <dgm:else name="Name93">
-                          <dgm:alg type="hierChild">
-                            <dgm:param type="linDir" val="fromR"/>
-                          </dgm:alg>
-                        </dgm:else>
-                      </dgm:choose>
-                    </dgm:if>
-                    <dgm:if name="Name94" func="var" arg="hierBranch" op="equ" val="init">
-                      <dgm:choose name="Name95">
-                        <dgm:if name="Name96" axis="des" func="maxDepth" op="lte" val="1">
-                          <dgm:alg type="hierChild">
-                            <dgm:param type="chAlign" val="l"/>
-                            <dgm:param type="linDir" val="fromT"/>
-                          </dgm:alg>
-                        </dgm:if>
-                        <dgm:else name="Name97">
-                          <dgm:choose name="Name98">
-                            <dgm:if name="Name99" func="var" arg="dir" op="equ" val="norm">
-                              <dgm:alg type="hierChild"/>
-                            </dgm:if>
-                            <dgm:else name="Name100">
-                              <dgm:alg type="hierChild">
-                                <dgm:param type="linDir" val="fromR"/>
-                              </dgm:alg>
-                            </dgm:else>
-                          </dgm:choose>
-                        </dgm:else>
-                      </dgm:choose>
-                    </dgm:if>
-                    <dgm:else name="Name101"/>
-                  </dgm:choose>
-                  <dgm:shape xmlns:r="http://schemas.openxmlformats.org/officeDocument/2006/relationships" r:blip="">
-                    <dgm:adjLst/>
-                  </dgm:shape>
-                  <dgm:presOf/>
-                  <dgm:constrLst/>
-                  <dgm:ruleLst/>
-                  <dgm:forEach name="Name102" ref="rep2a"/>
-                </dgm:layoutNode>
-                <dgm:layoutNode name="hierChild5">
-                  <dgm:choose name="Name103">
-                    <dgm:if name="Name104" func="var" arg="dir" op="equ" val="norm">
-                      <dgm:alg type="hierChild">
-                        <dgm:param type="chAlign" val="l"/>
-                        <dgm:param type="linDir" val="fromL"/>
-                        <dgm:param type="secChAlign" val="t"/>
-                        <dgm:param type="secLinDir" val="fromT"/>
-                      </dgm:alg>
-                    </dgm:if>
-                    <dgm:else name="Name105">
-                      <dgm:alg type="hierChild">
-                        <dgm:param type="chAlign" val="l"/>
-                        <dgm:param type="linDir" val="fromR"/>
-                        <dgm:param type="secChAlign" val="t"/>
-                        <dgm:param type="secLinDir" val="fromT"/>
-                      </dgm:alg>
-                    </dgm:else>
-                  </dgm:choose>
-                  <dgm:shape xmlns:r="http://schemas.openxmlformats.org/officeDocument/2006/relationships" r:blip="">
-                    <dgm:adjLst/>
-                  </dgm:shape>
-                  <dgm:presOf/>
-                  <dgm:constrLst/>
-                  <dgm:ruleLst/>
-                  <dgm:forEach name="Name106" ref="rep2b"/>
-                </dgm:layoutNode>
-              </dgm:layoutNode>
-            </dgm:forEach>
-          </dgm:layoutNode>
-          <dgm:layoutNode name="hierChild3">
-            <dgm:choose name="Name107">
-              <dgm:if name="Name108" func="var" arg="dir" op="equ" val="norm">
-                <dgm:alg type="hierChild">
-                  <dgm:param type="chAlign" val="l"/>
-                  <dgm:param type="linDir" val="fromL"/>
-                  <dgm:param type="secChAlign" val="t"/>
-                  <dgm:param type="secLinDir" val="fromT"/>
-                </dgm:alg>
-              </dgm:if>
-              <dgm:else name="Name109">
-                <dgm:alg type="hierChild">
-                  <dgm:param type="chAlign" val="l"/>
-                  <dgm:param type="linDir" val="fromR"/>
-                  <dgm:param type="secChAlign" val="t"/>
-                  <dgm:param type="secLinDir" val="fromT"/>
-                </dgm:alg>
-              </dgm:else>
-            </dgm:choose>
-            <dgm:shape xmlns:r="http://schemas.openxmlformats.org/officeDocument/2006/relationships" r:blip="">
-              <dgm:adjLst/>
-            </dgm:shape>
-            <dgm:presOf/>
-            <dgm:constrLst/>
-            <dgm:ruleLst/>
-            <dgm:forEach name="rep2b" axis="ch" ptType="asst">
-              <dgm:forEach name="Name110" axis="precedSib" ptType="parTrans" st="-1" cnt="1">
-                <dgm:layoutNode name="Name111">
-                  <dgm:alg type="conn">
-                    <dgm:param type="connRout" val="bend"/>
-                    <dgm:param type="dim" val="1D"/>
-                    <dgm:param type="endSty" val="noArr"/>
-                    <dgm:param type="begPts" val="bCtr"/>
-                    <dgm:param type="endPts" val="midL midR"/>
-                  </dgm:alg>
-                  <dgm:shape xmlns:r="http://schemas.openxmlformats.org/officeDocument/2006/relationships" type="conn" r:blip="" zOrderOff="-99999">
-                    <dgm:adjLst/>
-                  </dgm:shape>
-                  <dgm:presOf axis="self"/>
-                  <dgm:constrLst>
-                    <dgm:constr type="begPad"/>
-                    <dgm:constr type="endPad"/>
-                  </dgm:constrLst>
-                  <dgm:ruleLst/>
-                </dgm:layoutNode>
-              </dgm:forEach>
-              <dgm:layoutNode name="hierRoot3">
-                <dgm:varLst>
-                  <dgm:hierBranch val="init"/>
-                </dgm:varLst>
-                <dgm:choose name="Name112">
-                  <dgm:if name="Name113" func="var" arg="hierBranch" op="equ" val="l">
-                    <dgm:alg type="hierRoot">
-                      <dgm:param type="hierAlign" val="tR"/>
-                    </dgm:alg>
-                    <dgm:shape xmlns:r="http://schemas.openxmlformats.org/officeDocument/2006/relationships" r:blip="">
-                      <dgm:adjLst/>
-                    </dgm:shape>
-                    <dgm:presOf/>
-                    <dgm:constrLst>
-                      <dgm:constr type="alignOff" val="0.65"/>
-                    </dgm:constrLst>
-                  </dgm:if>
-                  <dgm:if name="Name114" func="var" arg="hierBranch" op="equ" val="r">
-                    <dgm:alg type="hierRoot">
-                      <dgm:param type="hierAlign" val="tL"/>
-                    </dgm:alg>
-                    <dgm:shape xmlns:r="http://schemas.openxmlformats.org/officeDocument/2006/relationships" r:blip="">
-                      <dgm:adjLst/>
-                    </dgm:shape>
-                    <dgm:presOf/>
-                    <dgm:constrLst>
-                      <dgm:constr type="alignOff" val="0.65"/>
-                    </dgm:constrLst>
-                  </dgm:if>
-                  <dgm:if name="Name115" func="var" arg="hierBranch" op="equ" val="hang">
-                    <dgm:alg type="hierRoot"/>
-                    <dgm:shape xmlns:r="http://schemas.openxmlformats.org/officeDocument/2006/relationships" r:blip="">
-                      <dgm:adjLst/>
-                    </dgm:shape>
-                    <dgm:presOf/>
-                    <dgm:constrLst>
-                      <dgm:constr type="alignOff" val="0.65"/>
-                    </dgm:constrLst>
-                  </dgm:if>
-                  <dgm:if name="Name116" func="var" arg="hierBranch" op="equ" val="std">
-                    <dgm:alg type="hierRoot"/>
-                    <dgm:shape xmlns:r="http://schemas.openxmlformats.org/officeDocument/2006/relationships" r:blip="">
-                      <dgm:adjLst/>
-                    </dgm:shape>
-                    <dgm:presOf/>
-                    <dgm:constrLst>
-                      <dgm:constr type="alignOff"/>
-                      <dgm:constr type="bendDist" for="des" ptType="parTrans" refType="sp" fact="0.5"/>
-                    </dgm:constrLst>
-                  </dgm:if>
-                  <dgm:if name="Name117" func="var" arg="hierBranch" op="equ" val="init">
-                    <dgm:choose name="Name118">
-                      <dgm:if name="Name119" axis="des" func="maxDepth" op="lte" val="1">
-                        <dgm:alg type="hierRoot">
-                          <dgm:param type="hierAlign" val="tL"/>
-                        </dgm:alg>
-                        <dgm:shape xmlns:r="http://schemas.openxmlformats.org/officeDocument/2006/relationships" r:blip="">
-                          <dgm:adjLst/>
-                        </dgm:shape>
-                        <dgm:presOf/>
-                        <dgm:constrLst>
-                          <dgm:constr type="alignOff" val="0.65"/>
-                        </dgm:constrLst>
-                      </dgm:if>
-                      <dgm:else name="Name120">
-                        <dgm:alg type="hierRoot"/>
-                        <dgm:shape xmlns:r="http://schemas.openxmlformats.org/officeDocument/2006/relationships" r:blip="">
-                          <dgm:adjLst/>
-                        </dgm:shape>
-                        <dgm:presOf/>
-                        <dgm:constrLst>
-                          <dgm:constr type="alignOff"/>
-                          <dgm:constr type="bendDist" for="des" ptType="parTrans" refType="sp" fact="0.5"/>
-                        </dgm:constrLst>
-                      </dgm:else>
-                    </dgm:choose>
-                  </dgm:if>
-                  <dgm:else name="Name121"/>
-                </dgm:choose>
-                <dgm:ruleLst/>
-                <dgm:layoutNode name="rootComposite3">
-                  <dgm:alg type="composite"/>
-                  <dgm:shape xmlns:r="http://schemas.openxmlformats.org/officeDocument/2006/relationships" r:blip="">
-                    <dgm:adjLst/>
-                  </dgm:shape>
-                  <dgm:presOf axis="self" ptType="node" cnt="1"/>
-                  <dgm:choose name="Name122">
-                    <dgm:if name="Name123" func="var" arg="hierBranch" op="equ" val="init">
-                      <dgm:constrLst>
-                        <dgm:constr type="l" for="ch" forName="rootText3"/>
-                        <dgm:constr type="t" for="ch" forName="rootText3"/>
-                        <dgm:constr type="w" for="ch" forName="rootText3" refType="w"/>
-                        <dgm:constr type="h" for="ch" forName="rootText3" refType="h"/>
-                        <dgm:constr type="l" for="ch" forName="rootConnector3"/>
-                        <dgm:constr type="t" for="ch" forName="rootConnector3"/>
-                        <dgm:constr type="w" for="ch" forName="rootConnector3" refType="w" refFor="ch" refForName="rootText3" fact="0.2"/>
-                        <dgm:constr type="h" for="ch" forName="rootConnector3" refType="h" refFor="ch" refForName="rootText3"/>
-                      </dgm:constrLst>
-                    </dgm:if>
-                    <dgm:if name="Name124" func="var" arg="hierBranch" op="equ" val="l">
-                      <dgm:constrLst>
-                        <dgm:constr type="l" for="ch" forName="rootText3"/>
-                        <dgm:constr type="t" for="ch" forName="rootText3"/>
-                        <dgm:constr type="w" for="ch" forName="rootText3" refType="w"/>
-                        <dgm:constr type="h" for="ch" forName="rootText3" refType="h"/>
-                        <dgm:constr type="r" for="ch" forName="rootConnector3" refType="w"/>
-                        <dgm:constr type="t" for="ch" forName="rootConnector3"/>
-                        <dgm:constr type="w" for="ch" forName="rootConnector3" refType="w" refFor="ch" refForName="rootText3" fact="0.2"/>
-                        <dgm:constr type="h" for="ch" forName="rootConnector3" refType="h" refFor="ch" refForName="rootText3"/>
-                      </dgm:constrLst>
-                    </dgm:if>
-                    <dgm:if name="Name125" func="var" arg="hierBranch" op="equ" val="r">
-                      <dgm:constrLst>
-                        <dgm:constr type="l" for="ch" forName="rootText3"/>
-                        <dgm:constr type="t" for="ch" forName="rootText3"/>
-                        <dgm:constr type="w" for="ch" forName="rootText3" refType="w"/>
-                        <dgm:constr type="h" for="ch" forName="rootText3" refType="h"/>
-                        <dgm:constr type="l" for="ch" forName="rootConnector3"/>
-                        <dgm:constr type="t" for="ch" forName="rootConnector3"/>
-                        <dgm:constr type="w" for="ch" forName="rootConnector3" refType="w" refFor="ch" refForName="rootText3" fact="0.2"/>
-                        <dgm:constr type="h" for="ch" forName="rootConnector3" refType="h" refFor="ch" refForName="rootText3"/>
-                      </dgm:constrLst>
-                    </dgm:if>
-                    <dgm:else name="Name126">
-                      <dgm:constrLst>
-                        <dgm:constr type="l" for="ch" forName="rootText3"/>
-                        <dgm:constr type="t" for="ch" forName="rootText3"/>
-                        <dgm:constr type="w" for="ch" forName="rootText3" refType="w"/>
-                        <dgm:constr type="h" for="ch" forName="rootText3" refType="h"/>
-                        <dgm:constr type="r" for="ch" forName="rootConnector3" refType="w"/>
-                        <dgm:constr type="t" for="ch" forName="rootConnector3"/>
-                        <dgm:constr type="w" for="ch" forName="rootConnector3" refType="w" refFor="ch" refForName="rootText3" fact="0.2"/>
-                        <dgm:constr type="h" for="ch" forName="rootConnector3" refType="h" refFor="ch" refForName="rootText3"/>
-                      </dgm:constrLst>
-                    </dgm:else>
-                  </dgm:choose>
-                  <dgm:ruleLst/>
-                  <dgm:layoutNode name="rootText3">
-                    <dgm:varLst>
-                      <dgm:chPref val="3"/>
-                    </dgm:varLst>
-                    <dgm:alg type="tx"/>
-                    <dgm:shape xmlns:r="http://schemas.openxmlformats.org/officeDocument/2006/relationships" type="rect" r:blip="">
-                      <dgm:adjLst/>
-                    </dgm:shape>
-                    <dgm:presOf axis="self" ptType="node" cnt="1"/>
-                    <dgm:constrLst>
-                      <dgm:constr type="primFontSz" val="65"/>
-                      <dgm:constr type="lMarg" refType="primFontSz" fact="0.05"/>
-                      <dgm:constr type="rMarg" refType="primFontSz" fact="0.05"/>
-                      <dgm:constr type="tMarg" refType="primFontSz" fact="0.05"/>
-                      <dgm:constr type="bMarg" refType="primFontSz" fact="0.05"/>
-                    </dgm:constrLst>
-                    <dgm:ruleLst>
-                      <dgm:rule type="primFontSz" val="5" fact="NaN" max="NaN"/>
-                    </dgm:ruleLst>
-                  </dgm:layoutNode>
-                  <dgm:layoutNode name="rootConnector3" moveWith="rootText1">
-                    <dgm:alg type="sp"/>
-                    <dgm:shape xmlns:r="http://schemas.openxmlformats.org/officeDocument/2006/relationships" type="rect" r:blip="" hideGeom="1">
-                      <dgm:adjLst/>
-                    </dgm:shape>
-                    <dgm:presOf axis="self" ptType="node" cnt="1"/>
-                    <dgm:constrLst/>
-                    <dgm:ruleLst/>
-                  </dgm:layoutNode>
-                </dgm:layoutNode>
-                <dgm:layoutNode name="hierChild6">
-                  <dgm:choose name="Name127">
-                    <dgm:if name="Name128" func="var" arg="hierBranch" op="equ" val="l">
-                      <dgm:alg type="hierChild">
-                        <dgm:param type="chAlign" val="r"/>
-                        <dgm:param type="linDir" val="fromT"/>
-                      </dgm:alg>
-                    </dgm:if>
-                    <dgm:if name="Name129" func="var" arg="hierBranch" op="equ" val="r">
-                      <dgm:alg type="hierChild">
-                        <dgm:param type="chAlign" val="l"/>
-                        <dgm:param type="linDir" val="fromT"/>
-                      </dgm:alg>
-                    </dgm:if>
-                    <dgm:if name="Name130" func="var" arg="hierBranch" op="equ" val="hang">
-                      <dgm:choose name="Name131">
-                        <dgm:if name="Name132" func="var" arg="dir" op="equ" val="norm">
-                          <dgm:alg type="hierChild">
-                            <dgm:param type="chAlign" val="l"/>
-                            <dgm:param type="linDir" val="fromL"/>
-                            <dgm:param type="secChAlign" val="t"/>
-                            <dgm:param type="secLinDir" val="fromT"/>
-                          </dgm:alg>
-                        </dgm:if>
-                        <dgm:else name="Name133">
-                          <dgm:alg type="hierChild">
-                            <dgm:param type="chAlign" val="l"/>
-                            <dgm:param type="linDir" val="fromR"/>
-                            <dgm:param type="secChAlign" val="t"/>
-                            <dgm:param type="secLinDir" val="fromT"/>
-                          </dgm:alg>
-                        </dgm:else>
-                      </dgm:choose>
-                    </dgm:if>
-                    <dgm:if name="Name134" func="var" arg="hierBranch" op="equ" val="std">
-                      <dgm:choose name="Name135">
-                        <dgm:if name="Name136" func="var" arg="dir" op="equ" val="norm">
-                          <dgm:alg type="hierChild"/>
-                        </dgm:if>
-                        <dgm:else name="Name137">
-                          <dgm:alg type="hierChild">
-                            <dgm:param type="linDir" val="fromR"/>
-                          </dgm:alg>
-                        </dgm:else>
-                      </dgm:choose>
-                    </dgm:if>
-                    <dgm:if name="Name138" func="var" arg="hierBranch" op="equ" val="init">
-                      <dgm:choose name="Name139">
-                        <dgm:if name="Name140" axis="des" func="maxDepth" op="lte" val="1">
-                          <dgm:alg type="hierChild">
-                            <dgm:param type="chAlign" val="l"/>
-                            <dgm:param type="linDir" val="fromT"/>
-                          </dgm:alg>
-                        </dgm:if>
-                        <dgm:else name="Name141">
-                          <dgm:alg type="hierChild"/>
-                        </dgm:else>
-                      </dgm:choose>
-                    </dgm:if>
-                    <dgm:else name="Name142"/>
-                  </dgm:choose>
-                  <dgm:shape xmlns:r="http://schemas.openxmlformats.org/officeDocument/2006/relationships" r:blip="">
-                    <dgm:adjLst/>
-                  </dgm:shape>
-                  <dgm:presOf/>
-                  <dgm:constrLst/>
-                  <dgm:ruleLst/>
-                  <dgm:forEach name="Name143" ref="rep2a"/>
-                </dgm:layoutNode>
-                <dgm:layoutNode name="hierChild7">
-                  <dgm:choose name="Name144">
-                    <dgm:if name="Name145" func="var" arg="dir" op="equ" val="norm">
-                      <dgm:alg type="hierChild">
-                        <dgm:param type="chAlign" val="l"/>
-                        <dgm:param type="linDir" val="fromL"/>
-                        <dgm:param type="secChAlign" val="t"/>
-                        <dgm:param type="secLinDir" val="fromT"/>
-                      </dgm:alg>
-                    </dgm:if>
-                    <dgm:else name="Name146">
-                      <dgm:alg type="hierChild">
-                        <dgm:param type="chAlign" val="l"/>
-                        <dgm:param type="linDir" val="fromR"/>
-                        <dgm:param type="secChAlign" val="t"/>
-                        <dgm:param type="secLinDir" val="fromT"/>
-                      </dgm:alg>
-                    </dgm:else>
-                  </dgm:choose>
-                  <dgm:shape xmlns:r="http://schemas.openxmlformats.org/officeDocument/2006/relationships" r:blip="">
-                    <dgm:adjLst/>
-                  </dgm:shape>
-                  <dgm:presOf/>
-                  <dgm:constrLst/>
-                  <dgm:ruleLst/>
-                  <dgm:forEach name="Name147" ref="rep2b"/>
-                </dgm:layoutNode>
-              </dgm:layoutNode>
-            </dgm:forEach>
-          </dgm:layoutNode>
-        </dgm:layoutNode>
-      </dgm:forEach>
-    </dgm:forEach>
-  </dgm:layoutNode>
-</dgm:layoutDef>
-</file>
-
 <file path=ppt/diagrams/quickStyle1.xml><?xml version="1.0" encoding="utf-8"?>
-<dgm:styleDef xmlns:dgm="http://schemas.openxmlformats.org/drawingml/2006/diagram" xmlns:a="http://schemas.openxmlformats.org/drawingml/2006/main" uniqueId="urn:microsoft.com/office/officeart/2005/8/quickstyle/simple1">
-  <dgm:title val=""/>
-  <dgm:desc val=""/>
-  <dgm:catLst>
-    <dgm:cat type="simple" pri="10100"/>
-  </dgm:catLst>
-  <dgm:scene3d>
-    <a:camera prst="orthographicFront"/>
-    <a:lightRig rig="threePt" dir="t"/>
-  </dgm:scene3d>
-  <dgm:styleLbl name="node0">
-    <dgm:scene3d>
-      <a:camera prst="orthographicFront"/>
-      <a:lightRig rig="threePt" dir="t"/>
-    </dgm:scene3d>
-    <dgm:sp3d/>
-    <dgm:txPr/>
-    <dgm:style>
-      <a:lnRef idx="2">
-        <a:scrgbClr r="0" g="0" b="0"/>
-      </a:lnRef>
-      <a:fillRef idx="1">
-        <a:scrgbClr r="0" g="0" b="0"/>
-      </a:fillRef>
-      <a:effectRef idx="0">
-        <a:scrgbClr r="0" g="0" b="0"/>
-      </a:effectRef>
-      <a:fontRef idx="minor">
-        <a:schemeClr val="lt1"/>
-      </a:fontRef>
-    </dgm:style>
-  </dgm:styleLbl>
-  <dgm:styleLbl name="lnNode1">
-    <dgm:scene3d>
-      <a:camera prst="orthographicFront"/>
-      <a:lightRig rig="threePt" dir="t"/>
-    </dgm:scene3d>
-    <dgm:sp3d/>
-    <dgm:txPr/>
-    <dgm:style>
-      <a:lnRef idx="2">
-        <a:scrgbClr r="0" g="0" b="0"/>
-      </a:lnRef>
-      <a:fillRef idx="1">
-        <a:scrgbClr r="0" g="0" b="0"/>
-      </a:fillRef>
-      <a:effectRef idx="0">
-        <a:scrgbClr r="0" g="0" b="0"/>
-      </a:effectRef>
-      <a:fontRef idx="minor">
-        <a:schemeClr val="lt1"/>
-      </a:fontRef>
-    </dgm:style>
-  </dgm:styleLbl>
-  <dgm:styleLbl name="vennNode1">
-    <dgm:scene3d>
-      <a:camera prst="orthographicFront"/>
-      <a:lightRig rig="threePt" dir="t"/>
-    </dgm:scene3d>
-    <dgm:sp3d/>
-    <dgm:txPr/>
-    <dgm:style>
-      <a:lnRef idx="2">
-        <a:scrgbClr r="0" g="0" b="0"/>
-      </a:lnRef>
-      <a:fillRef idx="1">
-        <a:scrgbClr r="0" g="0" b="0"/>
-      </a:fillRef>
-      <a:effectRef idx="0">
-        <a:scrgbClr r="0" g="0" b="0"/>
-      </a:effectRef>
-      <a:fontRef idx="minor">
-        <a:schemeClr val="tx1"/>
-      </a:fontRef>
-    </dgm:style>
-  </dgm:styleLbl>
-  <dgm:styleLbl name="alignNode1">
-    <dgm:scene3d>
-      <a:camera prst="orthographicFront"/>
-      <a:lightRig rig="threePt" dir="t"/>
-    </dgm:scene3d>
-    <dgm:sp3d/>
-    <dgm:txPr/>
-    <dgm:style>
-      <a:lnRef idx="2">
-        <a:scrgbClr r="0" g="0" b="0"/>
-      </a:lnRef>
-      <a:fillRef idx="1">
-        <a:scrgbClr r="0" g="0" b="0"/>
-      </a:fillRef>
-      <a:effectRef idx="0">
-        <a:scrgbClr r="0" g="0" b="0"/>
-      </a:effectRef>
-      <a:fontRef idx="minor">
-        <a:schemeClr val="lt1"/>
-      </a:fontRef>
-    </dgm:style>
-  </dgm:styleLbl>
-  <dgm:styleLbl name="node1">
-    <dgm:scene3d>
-      <a:camera prst="orthographicFront"/>
-      <a:lightRig rig="threePt" dir="t"/>
-    </dgm:scene3d>
-    <dgm:sp3d/>
-    <dgm:txPr/>
-    <dgm:style>
-      <a:lnRef idx="2">
-        <a:scrgbClr r="0" g="0" b="0"/>
-      </a:lnRef>
-      <a:fillRef idx="1">
-        <a:scrgbClr r="0" g="0" b="0"/>
-      </a:fillRef>
-      <a:effectRef idx="0">
-        <a:scrgbClr r="0" g="0" b="0"/>
-      </a:effectRef>
-      <a:fontRef idx="minor">
-        <a:schemeClr val="lt1"/>
-      </a:fontRef>
-    </dgm:style>
-  </dgm:styleLbl>
-  <dgm:styleLbl name="node2">
-    <dgm:scene3d>
-      <a:camera prst="orthographicFront"/>
-      <a:lightRig rig="threePt" dir="t"/>
-    </dgm:scene3d>
-    <dgm:sp3d/>
-    <dgm:txPr/>
-    <dgm:style>
-      <a:lnRef idx="2">
-        <a:scrgbClr r="0" g="0" b="0"/>
-      </a:lnRef>
-      <a:fillRef idx="1">
-        <a:scrgbClr r="0" g="0" b="0"/>
-      </a:fillRef>
-      <a:effectRef idx="0">
-        <a:scrgbClr r="0" g="0" b="0"/>
-      </a:effectRef>
-      <a:fontRef idx="minor">
-        <a:schemeClr val="lt1"/>
-      </a:fontRef>
-    </dgm:style>
-  </dgm:styleLbl>
-  <dgm:styleLbl name="node3">
-    <dgm:scene3d>
-      <a:camera prst="orthographicFront"/>
-      <a:lightRig rig="threePt" dir="t"/>
-    </dgm:scene3d>
-    <dgm:sp3d/>
-    <dgm:txPr/>
-    <dgm:style>
-      <a:lnRef idx="2">
-        <a:scrgbClr r="0" g="0" b="0"/>
-      </a:lnRef>
-      <a:fillRef idx="1">
-        <a:scrgbClr r="0" g="0" b="0"/>
-      </a:fillRef>
-      <a:effectRef idx="0">
-        <a:scrgbClr r="0" g="0" b="0"/>
-      </a:effectRef>
-      <a:fontRef idx="minor">
-        <a:schemeClr val="lt1"/>
-      </a:fontRef>
-    </dgm:style>
-  </dgm:styleLbl>
-  <dgm:styleLbl name="node4">
-    <dgm:scene3d>
-      <a:camera prst="orthographicFront"/>
-      <a:lightRig rig="threePt" dir="t"/>
-    </dgm:scene3d>
-    <dgm:sp3d/>
-    <dgm:txPr/>
-    <dgm:style>
-      <a:lnRef idx="2">
-        <a:scrgbClr r="0" g="0" b="0"/>
-      </a:lnRef>
-      <a:fillRef idx="1">
-        <a:scrgbClr r="0" g="0" b="0"/>
-      </a:fillRef>
-      <a:effectRef idx="0">
-        <a:scrgbClr r="0" g="0" b="0"/>
-      </a:effectRef>
-      <a:fontRef idx="minor">
-        <a:schemeClr val="lt1"/>
-      </a:fontRef>
-    </dgm:style>
-  </dgm:styleLbl>
-  <dgm:styleLbl name="fgImgPlace1">
-    <dgm:scene3d>
-      <a:camera prst="orthographicFront"/>
-      <a:lightRig rig="threePt" dir="t"/>
-    </dgm:scene3d>
-    <dgm:sp3d/>
-    <dgm:txPr/>
-    <dgm:style>
-      <a:lnRef idx="2">
-        <a:scrgbClr r="0" g="0" b="0"/>
-      </a:lnRef>
-      <a:fillRef idx="1">
-        <a:scrgbClr r="0" g="0" b="0"/>
-      </a:fillRef>
-      <a:effectRef idx="0">
-        <a:scrgbClr r="0" g="0" b="0"/>
-      </a:effectRef>
-      <a:fontRef idx="minor"/>
-    </dgm:style>
-  </dgm:styleLbl>
-  <dgm:styleLbl name="alignImgPlace1">
-    <dgm:scene3d>
-      <a:camera prst="orthographicFront"/>
-      <a:lightRig rig="threePt" dir="t"/>
-    </dgm:scene3d>
-    <dgm:sp3d/>
-    <dgm:txPr/>
-    <dgm:style>
-      <a:lnRef idx="2">
-        <a:scrgbClr r="0" g="0" b="0"/>
-      </a:lnRef>
-      <a:fillRef idx="1">
-        <a:scrgbClr r="0" g="0" b="0"/>
-      </a:fillRef>
-      <a:effectRef idx="0">
-        <a:scrgbClr r="0" g="0" b="0"/>
-      </a:effectRef>
-      <a:fontRef idx="minor"/>
-    </dgm:style>
-  </dgm:styleLbl>
-  <dgm:styleLbl name="bgImgPlace1">
-    <dgm:scene3d>
-      <a:camera prst="orthographicFront"/>
-      <a:lightRig rig="threePt" dir="t"/>
-    </dgm:scene3d>
-    <dgm:sp3d/>
-    <dgm:txPr/>
-    <dgm:style>
-      <a:lnRef idx="2">
-        <a:scrgbClr r="0" g="0" b="0"/>
-      </a:lnRef>
-      <a:fillRef idx="1">
-        <a:scrgbClr r="0" g="0" b="0"/>
-      </a:fillRef>
-      <a:effectRef idx="0">
-        <a:scrgbClr r="0" g="0" b="0"/>
-      </a:effectRef>
-      <a:fontRef idx="minor"/>
-    </dgm:style>
-  </dgm:styleLbl>
-  <dgm:styleLbl name="sibTrans2D1">
-    <dgm:scene3d>
-      <a:camera prst="orthographicFront"/>
-      <a:lightRig rig="threePt" dir="t"/>
-    </dgm:scene3d>
-    <dgm:sp3d/>
-    <dgm:txPr/>
-    <dgm:style>
-      <a:lnRef idx="0">
-        <a:scrgbClr r="0" g="0" b="0"/>
-      </a:lnRef>
-      <a:fillRef idx="1">
-        <a:scrgbClr r="0" g="0" b="0"/>
-      </a:fillRef>
-      <a:effectRef idx="0">
-        <a:scrgbClr r="0" g="0" b="0"/>
-      </a:effectRef>
-      <a:fontRef idx="minor">
-        <a:schemeClr val="lt1"/>
-      </a:fontRef>
-    </dgm:style>
-  </dgm:styleLbl>
-  <dgm:styleLbl name="fgSibTrans2D1">
-    <dgm:scene3d>
-      <a:camera prst="orthographicFront"/>
-      <a:lightRig rig="threePt" dir="t"/>
-    </dgm:scene3d>
-    <dgm:sp3d/>
-    <dgm:txPr/>
-    <dgm:style>
-      <a:lnRef idx="0">
-        <a:scrgbClr r="0" g="0" b="0"/>
-      </a:lnRef>
-      <a:fillRef idx="1">
-        <a:scrgbClr r="0" g="0" b="0"/>
-      </a:fillRef>
-      <a:effectRef idx="0">
-        <a:scrgbClr r="0" g="0" b="0"/>
-      </a:effectRef>
-      <a:fontRef idx="minor">
-        <a:schemeClr val="lt1"/>
-      </a:fontRef>
-    </dgm:style>
-  </dgm:styleLbl>
-  <dgm:styleLbl name="bgSibTrans2D1">
-    <dgm:scene3d>
-      <a:camera prst="orthographicFront"/>
-      <a:lightRig rig="threePt" dir="t"/>
-    </dgm:scene3d>
-    <dgm:sp3d/>
-    <dgm:txPr/>
-    <dgm:style>
-      <a:lnRef idx="0">
-        <a:scrgbClr r="0" g="0" b="0"/>
-      </a:lnRef>
-      <a:fillRef idx="1">
-        <a:scrgbClr r="0" g="0" b="0"/>
-      </a:fillRef>
-      <a:effectRef idx="0">
-        <a:scrgbClr r="0" g="0" b="0"/>
-      </a:effectRef>
-      <a:fontRef idx="minor">
-        <a:schemeClr val="lt1"/>
-      </a:fontRef>
-    </dgm:style>
-  </dgm:styleLbl>
-  <dgm:styleLbl name="sibTrans1D1">
-    <dgm:scene3d>
-      <a:camera prst="orthographicFront"/>
-      <a:lightRig rig="threePt" dir="t"/>
-    </dgm:scene3d>
-    <dgm:sp3d/>
-    <dgm:txPr/>
-    <dgm:style>
-      <a:lnRef idx="1">
-        <a:scrgbClr r="0" g="0" b="0"/>
-      </a:lnRef>
-      <a:fillRef idx="0">
-        <a:scrgbClr r="0" g="0" b="0"/>
-      </a:fillRef>
-      <a:effectRef idx="0">
-        <a:scrgbClr r="0" g="0" b="0"/>
-      </a:effectRef>
-      <a:fontRef idx="minor"/>
-    </dgm:style>
-  </dgm:styleLbl>
-  <dgm:styleLbl name="callout">
-    <dgm:scene3d>
-      <a:camera prst="orthographicFront"/>
-      <a:lightRig rig="threePt" dir="t"/>
-    </dgm:scene3d>
-    <dgm:sp3d/>
-    <dgm:txPr/>
-    <dgm:style>
-      <a:lnRef idx="2">
-        <a:scrgbClr r="0" g="0" b="0"/>
-      </a:lnRef>
-      <a:fillRef idx="1">
-        <a:scrgbClr r="0" g="0" b="0"/>
-      </a:fillRef>
-      <a:effectRef idx="0">
-        <a:scrgbClr r="0" g="0" b="0"/>
-      </a:effectRef>
-      <a:fontRef idx="minor"/>
-    </dgm:style>
-  </dgm:styleLbl>
-  <dgm:styleLbl name="asst0">
-    <dgm:scene3d>
-      <a:camera prst="orthographicFront"/>
-      <a:lightRig rig="threePt" dir="t"/>
-    </dgm:scene3d>
-    <dgm:sp3d/>
-    <dgm:txPr/>
-    <dgm:style>
-      <a:lnRef idx="2">
-        <a:scrgbClr r="0" g="0" b="0"/>
-      </a:lnRef>
-      <a:fillRef idx="1">
-        <a:scrgbClr r="0" g="0" b="0"/>
-      </a:fillRef>
-      <a:effectRef idx="0">
-        <a:scrgbClr r="0" g="0" b="0"/>
-      </a:effectRef>
-      <a:fontRef idx="minor">
-        <a:schemeClr val="lt1"/>
-      </a:fontRef>
-    </dgm:style>
-  </dgm:styleLbl>
-  <dgm:styleLbl name="asst1">
-    <dgm:scene3d>
-      <a:camera prst="orthographicFront"/>
-      <a:lightRig rig="threePt" dir="t"/>
-    </dgm:scene3d>
-    <dgm:sp3d/>
-    <dgm:txPr/>
-    <dgm:style>
-      <a:lnRef idx="2">
-        <a:scrgbClr r="0" g="0" b="0"/>
-      </a:lnRef>
-      <a:fillRef idx="1">
-        <a:scrgbClr r="0" g="0" b="0"/>
-      </a:fillRef>
-      <a:effectRef idx="0">
-        <a:scrgbClr r="0" g="0" b="0"/>
-      </a:effectRef>
-      <a:fontRef idx="minor">
-        <a:schemeClr val="lt1"/>
-      </a:fontRef>
-    </dgm:style>
-  </dgm:styleLbl>
-  <dgm:styleLbl name="asst2">
-    <dgm:scene3d>
-      <a:camera prst="orthographicFront"/>
-      <a:lightRig rig="threePt" dir="t"/>
-    </dgm:scene3d>
-    <dgm:sp3d/>
-    <dgm:txPr/>
-    <dgm:style>
-      <a:lnRef idx="2">
-        <a:scrgbClr r="0" g="0" b="0"/>
-      </a:lnRef>
-      <a:fillRef idx="1">
-        <a:scrgbClr r="0" g="0" b="0"/>
-      </a:fillRef>
-      <a:effectRef idx="0">
-        <a:scrgbClr r="0" g="0" b="0"/>
-      </a:effectRef>
-      <a:fontRef idx="minor">
-        <a:schemeClr val="lt1"/>
-      </a:fontRef>
-    </dgm:style>
-  </dgm:styleLbl>
-  <dgm:styleLbl name="asst3">
-    <dgm:scene3d>
-      <a:camera prst="orthographicFront"/>
-      <a:lightRig rig="threePt" dir="t"/>
-    </dgm:scene3d>
-    <dgm:sp3d/>
-    <dgm:txPr/>
-    <dgm:style>
-      <a:lnRef idx="2">
-        <a:scrgbClr r="0" g="0" b="0"/>
-      </a:lnRef>
-      <a:fillRef idx="1">
-        <a:scrgbClr r="0" g="0" b="0"/>
-      </a:fillRef>
-      <a:effectRef idx="0">
-        <a:scrgbClr r="0" g="0" b="0"/>
-      </a:effectRef>
-      <a:fontRef idx="minor">
-        <a:schemeClr val="lt1"/>
-      </a:fontRef>
-    </dgm:style>
-  </dgm:styleLbl>
-  <dgm:styleLbl name="asst4">
-    <dgm:scene3d>
-      <a:camera prst="orthographicFront"/>
-      <a:lightRig rig="threePt" dir="t"/>
-    </dgm:scene3d>
-    <dgm:sp3d/>
-    <dgm:txPr/>
-    <dgm:style>
-      <a:lnRef idx="2">
-        <a:scrgbClr r="0" g="0" b="0"/>
-      </a:lnRef>
-      <a:fillRef idx="1">
-        <a:scrgbClr r="0" g="0" b="0"/>
-      </a:fillRef>
-      <a:effectRef idx="0">
-        <a:scrgbClr r="0" g="0" b="0"/>
-      </a:effectRef>
-      <a:fontRef idx="minor">
-        <a:schemeClr val="lt1"/>
-      </a:fontRef>
-    </dgm:style>
-  </dgm:styleLbl>
-  <dgm:styleLbl name="parChTrans2D1">
-    <dgm:scene3d>
-      <a:camera prst="orthographicFront"/>
-      <a:lightRig rig="threePt" dir="t"/>
-    </dgm:scene3d>
-    <dgm:sp3d/>
-    <dgm:txPr/>
-    <dgm:style>
-      <a:lnRef idx="2">
-        <a:scrgbClr r="0" g="0" b="0"/>
-      </a:lnRef>
-      <a:fillRef idx="1">
-        <a:scrgbClr r="0" g="0" b="0"/>
-      </a:fillRef>
-      <a:effectRef idx="0">
-        <a:scrgbClr r="0" g="0" b="0"/>
-      </a:effectRef>
-      <a:fontRef idx="minor">
-        <a:schemeClr val="lt1"/>
-      </a:fontRef>
-    </dgm:style>
-  </dgm:styleLbl>
-  <dgm:styleLbl name="parChTrans2D2">
-    <dgm:scene3d>
-      <a:camera prst="orthographicFront"/>
-      <a:lightRig rig="threePt" dir="t"/>
-    </dgm:scene3d>
-    <dgm:sp3d/>
-    <dgm:txPr/>
-    <dgm:style>
-      <a:lnRef idx="2">
-        <a:scrgbClr r="0" g="0" b="0"/>
-      </a:lnRef>
-      <a:fillRef idx="1">
-        <a:scrgbClr r="0" g="0" b="0"/>
-      </a:fillRef>
-      <a:effectRef idx="0">
-        <a:scrgbClr r="0" g="0" b="0"/>
-      </a:effectRef>
-      <a:fontRef idx="minor">
-        <a:schemeClr val="lt1"/>
-      </a:fontRef>
-    </dgm:style>
-  </dgm:styleLbl>
-  <dgm:styleLbl name="parChTrans2D3">
-    <dgm:scene3d>
-      <a:camera prst="orthographicFront"/>
-      <a:lightRig rig="threePt" dir="t"/>
-    </dgm:scene3d>
-    <dgm:sp3d/>
-    <dgm:txPr/>
-    <dgm:style>
-      <a:lnRef idx="2">
-        <a:scrgbClr r="0" g="0" b="0"/>
-      </a:lnRef>
-      <a:fillRef idx="1">
-        <a:scrgbClr r="0" g="0" b="0"/>
-      </a:fillRef>
-      <a:effectRef idx="0">
-        <a:scrgbClr r="0" g="0" b="0"/>
-      </a:effectRef>
-      <a:fontRef idx="minor">
-        <a:schemeClr val="lt1"/>
-      </a:fontRef>
-    </dgm:style>
-  </dgm:styleLbl>
-  <dgm:styleLbl name="parChTrans2D4">
-    <dgm:scene3d>
-      <a:camera prst="orthographicFront"/>
-      <a:lightRig rig="threePt" dir="t"/>
-    </dgm:scene3d>
-    <dgm:sp3d/>
-    <dgm:txPr/>
-    <dgm:style>
-      <a:lnRef idx="2">
-        <a:scrgbClr r="0" g="0" b="0"/>
-      </a:lnRef>
-      <a:fillRef idx="1">
-        <a:scrgbClr r="0" g="0" b="0"/>
-      </a:fillRef>
-      <a:effectRef idx="0">
-        <a:scrgbClr r="0" g="0" b="0"/>
-      </a:effectRef>
-      <a:fontRef idx="minor">
-        <a:schemeClr val="lt1"/>
-      </a:fontRef>
-    </dgm:style>
-  </dgm:styleLbl>
-  <dgm:styleLbl name="parChTrans1D1">
-    <dgm:scene3d>
-      <a:camera prst="orthographicFront"/>
-      <a:lightRig rig="threePt" dir="t"/>
-    </dgm:scene3d>
-    <dgm:sp3d/>
-    <dgm:txPr/>
-    <dgm:style>
-      <a:lnRef idx="2">
-        <a:scrgbClr r="0" g="0" b="0"/>
-      </a:lnRef>
-      <a:fillRef idx="0">
-        <a:scrgbClr r="0" g="0" b="0"/>
-      </a:fillRef>
-      <a:effectRef idx="0">
-        <a:scrgbClr r="0" g="0" b="0"/>
-      </a:effectRef>
-      <a:fontRef idx="minor"/>
-    </dgm:style>
-  </dgm:styleLbl>
-  <dgm:styleLbl name="parChTrans1D2">
-    <dgm:scene3d>
-      <a:camera prst="orthographicFront"/>
-      <a:lightRig rig="threePt" dir="t"/>
-    </dgm:scene3d>
-    <dgm:sp3d/>
-    <dgm:txPr/>
-    <dgm:style>
-      <a:lnRef idx="2">
-        <a:scrgbClr r="0" g="0" b="0"/>
-      </a:lnRef>
-      <a:fillRef idx="0">
-        <a:scrgbClr r="0" g="0" b="0"/>
-      </a:fillRef>
-      <a:effectRef idx="0">
-        <a:scrgbClr r="0" g="0" b="0"/>
-      </a:effectRef>
-      <a:fontRef idx="minor"/>
-    </dgm:style>
-  </dgm:styleLbl>
-  <dgm:styleLbl name="parChTrans1D3">
-    <dgm:scene3d>
-      <a:camera prst="orthographicFront"/>
-      <a:lightRig rig="threePt" dir="t"/>
-    </dgm:scene3d>
-    <dgm:sp3d/>
-    <dgm:txPr/>
-    <dgm:style>
-      <a:lnRef idx="2">
-        <a:scrgbClr r="0" g="0" b="0"/>
-      </a:lnRef>
-      <a:fillRef idx="0">
-        <a:scrgbClr r="0" g="0" b="0"/>
-      </a:fillRef>
-      <a:effectRef idx="0">
-        <a:scrgbClr r="0" g="0" b="0"/>
-      </a:effectRef>
-      <a:fontRef idx="minor"/>
-    </dgm:style>
-  </dgm:styleLbl>
-  <dgm:styleLbl name="parChTrans1D4">
-    <dgm:scene3d>
-      <a:camera prst="orthographicFront"/>
-      <a:lightRig rig="threePt" dir="t"/>
-    </dgm:scene3d>
-    <dgm:sp3d/>
-    <dgm:txPr/>
-    <dgm:style>
-      <a:lnRef idx="2">
-        <a:scrgbClr r="0" g="0" b="0"/>
-      </a:lnRef>
-      <a:fillRef idx="0">
-        <a:scrgbClr r="0" g="0" b="0"/>
-      </a:fillRef>
-      <a:effectRef idx="0">
-        <a:scrgbClr r="0" g="0" b="0"/>
-      </a:effectRef>
-      <a:fontRef idx="minor"/>
-    </dgm:style>
-  </dgm:styleLbl>
-  <dgm:styleLbl name="fgAcc1">
-    <dgm:scene3d>
-      <a:camera prst="orthographicFront"/>
-      <a:lightRig rig="threePt" dir="t"/>
-    </dgm:scene3d>
-    <dgm:sp3d/>
-    <dgm:txPr/>
-    <dgm:style>
-      <a:lnRef idx="2">
-        <a:scrgbClr r="0" g="0" b="0"/>
-      </a:lnRef>
-      <a:fillRef idx="1">
-        <a:scrgbClr r="0" g="0" b="0"/>
-      </a:fillRef>
-      <a:effectRef idx="0">
-        <a:scrgbClr r="0" g="0" b="0"/>
-      </a:effectRef>
-      <a:fontRef idx="minor"/>
-    </dgm:style>
-  </dgm:styleLbl>
-  <dgm:styleLbl name="conFgAcc1">
-    <dgm:scene3d>
-      <a:camera prst="orthographicFront"/>
-      <a:lightRig rig="threePt" dir="t"/>
-    </dgm:scene3d>
-    <dgm:sp3d/>
-    <dgm:txPr/>
-    <dgm:style>
-      <a:lnRef idx="2">
-        <a:scrgbClr r="0" g="0" b="0"/>
-      </a:lnRef>
-      <a:fillRef idx="1">
-        <a:scrgbClr r="0" g="0" b="0"/>
-      </a:fillRef>
-      <a:effectRef idx="0">
-        <a:scrgbClr r="0" g="0" b="0"/>
-      </a:effectRef>
-      <a:fontRef idx="minor"/>
-    </dgm:style>
-  </dgm:styleLbl>
-  <dgm:styleLbl name="alignAcc1">
-    <dgm:scene3d>
-      <a:camera prst="orthographicFront"/>
-      <a:lightRig rig="threePt" dir="t"/>
-    </dgm:scene3d>
-    <dgm:sp3d/>
-    <dgm:txPr/>
-    <dgm:style>
-      <a:lnRef idx="2">
-        <a:scrgbClr r="0" g="0" b="0"/>
-      </a:lnRef>
-      <a:fillRef idx="1">
-        <a:scrgbClr r="0" g="0" b="0"/>
-      </a:fillRef>
-      <a:effectRef idx="0">
-        <a:scrgbClr r="0" g="0" b="0"/>
-      </a:effectRef>
-      <a:fontRef idx="minor"/>
-    </dgm:style>
-  </dgm:styleLbl>
-  <dgm:styleLbl name="trAlignAcc1">
-    <dgm:scene3d>
-      <a:camera prst="orthographicFront"/>
-      <a:lightRig rig="threePt" dir="t"/>
-    </dgm:scene3d>
-    <dgm:sp3d/>
-    <dgm:txPr/>
-    <dgm:style>
-      <a:lnRef idx="1">
-        <a:scrgbClr r="0" g="0" b="0"/>
-      </a:lnRef>
-      <a:fillRef idx="1">
-        <a:scrgbClr r="0" g="0" b="0"/>
-      </a:fillRef>
-      <a:effectRef idx="0">
-        <a:scrgbClr r="0" g="0" b="0"/>
-      </a:effectRef>
-      <a:fontRef idx="minor"/>
-    </dgm:style>
-  </dgm:styleLbl>
-  <dgm:styleLbl name="bgAcc1">
-    <dgm:scene3d>
-      <a:camera prst="orthographicFront"/>
-      <a:lightRig rig="threePt" dir="t"/>
-    </dgm:scene3d>
-    <dgm:sp3d/>
-    <dgm:txPr/>
-    <dgm:style>
-      <a:lnRef idx="2">
-        <a:scrgbClr r="0" g="0" b="0"/>
-      </a:lnRef>
-      <a:fillRef idx="1">
-        <a:scrgbClr r="0" g="0" b="0"/>
-      </a:fillRef>
-      <a:effectRef idx="0">
-        <a:scrgbClr r="0" g="0" b="0"/>
-      </a:effectRef>
-      <a:fontRef idx="minor"/>
-    </dgm:style>
-  </dgm:styleLbl>
-  <dgm:styleLbl name="solidFgAcc1">
-    <dgm:scene3d>
-      <a:camera prst="orthographicFront"/>
-      <a:lightRig rig="threePt" dir="t"/>
-    </dgm:scene3d>
-    <dgm:sp3d/>
-    <dgm:txPr/>
-    <dgm:style>
-      <a:lnRef idx="2">
-        <a:scrgbClr r="0" g="0" b="0"/>
-      </a:lnRef>
-      <a:fillRef idx="1">
-        <a:scrgbClr r="0" g="0" b="0"/>
-      </a:fillRef>
-      <a:effectRef idx="0">
-        <a:scrgbClr r="0" g="0" b="0"/>
-      </a:effectRef>
-      <a:fontRef idx="minor"/>
-    </dgm:style>
-  </dgm:styleLbl>
-  <dgm:styleLbl name="solidAlignAcc1">
-    <dgm:scene3d>
-      <a:camera prst="orthographicFront"/>
-      <a:lightRig rig="threePt" dir="t"/>
-    </dgm:scene3d>
-    <dgm:sp3d/>
-    <dgm:txPr/>
-    <dgm:style>
-      <a:lnRef idx="2">
-        <a:scrgbClr r="0" g="0" b="0"/>
-      </a:lnRef>
-      <a:fillRef idx="1">
-        <a:scrgbClr r="0" g="0" b="0"/>
-      </a:fillRef>
-      <a:effectRef idx="0">
-        <a:scrgbClr r="0" g="0" b="0"/>
-      </a:effectRef>
-      <a:fontRef idx="minor"/>
-    </dgm:style>
-  </dgm:styleLbl>
-  <dgm:styleLbl name="solidBgAcc1">
-    <dgm:scene3d>
-      <a:camera prst="orthographicFront"/>
-      <a:lightRig rig="threePt" dir="t"/>
-    </dgm:scene3d>
-    <dgm:sp3d/>
-    <dgm:txPr/>
-    <dgm:style>
-      <a:lnRef idx="2">
-        <a:scrgbClr r="0" g="0" b="0"/>
-      </a:lnRef>
-      <a:fillRef idx="1">
-        <a:scrgbClr r="0" g="0" b="0"/>
-      </a:fillRef>
-      <a:effectRef idx="0">
-        <a:scrgbClr r="0" g="0" b="0"/>
-      </a:effectRef>
-      <a:fontRef idx="minor"/>
-    </dgm:style>
-  </dgm:styleLbl>
-  <dgm:styleLbl name="fgAccFollowNode1">
-    <dgm:scene3d>
-      <a:camera prst="orthographicFront"/>
-      <a:lightRig rig="threePt" dir="t"/>
-    </dgm:scene3d>
-    <dgm:sp3d/>
-    <dgm:txPr/>
-    <dgm:style>
-      <a:lnRef idx="2">
-        <a:scrgbClr r="0" g="0" b="0"/>
-      </a:lnRef>
-      <a:fillRef idx="1">
-        <a:scrgbClr r="0" g="0" b="0"/>
-      </a:fillRef>
-      <a:effectRef idx="0">
-        <a:scrgbClr r="0" g="0" b="0"/>
-      </a:effectRef>
-      <a:fontRef idx="minor"/>
-    </dgm:style>
-  </dgm:styleLbl>
-  <dgm:styleLbl name="alignAccFollowNode1">
-    <dgm:scene3d>
-      <a:camera prst="orthographicFront"/>
-      <a:lightRig rig="threePt" dir="t"/>
-    </dgm:scene3d>
-    <dgm:sp3d/>
-    <dgm:txPr/>
-    <dgm:style>
-      <a:lnRef idx="2">
-        <a:scrgbClr r="0" g="0" b="0"/>
-      </a:lnRef>
-      <a:fillRef idx="1">
-        <a:scrgbClr r="0" g="0" b="0"/>
-      </a:fillRef>
-      <a:effectRef idx="0">
-        <a:scrgbClr r="0" g="0" b="0"/>
-      </a:effectRef>
-      <a:fontRef idx="minor"/>
-    </dgm:style>
-  </dgm:styleLbl>
-  <dgm:styleLbl name="bgAccFollowNode1">
-    <dgm:scene3d>
-      <a:camera prst="orthographicFront"/>
-      <a:lightRig rig="threePt" dir="t"/>
-    </dgm:scene3d>
-    <dgm:sp3d/>
-    <dgm:txPr/>
-    <dgm:style>
-      <a:lnRef idx="2">
-        <a:scrgbClr r="0" g="0" b="0"/>
-      </a:lnRef>
-      <a:fillRef idx="1">
-        <a:scrgbClr r="0" g="0" b="0"/>
-      </a:fillRef>
-      <a:effectRef idx="0">
-        <a:scrgbClr r="0" g="0" b="0"/>
-      </a:effectRef>
-      <a:fontRef idx="minor"/>
-    </dgm:style>
-  </dgm:styleLbl>
-  <dgm:styleLbl name="fgAcc0">
-    <dgm:scene3d>
-      <a:camera prst="orthographicFront"/>
-      <a:lightRig rig="threePt" dir="t"/>
-    </dgm:scene3d>
-    <dgm:sp3d/>
-    <dgm:txPr/>
-    <dgm:style>
-      <a:lnRef idx="2">
-        <a:scrgbClr r="0" g="0" b="0"/>
-      </a:lnRef>
-      <a:fillRef idx="1">
-        <a:scrgbClr r="0" g="0" b="0"/>
-      </a:fillRef>
-      <a:effectRef idx="0">
-        <a:scrgbClr r="0" g="0" b="0"/>
-      </a:effectRef>
-      <a:fontRef idx="minor"/>
-    </dgm:style>
-  </dgm:styleLbl>
-  <dgm:styleLbl name="fgAcc2">
-    <dgm:scene3d>
-      <a:camera prst="orthographicFront"/>
-      <a:lightRig rig="threePt" dir="t"/>
-    </dgm:scene3d>
-    <dgm:sp3d/>
-    <dgm:txPr/>
-    <dgm:style>
-      <a:lnRef idx="2">
-        <a:scrgbClr r="0" g="0" b="0"/>
-      </a:lnRef>
-      <a:fillRef idx="1">
-        <a:scrgbClr r="0" g="0" b="0"/>
-      </a:fillRef>
-      <a:effectRef idx="0">
-        <a:scrgbClr r="0" g="0" b="0"/>
-      </a:effectRef>
-      <a:fontRef idx="minor"/>
-    </dgm:style>
-  </dgm:styleLbl>
-  <dgm:styleLbl name="fgAcc3">
-    <dgm:scene3d>
-      <a:camera prst="orthographicFront"/>
-      <a:lightRig rig="threePt" dir="t"/>
-    </dgm:scene3d>
-    <dgm:sp3d/>
-    <dgm:txPr/>
-    <dgm:style>
-      <a:lnRef idx="2">
-        <a:scrgbClr r="0" g="0" b="0"/>
-      </a:lnRef>
-      <a:fillRef idx="1">
-        <a:scrgbClr r="0" g="0" b="0"/>
-      </a:fillRef>
-      <a:effectRef idx="0">
-        <a:scrgbClr r="0" g="0" b="0"/>
-      </a:effectRef>
-      <a:fontRef idx="minor"/>
-    </dgm:style>
-  </dgm:styleLbl>
-  <dgm:styleLbl name="fgAcc4">
-    <dgm:scene3d>
-      <a:camera prst="orthographicFront"/>
-      <a:lightRig rig="threePt" dir="t"/>
-    </dgm:scene3d>
-    <dgm:sp3d/>
-    <dgm:txPr/>
-    <dgm:style>
-      <a:lnRef idx="2">
-        <a:scrgbClr r="0" g="0" b="0"/>
-      </a:lnRef>
-      <a:fillRef idx="1">
-        <a:scrgbClr r="0" g="0" b="0"/>
-      </a:fillRef>
-      <a:effectRef idx="0">
-        <a:scrgbClr r="0" g="0" b="0"/>
-      </a:effectRef>
-      <a:fontRef idx="minor"/>
-    </dgm:style>
-  </dgm:styleLbl>
-  <dgm:styleLbl name="bgShp">
-    <dgm:scene3d>
-      <a:camera prst="orthographicFront"/>
-      <a:lightRig rig="threePt" dir="t"/>
-    </dgm:scene3d>
-    <dgm:sp3d/>
-    <dgm:txPr/>
-    <dgm:style>
-      <a:lnRef idx="0">
-        <a:scrgbClr r="0" g="0" b="0"/>
-      </a:lnRef>
-      <a:fillRef idx="1">
-        <a:scrgbClr r="0" g="0" b="0"/>
-      </a:fillRef>
-      <a:effectRef idx="0">
-        <a:scrgbClr r="0" g="0" b="0"/>
-      </a:effectRef>
-      <a:fontRef idx="minor"/>
-    </dgm:style>
-  </dgm:styleLbl>
-  <dgm:styleLbl name="dkBgShp">
-    <dgm:scene3d>
-      <a:camera prst="orthographicFront"/>
-      <a:lightRig rig="threePt" dir="t"/>
-    </dgm:scene3d>
-    <dgm:sp3d/>
-    <dgm:txPr/>
-    <dgm:style>
-      <a:lnRef idx="0">
-        <a:scrgbClr r="0" g="0" b="0"/>
-      </a:lnRef>
-      <a:fillRef idx="1">
-        <a:scrgbClr r="0" g="0" b="0"/>
-      </a:fillRef>
-      <a:effectRef idx="0">
-        <a:scrgbClr r="0" g="0" b="0"/>
-      </a:effectRef>
-      <a:fontRef idx="minor"/>
-    </dgm:style>
-  </dgm:styleLbl>
-  <dgm:styleLbl name="trBgShp">
-    <dgm:scene3d>
-      <a:camera prst="orthographicFront"/>
-      <a:lightRig rig="threePt" dir="t"/>
-    </dgm:scene3d>
-    <dgm:sp3d/>
-    <dgm:txPr/>
-    <dgm:style>
-      <a:lnRef idx="0">
-        <a:scrgbClr r="0" g="0" b="0"/>
-      </a:lnRef>
-      <a:fillRef idx="1">
-        <a:scrgbClr r="0" g="0" b="0"/>
-      </a:fillRef>
-      <a:effectRef idx="0">
-        <a:scrgbClr r="0" g="0" b="0"/>
-      </a:effectRef>
-      <a:fontRef idx="minor"/>
-    </dgm:style>
-  </dgm:styleLbl>
-  <dgm:styleLbl name="fgShp">
-    <dgm:scene3d>
-      <a:camera prst="orthographicFront"/>
-      <a:lightRig rig="threePt" dir="t"/>
-    </dgm:scene3d>
-    <dgm:sp3d/>
-    <dgm:txPr/>
-    <dgm:style>
-      <a:lnRef idx="2">
-        <a:scrgbClr r="0" g="0" b="0"/>
-      </a:lnRef>
-      <a:fillRef idx="1">
-        <a:scrgbClr r="0" g="0" b="0"/>
-      </a:fillRef>
-      <a:effectRef idx="0">
-        <a:scrgbClr r="0" g="0" b="0"/>
-      </a:effectRef>
-      <a:fontRef idx="minor"/>
-    </dgm:style>
-  </dgm:styleLbl>
-  <dgm:styleLbl name="revTx">
-    <dgm:scene3d>
-      <a:camera prst="orthographicFront"/>
-      <a:lightRig rig="threePt" dir="t"/>
-    </dgm:scene3d>
-    <dgm:sp3d/>
-    <dgm:txPr/>
-    <dgm:style>
-      <a:lnRef idx="0">
-        <a:scrgbClr r="0" g="0" b="0"/>
-      </a:lnRef>
-      <a:fillRef idx="0">
-        <a:scrgbClr r="0" g="0" b="0"/>
-      </a:fillRef>
-      <a:effectRef idx="0">
-        <a:scrgbClr r="0" g="0" b="0"/>
-      </a:effectRef>
-      <a:fontRef idx="minor"/>
-    </dgm:style>
-  </dgm:styleLbl>
-</dgm:styleDef>
-</file>
-
-<file path=ppt/diagrams/quickStyle2.xml><?xml version="1.0" encoding="utf-8"?>
 <dgm:styleDef xmlns:dgm="http://schemas.openxmlformats.org/drawingml/2006/diagram" xmlns:a="http://schemas.openxmlformats.org/drawingml/2006/main" uniqueId="urn:microsoft.com/office/officeart/2005/8/quickstyle/simple1">
   <dgm:title val=""/>
   <dgm:desc val=""/>
@@ -9579,7 +5412,7 @@
           <a:p>
             <a:fld id="{1C00400B-9278-43CF-8C74-4C0FA987AB11}" type="datetimeFigureOut">
               <a:rPr lang="ru-RU" smtClean="0"/>
-              <a:t>03.02.2023</a:t>
+              <a:t>06.02.2023</a:t>
             </a:fld>
             <a:endParaRPr lang="ru-RU"/>
           </a:p>
@@ -10996,6 +6829,545 @@
 </p:sldLayout>
 </file>
 
+<file path=ppt/slideLayouts/slideLayout4.xml><?xml version="1.0" encoding="utf-8"?>
+<p:sldLayout xmlns:a="http://schemas.openxmlformats.org/drawingml/2006/main" xmlns:r="http://schemas.openxmlformats.org/officeDocument/2006/relationships" xmlns:p="http://schemas.openxmlformats.org/presentationml/2006/main" preserve="1" userDrawn="1">
+  <p:cSld name="1_Ресурс">
+    <p:spTree>
+      <p:nvGrpSpPr>
+        <p:cNvPr id="1" name=""/>
+        <p:cNvGrpSpPr/>
+        <p:nvPr/>
+      </p:nvGrpSpPr>
+      <p:grpSpPr>
+        <a:xfrm>
+          <a:off x="0" y="0"/>
+          <a:ext cx="0" cy="0"/>
+          <a:chOff x="0" y="0"/>
+          <a:chExt cx="0" cy="0"/>
+        </a:xfrm>
+      </p:grpSpPr>
+      <p:sp>
+        <p:nvSpPr>
+          <p:cNvPr id="7" name="Прямоугольник: скругленные углы 6">
+            <a:extLst>
+              <a:ext uri="{FF2B5EF4-FFF2-40B4-BE49-F238E27FC236}">
+                <a16:creationId xmlns:a16="http://schemas.microsoft.com/office/drawing/2014/main" id="{70CBFFBB-51AD-944E-D603-42FAC4C7FA71}"/>
+              </a:ext>
+            </a:extLst>
+          </p:cNvPr>
+          <p:cNvSpPr/>
+          <p:nvPr userDrawn="1"/>
+        </p:nvSpPr>
+        <p:spPr>
+          <a:xfrm>
+            <a:off x="2460380" y="133168"/>
+            <a:ext cx="7271239" cy="1059229"/>
+          </a:xfrm>
+          <a:prstGeom prst="roundRect">
+            <a:avLst/>
+          </a:prstGeom>
+          <a:solidFill>
+            <a:srgbClr val="D9CFC1"/>
+          </a:solidFill>
+          <a:ln w="127000" cmpd="sng">
+            <a:solidFill>
+              <a:srgbClr val="A77E58"/>
+            </a:solidFill>
+          </a:ln>
+        </p:spPr>
+        <p:style>
+          <a:lnRef idx="2">
+            <a:schemeClr val="accent1">
+              <a:shade val="50000"/>
+            </a:schemeClr>
+          </a:lnRef>
+          <a:fillRef idx="1">
+            <a:schemeClr val="accent1"/>
+          </a:fillRef>
+          <a:effectRef idx="0">
+            <a:schemeClr val="accent1"/>
+          </a:effectRef>
+          <a:fontRef idx="minor">
+            <a:schemeClr val="lt1"/>
+          </a:fontRef>
+        </p:style>
+        <p:txBody>
+          <a:bodyPr rtlCol="0" anchor="ctr"/>
+          <a:lstStyle/>
+          <a:p>
+            <a:pPr algn="ctr"/>
+            <a:endParaRPr lang="ru-RU" dirty="0"/>
+          </a:p>
+        </p:txBody>
+      </p:sp>
+      <p:sp>
+        <p:nvSpPr>
+          <p:cNvPr id="2" name="Заголовок 1">
+            <a:extLst>
+              <a:ext uri="{FF2B5EF4-FFF2-40B4-BE49-F238E27FC236}">
+                <a16:creationId xmlns:a16="http://schemas.microsoft.com/office/drawing/2014/main" id="{CDD7E628-C214-6D7E-2335-8E6B7281ED57}"/>
+              </a:ext>
+            </a:extLst>
+          </p:cNvPr>
+          <p:cNvSpPr>
+            <a:spLocks noGrp="1"/>
+          </p:cNvSpPr>
+          <p:nvPr>
+            <p:ph type="title" hasCustomPrompt="1"/>
+          </p:nvPr>
+        </p:nvSpPr>
+        <p:spPr>
+          <a:xfrm>
+            <a:off x="2739535" y="0"/>
+            <a:ext cx="6712928" cy="1325563"/>
+          </a:xfrm>
+          <a:prstGeom prst="rect">
+            <a:avLst/>
+          </a:prstGeom>
+          <a:noFill/>
+          <a:ln>
+            <a:noFill/>
+          </a:ln>
+        </p:spPr>
+        <p:style>
+          <a:lnRef idx="2">
+            <a:schemeClr val="accent1"/>
+          </a:lnRef>
+          <a:fillRef idx="1">
+            <a:schemeClr val="lt1"/>
+          </a:fillRef>
+          <a:effectRef idx="0">
+            <a:schemeClr val="accent1"/>
+          </a:effectRef>
+          <a:fontRef idx="minor">
+            <a:schemeClr val="dk1"/>
+          </a:fontRef>
+        </p:style>
+        <p:txBody>
+          <a:bodyPr anchor="ctr" anchorCtr="1"/>
+          <a:lstStyle>
+            <a:lvl1pPr algn="ctr">
+              <a:defRPr>
+                <a:solidFill>
+                  <a:srgbClr val="BA3F1D"/>
+                </a:solidFill>
+                <a:latin typeface="Segoe UI Black" panose="020B0A02040204020203" pitchFamily="34" charset="0"/>
+                <a:ea typeface="Segoe UI Black" panose="020B0A02040204020203" pitchFamily="34" charset="0"/>
+                <a:cs typeface="Segoe UI" panose="020B0502040204020203" pitchFamily="34" charset="0"/>
+              </a:defRPr>
+            </a:lvl1pPr>
+          </a:lstStyle>
+          <a:p>
+            <a:r>
+              <a:rPr lang="ru-RU" dirty="0"/>
+              <a:t>ОБРАЗЕЦ ЗАГОЛОВКА</a:t>
+            </a:r>
+          </a:p>
+        </p:txBody>
+      </p:sp>
+      <p:sp>
+        <p:nvSpPr>
+          <p:cNvPr id="4" name="Прямоугольный треугольник 3">
+            <a:extLst>
+              <a:ext uri="{FF2B5EF4-FFF2-40B4-BE49-F238E27FC236}">
+                <a16:creationId xmlns:a16="http://schemas.microsoft.com/office/drawing/2014/main" id="{7DF49CE2-B619-B250-FBD1-D59AFFEE7291}"/>
+              </a:ext>
+            </a:extLst>
+          </p:cNvPr>
+          <p:cNvSpPr/>
+          <p:nvPr userDrawn="1"/>
+        </p:nvSpPr>
+        <p:spPr>
+          <a:xfrm rot="5400000">
+            <a:off x="136689" y="-136689"/>
+            <a:ext cx="1216057" cy="1489435"/>
+          </a:xfrm>
+          <a:prstGeom prst="rtTriangle">
+            <a:avLst/>
+          </a:prstGeom>
+          <a:solidFill>
+            <a:srgbClr val="80A1C1"/>
+          </a:solidFill>
+          <a:ln>
+            <a:noFill/>
+          </a:ln>
+        </p:spPr>
+        <p:style>
+          <a:lnRef idx="2">
+            <a:schemeClr val="accent1">
+              <a:shade val="50000"/>
+            </a:schemeClr>
+          </a:lnRef>
+          <a:fillRef idx="1">
+            <a:schemeClr val="accent1"/>
+          </a:fillRef>
+          <a:effectRef idx="0">
+            <a:schemeClr val="accent1"/>
+          </a:effectRef>
+          <a:fontRef idx="minor">
+            <a:schemeClr val="lt1"/>
+          </a:fontRef>
+        </p:style>
+        <p:txBody>
+          <a:bodyPr rtlCol="0" anchor="ctr"/>
+          <a:lstStyle/>
+          <a:p>
+            <a:pPr algn="ctr"/>
+            <a:endParaRPr lang="ru-RU"/>
+          </a:p>
+        </p:txBody>
+      </p:sp>
+      <p:sp>
+        <p:nvSpPr>
+          <p:cNvPr id="8" name="Номер слайда 4">
+            <a:extLst>
+              <a:ext uri="{FF2B5EF4-FFF2-40B4-BE49-F238E27FC236}">
+                <a16:creationId xmlns:a16="http://schemas.microsoft.com/office/drawing/2014/main" id="{A3B985C5-126E-9C78-7612-99006E06809D}"/>
+              </a:ext>
+            </a:extLst>
+          </p:cNvPr>
+          <p:cNvSpPr txBox="1">
+            <a:spLocks/>
+          </p:cNvSpPr>
+          <p:nvPr userDrawn="1"/>
+        </p:nvSpPr>
+        <p:spPr>
+          <a:xfrm>
+            <a:off x="138235" y="0"/>
+            <a:ext cx="726440" cy="666115"/>
+          </a:xfrm>
+          <a:prstGeom prst="rect">
+            <a:avLst/>
+          </a:prstGeom>
+        </p:spPr>
+        <p:txBody>
+          <a:bodyPr wrap="none"/>
+          <a:lstStyle>
+            <a:defPPr>
+              <a:defRPr lang="ru-RU"/>
+            </a:defPPr>
+            <a:lvl1pPr marL="0" algn="l" defTabSz="914400" rtl="0" eaLnBrk="1" latinLnBrk="0" hangingPunct="1">
+              <a:defRPr sz="3200" kern="1200">
+                <a:ln>
+                  <a:solidFill>
+                    <a:srgbClr val="BA3F1D"/>
+                  </a:solidFill>
+                </a:ln>
+                <a:solidFill>
+                  <a:srgbClr val="BA3F1D"/>
+                </a:solidFill>
+                <a:latin typeface="Segoe UI Black" panose="020B0A02040204020203" pitchFamily="34" charset="0"/>
+                <a:ea typeface="Segoe UI Black" panose="020B0A02040204020203" pitchFamily="34" charset="0"/>
+                <a:cs typeface="Segoe UI" panose="020B0502040204020203" pitchFamily="34" charset="0"/>
+              </a:defRPr>
+            </a:lvl1pPr>
+            <a:lvl2pPr marL="457200" algn="l" defTabSz="914400" rtl="0" eaLnBrk="1" latinLnBrk="0" hangingPunct="1">
+              <a:defRPr sz="1800" kern="1200">
+                <a:solidFill>
+                  <a:schemeClr val="tx1"/>
+                </a:solidFill>
+                <a:latin typeface="+mn-lt"/>
+                <a:ea typeface="+mn-ea"/>
+                <a:cs typeface="+mn-cs"/>
+              </a:defRPr>
+            </a:lvl2pPr>
+            <a:lvl3pPr marL="914400" algn="l" defTabSz="914400" rtl="0" eaLnBrk="1" latinLnBrk="0" hangingPunct="1">
+              <a:defRPr sz="1800" kern="1200">
+                <a:solidFill>
+                  <a:schemeClr val="tx1"/>
+                </a:solidFill>
+                <a:latin typeface="+mn-lt"/>
+                <a:ea typeface="+mn-ea"/>
+                <a:cs typeface="+mn-cs"/>
+              </a:defRPr>
+            </a:lvl3pPr>
+            <a:lvl4pPr marL="1371600" algn="l" defTabSz="914400" rtl="0" eaLnBrk="1" latinLnBrk="0" hangingPunct="1">
+              <a:defRPr sz="1800" kern="1200">
+                <a:solidFill>
+                  <a:schemeClr val="tx1"/>
+                </a:solidFill>
+                <a:latin typeface="+mn-lt"/>
+                <a:ea typeface="+mn-ea"/>
+                <a:cs typeface="+mn-cs"/>
+              </a:defRPr>
+            </a:lvl4pPr>
+            <a:lvl5pPr marL="1828800" algn="l" defTabSz="914400" rtl="0" eaLnBrk="1" latinLnBrk="0" hangingPunct="1">
+              <a:defRPr sz="1800" kern="1200">
+                <a:solidFill>
+                  <a:schemeClr val="tx1"/>
+                </a:solidFill>
+                <a:latin typeface="+mn-lt"/>
+                <a:ea typeface="+mn-ea"/>
+                <a:cs typeface="+mn-cs"/>
+              </a:defRPr>
+            </a:lvl5pPr>
+            <a:lvl6pPr marL="2286000" algn="l" defTabSz="914400" rtl="0" eaLnBrk="1" latinLnBrk="0" hangingPunct="1">
+              <a:defRPr sz="1800" kern="1200">
+                <a:solidFill>
+                  <a:schemeClr val="tx1"/>
+                </a:solidFill>
+                <a:latin typeface="+mn-lt"/>
+                <a:ea typeface="+mn-ea"/>
+                <a:cs typeface="+mn-cs"/>
+              </a:defRPr>
+            </a:lvl6pPr>
+            <a:lvl7pPr marL="2743200" algn="l" defTabSz="914400" rtl="0" eaLnBrk="1" latinLnBrk="0" hangingPunct="1">
+              <a:defRPr sz="1800" kern="1200">
+                <a:solidFill>
+                  <a:schemeClr val="tx1"/>
+                </a:solidFill>
+                <a:latin typeface="+mn-lt"/>
+                <a:ea typeface="+mn-ea"/>
+                <a:cs typeface="+mn-cs"/>
+              </a:defRPr>
+            </a:lvl7pPr>
+            <a:lvl8pPr marL="3200400" algn="l" defTabSz="914400" rtl="0" eaLnBrk="1" latinLnBrk="0" hangingPunct="1">
+              <a:defRPr sz="1800" kern="1200">
+                <a:solidFill>
+                  <a:schemeClr val="tx1"/>
+                </a:solidFill>
+                <a:latin typeface="+mn-lt"/>
+                <a:ea typeface="+mn-ea"/>
+                <a:cs typeface="+mn-cs"/>
+              </a:defRPr>
+            </a:lvl8pPr>
+            <a:lvl9pPr marL="3657600" algn="l" defTabSz="914400" rtl="0" eaLnBrk="1" latinLnBrk="0" hangingPunct="1">
+              <a:defRPr sz="1800" kern="1200">
+                <a:solidFill>
+                  <a:schemeClr val="tx1"/>
+                </a:solidFill>
+                <a:latin typeface="+mn-lt"/>
+                <a:ea typeface="+mn-ea"/>
+                <a:cs typeface="+mn-cs"/>
+              </a:defRPr>
+            </a:lvl9pPr>
+          </a:lstStyle>
+          <a:p>
+            <a:pPr algn="l"/>
+            <a:fld id="{E19FFA4B-D21D-4474-B476-EF8C54CF5913}" type="slidenum">
+              <a:rPr lang="ru-RU" smtClean="0">
+                <a:ln>
+                  <a:solidFill>
+                    <a:srgbClr val="BA3F1D"/>
+                  </a:solidFill>
+                  <a:round/>
+                </a:ln>
+                <a:solidFill>
+                  <a:srgbClr val="BA3F1D"/>
+                </a:solidFill>
+              </a:rPr>
+              <a:pPr algn="l"/>
+              <a:t>‹#›</a:t>
+            </a:fld>
+            <a:endParaRPr lang="ru-RU" dirty="0">
+              <a:ln>
+                <a:solidFill>
+                  <a:srgbClr val="BA3F1D"/>
+                </a:solidFill>
+                <a:round/>
+              </a:ln>
+              <a:solidFill>
+                <a:srgbClr val="BA3F1D"/>
+              </a:solidFill>
+            </a:endParaRPr>
+          </a:p>
+        </p:txBody>
+      </p:sp>
+      <p:sp>
+        <p:nvSpPr>
+          <p:cNvPr id="16" name="Прямоугольник: скругленные углы 15">
+            <a:extLst>
+              <a:ext uri="{FF2B5EF4-FFF2-40B4-BE49-F238E27FC236}">
+                <a16:creationId xmlns:a16="http://schemas.microsoft.com/office/drawing/2014/main" id="{BB76CBCA-281C-8094-B0BB-27E173602624}"/>
+              </a:ext>
+            </a:extLst>
+          </p:cNvPr>
+          <p:cNvSpPr/>
+          <p:nvPr userDrawn="1"/>
+        </p:nvSpPr>
+        <p:spPr>
+          <a:xfrm>
+            <a:off x="211015" y="1567954"/>
+            <a:ext cx="4574663" cy="4940653"/>
+          </a:xfrm>
+          <a:prstGeom prst="roundRect">
+            <a:avLst/>
+          </a:prstGeom>
+          <a:solidFill>
+            <a:srgbClr val="D9CFC1"/>
+          </a:solidFill>
+          <a:ln w="127000" cmpd="sng">
+            <a:noFill/>
+          </a:ln>
+        </p:spPr>
+        <p:style>
+          <a:lnRef idx="2">
+            <a:schemeClr val="accent1">
+              <a:shade val="50000"/>
+            </a:schemeClr>
+          </a:lnRef>
+          <a:fillRef idx="1">
+            <a:schemeClr val="accent1"/>
+          </a:fillRef>
+          <a:effectRef idx="0">
+            <a:schemeClr val="accent1"/>
+          </a:effectRef>
+          <a:fontRef idx="minor">
+            <a:schemeClr val="lt1"/>
+          </a:fontRef>
+        </p:style>
+        <p:txBody>
+          <a:bodyPr rtlCol="0" anchor="ctr"/>
+          <a:lstStyle/>
+          <a:p>
+            <a:pPr algn="ctr"/>
+            <a:endParaRPr lang="ru-RU" dirty="0"/>
+          </a:p>
+        </p:txBody>
+      </p:sp>
+      <p:sp>
+        <p:nvSpPr>
+          <p:cNvPr id="18" name="Объект 17">
+            <a:extLst>
+              <a:ext uri="{FF2B5EF4-FFF2-40B4-BE49-F238E27FC236}">
+                <a16:creationId xmlns:a16="http://schemas.microsoft.com/office/drawing/2014/main" id="{E8120DB9-E026-0FD6-425C-351CF29A2684}"/>
+              </a:ext>
+            </a:extLst>
+          </p:cNvPr>
+          <p:cNvSpPr>
+            <a:spLocks noGrp="1"/>
+          </p:cNvSpPr>
+          <p:nvPr>
+            <p:ph sz="quarter" idx="11"/>
+          </p:nvPr>
+        </p:nvSpPr>
+        <p:spPr>
+          <a:xfrm>
+            <a:off x="4785678" y="1757044"/>
+            <a:ext cx="6928802" cy="4562475"/>
+          </a:xfrm>
+          <a:prstGeom prst="rect">
+            <a:avLst/>
+          </a:prstGeom>
+        </p:spPr>
+        <p:txBody>
+          <a:bodyPr/>
+          <a:lstStyle/>
+          <a:p>
+            <a:pPr lvl="0"/>
+            <a:r>
+              <a:rPr lang="ru-RU" dirty="0"/>
+              <a:t>Образец текста</a:t>
+            </a:r>
+          </a:p>
+          <a:p>
+            <a:pPr lvl="1"/>
+            <a:r>
+              <a:rPr lang="ru-RU" dirty="0"/>
+              <a:t>Второй уровень</a:t>
+            </a:r>
+          </a:p>
+          <a:p>
+            <a:pPr lvl="2"/>
+            <a:r>
+              <a:rPr lang="ru-RU" dirty="0"/>
+              <a:t>Третий уровень</a:t>
+            </a:r>
+          </a:p>
+          <a:p>
+            <a:pPr lvl="3"/>
+            <a:r>
+              <a:rPr lang="ru-RU" dirty="0"/>
+              <a:t>Четвертый уровень</a:t>
+            </a:r>
+          </a:p>
+          <a:p>
+            <a:pPr lvl="4"/>
+            <a:r>
+              <a:rPr lang="ru-RU" dirty="0"/>
+              <a:t>Пятый уровень</a:t>
+            </a:r>
+          </a:p>
+        </p:txBody>
+      </p:sp>
+      <p:sp>
+        <p:nvSpPr>
+          <p:cNvPr id="20" name="Объект 19">
+            <a:extLst>
+              <a:ext uri="{FF2B5EF4-FFF2-40B4-BE49-F238E27FC236}">
+                <a16:creationId xmlns:a16="http://schemas.microsoft.com/office/drawing/2014/main" id="{343D3BDB-2914-478B-F5DF-E3E36C769CB6}"/>
+              </a:ext>
+            </a:extLst>
+          </p:cNvPr>
+          <p:cNvSpPr>
+            <a:spLocks noGrp="1"/>
+          </p:cNvSpPr>
+          <p:nvPr>
+            <p:ph sz="quarter" idx="12"/>
+          </p:nvPr>
+        </p:nvSpPr>
+        <p:spPr>
+          <a:xfrm>
+            <a:off x="501455" y="1757044"/>
+            <a:ext cx="3959079" cy="4562475"/>
+          </a:xfrm>
+          <a:prstGeom prst="rect">
+            <a:avLst/>
+          </a:prstGeom>
+        </p:spPr>
+        <p:txBody>
+          <a:bodyPr/>
+          <a:lstStyle/>
+          <a:p>
+            <a:pPr lvl="0"/>
+            <a:r>
+              <a:rPr lang="ru-RU"/>
+              <a:t>Образец текста</a:t>
+            </a:r>
+          </a:p>
+          <a:p>
+            <a:pPr lvl="1"/>
+            <a:r>
+              <a:rPr lang="ru-RU"/>
+              <a:t>Второй уровень</a:t>
+            </a:r>
+          </a:p>
+          <a:p>
+            <a:pPr lvl="2"/>
+            <a:r>
+              <a:rPr lang="ru-RU"/>
+              <a:t>Третий уровень</a:t>
+            </a:r>
+          </a:p>
+          <a:p>
+            <a:pPr lvl="3"/>
+            <a:r>
+              <a:rPr lang="ru-RU"/>
+              <a:t>Четвертый уровень</a:t>
+            </a:r>
+          </a:p>
+          <a:p>
+            <a:pPr lvl="4"/>
+            <a:r>
+              <a:rPr lang="ru-RU"/>
+              <a:t>Пятый уровень</a:t>
+            </a:r>
+          </a:p>
+        </p:txBody>
+      </p:sp>
+    </p:spTree>
+    <p:extLst>
+      <p:ext uri="{BB962C8B-B14F-4D97-AF65-F5344CB8AC3E}">
+        <p14:creationId xmlns:p14="http://schemas.microsoft.com/office/powerpoint/2010/main" val="3693357101"/>
+      </p:ext>
+    </p:extLst>
+  </p:cSld>
+  <p:clrMapOvr>
+    <a:masterClrMapping/>
+  </p:clrMapOvr>
+</p:sldLayout>
+</file>
+
 <file path=ppt/slideMasters/slideMaster1.xml><?xml version="1.0" encoding="utf-8"?>
 <p:sldMaster xmlns:a="http://schemas.openxmlformats.org/drawingml/2006/main" xmlns:r="http://schemas.openxmlformats.org/officeDocument/2006/relationships" xmlns:p="http://schemas.openxmlformats.org/presentationml/2006/main">
   <p:cSld>
@@ -11383,6 +7755,7 @@
     <p:sldLayoutId id="2147483723" r:id="rId1"/>
     <p:sldLayoutId id="2147483724" r:id="rId2"/>
     <p:sldLayoutId id="2147483725" r:id="rId3"/>
+    <p:sldLayoutId id="2147483726" r:id="rId4"/>
   </p:sldLayoutIdLst>
   <p:hf hdr="0" ftr="0" dt="0"/>
   <p:txStyles>
@@ -11866,10 +8239,10 @@
       </p:grpSpPr>
       <p:sp>
         <p:nvSpPr>
-          <p:cNvPr id="5" name="Заголовок 4">
+          <p:cNvPr id="2" name="Заголовок 1">
             <a:extLst>
               <a:ext uri="{FF2B5EF4-FFF2-40B4-BE49-F238E27FC236}">
-                <a16:creationId xmlns:a16="http://schemas.microsoft.com/office/drawing/2014/main" id="{33FD2620-60F6-A03E-53AA-7F697B38478F}"/>
+                <a16:creationId xmlns:a16="http://schemas.microsoft.com/office/drawing/2014/main" id="{F15FFBDF-7EDE-D849-19AB-FC73B8DBF6D4}"/>
               </a:ext>
             </a:extLst>
           </p:cNvPr>
@@ -11887,86 +8260,17 @@
           <a:p>
             <a:r>
               <a:rPr lang="ru-RU" dirty="0"/>
-              <a:t>ТЕЕЕЕЕЕЕЕЕЕЕЕЕЕЕЕКСТ</a:t>
+              <a:t>ЦЕЛЬ И ЗАДАЧИ</a:t>
             </a:r>
           </a:p>
         </p:txBody>
       </p:sp>
       <p:sp>
         <p:nvSpPr>
-          <p:cNvPr id="9" name="TextBox 8">
+          <p:cNvPr id="5" name="Объект 4">
             <a:extLst>
               <a:ext uri="{FF2B5EF4-FFF2-40B4-BE49-F238E27FC236}">
-                <a16:creationId xmlns:a16="http://schemas.microsoft.com/office/drawing/2014/main" id="{A6223DB4-ED2B-81B4-0928-486D9F6E4A84}"/>
-              </a:ext>
-            </a:extLst>
-          </p:cNvPr>
-          <p:cNvSpPr txBox="1"/>
-          <p:nvPr/>
-        </p:nvSpPr>
-        <p:spPr>
-          <a:xfrm>
-            <a:off x="5232400" y="3244334"/>
-            <a:ext cx="1873333" cy="369332"/>
-          </a:xfrm>
-          <a:prstGeom prst="rect">
-            <a:avLst/>
-          </a:prstGeom>
-          <a:noFill/>
-        </p:spPr>
-        <p:txBody>
-          <a:bodyPr wrap="none" rtlCol="0">
-            <a:spAutoFit/>
-          </a:bodyPr>
-          <a:lstStyle/>
-          <a:p>
-            <a:r>
-              <a:rPr lang="ru-RU" dirty="0">
-                <a:solidFill>
-                  <a:srgbClr val="80A1C1"/>
-                </a:solidFill>
-              </a:rPr>
-              <a:t>Тут ничего нет…</a:t>
-            </a:r>
-          </a:p>
-        </p:txBody>
-      </p:sp>
-    </p:spTree>
-    <p:extLst>
-      <p:ext uri="{BB962C8B-B14F-4D97-AF65-F5344CB8AC3E}">
-        <p14:creationId xmlns:p14="http://schemas.microsoft.com/office/powerpoint/2010/main" val="633923872"/>
-      </p:ext>
-    </p:extLst>
-  </p:cSld>
-  <p:clrMapOvr>
-    <a:masterClrMapping/>
-  </p:clrMapOvr>
-</p:sld>
-</file>
-
-<file path=ppt/slides/slide3.xml><?xml version="1.0" encoding="utf-8"?>
-<p:sld xmlns:a="http://schemas.openxmlformats.org/drawingml/2006/main" xmlns:r="http://schemas.openxmlformats.org/officeDocument/2006/relationships" xmlns:p="http://schemas.openxmlformats.org/presentationml/2006/main">
-  <p:cSld>
-    <p:spTree>
-      <p:nvGrpSpPr>
-        <p:cNvPr id="1" name=""/>
-        <p:cNvGrpSpPr/>
-        <p:nvPr/>
-      </p:nvGrpSpPr>
-      <p:grpSpPr>
-        <a:xfrm>
-          <a:off x="0" y="0"/>
-          <a:ext cx="0" cy="0"/>
-          <a:chOff x="0" y="0"/>
-          <a:chExt cx="0" cy="0"/>
-        </a:xfrm>
-      </p:grpSpPr>
-      <p:sp>
-        <p:nvSpPr>
-          <p:cNvPr id="2" name="Заголовок 1">
-            <a:extLst>
-              <a:ext uri="{FF2B5EF4-FFF2-40B4-BE49-F238E27FC236}">
-                <a16:creationId xmlns:a16="http://schemas.microsoft.com/office/drawing/2014/main" id="{E043C33E-9F43-C94B-FDB8-2272DBF7BC00}"/>
+                <a16:creationId xmlns:a16="http://schemas.microsoft.com/office/drawing/2014/main" id="{53B99152-45D9-0B77-45E8-E009134BC37B}"/>
               </a:ext>
             </a:extLst>
           </p:cNvPr>
@@ -11974,7 +8278,7 @@
             <a:spLocks noGrp="1"/>
           </p:cNvSpPr>
           <p:nvPr>
-            <p:ph type="title"/>
+            <p:ph sz="quarter" idx="11"/>
           </p:nvPr>
         </p:nvSpPr>
         <p:spPr/>
@@ -11982,50 +8286,195 @@
           <a:bodyPr/>
           <a:lstStyle/>
           <a:p>
+            <a:pPr marL="0" indent="0">
+              <a:spcBef>
+                <a:spcPts val="600"/>
+              </a:spcBef>
+              <a:spcAft>
+                <a:spcPts val="600"/>
+              </a:spcAft>
+              <a:buNone/>
+            </a:pPr>
             <a:r>
-              <a:rPr lang="ru-RU" dirty="0"/>
-              <a:t>КАЙФ</a:t>
+              <a:rPr lang="ru-RU" dirty="0">
+                <a:solidFill>
+                  <a:srgbClr val="BA3F1D"/>
+                </a:solidFill>
+                <a:effectLst/>
+                <a:latin typeface="+mj-lt"/>
+              </a:rPr>
+              <a:t>Цель проекта: </a:t>
             </a:r>
+          </a:p>
+          <a:p>
+            <a:pPr marL="0" indent="0">
+              <a:spcBef>
+                <a:spcPts val="600"/>
+              </a:spcBef>
+              <a:spcAft>
+                <a:spcPts val="600"/>
+              </a:spcAft>
+              <a:buNone/>
+            </a:pPr>
+            <a:r>
+              <a:rPr lang="ru-RU" sz="2000" dirty="0">
+                <a:solidFill>
+                  <a:srgbClr val="A77E58"/>
+                </a:solidFill>
+                <a:latin typeface="Times New Roman" panose="02020603050405020304" pitchFamily="18" charset="0"/>
+              </a:rPr>
+              <a:t>Р</a:t>
+            </a:r>
+            <a:r>
+              <a:rPr lang="ru-RU" sz="2000" dirty="0">
+                <a:solidFill>
+                  <a:srgbClr val="A77E58"/>
+                </a:solidFill>
+                <a:effectLst/>
+                <a:latin typeface="Times New Roman" panose="02020603050405020304" pitchFamily="18" charset="0"/>
+                <a:ea typeface="Times New Roman" panose="02020603050405020304" pitchFamily="18" charset="0"/>
+              </a:rPr>
+              <a:t>азработка и тестирование контроллера курятника с возможностью развития.</a:t>
+            </a:r>
+          </a:p>
+          <a:p>
+            <a:pPr marL="0" indent="0">
+              <a:spcBef>
+                <a:spcPts val="600"/>
+              </a:spcBef>
+              <a:spcAft>
+                <a:spcPts val="600"/>
+              </a:spcAft>
+              <a:buNone/>
+            </a:pPr>
+            <a:r>
+              <a:rPr lang="ru-RU" b="1" dirty="0">
+                <a:solidFill>
+                  <a:srgbClr val="BA3F1D"/>
+                </a:solidFill>
+                <a:effectLst/>
+                <a:latin typeface="Segoe UI Black" panose="020B0A02040204020203" pitchFamily="34" charset="0"/>
+                <a:ea typeface="Segoe UI Black" panose="020B0A02040204020203" pitchFamily="34" charset="0"/>
+              </a:rPr>
+              <a:t>Задачи:</a:t>
+            </a:r>
+            <a:endParaRPr lang="en-US" b="1" dirty="0">
+              <a:solidFill>
+                <a:srgbClr val="BA3F1D"/>
+              </a:solidFill>
+              <a:effectLst/>
+              <a:latin typeface="Segoe UI Black" panose="020B0A02040204020203" pitchFamily="34" charset="0"/>
+              <a:ea typeface="Segoe UI Black" panose="020B0A02040204020203" pitchFamily="34" charset="0"/>
+            </a:endParaRPr>
+          </a:p>
+          <a:p>
+            <a:pPr marL="342900" indent="-342900">
+              <a:spcBef>
+                <a:spcPts val="600"/>
+              </a:spcBef>
+              <a:spcAft>
+                <a:spcPts val="600"/>
+              </a:spcAft>
+              <a:buFont typeface="+mj-lt"/>
+              <a:buAutoNum type="arabicPeriod"/>
+            </a:pPr>
+            <a:r>
+              <a:rPr lang="ru-RU" sz="1800" dirty="0">
+                <a:solidFill>
+                  <a:srgbClr val="A77E58"/>
+                </a:solidFill>
+                <a:effectLst/>
+                <a:ea typeface="Times New Roman" panose="02020603050405020304" pitchFamily="18" charset="0"/>
+              </a:rPr>
+              <a:t>Изучение аналогов и литературы</a:t>
+            </a:r>
+          </a:p>
+          <a:p>
+            <a:pPr marL="342900" lvl="0" indent="-342900" algn="just">
+              <a:lnSpc>
+                <a:spcPct val="150000"/>
+              </a:lnSpc>
+              <a:buFont typeface="+mj-lt"/>
+              <a:buAutoNum type="arabicPeriod"/>
+            </a:pPr>
+            <a:r>
+              <a:rPr lang="ru-RU" sz="1800" dirty="0">
+                <a:solidFill>
+                  <a:srgbClr val="A77E58"/>
+                </a:solidFill>
+                <a:effectLst/>
+                <a:ea typeface="Times New Roman" panose="02020603050405020304" pitchFamily="18" charset="0"/>
+              </a:rPr>
+              <a:t>Разработка и сборка контроллера, корпуса к нему</a:t>
+            </a:r>
+          </a:p>
+          <a:p>
+            <a:pPr marL="342900" lvl="0" indent="-342900" algn="just">
+              <a:lnSpc>
+                <a:spcPct val="150000"/>
+              </a:lnSpc>
+              <a:buFont typeface="+mj-lt"/>
+              <a:buAutoNum type="arabicPeriod"/>
+            </a:pPr>
+            <a:r>
+              <a:rPr lang="ru-RU" sz="1800" dirty="0">
+                <a:solidFill>
+                  <a:srgbClr val="A77E58"/>
+                </a:solidFill>
+                <a:effectLst/>
+                <a:ea typeface="Times New Roman" panose="02020603050405020304" pitchFamily="18" charset="0"/>
+              </a:rPr>
+              <a:t>Разработка печатной платы на базе микроконтроллера atmega328p</a:t>
+            </a:r>
+          </a:p>
+          <a:p>
+            <a:pPr marL="342900" lvl="0" indent="-342900" algn="just">
+              <a:lnSpc>
+                <a:spcPct val="150000"/>
+              </a:lnSpc>
+              <a:buFont typeface="+mj-lt"/>
+              <a:buAutoNum type="arabicPeriod"/>
+            </a:pPr>
+            <a:r>
+              <a:rPr lang="ru-RU" sz="1800" dirty="0">
+                <a:solidFill>
+                  <a:srgbClr val="A77E58"/>
+                </a:solidFill>
+                <a:effectLst/>
+                <a:ea typeface="Times New Roman" panose="02020603050405020304" pitchFamily="18" charset="0"/>
+              </a:rPr>
+              <a:t>Разработка андроид-приложения</a:t>
+            </a:r>
+          </a:p>
+          <a:p>
+            <a:pPr marL="342900" indent="-342900">
+              <a:buFont typeface="+mj-lt"/>
+              <a:buAutoNum type="arabicPeriod"/>
+            </a:pPr>
+            <a:r>
+              <a:rPr lang="ru-RU" sz="1800" dirty="0">
+                <a:solidFill>
+                  <a:srgbClr val="A77E58"/>
+                </a:solidFill>
+                <a:effectLst/>
+                <a:ea typeface="Times New Roman" panose="02020603050405020304" pitchFamily="18" charset="0"/>
+              </a:rPr>
+              <a:t>Встраивание системы в обычный курятник и тестирование</a:t>
+            </a:r>
+            <a:endParaRPr lang="ru-RU" dirty="0">
+              <a:solidFill>
+                <a:srgbClr val="A77E58"/>
+              </a:solidFill>
+            </a:endParaRPr>
           </a:p>
         </p:txBody>
       </p:sp>
-      <p:graphicFrame>
-        <p:nvGraphicFramePr>
-          <p:cNvPr id="7" name="Объект 6">
+      <p:sp>
+        <p:nvSpPr>
+          <p:cNvPr id="6" name="Объект 5">
             <a:extLst>
               <a:ext uri="{FF2B5EF4-FFF2-40B4-BE49-F238E27FC236}">
-                <a16:creationId xmlns:a16="http://schemas.microsoft.com/office/drawing/2014/main" id="{95B07A4B-C76E-DACB-57BC-8247ACA762A1}"/>
-              </a:ext>
-            </a:extLst>
-          </p:cNvPr>
-          <p:cNvGraphicFramePr>
-            <a:graphicFrameLocks noGrp="1"/>
-          </p:cNvGraphicFramePr>
-          <p:nvPr>
-            <p:ph sz="quarter" idx="11"/>
-            <p:extLst>
-              <p:ext uri="{D42A27DB-BD31-4B8C-83A1-F6EECF244321}">
-                <p14:modId xmlns:p14="http://schemas.microsoft.com/office/powerpoint/2010/main" val="1374379360"/>
-              </p:ext>
-            </p:extLst>
-          </p:nvPr>
-        </p:nvGraphicFramePr>
-        <p:xfrm>
-          <a:off x="4786313" y="1757363"/>
-          <a:ext cx="6785927" cy="4562475"/>
-        </p:xfrm>
-        <a:graphic>
-          <a:graphicData uri="http://schemas.openxmlformats.org/drawingml/2006/diagram">
-            <dgm:relIds xmlns:dgm="http://schemas.openxmlformats.org/drawingml/2006/diagram" xmlns:r="http://schemas.openxmlformats.org/officeDocument/2006/relationships" r:dm="rId2" r:lo="rId3" r:qs="rId4" r:cs="rId5"/>
-          </a:graphicData>
-        </a:graphic>
-      </p:graphicFrame>
-      <p:sp>
-        <p:nvSpPr>
-          <p:cNvPr id="4" name="Объект 3">
-            <a:extLst>
-              <a:ext uri="{FF2B5EF4-FFF2-40B4-BE49-F238E27FC236}">
-                <a16:creationId xmlns:a16="http://schemas.microsoft.com/office/drawing/2014/main" id="{FC1F07BC-B803-5759-AAA9-15E83374354C}"/>
+                <a16:creationId xmlns:a16="http://schemas.microsoft.com/office/drawing/2014/main" id="{A2C43E48-9D57-4D10-01B8-E9FFC2F020B5}"/>
               </a:ext>
             </a:extLst>
           </p:cNvPr>
@@ -12041,44 +8490,14 @@
           <a:bodyPr/>
           <a:lstStyle/>
           <a:p>
-            <a:pPr algn="just"/>
-            <a:r>
-              <a:rPr lang="ru-RU" sz="3200" dirty="0">
-                <a:solidFill>
-                  <a:srgbClr val="80A1C1"/>
-                </a:solidFill>
-              </a:rPr>
-              <a:t>На этом слайде вы можете увидеть, чем занимался Иван вместо сочинения</a:t>
-            </a:r>
-          </a:p>
-          <a:p>
-            <a:pPr algn="just"/>
-            <a:r>
-              <a:rPr lang="ru-RU" sz="3200" dirty="0">
-                <a:solidFill>
-                  <a:srgbClr val="80A1C1"/>
-                </a:solidFill>
-              </a:rPr>
-              <a:t>А ещё Иван завтра полуживой будет</a:t>
-            </a:r>
-          </a:p>
-          <a:p>
-            <a:pPr algn="just"/>
-            <a:r>
-              <a:rPr lang="ru-RU" sz="3200" dirty="0">
-                <a:solidFill>
-                  <a:srgbClr val="80A1C1"/>
-                </a:solidFill>
-              </a:rPr>
-              <a:t>Ибо спать надо ночью</a:t>
-            </a:r>
+            <a:endParaRPr lang="ru-RU" dirty="0"/>
           </a:p>
         </p:txBody>
       </p:sp>
     </p:spTree>
     <p:extLst>
       <p:ext uri="{BB962C8B-B14F-4D97-AF65-F5344CB8AC3E}">
-        <p14:creationId xmlns:p14="http://schemas.microsoft.com/office/powerpoint/2010/main" val="2166389280"/>
+        <p14:creationId xmlns:p14="http://schemas.microsoft.com/office/powerpoint/2010/main" val="1263051285"/>
       </p:ext>
     </p:extLst>
   </p:cSld>
@@ -12088,7 +8507,7 @@
 </p:sld>
 </file>
 
-<file path=ppt/slides/slide4.xml><?xml version="1.0" encoding="utf-8"?>
+<file path=ppt/slides/slide3.xml><?xml version="1.0" encoding="utf-8"?>
 <p:sld xmlns:a="http://schemas.openxmlformats.org/drawingml/2006/main" xmlns:r="http://schemas.openxmlformats.org/officeDocument/2006/relationships" xmlns:p="http://schemas.openxmlformats.org/presentationml/2006/main">
   <p:cSld>
     <p:spTree>
@@ -12154,7 +8573,7 @@
           <a:bodyPr/>
           <a:lstStyle/>
           <a:p>
-            <a:endParaRPr lang="ru-RU"/>
+            <a:endParaRPr lang="ru-RU" dirty="0"/>
           </a:p>
         </p:txBody>
       </p:sp>

--- a/Documents/SChickenPresent-SakulinIM.pptx
+++ b/Documents/SChickenPresent-SakulinIM.pptx
@@ -5,12 +5,13 @@
     <p:sldMasterId id="2147483722" r:id="rId1"/>
   </p:sldMasterIdLst>
   <p:notesMasterIdLst>
-    <p:notesMasterId r:id="rId5"/>
+    <p:notesMasterId r:id="rId6"/>
   </p:notesMasterIdLst>
   <p:sldIdLst>
     <p:sldId id="257" r:id="rId2"/>
     <p:sldId id="262" r:id="rId3"/>
     <p:sldId id="261" r:id="rId4"/>
+    <p:sldId id="263" r:id="rId5"/>
   </p:sldIdLst>
   <p:sldSz cx="12192000" cy="6858000"/>
   <p:notesSz cx="6858000" cy="9144000"/>
@@ -5412,7 +5413,7 @@
           <a:p>
             <a:fld id="{1C00400B-9278-43CF-8C74-4C0FA987AB11}" type="datetimeFigureOut">
               <a:rPr lang="ru-RU" smtClean="0"/>
-              <a:t>06.02.2023</a:t>
+              <a:t>07.02.2023</a:t>
             </a:fld>
             <a:endParaRPr lang="ru-RU"/>
           </a:p>
@@ -7368,6 +7369,597 @@
 </p:sldLayout>
 </file>
 
+<file path=ppt/slideLayouts/slideLayout5.xml><?xml version="1.0" encoding="utf-8"?>
+<p:sldLayout xmlns:a="http://schemas.openxmlformats.org/drawingml/2006/main" xmlns:r="http://schemas.openxmlformats.org/officeDocument/2006/relationships" xmlns:p="http://schemas.openxmlformats.org/presentationml/2006/main" preserve="1" userDrawn="1">
+  <p:cSld name="2_Ресурс">
+    <p:spTree>
+      <p:nvGrpSpPr>
+        <p:cNvPr id="1" name=""/>
+        <p:cNvGrpSpPr/>
+        <p:nvPr/>
+      </p:nvGrpSpPr>
+      <p:grpSpPr>
+        <a:xfrm>
+          <a:off x="0" y="0"/>
+          <a:ext cx="0" cy="0"/>
+          <a:chOff x="0" y="0"/>
+          <a:chExt cx="0" cy="0"/>
+        </a:xfrm>
+      </p:grpSpPr>
+      <p:sp>
+        <p:nvSpPr>
+          <p:cNvPr id="7" name="Прямоугольник: скругленные углы 6">
+            <a:extLst>
+              <a:ext uri="{FF2B5EF4-FFF2-40B4-BE49-F238E27FC236}">
+                <a16:creationId xmlns:a16="http://schemas.microsoft.com/office/drawing/2014/main" id="{70CBFFBB-51AD-944E-D603-42FAC4C7FA71}"/>
+              </a:ext>
+            </a:extLst>
+          </p:cNvPr>
+          <p:cNvSpPr/>
+          <p:nvPr userDrawn="1"/>
+        </p:nvSpPr>
+        <p:spPr>
+          <a:xfrm>
+            <a:off x="2460380" y="133168"/>
+            <a:ext cx="7271239" cy="1059229"/>
+          </a:xfrm>
+          <a:prstGeom prst="roundRect">
+            <a:avLst/>
+          </a:prstGeom>
+          <a:solidFill>
+            <a:srgbClr val="D9CFC1"/>
+          </a:solidFill>
+          <a:ln w="127000" cmpd="sng">
+            <a:solidFill>
+              <a:srgbClr val="A77E58"/>
+            </a:solidFill>
+          </a:ln>
+        </p:spPr>
+        <p:style>
+          <a:lnRef idx="2">
+            <a:schemeClr val="accent1">
+              <a:shade val="50000"/>
+            </a:schemeClr>
+          </a:lnRef>
+          <a:fillRef idx="1">
+            <a:schemeClr val="accent1"/>
+          </a:fillRef>
+          <a:effectRef idx="0">
+            <a:schemeClr val="accent1"/>
+          </a:effectRef>
+          <a:fontRef idx="minor">
+            <a:schemeClr val="lt1"/>
+          </a:fontRef>
+        </p:style>
+        <p:txBody>
+          <a:bodyPr rtlCol="0" anchor="ctr"/>
+          <a:lstStyle/>
+          <a:p>
+            <a:pPr algn="ctr"/>
+            <a:endParaRPr lang="ru-RU" dirty="0"/>
+          </a:p>
+        </p:txBody>
+      </p:sp>
+      <p:sp>
+        <p:nvSpPr>
+          <p:cNvPr id="2" name="Заголовок 1">
+            <a:extLst>
+              <a:ext uri="{FF2B5EF4-FFF2-40B4-BE49-F238E27FC236}">
+                <a16:creationId xmlns:a16="http://schemas.microsoft.com/office/drawing/2014/main" id="{CDD7E628-C214-6D7E-2335-8E6B7281ED57}"/>
+              </a:ext>
+            </a:extLst>
+          </p:cNvPr>
+          <p:cNvSpPr>
+            <a:spLocks noGrp="1"/>
+          </p:cNvSpPr>
+          <p:nvPr>
+            <p:ph type="title" hasCustomPrompt="1"/>
+          </p:nvPr>
+        </p:nvSpPr>
+        <p:spPr>
+          <a:xfrm>
+            <a:off x="2739535" y="0"/>
+            <a:ext cx="6712928" cy="1325563"/>
+          </a:xfrm>
+          <a:prstGeom prst="rect">
+            <a:avLst/>
+          </a:prstGeom>
+          <a:noFill/>
+          <a:ln>
+            <a:noFill/>
+          </a:ln>
+        </p:spPr>
+        <p:style>
+          <a:lnRef idx="2">
+            <a:schemeClr val="accent1"/>
+          </a:lnRef>
+          <a:fillRef idx="1">
+            <a:schemeClr val="lt1"/>
+          </a:fillRef>
+          <a:effectRef idx="0">
+            <a:schemeClr val="accent1"/>
+          </a:effectRef>
+          <a:fontRef idx="minor">
+            <a:schemeClr val="dk1"/>
+          </a:fontRef>
+        </p:style>
+        <p:txBody>
+          <a:bodyPr anchor="ctr" anchorCtr="1"/>
+          <a:lstStyle>
+            <a:lvl1pPr algn="ctr">
+              <a:defRPr>
+                <a:solidFill>
+                  <a:srgbClr val="BA3F1D"/>
+                </a:solidFill>
+                <a:latin typeface="Segoe UI Black" panose="020B0A02040204020203" pitchFamily="34" charset="0"/>
+                <a:ea typeface="Segoe UI Black" panose="020B0A02040204020203" pitchFamily="34" charset="0"/>
+                <a:cs typeface="Segoe UI" panose="020B0502040204020203" pitchFamily="34" charset="0"/>
+              </a:defRPr>
+            </a:lvl1pPr>
+          </a:lstStyle>
+          <a:p>
+            <a:r>
+              <a:rPr lang="ru-RU" dirty="0"/>
+              <a:t>ОБРАЗЕЦ ЗАГОЛОВКА</a:t>
+            </a:r>
+          </a:p>
+        </p:txBody>
+      </p:sp>
+      <p:sp>
+        <p:nvSpPr>
+          <p:cNvPr id="4" name="Прямоугольный треугольник 3">
+            <a:extLst>
+              <a:ext uri="{FF2B5EF4-FFF2-40B4-BE49-F238E27FC236}">
+                <a16:creationId xmlns:a16="http://schemas.microsoft.com/office/drawing/2014/main" id="{7DF49CE2-B619-B250-FBD1-D59AFFEE7291}"/>
+              </a:ext>
+            </a:extLst>
+          </p:cNvPr>
+          <p:cNvSpPr/>
+          <p:nvPr userDrawn="1"/>
+        </p:nvSpPr>
+        <p:spPr>
+          <a:xfrm rot="5400000">
+            <a:off x="136689" y="-136689"/>
+            <a:ext cx="1216057" cy="1489435"/>
+          </a:xfrm>
+          <a:prstGeom prst="rtTriangle">
+            <a:avLst/>
+          </a:prstGeom>
+          <a:solidFill>
+            <a:srgbClr val="80A1C1"/>
+          </a:solidFill>
+          <a:ln>
+            <a:noFill/>
+          </a:ln>
+        </p:spPr>
+        <p:style>
+          <a:lnRef idx="2">
+            <a:schemeClr val="accent1">
+              <a:shade val="50000"/>
+            </a:schemeClr>
+          </a:lnRef>
+          <a:fillRef idx="1">
+            <a:schemeClr val="accent1"/>
+          </a:fillRef>
+          <a:effectRef idx="0">
+            <a:schemeClr val="accent1"/>
+          </a:effectRef>
+          <a:fontRef idx="minor">
+            <a:schemeClr val="lt1"/>
+          </a:fontRef>
+        </p:style>
+        <p:txBody>
+          <a:bodyPr rtlCol="0" anchor="ctr"/>
+          <a:lstStyle/>
+          <a:p>
+            <a:pPr algn="ctr"/>
+            <a:endParaRPr lang="ru-RU"/>
+          </a:p>
+        </p:txBody>
+      </p:sp>
+      <p:sp>
+        <p:nvSpPr>
+          <p:cNvPr id="8" name="Номер слайда 4">
+            <a:extLst>
+              <a:ext uri="{FF2B5EF4-FFF2-40B4-BE49-F238E27FC236}">
+                <a16:creationId xmlns:a16="http://schemas.microsoft.com/office/drawing/2014/main" id="{A3B985C5-126E-9C78-7612-99006E06809D}"/>
+              </a:ext>
+            </a:extLst>
+          </p:cNvPr>
+          <p:cNvSpPr txBox="1">
+            <a:spLocks/>
+          </p:cNvSpPr>
+          <p:nvPr userDrawn="1"/>
+        </p:nvSpPr>
+        <p:spPr>
+          <a:xfrm>
+            <a:off x="138235" y="0"/>
+            <a:ext cx="726440" cy="666115"/>
+          </a:xfrm>
+          <a:prstGeom prst="rect">
+            <a:avLst/>
+          </a:prstGeom>
+        </p:spPr>
+        <p:txBody>
+          <a:bodyPr wrap="none"/>
+          <a:lstStyle>
+            <a:defPPr>
+              <a:defRPr lang="ru-RU"/>
+            </a:defPPr>
+            <a:lvl1pPr marL="0" algn="l" defTabSz="914400" rtl="0" eaLnBrk="1" latinLnBrk="0" hangingPunct="1">
+              <a:defRPr sz="3200" kern="1200">
+                <a:ln>
+                  <a:solidFill>
+                    <a:srgbClr val="BA3F1D"/>
+                  </a:solidFill>
+                </a:ln>
+                <a:solidFill>
+                  <a:srgbClr val="BA3F1D"/>
+                </a:solidFill>
+                <a:latin typeface="Segoe UI Black" panose="020B0A02040204020203" pitchFamily="34" charset="0"/>
+                <a:ea typeface="Segoe UI Black" panose="020B0A02040204020203" pitchFamily="34" charset="0"/>
+                <a:cs typeface="Segoe UI" panose="020B0502040204020203" pitchFamily="34" charset="0"/>
+              </a:defRPr>
+            </a:lvl1pPr>
+            <a:lvl2pPr marL="457200" algn="l" defTabSz="914400" rtl="0" eaLnBrk="1" latinLnBrk="0" hangingPunct="1">
+              <a:defRPr sz="1800" kern="1200">
+                <a:solidFill>
+                  <a:schemeClr val="tx1"/>
+                </a:solidFill>
+                <a:latin typeface="+mn-lt"/>
+                <a:ea typeface="+mn-ea"/>
+                <a:cs typeface="+mn-cs"/>
+              </a:defRPr>
+            </a:lvl2pPr>
+            <a:lvl3pPr marL="914400" algn="l" defTabSz="914400" rtl="0" eaLnBrk="1" latinLnBrk="0" hangingPunct="1">
+              <a:defRPr sz="1800" kern="1200">
+                <a:solidFill>
+                  <a:schemeClr val="tx1"/>
+                </a:solidFill>
+                <a:latin typeface="+mn-lt"/>
+                <a:ea typeface="+mn-ea"/>
+                <a:cs typeface="+mn-cs"/>
+              </a:defRPr>
+            </a:lvl3pPr>
+            <a:lvl4pPr marL="1371600" algn="l" defTabSz="914400" rtl="0" eaLnBrk="1" latinLnBrk="0" hangingPunct="1">
+              <a:defRPr sz="1800" kern="1200">
+                <a:solidFill>
+                  <a:schemeClr val="tx1"/>
+                </a:solidFill>
+                <a:latin typeface="+mn-lt"/>
+                <a:ea typeface="+mn-ea"/>
+                <a:cs typeface="+mn-cs"/>
+              </a:defRPr>
+            </a:lvl4pPr>
+            <a:lvl5pPr marL="1828800" algn="l" defTabSz="914400" rtl="0" eaLnBrk="1" latinLnBrk="0" hangingPunct="1">
+              <a:defRPr sz="1800" kern="1200">
+                <a:solidFill>
+                  <a:schemeClr val="tx1"/>
+                </a:solidFill>
+                <a:latin typeface="+mn-lt"/>
+                <a:ea typeface="+mn-ea"/>
+                <a:cs typeface="+mn-cs"/>
+              </a:defRPr>
+            </a:lvl5pPr>
+            <a:lvl6pPr marL="2286000" algn="l" defTabSz="914400" rtl="0" eaLnBrk="1" latinLnBrk="0" hangingPunct="1">
+              <a:defRPr sz="1800" kern="1200">
+                <a:solidFill>
+                  <a:schemeClr val="tx1"/>
+                </a:solidFill>
+                <a:latin typeface="+mn-lt"/>
+                <a:ea typeface="+mn-ea"/>
+                <a:cs typeface="+mn-cs"/>
+              </a:defRPr>
+            </a:lvl6pPr>
+            <a:lvl7pPr marL="2743200" algn="l" defTabSz="914400" rtl="0" eaLnBrk="1" latinLnBrk="0" hangingPunct="1">
+              <a:defRPr sz="1800" kern="1200">
+                <a:solidFill>
+                  <a:schemeClr val="tx1"/>
+                </a:solidFill>
+                <a:latin typeface="+mn-lt"/>
+                <a:ea typeface="+mn-ea"/>
+                <a:cs typeface="+mn-cs"/>
+              </a:defRPr>
+            </a:lvl7pPr>
+            <a:lvl8pPr marL="3200400" algn="l" defTabSz="914400" rtl="0" eaLnBrk="1" latinLnBrk="0" hangingPunct="1">
+              <a:defRPr sz="1800" kern="1200">
+                <a:solidFill>
+                  <a:schemeClr val="tx1"/>
+                </a:solidFill>
+                <a:latin typeface="+mn-lt"/>
+                <a:ea typeface="+mn-ea"/>
+                <a:cs typeface="+mn-cs"/>
+              </a:defRPr>
+            </a:lvl8pPr>
+            <a:lvl9pPr marL="3657600" algn="l" defTabSz="914400" rtl="0" eaLnBrk="1" latinLnBrk="0" hangingPunct="1">
+              <a:defRPr sz="1800" kern="1200">
+                <a:solidFill>
+                  <a:schemeClr val="tx1"/>
+                </a:solidFill>
+                <a:latin typeface="+mn-lt"/>
+                <a:ea typeface="+mn-ea"/>
+                <a:cs typeface="+mn-cs"/>
+              </a:defRPr>
+            </a:lvl9pPr>
+          </a:lstStyle>
+          <a:p>
+            <a:pPr algn="l"/>
+            <a:fld id="{E19FFA4B-D21D-4474-B476-EF8C54CF5913}" type="slidenum">
+              <a:rPr lang="ru-RU" smtClean="0">
+                <a:ln>
+                  <a:solidFill>
+                    <a:srgbClr val="BA3F1D"/>
+                  </a:solidFill>
+                  <a:round/>
+                </a:ln>
+                <a:solidFill>
+                  <a:srgbClr val="BA3F1D"/>
+                </a:solidFill>
+              </a:rPr>
+              <a:pPr algn="l"/>
+              <a:t>‹#›</a:t>
+            </a:fld>
+            <a:endParaRPr lang="ru-RU" dirty="0">
+              <a:ln>
+                <a:solidFill>
+                  <a:srgbClr val="BA3F1D"/>
+                </a:solidFill>
+                <a:round/>
+              </a:ln>
+              <a:solidFill>
+                <a:srgbClr val="BA3F1D"/>
+              </a:solidFill>
+            </a:endParaRPr>
+          </a:p>
+        </p:txBody>
+      </p:sp>
+      <p:sp>
+        <p:nvSpPr>
+          <p:cNvPr id="3" name="Прямоугольник: скругленные углы 2">
+            <a:extLst>
+              <a:ext uri="{FF2B5EF4-FFF2-40B4-BE49-F238E27FC236}">
+                <a16:creationId xmlns:a16="http://schemas.microsoft.com/office/drawing/2014/main" id="{774763B2-CA22-9C45-67A0-82FCB0792BF4}"/>
+              </a:ext>
+            </a:extLst>
+          </p:cNvPr>
+          <p:cNvSpPr/>
+          <p:nvPr userDrawn="1"/>
+        </p:nvSpPr>
+        <p:spPr>
+          <a:xfrm>
+            <a:off x="6365631" y="2233246"/>
+            <a:ext cx="5391515" cy="4275361"/>
+          </a:xfrm>
+          <a:prstGeom prst="roundRect">
+            <a:avLst/>
+          </a:prstGeom>
+          <a:solidFill>
+            <a:srgbClr val="D9CFC1"/>
+          </a:solidFill>
+          <a:ln w="127000" cmpd="sng">
+            <a:noFill/>
+          </a:ln>
+        </p:spPr>
+        <p:style>
+          <a:lnRef idx="2">
+            <a:schemeClr val="accent1">
+              <a:shade val="50000"/>
+            </a:schemeClr>
+          </a:lnRef>
+          <a:fillRef idx="1">
+            <a:schemeClr val="accent1"/>
+          </a:fillRef>
+          <a:effectRef idx="0">
+            <a:schemeClr val="accent1"/>
+          </a:effectRef>
+          <a:fontRef idx="minor">
+            <a:schemeClr val="lt1"/>
+          </a:fontRef>
+        </p:style>
+        <p:txBody>
+          <a:bodyPr rtlCol="0" anchor="ctr"/>
+          <a:lstStyle/>
+          <a:p>
+            <a:pPr algn="ctr"/>
+            <a:endParaRPr lang="ru-RU" dirty="0"/>
+          </a:p>
+        </p:txBody>
+      </p:sp>
+      <p:sp>
+        <p:nvSpPr>
+          <p:cNvPr id="5" name="Объект 19">
+            <a:extLst>
+              <a:ext uri="{FF2B5EF4-FFF2-40B4-BE49-F238E27FC236}">
+                <a16:creationId xmlns:a16="http://schemas.microsoft.com/office/drawing/2014/main" id="{C0E30AA4-BA80-00E9-A5F9-2AEE3B860880}"/>
+              </a:ext>
+            </a:extLst>
+          </p:cNvPr>
+          <p:cNvSpPr>
+            <a:spLocks noGrp="1"/>
+          </p:cNvSpPr>
+          <p:nvPr>
+            <p:ph sz="quarter" idx="13"/>
+          </p:nvPr>
+        </p:nvSpPr>
+        <p:spPr>
+          <a:xfrm>
+            <a:off x="6559062" y="2444262"/>
+            <a:ext cx="4985237" cy="3875257"/>
+          </a:xfrm>
+          <a:prstGeom prst="rect">
+            <a:avLst/>
+          </a:prstGeom>
+        </p:spPr>
+        <p:txBody>
+          <a:bodyPr/>
+          <a:lstStyle/>
+          <a:p>
+            <a:pPr lvl="0"/>
+            <a:r>
+              <a:rPr lang="ru-RU" dirty="0"/>
+              <a:t>Образец текста</a:t>
+            </a:r>
+          </a:p>
+          <a:p>
+            <a:pPr lvl="1"/>
+            <a:r>
+              <a:rPr lang="ru-RU" dirty="0"/>
+              <a:t>Второй уровень</a:t>
+            </a:r>
+          </a:p>
+          <a:p>
+            <a:pPr lvl="2"/>
+            <a:r>
+              <a:rPr lang="ru-RU" dirty="0"/>
+              <a:t>Третий уровень</a:t>
+            </a:r>
+          </a:p>
+          <a:p>
+            <a:pPr lvl="3"/>
+            <a:r>
+              <a:rPr lang="ru-RU" dirty="0"/>
+              <a:t>Четвертый уровень</a:t>
+            </a:r>
+          </a:p>
+          <a:p>
+            <a:pPr lvl="4"/>
+            <a:r>
+              <a:rPr lang="ru-RU" dirty="0"/>
+              <a:t>Пятый уровень</a:t>
+            </a:r>
+          </a:p>
+        </p:txBody>
+      </p:sp>
+      <p:sp>
+        <p:nvSpPr>
+          <p:cNvPr id="6" name="Прямоугольник: скругленные углы 5">
+            <a:extLst>
+              <a:ext uri="{FF2B5EF4-FFF2-40B4-BE49-F238E27FC236}">
+                <a16:creationId xmlns:a16="http://schemas.microsoft.com/office/drawing/2014/main" id="{2D5C582B-E140-A66B-6992-92F01CC0E5A8}"/>
+              </a:ext>
+            </a:extLst>
+          </p:cNvPr>
+          <p:cNvSpPr/>
+          <p:nvPr userDrawn="1"/>
+        </p:nvSpPr>
+        <p:spPr>
+          <a:xfrm>
+            <a:off x="434854" y="2233246"/>
+            <a:ext cx="5391515" cy="4275361"/>
+          </a:xfrm>
+          <a:prstGeom prst="roundRect">
+            <a:avLst/>
+          </a:prstGeom>
+          <a:solidFill>
+            <a:srgbClr val="D9CFC1"/>
+          </a:solidFill>
+          <a:ln w="127000" cmpd="sng">
+            <a:noFill/>
+          </a:ln>
+        </p:spPr>
+        <p:style>
+          <a:lnRef idx="2">
+            <a:schemeClr val="accent1">
+              <a:shade val="50000"/>
+            </a:schemeClr>
+          </a:lnRef>
+          <a:fillRef idx="1">
+            <a:schemeClr val="accent1"/>
+          </a:fillRef>
+          <a:effectRef idx="0">
+            <a:schemeClr val="accent1"/>
+          </a:effectRef>
+          <a:fontRef idx="minor">
+            <a:schemeClr val="lt1"/>
+          </a:fontRef>
+        </p:style>
+        <p:txBody>
+          <a:bodyPr rtlCol="0" anchor="ctr"/>
+          <a:lstStyle/>
+          <a:p>
+            <a:pPr algn="ctr"/>
+            <a:endParaRPr lang="ru-RU" dirty="0"/>
+          </a:p>
+        </p:txBody>
+      </p:sp>
+      <p:sp>
+        <p:nvSpPr>
+          <p:cNvPr id="9" name="Объект 19">
+            <a:extLst>
+              <a:ext uri="{FF2B5EF4-FFF2-40B4-BE49-F238E27FC236}">
+                <a16:creationId xmlns:a16="http://schemas.microsoft.com/office/drawing/2014/main" id="{B9EBF23B-F4D1-74BC-AFD7-9A2B8BC39253}"/>
+              </a:ext>
+            </a:extLst>
+          </p:cNvPr>
+          <p:cNvSpPr>
+            <a:spLocks noGrp="1"/>
+          </p:cNvSpPr>
+          <p:nvPr>
+            <p:ph sz="quarter" idx="14"/>
+          </p:nvPr>
+        </p:nvSpPr>
+        <p:spPr>
+          <a:xfrm>
+            <a:off x="628285" y="2444262"/>
+            <a:ext cx="4985237" cy="3875257"/>
+          </a:xfrm>
+          <a:prstGeom prst="rect">
+            <a:avLst/>
+          </a:prstGeom>
+        </p:spPr>
+        <p:txBody>
+          <a:bodyPr/>
+          <a:lstStyle/>
+          <a:p>
+            <a:pPr lvl="0"/>
+            <a:r>
+              <a:rPr lang="ru-RU" dirty="0"/>
+              <a:t>Образец текста</a:t>
+            </a:r>
+          </a:p>
+          <a:p>
+            <a:pPr lvl="1"/>
+            <a:r>
+              <a:rPr lang="ru-RU" dirty="0"/>
+              <a:t>Второй уровень</a:t>
+            </a:r>
+          </a:p>
+          <a:p>
+            <a:pPr lvl="2"/>
+            <a:r>
+              <a:rPr lang="ru-RU" dirty="0"/>
+              <a:t>Третий уровень</a:t>
+            </a:r>
+          </a:p>
+          <a:p>
+            <a:pPr lvl="3"/>
+            <a:r>
+              <a:rPr lang="ru-RU" dirty="0"/>
+              <a:t>Четвертый уровень</a:t>
+            </a:r>
+          </a:p>
+          <a:p>
+            <a:pPr lvl="4"/>
+            <a:r>
+              <a:rPr lang="ru-RU" dirty="0"/>
+              <a:t>Пятый уровень</a:t>
+            </a:r>
+          </a:p>
+        </p:txBody>
+      </p:sp>
+    </p:spTree>
+    <p:extLst>
+      <p:ext uri="{BB962C8B-B14F-4D97-AF65-F5344CB8AC3E}">
+        <p14:creationId xmlns:p14="http://schemas.microsoft.com/office/powerpoint/2010/main" val="4225889525"/>
+      </p:ext>
+    </p:extLst>
+  </p:cSld>
+  <p:clrMapOvr>
+    <a:masterClrMapping/>
+  </p:clrMapOvr>
+</p:sldLayout>
+</file>
+
 <file path=ppt/slideMasters/slideMaster1.xml><?xml version="1.0" encoding="utf-8"?>
 <p:sldMaster xmlns:a="http://schemas.openxmlformats.org/drawingml/2006/main" xmlns:r="http://schemas.openxmlformats.org/officeDocument/2006/relationships" xmlns:p="http://schemas.openxmlformats.org/presentationml/2006/main">
   <p:cSld>
@@ -7756,6 +8348,7 @@
     <p:sldLayoutId id="2147483724" r:id="rId2"/>
     <p:sldLayoutId id="2147483725" r:id="rId3"/>
     <p:sldLayoutId id="2147483726" r:id="rId4"/>
+    <p:sldLayoutId id="2147483727" r:id="rId5"/>
   </p:sldLayoutIdLst>
   <p:hf hdr="0" ftr="0" dt="0"/>
   <p:txStyles>
@@ -8207,6 +8800,307 @@
           </a:p>
         </p:txBody>
       </p:sp>
+      <p:sp>
+        <p:nvSpPr>
+          <p:cNvPr id="4" name="TextBox 3">
+            <a:extLst>
+              <a:ext uri="{FF2B5EF4-FFF2-40B4-BE49-F238E27FC236}">
+                <a16:creationId xmlns:a16="http://schemas.microsoft.com/office/drawing/2014/main" id="{CC4C8510-1130-4115-F510-EBCCD9EEE08F}"/>
+              </a:ext>
+            </a:extLst>
+          </p:cNvPr>
+          <p:cNvSpPr txBox="1"/>
+          <p:nvPr/>
+        </p:nvSpPr>
+        <p:spPr>
+          <a:xfrm>
+            <a:off x="172519" y="4709497"/>
+            <a:ext cx="5093189" cy="2308324"/>
+          </a:xfrm>
+          <a:prstGeom prst="rect">
+            <a:avLst/>
+          </a:prstGeom>
+          <a:noFill/>
+        </p:spPr>
+        <p:txBody>
+          <a:bodyPr wrap="none" rtlCol="0">
+            <a:spAutoFit/>
+          </a:bodyPr>
+          <a:lstStyle/>
+          <a:p>
+            <a:r>
+              <a:rPr lang="ru-RU" sz="1800" dirty="0">
+                <a:solidFill>
+                  <a:srgbClr val="000000"/>
+                </a:solidFill>
+                <a:effectLst/>
+                <a:latin typeface="Times New Roman" panose="02020603050405020304" pitchFamily="18" charset="0"/>
+                <a:ea typeface="Times New Roman" panose="02020603050405020304" pitchFamily="18" charset="0"/>
+              </a:rPr>
+              <a:t>/* Таким способом обозначаются комментарии. </a:t>
+            </a:r>
+            <a:endParaRPr lang="en-US" sz="1800" dirty="0">
+              <a:solidFill>
+                <a:srgbClr val="000000"/>
+              </a:solidFill>
+              <a:effectLst/>
+              <a:latin typeface="Times New Roman" panose="02020603050405020304" pitchFamily="18" charset="0"/>
+              <a:ea typeface="Times New Roman" panose="02020603050405020304" pitchFamily="18" charset="0"/>
+            </a:endParaRPr>
+          </a:p>
+          <a:p>
+            <a:r>
+              <a:rPr lang="ru-RU" sz="1800" dirty="0">
+                <a:solidFill>
+                  <a:srgbClr val="000000"/>
+                </a:solidFill>
+                <a:effectLst/>
+                <a:latin typeface="Times New Roman" panose="02020603050405020304" pitchFamily="18" charset="0"/>
+                <a:ea typeface="Times New Roman" panose="02020603050405020304" pitchFamily="18" charset="0"/>
+              </a:rPr>
+              <a:t>В готовой версии документа они должны </a:t>
+            </a:r>
+            <a:endParaRPr lang="en-US" sz="1800" dirty="0">
+              <a:solidFill>
+                <a:srgbClr val="000000"/>
+              </a:solidFill>
+              <a:effectLst/>
+              <a:latin typeface="Times New Roman" panose="02020603050405020304" pitchFamily="18" charset="0"/>
+              <a:ea typeface="Times New Roman" panose="02020603050405020304" pitchFamily="18" charset="0"/>
+            </a:endParaRPr>
+          </a:p>
+          <a:p>
+            <a:r>
+              <a:rPr lang="ru-RU" sz="1800" dirty="0">
+                <a:solidFill>
+                  <a:srgbClr val="000000"/>
+                </a:solidFill>
+                <a:effectLst/>
+                <a:latin typeface="Times New Roman" panose="02020603050405020304" pitchFamily="18" charset="0"/>
+                <a:ea typeface="Times New Roman" panose="02020603050405020304" pitchFamily="18" charset="0"/>
+              </a:rPr>
+              <a:t>отсутствовать, если они всё же есть, пожалуйста, </a:t>
+            </a:r>
+            <a:endParaRPr lang="en-US" sz="1800" dirty="0">
+              <a:solidFill>
+                <a:srgbClr val="000000"/>
+              </a:solidFill>
+              <a:effectLst/>
+              <a:latin typeface="Times New Roman" panose="02020603050405020304" pitchFamily="18" charset="0"/>
+              <a:ea typeface="Times New Roman" panose="02020603050405020304" pitchFamily="18" charset="0"/>
+            </a:endParaRPr>
+          </a:p>
+          <a:p>
+            <a:r>
+              <a:rPr lang="ru-RU" sz="1800" dirty="0">
+                <a:solidFill>
+                  <a:srgbClr val="000000"/>
+                </a:solidFill>
+                <a:effectLst/>
+                <a:latin typeface="Times New Roman" panose="02020603050405020304" pitchFamily="18" charset="0"/>
+                <a:ea typeface="Times New Roman" panose="02020603050405020304" pitchFamily="18" charset="0"/>
+              </a:rPr>
+              <a:t>не воспринимайте их всерьёз и обратитесь, по </a:t>
+            </a:r>
+            <a:endParaRPr lang="en-US" sz="1800" dirty="0">
+              <a:solidFill>
+                <a:srgbClr val="000000"/>
+              </a:solidFill>
+              <a:effectLst/>
+              <a:latin typeface="Times New Roman" panose="02020603050405020304" pitchFamily="18" charset="0"/>
+              <a:ea typeface="Times New Roman" panose="02020603050405020304" pitchFamily="18" charset="0"/>
+            </a:endParaRPr>
+          </a:p>
+          <a:p>
+            <a:r>
+              <a:rPr lang="ru-RU" sz="1800" dirty="0">
+                <a:solidFill>
+                  <a:srgbClr val="000000"/>
+                </a:solidFill>
+                <a:effectLst/>
+                <a:latin typeface="Times New Roman" panose="02020603050405020304" pitchFamily="18" charset="0"/>
+                <a:ea typeface="Times New Roman" panose="02020603050405020304" pitchFamily="18" charset="0"/>
+              </a:rPr>
+              <a:t>возможности, за полной версией по ссылке </a:t>
+            </a:r>
+            <a:endParaRPr lang="en-US" sz="1800" dirty="0">
+              <a:solidFill>
+                <a:srgbClr val="000000"/>
+              </a:solidFill>
+              <a:effectLst/>
+              <a:latin typeface="Times New Roman" panose="02020603050405020304" pitchFamily="18" charset="0"/>
+              <a:ea typeface="Times New Roman" panose="02020603050405020304" pitchFamily="18" charset="0"/>
+            </a:endParaRPr>
+          </a:p>
+          <a:p>
+            <a:r>
+              <a:rPr lang="en-US" sz="1800" u="sng" dirty="0">
+                <a:solidFill>
+                  <a:srgbClr val="000000"/>
+                </a:solidFill>
+                <a:effectLst/>
+                <a:latin typeface="Times New Roman" panose="02020603050405020304" pitchFamily="18" charset="0"/>
+                <a:ea typeface="Times New Roman" panose="02020603050405020304" pitchFamily="18" charset="0"/>
+                <a:hlinkClick r:id="rId2"/>
+              </a:rPr>
+              <a:t>https</a:t>
+            </a:r>
+            <a:r>
+              <a:rPr lang="ru-RU" sz="1800" u="sng" dirty="0">
+                <a:solidFill>
+                  <a:srgbClr val="000000"/>
+                </a:solidFill>
+                <a:effectLst/>
+                <a:latin typeface="Times New Roman" panose="02020603050405020304" pitchFamily="18" charset="0"/>
+                <a:ea typeface="Times New Roman" panose="02020603050405020304" pitchFamily="18" charset="0"/>
+                <a:hlinkClick r:id="rId2"/>
+              </a:rPr>
+              <a:t>://</a:t>
+            </a:r>
+            <a:r>
+              <a:rPr lang="en-US" sz="1800" u="sng" dirty="0" err="1">
+                <a:solidFill>
+                  <a:srgbClr val="000000"/>
+                </a:solidFill>
+                <a:effectLst/>
+                <a:latin typeface="Times New Roman" panose="02020603050405020304" pitchFamily="18" charset="0"/>
+                <a:ea typeface="Times New Roman" panose="02020603050405020304" pitchFamily="18" charset="0"/>
+                <a:hlinkClick r:id="rId2"/>
+              </a:rPr>
+              <a:t>github</a:t>
+            </a:r>
+            <a:r>
+              <a:rPr lang="ru-RU" sz="1800" u="sng" dirty="0">
+                <a:solidFill>
+                  <a:srgbClr val="000000"/>
+                </a:solidFill>
+                <a:effectLst/>
+                <a:latin typeface="Times New Roman" panose="02020603050405020304" pitchFamily="18" charset="0"/>
+                <a:ea typeface="Times New Roman" panose="02020603050405020304" pitchFamily="18" charset="0"/>
+                <a:hlinkClick r:id="rId2"/>
+              </a:rPr>
+              <a:t>.</a:t>
+            </a:r>
+            <a:r>
+              <a:rPr lang="en-US" sz="1800" u="sng" dirty="0">
+                <a:solidFill>
+                  <a:srgbClr val="000000"/>
+                </a:solidFill>
+                <a:effectLst/>
+                <a:latin typeface="Times New Roman" panose="02020603050405020304" pitchFamily="18" charset="0"/>
+                <a:ea typeface="Times New Roman" panose="02020603050405020304" pitchFamily="18" charset="0"/>
+                <a:hlinkClick r:id="rId2"/>
+              </a:rPr>
+              <a:t>com</a:t>
+            </a:r>
+            <a:r>
+              <a:rPr lang="ru-RU" sz="1800" u="sng" dirty="0">
+                <a:solidFill>
+                  <a:srgbClr val="000000"/>
+                </a:solidFill>
+                <a:effectLst/>
+                <a:latin typeface="Times New Roman" panose="02020603050405020304" pitchFamily="18" charset="0"/>
+                <a:ea typeface="Times New Roman" panose="02020603050405020304" pitchFamily="18" charset="0"/>
+                <a:hlinkClick r:id="rId2"/>
+              </a:rPr>
+              <a:t>/</a:t>
+            </a:r>
+            <a:r>
+              <a:rPr lang="en-US" sz="1800" u="sng" dirty="0" err="1">
+                <a:solidFill>
+                  <a:srgbClr val="000000"/>
+                </a:solidFill>
+                <a:effectLst/>
+                <a:latin typeface="Times New Roman" panose="02020603050405020304" pitchFamily="18" charset="0"/>
+                <a:ea typeface="Times New Roman" panose="02020603050405020304" pitchFamily="18" charset="0"/>
+                <a:hlinkClick r:id="rId2"/>
+              </a:rPr>
+              <a:t>OneTwoZzzPlus</a:t>
+            </a:r>
+            <a:r>
+              <a:rPr lang="ru-RU" sz="1800" u="sng" dirty="0">
+                <a:solidFill>
+                  <a:srgbClr val="000000"/>
+                </a:solidFill>
+                <a:effectLst/>
+                <a:latin typeface="Times New Roman" panose="02020603050405020304" pitchFamily="18" charset="0"/>
+                <a:ea typeface="Times New Roman" panose="02020603050405020304" pitchFamily="18" charset="0"/>
+                <a:hlinkClick r:id="rId2"/>
+              </a:rPr>
+              <a:t>/</a:t>
+            </a:r>
+            <a:r>
+              <a:rPr lang="en-US" sz="1800" u="sng" dirty="0">
+                <a:solidFill>
+                  <a:srgbClr val="000000"/>
+                </a:solidFill>
+                <a:effectLst/>
+                <a:latin typeface="Times New Roman" panose="02020603050405020304" pitchFamily="18" charset="0"/>
+                <a:ea typeface="Times New Roman" panose="02020603050405020304" pitchFamily="18" charset="0"/>
+                <a:hlinkClick r:id="rId2"/>
+              </a:rPr>
+              <a:t>chicken</a:t>
+            </a:r>
+            <a:r>
+              <a:rPr lang="ru-RU" sz="1800" dirty="0">
+                <a:solidFill>
+                  <a:srgbClr val="000000"/>
+                </a:solidFill>
+                <a:effectLst/>
+                <a:latin typeface="Times New Roman" panose="02020603050405020304" pitchFamily="18" charset="0"/>
+                <a:ea typeface="Times New Roman" panose="02020603050405020304" pitchFamily="18" charset="0"/>
+              </a:rPr>
+              <a:t> </a:t>
+            </a:r>
+            <a:endParaRPr lang="en-US" sz="1800" dirty="0">
+              <a:solidFill>
+                <a:srgbClr val="000000"/>
+              </a:solidFill>
+              <a:effectLst/>
+              <a:latin typeface="Times New Roman" panose="02020603050405020304" pitchFamily="18" charset="0"/>
+              <a:ea typeface="Times New Roman" panose="02020603050405020304" pitchFamily="18" charset="0"/>
+            </a:endParaRPr>
+          </a:p>
+          <a:p>
+            <a:r>
+              <a:rPr lang="ru-RU" sz="1800" dirty="0">
+                <a:solidFill>
+                  <a:srgbClr val="000000"/>
+                </a:solidFill>
+                <a:effectLst/>
+                <a:latin typeface="Times New Roman" panose="02020603050405020304" pitchFamily="18" charset="0"/>
+                <a:ea typeface="Times New Roman" panose="02020603050405020304" pitchFamily="18" charset="0"/>
+              </a:rPr>
+              <a:t>файлы «</a:t>
+            </a:r>
+            <a:r>
+              <a:rPr lang="ru-RU" sz="1800" dirty="0" err="1">
+                <a:solidFill>
+                  <a:srgbClr val="000000"/>
+                </a:solidFill>
+                <a:effectLst/>
+                <a:latin typeface="Times New Roman" panose="02020603050405020304" pitchFamily="18" charset="0"/>
+                <a:ea typeface="Times New Roman" panose="02020603050405020304" pitchFamily="18" charset="0"/>
+              </a:rPr>
+              <a:t>SmartChicken-SakulinIM</a:t>
+            </a:r>
+            <a:r>
+              <a:rPr lang="ru-RU" sz="1800" dirty="0">
+                <a:solidFill>
+                  <a:srgbClr val="000000"/>
+                </a:solidFill>
+                <a:effectLst/>
+                <a:latin typeface="Times New Roman" panose="02020603050405020304" pitchFamily="18" charset="0"/>
+                <a:ea typeface="Times New Roman" panose="02020603050405020304" pitchFamily="18" charset="0"/>
+              </a:rPr>
+              <a:t>»*/</a:t>
+            </a:r>
+          </a:p>
+          <a:p>
+            <a:endParaRPr lang="ru-RU" dirty="0"/>
+          </a:p>
+        </p:txBody>
+      </p:sp>
     </p:spTree>
     <p:extLst>
       <p:ext uri="{BB962C8B-B14F-4D97-AF65-F5344CB8AC3E}">
@@ -8281,7 +9175,12 @@
             <p:ph sz="quarter" idx="11"/>
           </p:nvPr>
         </p:nvSpPr>
-        <p:spPr/>
+        <p:spPr>
+          <a:xfrm>
+            <a:off x="5001550" y="1757044"/>
+            <a:ext cx="6800809" cy="4562475"/>
+          </a:xfrm>
+        </p:spPr>
         <p:txBody>
           <a:bodyPr/>
           <a:lstStyle/>
@@ -8321,7 +9220,6 @@
                 <a:solidFill>
                   <a:srgbClr val="A77E58"/>
                 </a:solidFill>
-                <a:latin typeface="Times New Roman" panose="02020603050405020304" pitchFamily="18" charset="0"/>
               </a:rPr>
               <a:t>Р</a:t>
             </a:r>
@@ -8331,7 +9229,6 @@
                   <a:srgbClr val="A77E58"/>
                 </a:solidFill>
                 <a:effectLst/>
-                <a:latin typeface="Times New Roman" panose="02020603050405020304" pitchFamily="18" charset="0"/>
                 <a:ea typeface="Times New Roman" panose="02020603050405020304" pitchFamily="18" charset="0"/>
               </a:rPr>
               <a:t>азработка и тестирование контроллера курятника с возможностью развития.</a:t>
@@ -8490,7 +9387,13 @@
           <a:bodyPr/>
           <a:lstStyle/>
           <a:p>
-            <a:endParaRPr lang="ru-RU" dirty="0"/>
+            <a:pPr marL="0" indent="0" algn="ctr">
+              <a:buNone/>
+            </a:pPr>
+            <a:r>
+              <a:rPr lang="ru-RU" sz="2400" dirty="0"/>
+              <a:t>/*Что сюда?*/</a:t>
+            </a:r>
           </a:p>
         </p:txBody>
       </p:sp>
@@ -8568,12 +9471,50 @@
             <p:ph sz="quarter" idx="12"/>
           </p:nvPr>
         </p:nvSpPr>
-        <p:spPr/>
+        <p:spPr>
+          <a:xfrm>
+            <a:off x="338601" y="1757044"/>
+            <a:ext cx="4073143" cy="4562475"/>
+          </a:xfrm>
+        </p:spPr>
         <p:txBody>
           <a:bodyPr/>
           <a:lstStyle/>
           <a:p>
-            <a:endParaRPr lang="ru-RU" dirty="0"/>
+            <a:pPr marL="0" indent="0" algn="just">
+              <a:buNone/>
+            </a:pPr>
+            <a:endParaRPr lang="ru-RU" sz="3200" dirty="0">
+              <a:solidFill>
+                <a:srgbClr val="A77E58"/>
+              </a:solidFill>
+            </a:endParaRPr>
+          </a:p>
+          <a:p>
+            <a:pPr marL="0" indent="0" algn="just">
+              <a:buNone/>
+            </a:pPr>
+            <a:r>
+              <a:rPr lang="ru-RU" sz="3200" dirty="0">
+                <a:solidFill>
+                  <a:srgbClr val="A77E58"/>
+                </a:solidFill>
+              </a:rPr>
+              <a:t>Проект состоит из контроллера и приложения для его управления.</a:t>
+            </a:r>
+          </a:p>
+          <a:p>
+            <a:pPr marL="0" indent="0" algn="just">
+              <a:buNone/>
+            </a:pPr>
+            <a:r>
+              <a:rPr lang="ru-RU" sz="2000" dirty="0">
+                <a:solidFill>
+                  <a:srgbClr val="A77E58"/>
+                </a:solidFill>
+              </a:rPr>
+              <a:t>Элементы схемы связаны, но обособлены при разработке. Это создаёт огромные перспективы развития.</a:t>
+            </a:r>
           </a:p>
         </p:txBody>
       </p:sp>
@@ -8612,6 +9553,409 @@
     <p:extLst>
       <p:ext uri="{BB962C8B-B14F-4D97-AF65-F5344CB8AC3E}">
         <p14:creationId xmlns:p14="http://schemas.microsoft.com/office/powerpoint/2010/main" val="1963828625"/>
+      </p:ext>
+    </p:extLst>
+  </p:cSld>
+  <p:clrMapOvr>
+    <a:masterClrMapping/>
+  </p:clrMapOvr>
+</p:sld>
+</file>
+
+<file path=ppt/slides/slide4.xml><?xml version="1.0" encoding="utf-8"?>
+<p:sld xmlns:a="http://schemas.openxmlformats.org/drawingml/2006/main" xmlns:r="http://schemas.openxmlformats.org/officeDocument/2006/relationships" xmlns:p="http://schemas.openxmlformats.org/presentationml/2006/main">
+  <p:cSld>
+    <p:spTree>
+      <p:nvGrpSpPr>
+        <p:cNvPr id="1" name=""/>
+        <p:cNvGrpSpPr/>
+        <p:nvPr/>
+      </p:nvGrpSpPr>
+      <p:grpSpPr>
+        <a:xfrm>
+          <a:off x="0" y="0"/>
+          <a:ext cx="0" cy="0"/>
+          <a:chOff x="0" y="0"/>
+          <a:chExt cx="0" cy="0"/>
+        </a:xfrm>
+      </p:grpSpPr>
+      <p:sp>
+        <p:nvSpPr>
+          <p:cNvPr id="2" name="Заголовок 1">
+            <a:extLst>
+              <a:ext uri="{FF2B5EF4-FFF2-40B4-BE49-F238E27FC236}">
+                <a16:creationId xmlns:a16="http://schemas.microsoft.com/office/drawing/2014/main" id="{39BE1CCF-3590-5455-58B0-691A291821E8}"/>
+              </a:ext>
+            </a:extLst>
+          </p:cNvPr>
+          <p:cNvSpPr>
+            <a:spLocks noGrp="1"/>
+          </p:cNvSpPr>
+          <p:nvPr>
+            <p:ph type="title"/>
+          </p:nvPr>
+        </p:nvSpPr>
+        <p:spPr/>
+        <p:txBody>
+          <a:bodyPr/>
+          <a:lstStyle/>
+          <a:p>
+            <a:r>
+              <a:rPr lang="ru-RU" dirty="0"/>
+              <a:t>ПРОЕКТ ДЛЯ…</a:t>
+            </a:r>
+          </a:p>
+        </p:txBody>
+      </p:sp>
+      <p:sp>
+        <p:nvSpPr>
+          <p:cNvPr id="3" name="Объект 2">
+            <a:extLst>
+              <a:ext uri="{FF2B5EF4-FFF2-40B4-BE49-F238E27FC236}">
+                <a16:creationId xmlns:a16="http://schemas.microsoft.com/office/drawing/2014/main" id="{B0371792-2E0B-3176-CCDE-9BF76C185F02}"/>
+              </a:ext>
+            </a:extLst>
+          </p:cNvPr>
+          <p:cNvSpPr>
+            <a:spLocks noGrp="1"/>
+          </p:cNvSpPr>
+          <p:nvPr>
+            <p:ph sz="quarter" idx="13"/>
+          </p:nvPr>
+        </p:nvSpPr>
+        <p:spPr/>
+        <p:txBody>
+          <a:bodyPr/>
+          <a:lstStyle/>
+          <a:p>
+            <a:r>
+              <a:rPr lang="en-US" dirty="0"/>
+              <a:t>/* </a:t>
+            </a:r>
+            <a:r>
+              <a:rPr lang="ru-RU" dirty="0"/>
+              <a:t>И даже сюда? */</a:t>
+            </a:r>
+          </a:p>
+          <a:p>
+            <a:endParaRPr lang="ru-RU" dirty="0"/>
+          </a:p>
+        </p:txBody>
+      </p:sp>
+      <p:sp>
+        <p:nvSpPr>
+          <p:cNvPr id="4" name="Объект 3">
+            <a:extLst>
+              <a:ext uri="{FF2B5EF4-FFF2-40B4-BE49-F238E27FC236}">
+                <a16:creationId xmlns:a16="http://schemas.microsoft.com/office/drawing/2014/main" id="{23A0A5B2-6064-1EC0-7054-4DF1A022D14B}"/>
+              </a:ext>
+            </a:extLst>
+          </p:cNvPr>
+          <p:cNvSpPr>
+            <a:spLocks noGrp="1"/>
+          </p:cNvSpPr>
+          <p:nvPr>
+            <p:ph sz="quarter" idx="14"/>
+          </p:nvPr>
+        </p:nvSpPr>
+        <p:spPr/>
+        <p:txBody>
+          <a:bodyPr/>
+          <a:lstStyle/>
+          <a:p>
+            <a:r>
+              <a:rPr lang="en-US" dirty="0"/>
+              <a:t>/* </a:t>
+            </a:r>
+            <a:r>
+              <a:rPr lang="ru-RU" dirty="0"/>
+              <a:t>И сюда? */</a:t>
+            </a:r>
+          </a:p>
+        </p:txBody>
+      </p:sp>
+      <p:sp>
+        <p:nvSpPr>
+          <p:cNvPr id="5" name="Заголовок 1">
+            <a:extLst>
+              <a:ext uri="{FF2B5EF4-FFF2-40B4-BE49-F238E27FC236}">
+                <a16:creationId xmlns:a16="http://schemas.microsoft.com/office/drawing/2014/main" id="{42732E32-6480-263C-93FF-3B9A3CDB75C6}"/>
+              </a:ext>
+            </a:extLst>
+          </p:cNvPr>
+          <p:cNvSpPr txBox="1">
+            <a:spLocks/>
+          </p:cNvSpPr>
+          <p:nvPr/>
+        </p:nvSpPr>
+        <p:spPr>
+          <a:xfrm>
+            <a:off x="628285" y="1118699"/>
+            <a:ext cx="4985237" cy="1325563"/>
+          </a:xfrm>
+          <a:prstGeom prst="rect">
+            <a:avLst/>
+          </a:prstGeom>
+          <a:noFill/>
+          <a:ln w="12700" cap="flat" cmpd="sng" algn="ctr">
+            <a:noFill/>
+            <a:prstDash val="solid"/>
+            <a:miter lim="800000"/>
+          </a:ln>
+          <a:effectLst/>
+        </p:spPr>
+        <p:txBody>
+          <a:bodyPr anchor="ctr" anchorCtr="1"/>
+          <a:lstStyle>
+            <a:lvl1pPr algn="ctr" defTabSz="914400" rtl="0" eaLnBrk="1" latinLnBrk="0" hangingPunct="1">
+              <a:lnSpc>
+                <a:spcPct val="90000"/>
+              </a:lnSpc>
+              <a:spcBef>
+                <a:spcPct val="0"/>
+              </a:spcBef>
+              <a:buNone/>
+              <a:defRPr sz="4400" kern="1200">
+                <a:solidFill>
+                  <a:srgbClr val="BA3F1D"/>
+                </a:solidFill>
+                <a:latin typeface="Segoe UI Black" panose="020B0A02040204020203" pitchFamily="34" charset="0"/>
+                <a:ea typeface="Segoe UI Black" panose="020B0A02040204020203" pitchFamily="34" charset="0"/>
+                <a:cs typeface="Segoe UI" panose="020B0502040204020203" pitchFamily="34" charset="0"/>
+              </a:defRPr>
+            </a:lvl1pPr>
+            <a:lvl2pPr>
+              <a:defRPr>
+                <a:solidFill>
+                  <a:schemeClr val="dk1"/>
+                </a:solidFill>
+                <a:latin typeface="+mn-lt"/>
+                <a:ea typeface="+mn-ea"/>
+                <a:cs typeface="+mn-cs"/>
+              </a:defRPr>
+            </a:lvl2pPr>
+            <a:lvl3pPr>
+              <a:defRPr>
+                <a:solidFill>
+                  <a:schemeClr val="dk1"/>
+                </a:solidFill>
+                <a:latin typeface="+mn-lt"/>
+                <a:ea typeface="+mn-ea"/>
+                <a:cs typeface="+mn-cs"/>
+              </a:defRPr>
+            </a:lvl3pPr>
+            <a:lvl4pPr>
+              <a:defRPr>
+                <a:solidFill>
+                  <a:schemeClr val="dk1"/>
+                </a:solidFill>
+                <a:latin typeface="+mn-lt"/>
+                <a:ea typeface="+mn-ea"/>
+                <a:cs typeface="+mn-cs"/>
+              </a:defRPr>
+            </a:lvl4pPr>
+            <a:lvl5pPr>
+              <a:defRPr>
+                <a:solidFill>
+                  <a:schemeClr val="dk1"/>
+                </a:solidFill>
+                <a:latin typeface="+mn-lt"/>
+                <a:ea typeface="+mn-ea"/>
+                <a:cs typeface="+mn-cs"/>
+              </a:defRPr>
+            </a:lvl5pPr>
+            <a:lvl6pPr>
+              <a:defRPr>
+                <a:solidFill>
+                  <a:schemeClr val="dk1"/>
+                </a:solidFill>
+                <a:latin typeface="+mn-lt"/>
+                <a:ea typeface="+mn-ea"/>
+                <a:cs typeface="+mn-cs"/>
+              </a:defRPr>
+            </a:lvl6pPr>
+            <a:lvl7pPr>
+              <a:defRPr>
+                <a:solidFill>
+                  <a:schemeClr val="dk1"/>
+                </a:solidFill>
+                <a:latin typeface="+mn-lt"/>
+                <a:ea typeface="+mn-ea"/>
+                <a:cs typeface="+mn-cs"/>
+              </a:defRPr>
+            </a:lvl7pPr>
+            <a:lvl8pPr>
+              <a:defRPr>
+                <a:solidFill>
+                  <a:schemeClr val="dk1"/>
+                </a:solidFill>
+                <a:latin typeface="+mn-lt"/>
+                <a:ea typeface="+mn-ea"/>
+                <a:cs typeface="+mn-cs"/>
+              </a:defRPr>
+            </a:lvl8pPr>
+            <a:lvl9pPr>
+              <a:defRPr>
+                <a:solidFill>
+                  <a:schemeClr val="dk1"/>
+                </a:solidFill>
+                <a:latin typeface="+mn-lt"/>
+                <a:ea typeface="+mn-ea"/>
+                <a:cs typeface="+mn-cs"/>
+              </a:defRPr>
+            </a:lvl9pPr>
+          </a:lstStyle>
+          <a:p>
+            <a:r>
+              <a:rPr lang="ru-RU" sz="3200" dirty="0"/>
+              <a:t>Простого владельца курятника</a:t>
+            </a:r>
+          </a:p>
+        </p:txBody>
+      </p:sp>
+      <p:sp>
+        <p:nvSpPr>
+          <p:cNvPr id="6" name="Заголовок 1">
+            <a:extLst>
+              <a:ext uri="{FF2B5EF4-FFF2-40B4-BE49-F238E27FC236}">
+                <a16:creationId xmlns:a16="http://schemas.microsoft.com/office/drawing/2014/main" id="{9C806AA0-41C4-731B-B688-6AD5373CBD0C}"/>
+              </a:ext>
+            </a:extLst>
+          </p:cNvPr>
+          <p:cNvSpPr txBox="1">
+            <a:spLocks/>
+          </p:cNvSpPr>
+          <p:nvPr/>
+        </p:nvSpPr>
+        <p:spPr>
+          <a:xfrm>
+            <a:off x="6559061" y="1118699"/>
+            <a:ext cx="4985237" cy="1325563"/>
+          </a:xfrm>
+          <a:prstGeom prst="rect">
+            <a:avLst/>
+          </a:prstGeom>
+          <a:noFill/>
+          <a:ln w="12700" cap="flat" cmpd="sng" algn="ctr">
+            <a:noFill/>
+            <a:prstDash val="solid"/>
+            <a:miter lim="800000"/>
+          </a:ln>
+          <a:effectLst/>
+        </p:spPr>
+        <p:txBody>
+          <a:bodyPr anchor="ctr" anchorCtr="1"/>
+          <a:lstStyle>
+            <a:lvl1pPr algn="ctr" defTabSz="914400" rtl="0" eaLnBrk="1" latinLnBrk="0" hangingPunct="1">
+              <a:lnSpc>
+                <a:spcPct val="90000"/>
+              </a:lnSpc>
+              <a:spcBef>
+                <a:spcPct val="0"/>
+              </a:spcBef>
+              <a:buNone/>
+              <a:defRPr sz="4400" kern="1200">
+                <a:solidFill>
+                  <a:srgbClr val="BA3F1D"/>
+                </a:solidFill>
+                <a:latin typeface="Segoe UI Black" panose="020B0A02040204020203" pitchFamily="34" charset="0"/>
+                <a:ea typeface="Segoe UI Black" panose="020B0A02040204020203" pitchFamily="34" charset="0"/>
+                <a:cs typeface="Segoe UI" panose="020B0502040204020203" pitchFamily="34" charset="0"/>
+              </a:defRPr>
+            </a:lvl1pPr>
+            <a:lvl2pPr>
+              <a:defRPr>
+                <a:solidFill>
+                  <a:schemeClr val="dk1"/>
+                </a:solidFill>
+                <a:latin typeface="+mn-lt"/>
+                <a:ea typeface="+mn-ea"/>
+                <a:cs typeface="+mn-cs"/>
+              </a:defRPr>
+            </a:lvl2pPr>
+            <a:lvl3pPr>
+              <a:defRPr>
+                <a:solidFill>
+                  <a:schemeClr val="dk1"/>
+                </a:solidFill>
+                <a:latin typeface="+mn-lt"/>
+                <a:ea typeface="+mn-ea"/>
+                <a:cs typeface="+mn-cs"/>
+              </a:defRPr>
+            </a:lvl3pPr>
+            <a:lvl4pPr>
+              <a:defRPr>
+                <a:solidFill>
+                  <a:schemeClr val="dk1"/>
+                </a:solidFill>
+                <a:latin typeface="+mn-lt"/>
+                <a:ea typeface="+mn-ea"/>
+                <a:cs typeface="+mn-cs"/>
+              </a:defRPr>
+            </a:lvl4pPr>
+            <a:lvl5pPr>
+              <a:defRPr>
+                <a:solidFill>
+                  <a:schemeClr val="dk1"/>
+                </a:solidFill>
+                <a:latin typeface="+mn-lt"/>
+                <a:ea typeface="+mn-ea"/>
+                <a:cs typeface="+mn-cs"/>
+              </a:defRPr>
+            </a:lvl5pPr>
+            <a:lvl6pPr>
+              <a:defRPr>
+                <a:solidFill>
+                  <a:schemeClr val="dk1"/>
+                </a:solidFill>
+                <a:latin typeface="+mn-lt"/>
+                <a:ea typeface="+mn-ea"/>
+                <a:cs typeface="+mn-cs"/>
+              </a:defRPr>
+            </a:lvl6pPr>
+            <a:lvl7pPr>
+              <a:defRPr>
+                <a:solidFill>
+                  <a:schemeClr val="dk1"/>
+                </a:solidFill>
+                <a:latin typeface="+mn-lt"/>
+                <a:ea typeface="+mn-ea"/>
+                <a:cs typeface="+mn-cs"/>
+              </a:defRPr>
+            </a:lvl7pPr>
+            <a:lvl8pPr>
+              <a:defRPr>
+                <a:solidFill>
+                  <a:schemeClr val="dk1"/>
+                </a:solidFill>
+                <a:latin typeface="+mn-lt"/>
+                <a:ea typeface="+mn-ea"/>
+                <a:cs typeface="+mn-cs"/>
+              </a:defRPr>
+            </a:lvl8pPr>
+            <a:lvl9pPr>
+              <a:defRPr>
+                <a:solidFill>
+                  <a:schemeClr val="dk1"/>
+                </a:solidFill>
+                <a:latin typeface="+mn-lt"/>
+                <a:ea typeface="+mn-ea"/>
+                <a:cs typeface="+mn-cs"/>
+              </a:defRPr>
+            </a:lvl9pPr>
+          </a:lstStyle>
+          <a:p>
+            <a:r>
+              <a:rPr lang="ru-RU" sz="3200" dirty="0"/>
+              <a:t>Инженера-любителя </a:t>
+            </a:r>
+          </a:p>
+        </p:txBody>
+      </p:sp>
+    </p:spTree>
+    <p:extLst>
+      <p:ext uri="{BB962C8B-B14F-4D97-AF65-F5344CB8AC3E}">
+        <p14:creationId xmlns:p14="http://schemas.microsoft.com/office/powerpoint/2010/main" val="1007463932"/>
       </p:ext>
     </p:extLst>
   </p:cSld>
